--- a/CSCI-111/week-3/week-3-lecture.pptx
+++ b/CSCI-111/week-3/week-3-lecture.pptx
@@ -1010,6 +1010,16 @@
               </a:path>
             </a:pathLst>
           </a:custGeom>
+          <a:noFill/>
+          <a:ln cap="flat" cmpd="sng" w="9525">
+            <a:solidFill>
+              <a:srgbClr val="000000"/>
+            </a:solidFill>
+            <a:prstDash val="solid"/>
+            <a:round/>
+            <a:headEnd len="sm" w="sm" type="none"/>
+            <a:tailEnd len="sm" w="sm" type="none"/>
+          </a:ln>
         </p:spPr>
       </p:sp>
       <p:sp>
@@ -1028,6 +1038,10 @@
           <a:prstGeom prst="rect">
             <a:avLst/>
           </a:prstGeom>
+          <a:noFill/>
+          <a:ln>
+            <a:noFill/>
+          </a:ln>
         </p:spPr>
         <p:txBody>
           <a:bodyPr anchorCtr="0" anchor="t" bIns="91425" lIns="91425" spcFirstLastPara="1" rIns="91425" wrap="square" tIns="91425">
@@ -1036,12 +1050,16 @@
           <a:lstStyle/>
           <a:p>
             <a:pPr indent="0" lvl="0" marL="0" rtl="0" algn="l">
-              <a:spcBef>
-                <a:spcPts val="0"/>
-              </a:spcBef>
-              <a:spcAft>
-                <a:spcPts val="0"/>
-              </a:spcAft>
+              <a:lnSpc>
+                <a:spcPct val="100000"/>
+              </a:lnSpc>
+              <a:spcBef>
+                <a:spcPts val="0"/>
+              </a:spcBef>
+              <a:spcAft>
+                <a:spcPts val="0"/>
+              </a:spcAft>
+              <a:buSzPts val="1100"/>
               <a:buNone/>
             </a:pPr>
             <a:r>
@@ -1109,6 +1127,16 @@
               </a:path>
             </a:pathLst>
           </a:custGeom>
+          <a:noFill/>
+          <a:ln cap="flat" cmpd="sng" w="9525">
+            <a:solidFill>
+              <a:srgbClr val="000000"/>
+            </a:solidFill>
+            <a:prstDash val="solid"/>
+            <a:round/>
+            <a:headEnd len="sm" w="sm" type="none"/>
+            <a:tailEnd len="sm" w="sm" type="none"/>
+          </a:ln>
         </p:spPr>
       </p:sp>
       <p:sp>
@@ -1127,6 +1155,10 @@
           <a:prstGeom prst="rect">
             <a:avLst/>
           </a:prstGeom>
+          <a:noFill/>
+          <a:ln>
+            <a:noFill/>
+          </a:ln>
         </p:spPr>
         <p:txBody>
           <a:bodyPr anchorCtr="0" anchor="t" bIns="91425" lIns="91425" spcFirstLastPara="1" rIns="91425" wrap="square" tIns="91425">
@@ -1135,12 +1167,16 @@
           <a:lstStyle/>
           <a:p>
             <a:pPr indent="0" lvl="0" marL="0" rtl="0" algn="l">
-              <a:spcBef>
-                <a:spcPts val="0"/>
-              </a:spcBef>
-              <a:spcAft>
-                <a:spcPts val="0"/>
-              </a:spcAft>
+              <a:lnSpc>
+                <a:spcPct val="100000"/>
+              </a:lnSpc>
+              <a:spcBef>
+                <a:spcPts val="0"/>
+              </a:spcBef>
+              <a:spcAft>
+                <a:spcPts val="0"/>
+              </a:spcAft>
+              <a:buSzPts val="1100"/>
               <a:buNone/>
             </a:pPr>
             <a:r>
@@ -1208,6 +1244,16 @@
               </a:path>
             </a:pathLst>
           </a:custGeom>
+          <a:noFill/>
+          <a:ln cap="flat" cmpd="sng" w="9525">
+            <a:solidFill>
+              <a:srgbClr val="000000"/>
+            </a:solidFill>
+            <a:prstDash val="solid"/>
+            <a:round/>
+            <a:headEnd len="sm" w="sm" type="none"/>
+            <a:tailEnd len="sm" w="sm" type="none"/>
+          </a:ln>
         </p:spPr>
       </p:sp>
       <p:sp>
@@ -1226,6 +1272,10 @@
           <a:prstGeom prst="rect">
             <a:avLst/>
           </a:prstGeom>
+          <a:noFill/>
+          <a:ln>
+            <a:noFill/>
+          </a:ln>
         </p:spPr>
         <p:txBody>
           <a:bodyPr anchorCtr="0" anchor="t" bIns="91425" lIns="91425" spcFirstLastPara="1" rIns="91425" wrap="square" tIns="91425">
@@ -1234,12 +1284,16 @@
           <a:lstStyle/>
           <a:p>
             <a:pPr indent="0" lvl="0" marL="0" rtl="0" algn="l">
-              <a:spcBef>
-                <a:spcPts val="0"/>
-              </a:spcBef>
-              <a:spcAft>
-                <a:spcPts val="0"/>
-              </a:spcAft>
+              <a:lnSpc>
+                <a:spcPct val="100000"/>
+              </a:lnSpc>
+              <a:spcBef>
+                <a:spcPts val="0"/>
+              </a:spcBef>
+              <a:spcAft>
+                <a:spcPts val="0"/>
+              </a:spcAft>
+              <a:buSzPts val="1100"/>
               <a:buNone/>
             </a:pPr>
             <a:r>
@@ -1307,6 +1361,16 @@
               </a:path>
             </a:pathLst>
           </a:custGeom>
+          <a:noFill/>
+          <a:ln cap="flat" cmpd="sng" w="9525">
+            <a:solidFill>
+              <a:srgbClr val="000000"/>
+            </a:solidFill>
+            <a:prstDash val="solid"/>
+            <a:round/>
+            <a:headEnd len="sm" w="sm" type="none"/>
+            <a:tailEnd len="sm" w="sm" type="none"/>
+          </a:ln>
         </p:spPr>
       </p:sp>
       <p:sp>
@@ -1325,6 +1389,10 @@
           <a:prstGeom prst="rect">
             <a:avLst/>
           </a:prstGeom>
+          <a:noFill/>
+          <a:ln>
+            <a:noFill/>
+          </a:ln>
         </p:spPr>
         <p:txBody>
           <a:bodyPr anchorCtr="0" anchor="t" bIns="91425" lIns="91425" spcFirstLastPara="1" rIns="91425" wrap="square" tIns="91425">
@@ -1333,12 +1401,16 @@
           <a:lstStyle/>
           <a:p>
             <a:pPr indent="0" lvl="0" marL="0" rtl="0" algn="l">
-              <a:spcBef>
-                <a:spcPts val="0"/>
-              </a:spcBef>
-              <a:spcAft>
-                <a:spcPts val="0"/>
-              </a:spcAft>
+              <a:lnSpc>
+                <a:spcPct val="100000"/>
+              </a:lnSpc>
+              <a:spcBef>
+                <a:spcPts val="0"/>
+              </a:spcBef>
+              <a:spcAft>
+                <a:spcPts val="0"/>
+              </a:spcAft>
+              <a:buSzPts val="1100"/>
               <a:buNone/>
             </a:pPr>
             <a:r>
@@ -1406,6 +1478,16 @@
               </a:path>
             </a:pathLst>
           </a:custGeom>
+          <a:noFill/>
+          <a:ln cap="flat" cmpd="sng" w="9525">
+            <a:solidFill>
+              <a:srgbClr val="000000"/>
+            </a:solidFill>
+            <a:prstDash val="solid"/>
+            <a:round/>
+            <a:headEnd len="sm" w="sm" type="none"/>
+            <a:tailEnd len="sm" w="sm" type="none"/>
+          </a:ln>
         </p:spPr>
       </p:sp>
       <p:sp>
@@ -1424,6 +1506,10 @@
           <a:prstGeom prst="rect">
             <a:avLst/>
           </a:prstGeom>
+          <a:noFill/>
+          <a:ln>
+            <a:noFill/>
+          </a:ln>
         </p:spPr>
         <p:txBody>
           <a:bodyPr anchorCtr="0" anchor="t" bIns="91425" lIns="91425" spcFirstLastPara="1" rIns="91425" wrap="square" tIns="91425">
@@ -1432,12 +1518,16 @@
           <a:lstStyle/>
           <a:p>
             <a:pPr indent="0" lvl="0" marL="0" rtl="0" algn="l">
-              <a:spcBef>
-                <a:spcPts val="0"/>
-              </a:spcBef>
-              <a:spcAft>
-                <a:spcPts val="0"/>
-              </a:spcAft>
+              <a:lnSpc>
+                <a:spcPct val="100000"/>
+              </a:lnSpc>
+              <a:spcBef>
+                <a:spcPts val="0"/>
+              </a:spcBef>
+              <a:spcAft>
+                <a:spcPts val="0"/>
+              </a:spcAft>
+              <a:buSzPts val="1100"/>
               <a:buNone/>
             </a:pPr>
             <a:r>
@@ -1505,6 +1595,16 @@
               </a:path>
             </a:pathLst>
           </a:custGeom>
+          <a:noFill/>
+          <a:ln cap="flat" cmpd="sng" w="9525">
+            <a:solidFill>
+              <a:srgbClr val="000000"/>
+            </a:solidFill>
+            <a:prstDash val="solid"/>
+            <a:round/>
+            <a:headEnd len="sm" w="sm" type="none"/>
+            <a:tailEnd len="sm" w="sm" type="none"/>
+          </a:ln>
         </p:spPr>
       </p:sp>
       <p:sp>
@@ -1523,6 +1623,10 @@
           <a:prstGeom prst="rect">
             <a:avLst/>
           </a:prstGeom>
+          <a:noFill/>
+          <a:ln>
+            <a:noFill/>
+          </a:ln>
         </p:spPr>
         <p:txBody>
           <a:bodyPr anchorCtr="0" anchor="t" bIns="91425" lIns="91425" spcFirstLastPara="1" rIns="91425" wrap="square" tIns="91425">
@@ -1531,12 +1635,16 @@
           <a:lstStyle/>
           <a:p>
             <a:pPr indent="0" lvl="0" marL="0" rtl="0" algn="l">
-              <a:spcBef>
-                <a:spcPts val="0"/>
-              </a:spcBef>
-              <a:spcAft>
-                <a:spcPts val="0"/>
-              </a:spcAft>
+              <a:lnSpc>
+                <a:spcPct val="100000"/>
+              </a:lnSpc>
+              <a:spcBef>
+                <a:spcPts val="0"/>
+              </a:spcBef>
+              <a:spcAft>
+                <a:spcPts val="0"/>
+              </a:spcAft>
+              <a:buSzPts val="1100"/>
               <a:buNone/>
             </a:pPr>
             <a:r>
@@ -1604,6 +1712,16 @@
               </a:path>
             </a:pathLst>
           </a:custGeom>
+          <a:noFill/>
+          <a:ln cap="flat" cmpd="sng" w="9525">
+            <a:solidFill>
+              <a:srgbClr val="000000"/>
+            </a:solidFill>
+            <a:prstDash val="solid"/>
+            <a:round/>
+            <a:headEnd len="sm" w="sm" type="none"/>
+            <a:tailEnd len="sm" w="sm" type="none"/>
+          </a:ln>
         </p:spPr>
       </p:sp>
       <p:sp>
@@ -1622,6 +1740,10 @@
           <a:prstGeom prst="rect">
             <a:avLst/>
           </a:prstGeom>
+          <a:noFill/>
+          <a:ln>
+            <a:noFill/>
+          </a:ln>
         </p:spPr>
         <p:txBody>
           <a:bodyPr anchorCtr="0" anchor="t" bIns="91425" lIns="91425" spcFirstLastPara="1" rIns="91425" wrap="square" tIns="91425">
@@ -1630,12 +1752,16 @@
           <a:lstStyle/>
           <a:p>
             <a:pPr indent="0" lvl="0" marL="0" rtl="0" algn="l">
-              <a:spcBef>
-                <a:spcPts val="0"/>
-              </a:spcBef>
-              <a:spcAft>
-                <a:spcPts val="0"/>
-              </a:spcAft>
+              <a:lnSpc>
+                <a:spcPct val="100000"/>
+              </a:lnSpc>
+              <a:spcBef>
+                <a:spcPts val="0"/>
+              </a:spcBef>
+              <a:spcAft>
+                <a:spcPts val="0"/>
+              </a:spcAft>
+              <a:buSzPts val="1100"/>
               <a:buNone/>
             </a:pPr>
             <a:r>
@@ -1703,6 +1829,16 @@
               </a:path>
             </a:pathLst>
           </a:custGeom>
+          <a:noFill/>
+          <a:ln cap="flat" cmpd="sng" w="9525">
+            <a:solidFill>
+              <a:srgbClr val="000000"/>
+            </a:solidFill>
+            <a:prstDash val="solid"/>
+            <a:round/>
+            <a:headEnd len="sm" w="sm" type="none"/>
+            <a:tailEnd len="sm" w="sm" type="none"/>
+          </a:ln>
         </p:spPr>
       </p:sp>
       <p:sp>
@@ -1721,6 +1857,10 @@
           <a:prstGeom prst="rect">
             <a:avLst/>
           </a:prstGeom>
+          <a:noFill/>
+          <a:ln>
+            <a:noFill/>
+          </a:ln>
         </p:spPr>
         <p:txBody>
           <a:bodyPr anchorCtr="0" anchor="t" bIns="91425" lIns="91425" spcFirstLastPara="1" rIns="91425" wrap="square" tIns="91425">
@@ -1729,12 +1869,16 @@
           <a:lstStyle/>
           <a:p>
             <a:pPr indent="0" lvl="0" marL="0" rtl="0" algn="l">
-              <a:spcBef>
-                <a:spcPts val="0"/>
-              </a:spcBef>
-              <a:spcAft>
-                <a:spcPts val="0"/>
-              </a:spcAft>
+              <a:lnSpc>
+                <a:spcPct val="100000"/>
+              </a:lnSpc>
+              <a:spcBef>
+                <a:spcPts val="0"/>
+              </a:spcBef>
+              <a:spcAft>
+                <a:spcPts val="0"/>
+              </a:spcAft>
+              <a:buSzPts val="1100"/>
               <a:buNone/>
             </a:pPr>
             <a:r>
@@ -1802,6 +1946,16 @@
               </a:path>
             </a:pathLst>
           </a:custGeom>
+          <a:noFill/>
+          <a:ln cap="flat" cmpd="sng" w="9525">
+            <a:solidFill>
+              <a:srgbClr val="000000"/>
+            </a:solidFill>
+            <a:prstDash val="solid"/>
+            <a:round/>
+            <a:headEnd len="sm" w="sm" type="none"/>
+            <a:tailEnd len="sm" w="sm" type="none"/>
+          </a:ln>
         </p:spPr>
       </p:sp>
       <p:sp>
@@ -1820,6 +1974,10 @@
           <a:prstGeom prst="rect">
             <a:avLst/>
           </a:prstGeom>
+          <a:noFill/>
+          <a:ln>
+            <a:noFill/>
+          </a:ln>
         </p:spPr>
         <p:txBody>
           <a:bodyPr anchorCtr="0" anchor="t" bIns="91425" lIns="91425" spcFirstLastPara="1" rIns="91425" wrap="square" tIns="91425">
@@ -1828,12 +1986,16 @@
           <a:lstStyle/>
           <a:p>
             <a:pPr indent="0" lvl="0" marL="0" rtl="0" algn="l">
-              <a:spcBef>
-                <a:spcPts val="0"/>
-              </a:spcBef>
-              <a:spcAft>
-                <a:spcPts val="0"/>
-              </a:spcAft>
+              <a:lnSpc>
+                <a:spcPct val="100000"/>
+              </a:lnSpc>
+              <a:spcBef>
+                <a:spcPts val="0"/>
+              </a:spcBef>
+              <a:spcAft>
+                <a:spcPts val="0"/>
+              </a:spcAft>
+              <a:buSzPts val="1100"/>
               <a:buNone/>
             </a:pPr>
             <a:r>
@@ -2135,6 +2297,16 @@
               </a:path>
             </a:pathLst>
           </a:custGeom>
+          <a:noFill/>
+          <a:ln cap="flat" cmpd="sng" w="9525">
+            <a:solidFill>
+              <a:srgbClr val="000000"/>
+            </a:solidFill>
+            <a:prstDash val="solid"/>
+            <a:round/>
+            <a:headEnd len="sm" w="sm" type="none"/>
+            <a:tailEnd len="sm" w="sm" type="none"/>
+          </a:ln>
         </p:spPr>
       </p:sp>
       <p:sp>
@@ -2153,6 +2325,10 @@
           <a:prstGeom prst="rect">
             <a:avLst/>
           </a:prstGeom>
+          <a:noFill/>
+          <a:ln>
+            <a:noFill/>
+          </a:ln>
         </p:spPr>
         <p:txBody>
           <a:bodyPr anchorCtr="0" anchor="t" bIns="91425" lIns="91425" spcFirstLastPara="1" rIns="91425" wrap="square" tIns="91425">
@@ -2161,12 +2337,16 @@
           <a:lstStyle/>
           <a:p>
             <a:pPr indent="0" lvl="0" marL="0" rtl="0" algn="l">
-              <a:spcBef>
-                <a:spcPts val="0"/>
-              </a:spcBef>
-              <a:spcAft>
-                <a:spcPts val="0"/>
-              </a:spcAft>
+              <a:lnSpc>
+                <a:spcPct val="100000"/>
+              </a:lnSpc>
+              <a:spcBef>
+                <a:spcPts val="0"/>
+              </a:spcBef>
+              <a:spcAft>
+                <a:spcPts val="0"/>
+              </a:spcAft>
+              <a:buSzPts val="1100"/>
               <a:buNone/>
             </a:pPr>
             <a:r>
@@ -2936,6 +3116,16 @@
               </a:path>
             </a:pathLst>
           </a:custGeom>
+          <a:noFill/>
+          <a:ln cap="flat" cmpd="sng" w="9525">
+            <a:solidFill>
+              <a:srgbClr val="000000"/>
+            </a:solidFill>
+            <a:prstDash val="solid"/>
+            <a:round/>
+            <a:headEnd len="sm" w="sm" type="none"/>
+            <a:tailEnd len="sm" w="sm" type="none"/>
+          </a:ln>
         </p:spPr>
       </p:sp>
       <p:sp>
@@ -2954,6 +3144,10 @@
           <a:prstGeom prst="rect">
             <a:avLst/>
           </a:prstGeom>
+          <a:noFill/>
+          <a:ln>
+            <a:noFill/>
+          </a:ln>
         </p:spPr>
         <p:txBody>
           <a:bodyPr anchorCtr="0" anchor="t" bIns="91425" lIns="91425" spcFirstLastPara="1" rIns="91425" wrap="square" tIns="91425">
@@ -2962,12 +3156,16 @@
           <a:lstStyle/>
           <a:p>
             <a:pPr indent="0" lvl="0" marL="0" rtl="0" algn="l">
-              <a:spcBef>
-                <a:spcPts val="0"/>
-              </a:spcBef>
-              <a:spcAft>
-                <a:spcPts val="0"/>
-              </a:spcAft>
+              <a:lnSpc>
+                <a:spcPct val="100000"/>
+              </a:lnSpc>
+              <a:spcBef>
+                <a:spcPts val="0"/>
+              </a:spcBef>
+              <a:spcAft>
+                <a:spcPts val="0"/>
+              </a:spcAft>
+              <a:buSzPts val="1100"/>
               <a:buNone/>
             </a:pPr>
             <a:r>
@@ -11191,7 +11389,7 @@
                 <a:cs typeface="Courier New"/>
                 <a:sym typeface="Courier New"/>
               </a:rPr>
-              <a:t>Week-3-Lecture-1</a:t>
+              <a:t>Week-3-Lecture</a:t>
             </a:r>
             <a:r>
               <a:rPr lang="en" sz="1800">
@@ -12011,6 +12209,10 @@
           <a:prstGeom prst="rect">
             <a:avLst/>
           </a:prstGeom>
+          <a:noFill/>
+          <a:ln>
+            <a:noFill/>
+          </a:ln>
         </p:spPr>
         <p:txBody>
           <a:bodyPr anchorCtr="0" anchor="t" bIns="91425" lIns="91425" spcFirstLastPara="1" rIns="91425" wrap="square" tIns="91425">
@@ -12019,12 +12221,16 @@
           <a:lstStyle/>
           <a:p>
             <a:pPr indent="0" lvl="0" marL="0" rtl="0" algn="l">
-              <a:spcBef>
-                <a:spcPts val="0"/>
-              </a:spcBef>
-              <a:spcAft>
-                <a:spcPts val="0"/>
-              </a:spcAft>
+              <a:lnSpc>
+                <a:spcPct val="100000"/>
+              </a:lnSpc>
+              <a:spcBef>
+                <a:spcPts val="0"/>
+              </a:spcBef>
+              <a:spcAft>
+                <a:spcPts val="0"/>
+              </a:spcAft>
+              <a:buSzPts val="2800"/>
               <a:buNone/>
             </a:pPr>
             <a:r>
@@ -12060,20 +12266,25 @@
           </a:bodyPr>
           <a:lstStyle/>
           <a:p>
-            <a:pPr indent="0" lvl="0" marL="0" rtl="0" algn="l">
-              <a:lnSpc>
-                <a:spcPct val="115000"/>
-              </a:lnSpc>
-              <a:spcBef>
-                <a:spcPts val="0"/>
-              </a:spcBef>
-              <a:spcAft>
-                <a:spcPts val="0"/>
-              </a:spcAft>
-              <a:buNone/>
-            </a:pPr>
-            <a:r>
-              <a:rPr b="1" lang="en" sz="1200">
+            <a:pPr indent="0" lvl="0" marL="0" marR="0" rtl="0" algn="l">
+              <a:lnSpc>
+                <a:spcPct val="115000"/>
+              </a:lnSpc>
+              <a:spcBef>
+                <a:spcPts val="0"/>
+              </a:spcBef>
+              <a:spcAft>
+                <a:spcPts val="0"/>
+              </a:spcAft>
+              <a:buClr>
+                <a:srgbClr val="000000"/>
+              </a:buClr>
+              <a:buSzPts val="1200"/>
+              <a:buFont typeface="Arial"/>
+              <a:buNone/>
+            </a:pPr>
+            <a:r>
+              <a:rPr b="1" i="0" lang="en" sz="1200" u="none" cap="none" strike="noStrike">
                 <a:solidFill>
                   <a:schemeClr val="dk1"/>
                 </a:solidFill>
@@ -12082,10 +12293,38 @@
                 <a:cs typeface="Courier New"/>
                 <a:sym typeface="Courier New"/>
               </a:rPr>
-              <a:t>/* </a:t>
-            </a:r>
-            <a:r>
-              <a:rPr b="1" lang="en" sz="1200">
+              <a:t>/* selects only the direct span elements of div </a:t>
+            </a:r>
+            <a:endParaRPr b="1" i="0" sz="1200" u="none" cap="none" strike="noStrike">
+              <a:solidFill>
+                <a:schemeClr val="dk1"/>
+              </a:solidFill>
+              <a:latin typeface="Courier New"/>
+              <a:ea typeface="Courier New"/>
+              <a:cs typeface="Courier New"/>
+              <a:sym typeface="Courier New"/>
+            </a:endParaRPr>
+          </a:p>
+          <a:p>
+            <a:pPr indent="457200" lvl="0" marL="0" marR="0" rtl="0" algn="l">
+              <a:lnSpc>
+                <a:spcPct val="115000"/>
+              </a:lnSpc>
+              <a:spcBef>
+                <a:spcPts val="0"/>
+              </a:spcBef>
+              <a:spcAft>
+                <a:spcPts val="0"/>
+              </a:spcAft>
+              <a:buClr>
+                <a:srgbClr val="000000"/>
+              </a:buClr>
+              <a:buSzPts val="1200"/>
+              <a:buFont typeface="Arial"/>
+              <a:buNone/>
+            </a:pPr>
+            <a:r>
+              <a:rPr b="1" i="0" lang="en" sz="1200" u="none" cap="none" strike="noStrike">
                 <a:solidFill>
                   <a:schemeClr val="dk1"/>
                 </a:solidFill>
@@ -12094,9 +12333,9 @@
                 <a:cs typeface="Courier New"/>
                 <a:sym typeface="Courier New"/>
               </a:rPr>
-              <a:t>selects only the direct span elements of div </a:t>
-            </a:r>
-            <a:endParaRPr b="1" sz="1200">
+              <a:t>this style is not applied</a:t>
+            </a:r>
+            <a:endParaRPr b="1" i="0" sz="1200" u="none" cap="none" strike="noStrike">
               <a:solidFill>
                 <a:schemeClr val="dk1"/>
               </a:solidFill>
@@ -12107,20 +12346,25 @@
             </a:endParaRPr>
           </a:p>
           <a:p>
-            <a:pPr indent="457200" lvl="0" marL="0" rtl="0" algn="l">
-              <a:lnSpc>
-                <a:spcPct val="115000"/>
-              </a:lnSpc>
-              <a:spcBef>
-                <a:spcPts val="0"/>
-              </a:spcBef>
-              <a:spcAft>
-                <a:spcPts val="0"/>
-              </a:spcAft>
-              <a:buNone/>
-            </a:pPr>
-            <a:r>
-              <a:rPr b="1" lang="en" sz="1200">
+            <a:pPr indent="0" lvl="0" marL="0" marR="0" rtl="0" algn="l">
+              <a:lnSpc>
+                <a:spcPct val="115000"/>
+              </a:lnSpc>
+              <a:spcBef>
+                <a:spcPts val="0"/>
+              </a:spcBef>
+              <a:spcAft>
+                <a:spcPts val="0"/>
+              </a:spcAft>
+              <a:buClr>
+                <a:srgbClr val="000000"/>
+              </a:buClr>
+              <a:buSzPts val="1200"/>
+              <a:buFont typeface="Arial"/>
+              <a:buNone/>
+            </a:pPr>
+            <a:r>
+              <a:rPr b="1" i="0" lang="en" sz="1200" u="none" cap="none" strike="noStrike">
                 <a:solidFill>
                   <a:schemeClr val="dk1"/>
                 </a:solidFill>
@@ -12129,9 +12373,9 @@
                 <a:cs typeface="Courier New"/>
                 <a:sym typeface="Courier New"/>
               </a:rPr>
-              <a:t>this style is not applied</a:t>
-            </a:r>
-            <a:endParaRPr b="1" sz="1200">
+              <a:t>*/</a:t>
+            </a:r>
+            <a:endParaRPr b="1" i="0" sz="1400" u="none" cap="none" strike="noStrike">
               <a:solidFill>
                 <a:schemeClr val="dk1"/>
               </a:solidFill>
@@ -12142,20 +12386,25 @@
             </a:endParaRPr>
           </a:p>
           <a:p>
-            <a:pPr indent="0" lvl="0" marL="0" rtl="0" algn="l">
-              <a:lnSpc>
-                <a:spcPct val="115000"/>
-              </a:lnSpc>
-              <a:spcBef>
-                <a:spcPts val="0"/>
-              </a:spcBef>
-              <a:spcAft>
-                <a:spcPts val="0"/>
-              </a:spcAft>
-              <a:buNone/>
-            </a:pPr>
-            <a:r>
-              <a:rPr b="1" lang="en" sz="1200">
+            <a:pPr indent="0" lvl="0" marL="0" marR="0" rtl="0" algn="l">
+              <a:lnSpc>
+                <a:spcPct val="100000"/>
+              </a:lnSpc>
+              <a:spcBef>
+                <a:spcPts val="0"/>
+              </a:spcBef>
+              <a:spcAft>
+                <a:spcPts val="0"/>
+              </a:spcAft>
+              <a:buClr>
+                <a:srgbClr val="000000"/>
+              </a:buClr>
+              <a:buSzPts val="1400"/>
+              <a:buFont typeface="Arial"/>
+              <a:buNone/>
+            </a:pPr>
+            <a:r>
+              <a:rPr b="1" i="0" lang="en" sz="1400" u="none" cap="none" strike="noStrike">
                 <a:solidFill>
                   <a:schemeClr val="dk1"/>
                 </a:solidFill>
@@ -12164,9 +12413,9 @@
                 <a:cs typeface="Courier New"/>
                 <a:sym typeface="Courier New"/>
               </a:rPr>
-              <a:t>*/</a:t>
-            </a:r>
-            <a:endParaRPr b="1">
+              <a:t>div &gt; span</a:t>
+            </a:r>
+            <a:endParaRPr b="1" i="0" sz="1400" u="none" cap="none" strike="noStrike">
               <a:solidFill>
                 <a:schemeClr val="dk1"/>
               </a:solidFill>
@@ -12177,17 +12426,25 @@
             </a:endParaRPr>
           </a:p>
           <a:p>
-            <a:pPr indent="0" lvl="0" marL="0" rtl="0" algn="l">
-              <a:spcBef>
-                <a:spcPts val="0"/>
-              </a:spcBef>
-              <a:spcAft>
-                <a:spcPts val="0"/>
-              </a:spcAft>
-              <a:buNone/>
-            </a:pPr>
-            <a:r>
-              <a:rPr b="1" lang="en">
+            <a:pPr indent="0" lvl="0" marL="0" marR="0" rtl="0" algn="l">
+              <a:lnSpc>
+                <a:spcPct val="100000"/>
+              </a:lnSpc>
+              <a:spcBef>
+                <a:spcPts val="0"/>
+              </a:spcBef>
+              <a:spcAft>
+                <a:spcPts val="0"/>
+              </a:spcAft>
+              <a:buClr>
+                <a:srgbClr val="000000"/>
+              </a:buClr>
+              <a:buSzPts val="1400"/>
+              <a:buFont typeface="Arial"/>
+              <a:buNone/>
+            </a:pPr>
+            <a:r>
+              <a:rPr b="1" i="0" lang="en" sz="1400" u="none" cap="none" strike="noStrike">
                 <a:solidFill>
                   <a:schemeClr val="dk1"/>
                 </a:solidFill>
@@ -12196,9 +12453,9 @@
                 <a:cs typeface="Courier New"/>
                 <a:sym typeface="Courier New"/>
               </a:rPr>
-              <a:t>div &gt; span</a:t>
-            </a:r>
-            <a:endParaRPr b="1">
+              <a:t>{</a:t>
+            </a:r>
+            <a:endParaRPr b="1" i="0" sz="1400" u="none" cap="none" strike="noStrike">
               <a:solidFill>
                 <a:schemeClr val="dk1"/>
               </a:solidFill>
@@ -12209,17 +12466,25 @@
             </a:endParaRPr>
           </a:p>
           <a:p>
-            <a:pPr indent="0" lvl="0" marL="0" rtl="0" algn="l">
-              <a:spcBef>
-                <a:spcPts val="0"/>
-              </a:spcBef>
-              <a:spcAft>
-                <a:spcPts val="0"/>
-              </a:spcAft>
-              <a:buNone/>
-            </a:pPr>
-            <a:r>
-              <a:rPr b="1" lang="en">
+            <a:pPr indent="457200" lvl="0" marL="0" marR="0" rtl="0" algn="l">
+              <a:lnSpc>
+                <a:spcPct val="100000"/>
+              </a:lnSpc>
+              <a:spcBef>
+                <a:spcPts val="0"/>
+              </a:spcBef>
+              <a:spcAft>
+                <a:spcPts val="0"/>
+              </a:spcAft>
+              <a:buClr>
+                <a:srgbClr val="000000"/>
+              </a:buClr>
+              <a:buSzPts val="1400"/>
+              <a:buFont typeface="Arial"/>
+              <a:buNone/>
+            </a:pPr>
+            <a:r>
+              <a:rPr b="1" i="0" lang="en" sz="1400" u="none" cap="none" strike="noStrike">
                 <a:solidFill>
                   <a:schemeClr val="dk1"/>
                 </a:solidFill>
@@ -12228,9 +12493,9 @@
                 <a:cs typeface="Courier New"/>
                 <a:sym typeface="Courier New"/>
               </a:rPr>
-              <a:t>{</a:t>
-            </a:r>
-            <a:endParaRPr b="1">
+              <a:t>font-size: xx-large;</a:t>
+            </a:r>
+            <a:endParaRPr b="1" i="0" sz="1400" u="none" cap="none" strike="noStrike">
               <a:solidFill>
                 <a:schemeClr val="dk1"/>
               </a:solidFill>
@@ -12241,17 +12506,25 @@
             </a:endParaRPr>
           </a:p>
           <a:p>
-            <a:pPr indent="457200" lvl="0" marL="0" rtl="0" algn="l">
-              <a:spcBef>
-                <a:spcPts val="0"/>
-              </a:spcBef>
-              <a:spcAft>
-                <a:spcPts val="0"/>
-              </a:spcAft>
-              <a:buNone/>
-            </a:pPr>
-            <a:r>
-              <a:rPr b="1" lang="en">
+            <a:pPr indent="0" lvl="0" marL="0" marR="0" rtl="0" algn="l">
+              <a:lnSpc>
+                <a:spcPct val="100000"/>
+              </a:lnSpc>
+              <a:spcBef>
+                <a:spcPts val="0"/>
+              </a:spcBef>
+              <a:spcAft>
+                <a:spcPts val="0"/>
+              </a:spcAft>
+              <a:buClr>
+                <a:srgbClr val="000000"/>
+              </a:buClr>
+              <a:buSzPts val="1400"/>
+              <a:buFont typeface="Arial"/>
+              <a:buNone/>
+            </a:pPr>
+            <a:r>
+              <a:rPr b="1" i="0" lang="en" sz="1400" u="none" cap="none" strike="noStrike">
                 <a:solidFill>
                   <a:schemeClr val="dk1"/>
                 </a:solidFill>
@@ -12260,9 +12533,9 @@
                 <a:cs typeface="Courier New"/>
                 <a:sym typeface="Courier New"/>
               </a:rPr>
-              <a:t>font-size: xx-large;</a:t>
-            </a:r>
-            <a:endParaRPr b="1">
+              <a:t>}</a:t>
+            </a:r>
+            <a:endParaRPr b="1" i="0" sz="1400" u="none" cap="none" strike="noStrike">
               <a:solidFill>
                 <a:schemeClr val="dk1"/>
               </a:solidFill>
@@ -12273,17 +12546,25 @@
             </a:endParaRPr>
           </a:p>
           <a:p>
-            <a:pPr indent="0" lvl="0" marL="0" rtl="0" algn="l">
-              <a:spcBef>
-                <a:spcPts val="0"/>
-              </a:spcBef>
-              <a:spcAft>
-                <a:spcPts val="0"/>
-              </a:spcAft>
-              <a:buNone/>
-            </a:pPr>
-            <a:r>
-              <a:rPr b="1" lang="en">
+            <a:pPr indent="0" lvl="0" marL="0" marR="0" rtl="0" algn="l">
+              <a:lnSpc>
+                <a:spcPct val="115000"/>
+              </a:lnSpc>
+              <a:spcBef>
+                <a:spcPts val="0"/>
+              </a:spcBef>
+              <a:spcAft>
+                <a:spcPts val="0"/>
+              </a:spcAft>
+              <a:buClr>
+                <a:schemeClr val="dk1"/>
+              </a:buClr>
+              <a:buSzPts val="1100"/>
+              <a:buFont typeface="Arial"/>
+              <a:buNone/>
+            </a:pPr>
+            <a:r>
+              <a:rPr b="1" i="0" lang="en" sz="1200" u="none" cap="none" strike="noStrike">
                 <a:solidFill>
                   <a:schemeClr val="dk1"/>
                 </a:solidFill>
@@ -12292,9 +12573,9 @@
                 <a:cs typeface="Courier New"/>
                 <a:sym typeface="Courier New"/>
               </a:rPr>
-              <a:t>}</a:t>
-            </a:r>
-            <a:endParaRPr b="1">
+              <a:t>/* selects all span elements of body */</a:t>
+            </a:r>
+            <a:endParaRPr b="1" i="0" sz="1200" u="none" cap="none" strike="noStrike">
               <a:solidFill>
                 <a:schemeClr val="dk1"/>
               </a:solidFill>
@@ -12305,25 +12586,25 @@
             </a:endParaRPr>
           </a:p>
           <a:p>
-            <a:pPr indent="0" lvl="0" marL="0" rtl="0" algn="l">
-              <a:lnSpc>
-                <a:spcPct val="115000"/>
-              </a:lnSpc>
-              <a:spcBef>
-                <a:spcPts val="0"/>
-              </a:spcBef>
-              <a:spcAft>
-                <a:spcPts val="0"/>
-              </a:spcAft>
-              <a:buClr>
-                <a:schemeClr val="dk1"/>
-              </a:buClr>
-              <a:buSzPts val="1100"/>
-              <a:buFont typeface="Arial"/>
-              <a:buNone/>
-            </a:pPr>
-            <a:r>
-              <a:rPr b="1" lang="en" sz="1200">
+            <a:pPr indent="0" lvl="0" marL="0" marR="0" rtl="0" algn="l">
+              <a:lnSpc>
+                <a:spcPct val="100000"/>
+              </a:lnSpc>
+              <a:spcBef>
+                <a:spcPts val="0"/>
+              </a:spcBef>
+              <a:spcAft>
+                <a:spcPts val="0"/>
+              </a:spcAft>
+              <a:buClr>
+                <a:srgbClr val="000000"/>
+              </a:buClr>
+              <a:buSzPts val="1400"/>
+              <a:buFont typeface="Arial"/>
+              <a:buNone/>
+            </a:pPr>
+            <a:r>
+              <a:rPr b="1" i="0" lang="en" sz="1400" u="none" cap="none" strike="noStrike">
                 <a:solidFill>
                   <a:schemeClr val="dk1"/>
                 </a:solidFill>
@@ -12332,10 +12613,38 @@
                 <a:cs typeface="Courier New"/>
                 <a:sym typeface="Courier New"/>
               </a:rPr>
-              <a:t>/*</a:t>
-            </a:r>
-            <a:r>
-              <a:rPr b="1" lang="en" sz="1200">
+              <a:t>div span</a:t>
+            </a:r>
+            <a:endParaRPr b="1" i="0" sz="1400" u="none" cap="none" strike="noStrike">
+              <a:solidFill>
+                <a:schemeClr val="dk1"/>
+              </a:solidFill>
+              <a:latin typeface="Courier New"/>
+              <a:ea typeface="Courier New"/>
+              <a:cs typeface="Courier New"/>
+              <a:sym typeface="Courier New"/>
+            </a:endParaRPr>
+          </a:p>
+          <a:p>
+            <a:pPr indent="0" lvl="0" marL="0" marR="0" rtl="0" algn="l">
+              <a:lnSpc>
+                <a:spcPct val="100000"/>
+              </a:lnSpc>
+              <a:spcBef>
+                <a:spcPts val="0"/>
+              </a:spcBef>
+              <a:spcAft>
+                <a:spcPts val="0"/>
+              </a:spcAft>
+              <a:buClr>
+                <a:srgbClr val="000000"/>
+              </a:buClr>
+              <a:buSzPts val="1400"/>
+              <a:buFont typeface="Arial"/>
+              <a:buNone/>
+            </a:pPr>
+            <a:r>
+              <a:rPr b="1" i="0" lang="en" sz="1400" u="none" cap="none" strike="noStrike">
                 <a:solidFill>
                   <a:schemeClr val="dk1"/>
                 </a:solidFill>
@@ -12344,9 +12653,9 @@
                 <a:cs typeface="Courier New"/>
                 <a:sym typeface="Courier New"/>
               </a:rPr>
-              <a:t> selects all span elements of body */</a:t>
-            </a:r>
-            <a:endParaRPr b="1" sz="1200">
+              <a:t>{</a:t>
+            </a:r>
+            <a:endParaRPr b="1" i="0" sz="1400" u="none" cap="none" strike="noStrike">
               <a:solidFill>
                 <a:schemeClr val="dk1"/>
               </a:solidFill>
@@ -12357,17 +12666,25 @@
             </a:endParaRPr>
           </a:p>
           <a:p>
-            <a:pPr indent="0" lvl="0" marL="0" rtl="0" algn="l">
-              <a:spcBef>
-                <a:spcPts val="0"/>
-              </a:spcBef>
-              <a:spcAft>
-                <a:spcPts val="0"/>
-              </a:spcAft>
-              <a:buNone/>
-            </a:pPr>
-            <a:r>
-              <a:rPr b="1" lang="en">
+            <a:pPr indent="457200" lvl="0" marL="0" marR="0" rtl="0" algn="l">
+              <a:lnSpc>
+                <a:spcPct val="100000"/>
+              </a:lnSpc>
+              <a:spcBef>
+                <a:spcPts val="0"/>
+              </a:spcBef>
+              <a:spcAft>
+                <a:spcPts val="0"/>
+              </a:spcAft>
+              <a:buClr>
+                <a:srgbClr val="000000"/>
+              </a:buClr>
+              <a:buSzPts val="1400"/>
+              <a:buFont typeface="Arial"/>
+              <a:buNone/>
+            </a:pPr>
+            <a:r>
+              <a:rPr b="1" i="0" lang="en" sz="1400" u="none" cap="none" strike="noStrike">
                 <a:solidFill>
                   <a:schemeClr val="dk1"/>
                 </a:solidFill>
@@ -12376,9 +12693,9 @@
                 <a:cs typeface="Courier New"/>
                 <a:sym typeface="Courier New"/>
               </a:rPr>
-              <a:t>div span</a:t>
-            </a:r>
-            <a:endParaRPr b="1">
+              <a:t>color: blue;</a:t>
+            </a:r>
+            <a:endParaRPr b="1" i="0" sz="1400" u="none" cap="none" strike="noStrike">
               <a:solidFill>
                 <a:schemeClr val="dk1"/>
               </a:solidFill>
@@ -12389,17 +12706,25 @@
             </a:endParaRPr>
           </a:p>
           <a:p>
-            <a:pPr indent="0" lvl="0" marL="0" rtl="0" algn="l">
-              <a:spcBef>
-                <a:spcPts val="0"/>
-              </a:spcBef>
-              <a:spcAft>
-                <a:spcPts val="0"/>
-              </a:spcAft>
-              <a:buNone/>
-            </a:pPr>
-            <a:r>
-              <a:rPr b="1" lang="en">
+            <a:pPr indent="0" lvl="0" marL="0" marR="0" rtl="0" algn="l">
+              <a:lnSpc>
+                <a:spcPct val="100000"/>
+              </a:lnSpc>
+              <a:spcBef>
+                <a:spcPts val="0"/>
+              </a:spcBef>
+              <a:spcAft>
+                <a:spcPts val="0"/>
+              </a:spcAft>
+              <a:buClr>
+                <a:srgbClr val="000000"/>
+              </a:buClr>
+              <a:buSzPts val="1400"/>
+              <a:buFont typeface="Arial"/>
+              <a:buNone/>
+            </a:pPr>
+            <a:r>
+              <a:rPr b="1" i="0" lang="en" sz="1400" u="none" cap="none" strike="noStrike">
                 <a:solidFill>
                   <a:schemeClr val="dk1"/>
                 </a:solidFill>
@@ -12408,9 +12733,9 @@
                 <a:cs typeface="Courier New"/>
                 <a:sym typeface="Courier New"/>
               </a:rPr>
-              <a:t>{</a:t>
-            </a:r>
-            <a:endParaRPr b="1">
+              <a:t>}</a:t>
+            </a:r>
+            <a:endParaRPr b="1" i="0" sz="1400" u="none" cap="none" strike="noStrike">
               <a:solidFill>
                 <a:schemeClr val="dk1"/>
               </a:solidFill>
@@ -12421,17 +12746,25 @@
             </a:endParaRPr>
           </a:p>
           <a:p>
-            <a:pPr indent="457200" lvl="0" marL="0" rtl="0" algn="l">
-              <a:spcBef>
-                <a:spcPts val="0"/>
-              </a:spcBef>
-              <a:spcAft>
-                <a:spcPts val="0"/>
-              </a:spcAft>
-              <a:buNone/>
-            </a:pPr>
-            <a:r>
-              <a:rPr b="1" lang="en">
+            <a:pPr indent="0" lvl="0" marL="0" marR="0" rtl="0" algn="l">
+              <a:lnSpc>
+                <a:spcPct val="115000"/>
+              </a:lnSpc>
+              <a:spcBef>
+                <a:spcPts val="0"/>
+              </a:spcBef>
+              <a:spcAft>
+                <a:spcPts val="0"/>
+              </a:spcAft>
+              <a:buClr>
+                <a:schemeClr val="dk1"/>
+              </a:buClr>
+              <a:buSzPts val="1100"/>
+              <a:buFont typeface="Arial"/>
+              <a:buNone/>
+            </a:pPr>
+            <a:r>
+              <a:rPr b="1" i="0" lang="en" sz="1200" u="none" cap="none" strike="noStrike">
                 <a:solidFill>
                   <a:schemeClr val="dk1"/>
                 </a:solidFill>
@@ -12440,9 +12773,9 @@
                 <a:cs typeface="Courier New"/>
                 <a:sym typeface="Courier New"/>
               </a:rPr>
-              <a:t>color: blue;</a:t>
-            </a:r>
-            <a:endParaRPr b="1">
+              <a:t>/* selects only the direct p elements of div */</a:t>
+            </a:r>
+            <a:endParaRPr b="1" i="0" sz="1200" u="none" cap="none" strike="noStrike">
               <a:solidFill>
                 <a:schemeClr val="dk1"/>
               </a:solidFill>
@@ -12453,17 +12786,25 @@
             </a:endParaRPr>
           </a:p>
           <a:p>
-            <a:pPr indent="0" lvl="0" marL="0" rtl="0" algn="l">
-              <a:spcBef>
-                <a:spcPts val="0"/>
-              </a:spcBef>
-              <a:spcAft>
-                <a:spcPts val="0"/>
-              </a:spcAft>
-              <a:buNone/>
-            </a:pPr>
-            <a:r>
-              <a:rPr b="1" lang="en">
+            <a:pPr indent="0" lvl="0" marL="0" marR="0" rtl="0" algn="l">
+              <a:lnSpc>
+                <a:spcPct val="100000"/>
+              </a:lnSpc>
+              <a:spcBef>
+                <a:spcPts val="0"/>
+              </a:spcBef>
+              <a:spcAft>
+                <a:spcPts val="0"/>
+              </a:spcAft>
+              <a:buClr>
+                <a:srgbClr val="000000"/>
+              </a:buClr>
+              <a:buSzPts val="1400"/>
+              <a:buFont typeface="Arial"/>
+              <a:buNone/>
+            </a:pPr>
+            <a:r>
+              <a:rPr b="1" i="0" lang="en" sz="1400" u="none" cap="none" strike="noStrike">
                 <a:solidFill>
                   <a:schemeClr val="dk1"/>
                 </a:solidFill>
@@ -12472,9 +12813,9 @@
                 <a:cs typeface="Courier New"/>
                 <a:sym typeface="Courier New"/>
               </a:rPr>
-              <a:t>}</a:t>
-            </a:r>
-            <a:endParaRPr b="1">
+              <a:t>div &gt; p</a:t>
+            </a:r>
+            <a:endParaRPr b="1" i="0" sz="1400" u="none" cap="none" strike="noStrike">
               <a:solidFill>
                 <a:schemeClr val="dk1"/>
               </a:solidFill>
@@ -12485,25 +12826,25 @@
             </a:endParaRPr>
           </a:p>
           <a:p>
-            <a:pPr indent="0" lvl="0" marL="0" rtl="0" algn="l">
-              <a:lnSpc>
-                <a:spcPct val="115000"/>
-              </a:lnSpc>
-              <a:spcBef>
-                <a:spcPts val="0"/>
-              </a:spcBef>
-              <a:spcAft>
-                <a:spcPts val="0"/>
-              </a:spcAft>
-              <a:buClr>
-                <a:schemeClr val="dk1"/>
-              </a:buClr>
-              <a:buSzPts val="1100"/>
-              <a:buFont typeface="Arial"/>
-              <a:buNone/>
-            </a:pPr>
-            <a:r>
-              <a:rPr b="1" lang="en" sz="1200">
+            <a:pPr indent="0" lvl="0" marL="0" marR="0" rtl="0" algn="l">
+              <a:lnSpc>
+                <a:spcPct val="100000"/>
+              </a:lnSpc>
+              <a:spcBef>
+                <a:spcPts val="0"/>
+              </a:spcBef>
+              <a:spcAft>
+                <a:spcPts val="0"/>
+              </a:spcAft>
+              <a:buClr>
+                <a:srgbClr val="000000"/>
+              </a:buClr>
+              <a:buSzPts val="1400"/>
+              <a:buFont typeface="Arial"/>
+              <a:buNone/>
+            </a:pPr>
+            <a:r>
+              <a:rPr b="1" i="0" lang="en" sz="1400" u="none" cap="none" strike="noStrike">
                 <a:solidFill>
                   <a:schemeClr val="dk1"/>
                 </a:solidFill>
@@ -12512,10 +12853,38 @@
                 <a:cs typeface="Courier New"/>
                 <a:sym typeface="Courier New"/>
               </a:rPr>
-              <a:t>/*</a:t>
-            </a:r>
-            <a:r>
-              <a:rPr b="1" lang="en" sz="1200">
+              <a:t>{</a:t>
+            </a:r>
+            <a:endParaRPr b="1" i="0" sz="1400" u="none" cap="none" strike="noStrike">
+              <a:solidFill>
+                <a:schemeClr val="dk1"/>
+              </a:solidFill>
+              <a:latin typeface="Courier New"/>
+              <a:ea typeface="Courier New"/>
+              <a:cs typeface="Courier New"/>
+              <a:sym typeface="Courier New"/>
+            </a:endParaRPr>
+          </a:p>
+          <a:p>
+            <a:pPr indent="457200" lvl="0" marL="0" marR="0" rtl="0" algn="l">
+              <a:lnSpc>
+                <a:spcPct val="100000"/>
+              </a:lnSpc>
+              <a:spcBef>
+                <a:spcPts val="0"/>
+              </a:spcBef>
+              <a:spcAft>
+                <a:spcPts val="0"/>
+              </a:spcAft>
+              <a:buClr>
+                <a:srgbClr val="000000"/>
+              </a:buClr>
+              <a:buSzPts val="1400"/>
+              <a:buFont typeface="Arial"/>
+              <a:buNone/>
+            </a:pPr>
+            <a:r>
+              <a:rPr b="1" i="0" lang="en" sz="1400" u="none" cap="none" strike="noStrike">
                 <a:solidFill>
                   <a:schemeClr val="dk1"/>
                 </a:solidFill>
@@ -12524,9 +12893,9 @@
                 <a:cs typeface="Courier New"/>
                 <a:sym typeface="Courier New"/>
               </a:rPr>
-              <a:t> selects only the direct p elements of div */</a:t>
-            </a:r>
-            <a:endParaRPr b="1" sz="1200">
+              <a:t>color: green;</a:t>
+            </a:r>
+            <a:endParaRPr b="1" i="0" sz="1400" u="none" cap="none" strike="noStrike">
               <a:solidFill>
                 <a:schemeClr val="dk1"/>
               </a:solidFill>
@@ -12537,17 +12906,25 @@
             </a:endParaRPr>
           </a:p>
           <a:p>
-            <a:pPr indent="0" lvl="0" marL="0" rtl="0" algn="l">
-              <a:spcBef>
-                <a:spcPts val="0"/>
-              </a:spcBef>
-              <a:spcAft>
-                <a:spcPts val="0"/>
-              </a:spcAft>
-              <a:buNone/>
-            </a:pPr>
-            <a:r>
-              <a:rPr b="1" lang="en">
+            <a:pPr indent="0" lvl="0" marL="0" marR="0" rtl="0" algn="l">
+              <a:lnSpc>
+                <a:spcPct val="100000"/>
+              </a:lnSpc>
+              <a:spcBef>
+                <a:spcPts val="0"/>
+              </a:spcBef>
+              <a:spcAft>
+                <a:spcPts val="0"/>
+              </a:spcAft>
+              <a:buClr>
+                <a:srgbClr val="000000"/>
+              </a:buClr>
+              <a:buSzPts val="1400"/>
+              <a:buFont typeface="Arial"/>
+              <a:buNone/>
+            </a:pPr>
+            <a:r>
+              <a:rPr b="1" i="0" lang="en" sz="1400" u="none" cap="none" strike="noStrike">
                 <a:solidFill>
                   <a:schemeClr val="dk1"/>
                 </a:solidFill>
@@ -12556,105 +12933,9 @@
                 <a:cs typeface="Courier New"/>
                 <a:sym typeface="Courier New"/>
               </a:rPr>
-              <a:t>div &gt; p</a:t>
-            </a:r>
-            <a:endParaRPr b="1">
-              <a:solidFill>
-                <a:schemeClr val="dk1"/>
-              </a:solidFill>
-              <a:latin typeface="Courier New"/>
-              <a:ea typeface="Courier New"/>
-              <a:cs typeface="Courier New"/>
-              <a:sym typeface="Courier New"/>
-            </a:endParaRPr>
-          </a:p>
-          <a:p>
-            <a:pPr indent="0" lvl="0" marL="0" rtl="0" algn="l">
-              <a:spcBef>
-                <a:spcPts val="0"/>
-              </a:spcBef>
-              <a:spcAft>
-                <a:spcPts val="0"/>
-              </a:spcAft>
-              <a:buNone/>
-            </a:pPr>
-            <a:r>
-              <a:rPr b="1" lang="en">
-                <a:solidFill>
-                  <a:schemeClr val="dk1"/>
-                </a:solidFill>
-                <a:latin typeface="Courier New"/>
-                <a:ea typeface="Courier New"/>
-                <a:cs typeface="Courier New"/>
-                <a:sym typeface="Courier New"/>
-              </a:rPr>
-              <a:t>{</a:t>
-            </a:r>
-            <a:endParaRPr b="1">
-              <a:solidFill>
-                <a:schemeClr val="dk1"/>
-              </a:solidFill>
-              <a:latin typeface="Courier New"/>
-              <a:ea typeface="Courier New"/>
-              <a:cs typeface="Courier New"/>
-              <a:sym typeface="Courier New"/>
-            </a:endParaRPr>
-          </a:p>
-          <a:p>
-            <a:pPr indent="457200" lvl="0" marL="0" rtl="0" algn="l">
-              <a:spcBef>
-                <a:spcPts val="0"/>
-              </a:spcBef>
-              <a:spcAft>
-                <a:spcPts val="0"/>
-              </a:spcAft>
-              <a:buNone/>
-            </a:pPr>
-            <a:r>
-              <a:rPr b="1" lang="en">
-                <a:solidFill>
-                  <a:schemeClr val="dk1"/>
-                </a:solidFill>
-                <a:latin typeface="Courier New"/>
-                <a:ea typeface="Courier New"/>
-                <a:cs typeface="Courier New"/>
-                <a:sym typeface="Courier New"/>
-              </a:rPr>
-              <a:t>color: green;</a:t>
-            </a:r>
-            <a:endParaRPr b="1">
-              <a:solidFill>
-                <a:schemeClr val="dk1"/>
-              </a:solidFill>
-              <a:latin typeface="Courier New"/>
-              <a:ea typeface="Courier New"/>
-              <a:cs typeface="Courier New"/>
-              <a:sym typeface="Courier New"/>
-            </a:endParaRPr>
-          </a:p>
-          <a:p>
-            <a:pPr indent="0" lvl="0" marL="0" rtl="0" algn="l">
-              <a:spcBef>
-                <a:spcPts val="0"/>
-              </a:spcBef>
-              <a:spcAft>
-                <a:spcPts val="0"/>
-              </a:spcAft>
-              <a:buNone/>
-            </a:pPr>
-            <a:r>
-              <a:rPr b="1" lang="en">
-                <a:solidFill>
-                  <a:schemeClr val="dk1"/>
-                </a:solidFill>
-                <a:latin typeface="Courier New"/>
-                <a:ea typeface="Courier New"/>
-                <a:cs typeface="Courier New"/>
-                <a:sym typeface="Courier New"/>
-              </a:rPr>
               <a:t>}</a:t>
             </a:r>
-            <a:endParaRPr b="1">
+            <a:endParaRPr b="1" i="0" sz="1400" u="none" cap="none" strike="noStrike">
               <a:solidFill>
                 <a:schemeClr val="dk1"/>
               </a:solidFill>
@@ -12691,20 +12972,25 @@
           </a:bodyPr>
           <a:lstStyle/>
           <a:p>
-            <a:pPr indent="0" lvl="0" marL="0" rtl="0" algn="l">
-              <a:lnSpc>
-                <a:spcPct val="115000"/>
-              </a:lnSpc>
-              <a:spcBef>
-                <a:spcPts val="0"/>
-              </a:spcBef>
-              <a:spcAft>
-                <a:spcPts val="0"/>
-              </a:spcAft>
-              <a:buNone/>
-            </a:pPr>
-            <a:r>
-              <a:rPr b="1" lang="en">
+            <a:pPr indent="0" lvl="0" marL="0" marR="0" rtl="0" algn="l">
+              <a:lnSpc>
+                <a:spcPct val="115000"/>
+              </a:lnSpc>
+              <a:spcBef>
+                <a:spcPts val="0"/>
+              </a:spcBef>
+              <a:spcAft>
+                <a:spcPts val="0"/>
+              </a:spcAft>
+              <a:buClr>
+                <a:srgbClr val="000000"/>
+              </a:buClr>
+              <a:buSzPts val="1400"/>
+              <a:buFont typeface="Arial"/>
+              <a:buNone/>
+            </a:pPr>
+            <a:r>
+              <a:rPr b="1" i="0" lang="en" sz="1400" u="none" cap="none" strike="noStrike">
                 <a:solidFill>
                   <a:schemeClr val="dk1"/>
                 </a:solidFill>
@@ -12715,7 +13001,7 @@
               </a:rPr>
               <a:t>&lt;div&gt;</a:t>
             </a:r>
-            <a:endParaRPr b="1">
+            <a:endParaRPr b="1" i="0" sz="1400" u="none" cap="none" strike="noStrike">
               <a:solidFill>
                 <a:schemeClr val="dk1"/>
               </a:solidFill>
@@ -12726,20 +13012,25 @@
             </a:endParaRPr>
           </a:p>
           <a:p>
-            <a:pPr indent="457200" lvl="0" marL="0" rtl="0" algn="l">
-              <a:lnSpc>
-                <a:spcPct val="115000"/>
-              </a:lnSpc>
-              <a:spcBef>
-                <a:spcPts val="0"/>
-              </a:spcBef>
-              <a:spcAft>
-                <a:spcPts val="0"/>
-              </a:spcAft>
-              <a:buNone/>
-            </a:pPr>
-            <a:r>
-              <a:rPr b="1" lang="en">
+            <a:pPr indent="457200" lvl="0" marL="0" marR="0" rtl="0" algn="l">
+              <a:lnSpc>
+                <a:spcPct val="115000"/>
+              </a:lnSpc>
+              <a:spcBef>
+                <a:spcPts val="0"/>
+              </a:spcBef>
+              <a:spcAft>
+                <a:spcPts val="0"/>
+              </a:spcAft>
+              <a:buClr>
+                <a:srgbClr val="000000"/>
+              </a:buClr>
+              <a:buSzPts val="1400"/>
+              <a:buFont typeface="Arial"/>
+              <a:buNone/>
+            </a:pPr>
+            <a:r>
+              <a:rPr b="1" i="0" lang="en" sz="1400" u="none" cap="none" strike="noStrike">
                 <a:solidFill>
                   <a:schemeClr val="dk1"/>
                 </a:solidFill>
@@ -12750,7 +13041,7 @@
               </a:rPr>
               <a:t>&lt;p&gt;This is &lt;span&gt;one&lt;/span&gt; example&lt;/p&gt;</a:t>
             </a:r>
-            <a:endParaRPr b="1">
+            <a:endParaRPr b="1" i="0" sz="1400" u="none" cap="none" strike="noStrike">
               <a:solidFill>
                 <a:schemeClr val="dk1"/>
               </a:solidFill>
@@ -12761,20 +13052,25 @@
             </a:endParaRPr>
           </a:p>
           <a:p>
-            <a:pPr indent="457200" lvl="0" marL="0" rtl="0" algn="l">
-              <a:lnSpc>
-                <a:spcPct val="115000"/>
-              </a:lnSpc>
-              <a:spcBef>
-                <a:spcPts val="0"/>
-              </a:spcBef>
-              <a:spcAft>
-                <a:spcPts val="0"/>
-              </a:spcAft>
-              <a:buNone/>
-            </a:pPr>
-            <a:r>
-              <a:rPr b="1" lang="en">
+            <a:pPr indent="457200" lvl="0" marL="0" marR="0" rtl="0" algn="l">
+              <a:lnSpc>
+                <a:spcPct val="115000"/>
+              </a:lnSpc>
+              <a:spcBef>
+                <a:spcPts val="0"/>
+              </a:spcBef>
+              <a:spcAft>
+                <a:spcPts val="0"/>
+              </a:spcAft>
+              <a:buClr>
+                <a:srgbClr val="000000"/>
+              </a:buClr>
+              <a:buSzPts val="1400"/>
+              <a:buFont typeface="Arial"/>
+              <a:buNone/>
+            </a:pPr>
+            <a:r>
+              <a:rPr b="1" i="0" lang="en" sz="1400" u="none" cap="none" strike="noStrike">
                 <a:solidFill>
                   <a:schemeClr val="dk1"/>
                 </a:solidFill>
@@ -12785,7 +13081,7 @@
               </a:rPr>
               <a:t>&lt;p&gt;And this is &lt;span&gt;another&lt;/span&gt; example&lt;/p&gt;</a:t>
             </a:r>
-            <a:endParaRPr b="1">
+            <a:endParaRPr b="1" i="0" sz="1400" u="none" cap="none" strike="noStrike">
               <a:solidFill>
                 <a:schemeClr val="dk1"/>
               </a:solidFill>
@@ -12796,7 +13092,7 @@
             </a:endParaRPr>
           </a:p>
           <a:p>
-            <a:pPr indent="0" lvl="0" marL="0" rtl="0" algn="l">
+            <a:pPr indent="0" lvl="0" marL="0" marR="0" rtl="0" algn="l">
               <a:lnSpc>
                 <a:spcPct val="115000"/>
               </a:lnSpc>
@@ -12814,7 +13110,7 @@
               <a:buNone/>
             </a:pPr>
             <a:r>
-              <a:rPr b="1" lang="en">
+              <a:rPr b="1" i="0" lang="en" sz="1400" u="none" cap="none" strike="noStrike">
                 <a:solidFill>
                   <a:schemeClr val="dk1"/>
                 </a:solidFill>
@@ -12825,7 +13121,7 @@
               </a:rPr>
               <a:t>&lt;/div&gt;</a:t>
             </a:r>
-            <a:endParaRPr b="1">
+            <a:endParaRPr b="1" i="0" sz="1400" u="none" cap="none" strike="noStrike">
               <a:solidFill>
                 <a:schemeClr val="dk1"/>
               </a:solidFill>
@@ -12843,13 +13139,12 @@
           <p:cNvPicPr preferRelativeResize="0"/>
           <p:nvPr/>
         </p:nvPicPr>
-        <p:blipFill>
+        <p:blipFill rotWithShape="1">
           <a:blip r:embed="rId3">
             <a:alphaModFix/>
           </a:blip>
-          <a:stretch>
-            <a:fillRect/>
-          </a:stretch>
+          <a:srcRect b="0" l="0" r="0" t="0"/>
+          <a:stretch/>
         </p:blipFill>
         <p:spPr>
           <a:xfrm>
@@ -12906,6 +13201,10 @@
           <a:prstGeom prst="rect">
             <a:avLst/>
           </a:prstGeom>
+          <a:noFill/>
+          <a:ln>
+            <a:noFill/>
+          </a:ln>
         </p:spPr>
         <p:txBody>
           <a:bodyPr anchorCtr="0" anchor="t" bIns="91425" lIns="91425" spcFirstLastPara="1" rIns="91425" wrap="square" tIns="91425">
@@ -12923,6 +13222,7 @@
               <a:spcAft>
                 <a:spcPts val="0"/>
               </a:spcAft>
+              <a:buSzPts val="2800"/>
               <a:buNone/>
             </a:pPr>
             <a:r>
@@ -12964,20 +13264,25 @@
           </a:bodyPr>
           <a:lstStyle/>
           <a:p>
-            <a:pPr indent="0" lvl="0" marL="0" rtl="0" algn="l">
-              <a:lnSpc>
-                <a:spcPct val="115000"/>
-              </a:lnSpc>
-              <a:spcBef>
-                <a:spcPts val="0"/>
-              </a:spcBef>
-              <a:spcAft>
-                <a:spcPts val="0"/>
-              </a:spcAft>
-              <a:buNone/>
-            </a:pPr>
-            <a:r>
-              <a:rPr b="1" lang="en" sz="1800">
+            <a:pPr indent="0" lvl="0" marL="0" marR="0" rtl="0" algn="l">
+              <a:lnSpc>
+                <a:spcPct val="115000"/>
+              </a:lnSpc>
+              <a:spcBef>
+                <a:spcPts val="0"/>
+              </a:spcBef>
+              <a:spcAft>
+                <a:spcPts val="0"/>
+              </a:spcAft>
+              <a:buClr>
+                <a:srgbClr val="000000"/>
+              </a:buClr>
+              <a:buSzPts val="1800"/>
+              <a:buFont typeface="Arial"/>
+              <a:buNone/>
+            </a:pPr>
+            <a:r>
+              <a:rPr b="1" i="0" lang="en" sz="1800" u="none" cap="none" strike="noStrike">
                 <a:solidFill>
                   <a:schemeClr val="dk1"/>
                 </a:solidFill>
@@ -12986,10 +13291,38 @@
                 <a:cs typeface="Courier New"/>
                 <a:sym typeface="Courier New"/>
               </a:rPr>
-              <a:t>s</a:t>
-            </a:r>
-            <a:r>
-              <a:rPr b="1" lang="en" sz="1800">
+              <a:t>selector:pseudo-class</a:t>
+            </a:r>
+            <a:endParaRPr b="1" i="0" sz="1800" u="none" cap="none" strike="noStrike">
+              <a:solidFill>
+                <a:schemeClr val="dk1"/>
+              </a:solidFill>
+              <a:latin typeface="Courier New"/>
+              <a:ea typeface="Courier New"/>
+              <a:cs typeface="Courier New"/>
+              <a:sym typeface="Courier New"/>
+            </a:endParaRPr>
+          </a:p>
+          <a:p>
+            <a:pPr indent="0" lvl="0" marL="0" marR="0" rtl="0" algn="l">
+              <a:lnSpc>
+                <a:spcPct val="115000"/>
+              </a:lnSpc>
+              <a:spcBef>
+                <a:spcPts val="0"/>
+              </a:spcBef>
+              <a:spcAft>
+                <a:spcPts val="0"/>
+              </a:spcAft>
+              <a:buClr>
+                <a:schemeClr val="dk1"/>
+              </a:buClr>
+              <a:buSzPts val="1100"/>
+              <a:buFont typeface="Arial"/>
+              <a:buNone/>
+            </a:pPr>
+            <a:r>
+              <a:rPr b="1" i="0" lang="en" sz="1800" u="none" cap="none" strike="noStrike">
                 <a:solidFill>
                   <a:schemeClr val="dk1"/>
                 </a:solidFill>
@@ -12998,9 +13331,9 @@
                 <a:cs typeface="Courier New"/>
                 <a:sym typeface="Courier New"/>
               </a:rPr>
-              <a:t>elector:pseudo-class</a:t>
-            </a:r>
-            <a:endParaRPr b="1" sz="1800">
+              <a:t>{</a:t>
+            </a:r>
+            <a:endParaRPr b="1" i="0" sz="1800" u="none" cap="none" strike="noStrike">
               <a:solidFill>
                 <a:schemeClr val="dk1"/>
               </a:solidFill>
@@ -13011,7 +13344,7 @@
             </a:endParaRPr>
           </a:p>
           <a:p>
-            <a:pPr indent="0" lvl="0" marL="0" rtl="0" algn="l">
+            <a:pPr indent="457200" lvl="0" marL="0" marR="0" rtl="0" algn="l">
               <a:lnSpc>
                 <a:spcPct val="115000"/>
               </a:lnSpc>
@@ -13029,7 +13362,7 @@
               <a:buNone/>
             </a:pPr>
             <a:r>
-              <a:rPr b="1" lang="en" sz="1800">
+              <a:rPr b="1" i="0" lang="en" sz="1800" u="none" cap="none" strike="noStrike">
                 <a:solidFill>
                   <a:schemeClr val="dk1"/>
                 </a:solidFill>
@@ -13038,9 +13371,9 @@
                 <a:cs typeface="Courier New"/>
                 <a:sym typeface="Courier New"/>
               </a:rPr>
-              <a:t>{</a:t>
-            </a:r>
-            <a:endParaRPr b="1" sz="1800">
+              <a:t>property: value;</a:t>
+            </a:r>
+            <a:endParaRPr b="1" i="0" sz="1800" u="none" cap="none" strike="noStrike">
               <a:solidFill>
                 <a:schemeClr val="dk1"/>
               </a:solidFill>
@@ -13051,7 +13384,7 @@
             </a:endParaRPr>
           </a:p>
           <a:p>
-            <a:pPr indent="457200" lvl="0" marL="0" rtl="0" algn="l">
+            <a:pPr indent="0" lvl="0" marL="0" marR="0" rtl="0" algn="l">
               <a:lnSpc>
                 <a:spcPct val="115000"/>
               </a:lnSpc>
@@ -13069,7 +13402,7 @@
               <a:buNone/>
             </a:pPr>
             <a:r>
-              <a:rPr b="1" lang="en" sz="1800">
+              <a:rPr b="1" i="0" lang="en" sz="1800" u="none" cap="none" strike="noStrike">
                 <a:solidFill>
                   <a:schemeClr val="dk1"/>
                 </a:solidFill>
@@ -13078,49 +13411,9 @@
                 <a:cs typeface="Courier New"/>
                 <a:sym typeface="Courier New"/>
               </a:rPr>
-              <a:t>property: value;</a:t>
-            </a:r>
-            <a:endParaRPr b="1" sz="1800">
-              <a:solidFill>
-                <a:schemeClr val="dk1"/>
-              </a:solidFill>
-              <a:latin typeface="Courier New"/>
-              <a:ea typeface="Courier New"/>
-              <a:cs typeface="Courier New"/>
-              <a:sym typeface="Courier New"/>
-            </a:endParaRPr>
-          </a:p>
-          <a:p>
-            <a:pPr indent="0" lvl="0" marL="0" rtl="0" algn="l">
-              <a:lnSpc>
-                <a:spcPct val="115000"/>
-              </a:lnSpc>
-              <a:spcBef>
-                <a:spcPts val="0"/>
-              </a:spcBef>
-              <a:spcAft>
-                <a:spcPts val="0"/>
-              </a:spcAft>
-              <a:buClr>
-                <a:schemeClr val="dk1"/>
-              </a:buClr>
-              <a:buSzPts val="1100"/>
-              <a:buFont typeface="Arial"/>
-              <a:buNone/>
-            </a:pPr>
-            <a:r>
-              <a:rPr b="1" lang="en" sz="1800">
-                <a:solidFill>
-                  <a:schemeClr val="dk1"/>
-                </a:solidFill>
-                <a:latin typeface="Courier New"/>
-                <a:ea typeface="Courier New"/>
-                <a:cs typeface="Courier New"/>
-                <a:sym typeface="Courier New"/>
-              </a:rPr>
               <a:t>}</a:t>
             </a:r>
-            <a:endParaRPr b="1" sz="1800">
+            <a:endParaRPr b="1" i="0" sz="1800" u="none" cap="none" strike="noStrike">
               <a:solidFill>
                 <a:schemeClr val="dk1"/>
               </a:solidFill>
@@ -13157,17 +13450,25 @@
           </a:bodyPr>
           <a:lstStyle/>
           <a:p>
-            <a:pPr indent="0" lvl="0" marL="0" rtl="0" algn="ctr">
-              <a:spcBef>
-                <a:spcPts val="0"/>
-              </a:spcBef>
-              <a:spcAft>
-                <a:spcPts val="0"/>
-              </a:spcAft>
-              <a:buNone/>
-            </a:pPr>
-            <a:r>
-              <a:rPr lang="en" sz="1800">
+            <a:pPr indent="0" lvl="0" marL="0" marR="0" rtl="0" algn="ctr">
+              <a:lnSpc>
+                <a:spcPct val="100000"/>
+              </a:lnSpc>
+              <a:spcBef>
+                <a:spcPts val="0"/>
+              </a:spcBef>
+              <a:spcAft>
+                <a:spcPts val="0"/>
+              </a:spcAft>
+              <a:buClr>
+                <a:srgbClr val="000000"/>
+              </a:buClr>
+              <a:buSzPts val="1800"/>
+              <a:buFont typeface="Arial"/>
+              <a:buNone/>
+            </a:pPr>
+            <a:r>
+              <a:rPr b="0" i="0" lang="en" sz="1800" u="none" cap="none" strike="noStrike">
                 <a:solidFill>
                   <a:schemeClr val="dk1"/>
                 </a:solidFill>
@@ -13178,7 +13479,7 @@
               </a:rPr>
               <a:t>states of tag a</a:t>
             </a:r>
-            <a:endParaRPr b="1">
+            <a:endParaRPr b="1" i="0" sz="1400" u="none" cap="none" strike="noStrike">
               <a:solidFill>
                 <a:schemeClr val="dk1"/>
               </a:solidFill>
@@ -13189,7 +13490,7 @@
             </a:endParaRPr>
           </a:p>
           <a:p>
-            <a:pPr indent="0" lvl="0" marL="0" rtl="0" algn="l">
+            <a:pPr indent="0" lvl="0" marL="0" marR="0" rtl="0" algn="l">
               <a:lnSpc>
                 <a:spcPct val="115000"/>
               </a:lnSpc>
@@ -13207,7 +13508,7 @@
               <a:buNone/>
             </a:pPr>
             <a:r>
-              <a:rPr b="1" lang="en">
+              <a:rPr b="1" i="0" lang="en" sz="1400" u="none" cap="none" strike="noStrike">
                 <a:solidFill>
                   <a:schemeClr val="dk1"/>
                 </a:solidFill>
@@ -13218,7 +13519,7 @@
               </a:rPr>
               <a:t>/* unvisited link */</a:t>
             </a:r>
-            <a:endParaRPr b="1">
+            <a:endParaRPr b="1" i="0" sz="1400" u="none" cap="none" strike="noStrike">
               <a:solidFill>
                 <a:schemeClr val="dk1"/>
               </a:solidFill>
@@ -13229,20 +13530,25 @@
             </a:endParaRPr>
           </a:p>
           <a:p>
-            <a:pPr indent="0" lvl="0" marL="0" rtl="0" algn="l">
-              <a:lnSpc>
-                <a:spcPct val="115000"/>
-              </a:lnSpc>
-              <a:spcBef>
-                <a:spcPts val="0"/>
-              </a:spcBef>
-              <a:spcAft>
-                <a:spcPts val="0"/>
-              </a:spcAft>
-              <a:buNone/>
-            </a:pPr>
-            <a:r>
-              <a:rPr b="1" lang="en">
+            <a:pPr indent="0" lvl="0" marL="0" marR="0" rtl="0" algn="l">
+              <a:lnSpc>
+                <a:spcPct val="115000"/>
+              </a:lnSpc>
+              <a:spcBef>
+                <a:spcPts val="0"/>
+              </a:spcBef>
+              <a:spcAft>
+                <a:spcPts val="0"/>
+              </a:spcAft>
+              <a:buClr>
+                <a:srgbClr val="000000"/>
+              </a:buClr>
+              <a:buSzPts val="1400"/>
+              <a:buFont typeface="Arial"/>
+              <a:buNone/>
+            </a:pPr>
+            <a:r>
+              <a:rPr b="1" i="0" lang="en" sz="1400" u="none" cap="none" strike="noStrike">
                 <a:solidFill>
                   <a:schemeClr val="dk1"/>
                 </a:solidFill>
@@ -13251,10 +13557,38 @@
                 <a:cs typeface="Courier New"/>
                 <a:sym typeface="Courier New"/>
               </a:rPr>
-              <a:t>a</a:t>
-            </a:r>
-            <a:r>
-              <a:rPr b="1" lang="en">
+              <a:t>a:link</a:t>
+            </a:r>
+            <a:endParaRPr b="1" i="0" sz="1400" u="none" cap="none" strike="noStrike">
+              <a:solidFill>
+                <a:schemeClr val="dk1"/>
+              </a:solidFill>
+              <a:latin typeface="Courier New"/>
+              <a:ea typeface="Courier New"/>
+              <a:cs typeface="Courier New"/>
+              <a:sym typeface="Courier New"/>
+            </a:endParaRPr>
+          </a:p>
+          <a:p>
+            <a:pPr indent="0" lvl="0" marL="0" marR="0" rtl="0" algn="l">
+              <a:lnSpc>
+                <a:spcPct val="115000"/>
+              </a:lnSpc>
+              <a:spcBef>
+                <a:spcPts val="0"/>
+              </a:spcBef>
+              <a:spcAft>
+                <a:spcPts val="0"/>
+              </a:spcAft>
+              <a:buClr>
+                <a:schemeClr val="dk1"/>
+              </a:buClr>
+              <a:buSzPts val="1100"/>
+              <a:buFont typeface="Arial"/>
+              <a:buNone/>
+            </a:pPr>
+            <a:r>
+              <a:rPr b="1" i="0" lang="en" sz="1400" u="none" cap="none" strike="noStrike">
                 <a:solidFill>
                   <a:schemeClr val="dk1"/>
                 </a:solidFill>
@@ -13263,9 +13597,9 @@
                 <a:cs typeface="Courier New"/>
                 <a:sym typeface="Courier New"/>
               </a:rPr>
-              <a:t>:link</a:t>
-            </a:r>
-            <a:endParaRPr b="1">
+              <a:t>{</a:t>
+            </a:r>
+            <a:endParaRPr b="1" i="0" sz="1400" u="none" cap="none" strike="noStrike">
               <a:solidFill>
                 <a:schemeClr val="dk1"/>
               </a:solidFill>
@@ -13276,7 +13610,7 @@
             </a:endParaRPr>
           </a:p>
           <a:p>
-            <a:pPr indent="0" lvl="0" marL="0" rtl="0" algn="l">
+            <a:pPr indent="457200" lvl="0" marL="0" marR="0" rtl="0" algn="l">
               <a:lnSpc>
                 <a:spcPct val="115000"/>
               </a:lnSpc>
@@ -13294,7 +13628,7 @@
               <a:buNone/>
             </a:pPr>
             <a:r>
-              <a:rPr b="1" lang="en">
+              <a:rPr b="1" i="0" lang="en" sz="1400" u="none" cap="none" strike="noStrike">
                 <a:solidFill>
                   <a:schemeClr val="dk1"/>
                 </a:solidFill>
@@ -13303,9 +13637,9 @@
                 <a:cs typeface="Courier New"/>
                 <a:sym typeface="Courier New"/>
               </a:rPr>
-              <a:t>{</a:t>
-            </a:r>
-            <a:endParaRPr b="1">
+              <a:t>color: red;</a:t>
+            </a:r>
+            <a:endParaRPr b="1" i="0" sz="1400" u="none" cap="none" strike="noStrike">
               <a:solidFill>
                 <a:schemeClr val="dk1"/>
               </a:solidFill>
@@ -13316,7 +13650,7 @@
             </a:endParaRPr>
           </a:p>
           <a:p>
-            <a:pPr indent="457200" lvl="0" marL="0" rtl="0" algn="l">
+            <a:pPr indent="0" lvl="0" marL="0" marR="0" rtl="0" algn="l">
               <a:lnSpc>
                 <a:spcPct val="115000"/>
               </a:lnSpc>
@@ -13334,7 +13668,7 @@
               <a:buNone/>
             </a:pPr>
             <a:r>
-              <a:rPr b="1" lang="en">
+              <a:rPr b="1" i="0" lang="en" sz="1400" u="none" cap="none" strike="noStrike">
                 <a:solidFill>
                   <a:schemeClr val="dk1"/>
                 </a:solidFill>
@@ -13343,9 +13677,9 @@
                 <a:cs typeface="Courier New"/>
                 <a:sym typeface="Courier New"/>
               </a:rPr>
-              <a:t>color: red;</a:t>
-            </a:r>
-            <a:endParaRPr b="1">
+              <a:t>}</a:t>
+            </a:r>
+            <a:endParaRPr b="1" i="0" sz="1400" u="none" cap="none" strike="noStrike">
               <a:solidFill>
                 <a:schemeClr val="dk1"/>
               </a:solidFill>
@@ -13356,7 +13690,7 @@
             </a:endParaRPr>
           </a:p>
           <a:p>
-            <a:pPr indent="0" lvl="0" marL="0" rtl="0" algn="l">
+            <a:pPr indent="0" lvl="0" marL="0" marR="0" rtl="0" algn="l">
               <a:lnSpc>
                 <a:spcPct val="115000"/>
               </a:lnSpc>
@@ -13374,7 +13708,7 @@
               <a:buNone/>
             </a:pPr>
             <a:r>
-              <a:rPr b="1" lang="en">
+              <a:rPr b="1" i="0" lang="en" sz="1400" u="none" cap="none" strike="noStrike">
                 <a:solidFill>
                   <a:schemeClr val="dk1"/>
                 </a:solidFill>
@@ -13383,9 +13717,9 @@
                 <a:cs typeface="Courier New"/>
                 <a:sym typeface="Courier New"/>
               </a:rPr>
-              <a:t>}</a:t>
-            </a:r>
-            <a:endParaRPr b="1">
+              <a:t>/* visited link */</a:t>
+            </a:r>
+            <a:endParaRPr b="1" i="0" sz="1400" u="none" cap="none" strike="noStrike">
               <a:solidFill>
                 <a:schemeClr val="dk1"/>
               </a:solidFill>
@@ -13396,25 +13730,25 @@
             </a:endParaRPr>
           </a:p>
           <a:p>
-            <a:pPr indent="0" lvl="0" marL="0" rtl="0" algn="l">
-              <a:lnSpc>
-                <a:spcPct val="115000"/>
-              </a:lnSpc>
-              <a:spcBef>
-                <a:spcPts val="0"/>
-              </a:spcBef>
-              <a:spcAft>
-                <a:spcPts val="0"/>
-              </a:spcAft>
-              <a:buClr>
-                <a:schemeClr val="dk1"/>
-              </a:buClr>
-              <a:buSzPts val="1100"/>
-              <a:buFont typeface="Arial"/>
-              <a:buNone/>
-            </a:pPr>
-            <a:r>
-              <a:rPr b="1" lang="en">
+            <a:pPr indent="0" lvl="0" marL="0" marR="0" rtl="0" algn="l">
+              <a:lnSpc>
+                <a:spcPct val="115000"/>
+              </a:lnSpc>
+              <a:spcBef>
+                <a:spcPts val="0"/>
+              </a:spcBef>
+              <a:spcAft>
+                <a:spcPts val="0"/>
+              </a:spcAft>
+              <a:buClr>
+                <a:srgbClr val="000000"/>
+              </a:buClr>
+              <a:buSzPts val="1400"/>
+              <a:buFont typeface="Arial"/>
+              <a:buNone/>
+            </a:pPr>
+            <a:r>
+              <a:rPr b="1" i="0" lang="en" sz="1400" u="none" cap="none" strike="noStrike">
                 <a:solidFill>
                   <a:schemeClr val="dk1"/>
                 </a:solidFill>
@@ -13423,9 +13757,9 @@
                 <a:cs typeface="Courier New"/>
                 <a:sym typeface="Courier New"/>
               </a:rPr>
-              <a:t>/* visited link */</a:t>
-            </a:r>
-            <a:endParaRPr b="1">
+              <a:t>a:visited</a:t>
+            </a:r>
+            <a:endParaRPr b="1" i="0" sz="1400" u="none" cap="none" strike="noStrike">
               <a:solidFill>
                 <a:schemeClr val="dk1"/>
               </a:solidFill>
@@ -13436,20 +13770,25 @@
             </a:endParaRPr>
           </a:p>
           <a:p>
-            <a:pPr indent="0" lvl="0" marL="0" rtl="0" algn="l">
-              <a:lnSpc>
-                <a:spcPct val="115000"/>
-              </a:lnSpc>
-              <a:spcBef>
-                <a:spcPts val="0"/>
-              </a:spcBef>
-              <a:spcAft>
-                <a:spcPts val="0"/>
-              </a:spcAft>
-              <a:buNone/>
-            </a:pPr>
-            <a:r>
-              <a:rPr b="1" lang="en">
+            <a:pPr indent="0" lvl="0" marL="0" marR="0" rtl="0" algn="l">
+              <a:lnSpc>
+                <a:spcPct val="115000"/>
+              </a:lnSpc>
+              <a:spcBef>
+                <a:spcPts val="0"/>
+              </a:spcBef>
+              <a:spcAft>
+                <a:spcPts val="0"/>
+              </a:spcAft>
+              <a:buClr>
+                <a:schemeClr val="dk1"/>
+              </a:buClr>
+              <a:buSzPts val="1100"/>
+              <a:buFont typeface="Arial"/>
+              <a:buNone/>
+            </a:pPr>
+            <a:r>
+              <a:rPr b="1" i="0" lang="en" sz="1400" u="none" cap="none" strike="noStrike">
                 <a:solidFill>
                   <a:schemeClr val="dk1"/>
                 </a:solidFill>
@@ -13458,10 +13797,38 @@
                 <a:cs typeface="Courier New"/>
                 <a:sym typeface="Courier New"/>
               </a:rPr>
-              <a:t>a</a:t>
-            </a:r>
-            <a:r>
-              <a:rPr b="1" lang="en">
+              <a:t>{</a:t>
+            </a:r>
+            <a:endParaRPr b="1" i="0" sz="1400" u="none" cap="none" strike="noStrike">
+              <a:solidFill>
+                <a:schemeClr val="dk1"/>
+              </a:solidFill>
+              <a:latin typeface="Courier New"/>
+              <a:ea typeface="Courier New"/>
+              <a:cs typeface="Courier New"/>
+              <a:sym typeface="Courier New"/>
+            </a:endParaRPr>
+          </a:p>
+          <a:p>
+            <a:pPr indent="457200" lvl="0" marL="0" marR="0" rtl="0" algn="l">
+              <a:lnSpc>
+                <a:spcPct val="115000"/>
+              </a:lnSpc>
+              <a:spcBef>
+                <a:spcPts val="0"/>
+              </a:spcBef>
+              <a:spcAft>
+                <a:spcPts val="0"/>
+              </a:spcAft>
+              <a:buClr>
+                <a:schemeClr val="dk1"/>
+              </a:buClr>
+              <a:buSzPts val="1100"/>
+              <a:buFont typeface="Arial"/>
+              <a:buNone/>
+            </a:pPr>
+            <a:r>
+              <a:rPr b="1" i="0" lang="en" sz="1400" u="none" cap="none" strike="noStrike">
                 <a:solidFill>
                   <a:schemeClr val="dk1"/>
                 </a:solidFill>
@@ -13470,9 +13837,9 @@
                 <a:cs typeface="Courier New"/>
                 <a:sym typeface="Courier New"/>
               </a:rPr>
-              <a:t>:visited</a:t>
-            </a:r>
-            <a:endParaRPr b="1">
+              <a:t>color: green;</a:t>
+            </a:r>
+            <a:endParaRPr b="1" i="0" sz="1400" u="none" cap="none" strike="noStrike">
               <a:solidFill>
                 <a:schemeClr val="dk1"/>
               </a:solidFill>
@@ -13483,7 +13850,7 @@
             </a:endParaRPr>
           </a:p>
           <a:p>
-            <a:pPr indent="0" lvl="0" marL="0" rtl="0" algn="l">
+            <a:pPr indent="0" lvl="0" marL="0" marR="0" rtl="0" algn="l">
               <a:lnSpc>
                 <a:spcPct val="115000"/>
               </a:lnSpc>
@@ -13501,7 +13868,7 @@
               <a:buNone/>
             </a:pPr>
             <a:r>
-              <a:rPr b="1" lang="en">
+              <a:rPr b="1" i="0" lang="en" sz="1400" u="none" cap="none" strike="noStrike">
                 <a:solidFill>
                   <a:schemeClr val="dk1"/>
                 </a:solidFill>
@@ -13510,9 +13877,9 @@
                 <a:cs typeface="Courier New"/>
                 <a:sym typeface="Courier New"/>
               </a:rPr>
-              <a:t>{</a:t>
-            </a:r>
-            <a:endParaRPr b="1">
+              <a:t>}</a:t>
+            </a:r>
+            <a:endParaRPr b="1" i="0" sz="1400" u="none" cap="none" strike="noStrike">
               <a:solidFill>
                 <a:schemeClr val="dk1"/>
               </a:solidFill>
@@ -13523,7 +13890,7 @@
             </a:endParaRPr>
           </a:p>
           <a:p>
-            <a:pPr indent="457200" lvl="0" marL="0" rtl="0" algn="l">
+            <a:pPr indent="0" lvl="0" marL="0" marR="0" rtl="0" algn="l">
               <a:lnSpc>
                 <a:spcPct val="115000"/>
               </a:lnSpc>
@@ -13541,7 +13908,7 @@
               <a:buNone/>
             </a:pPr>
             <a:r>
-              <a:rPr b="1" lang="en">
+              <a:rPr b="1" i="0" lang="en" sz="1400" u="none" cap="none" strike="noStrike">
                 <a:solidFill>
                   <a:schemeClr val="dk1"/>
                 </a:solidFill>
@@ -13550,9 +13917,9 @@
                 <a:cs typeface="Courier New"/>
                 <a:sym typeface="Courier New"/>
               </a:rPr>
-              <a:t>color: green;</a:t>
-            </a:r>
-            <a:endParaRPr b="1">
+              <a:t>/* mouse over link */</a:t>
+            </a:r>
+            <a:endParaRPr b="1" i="0" sz="1400" u="none" cap="none" strike="noStrike">
               <a:solidFill>
                 <a:schemeClr val="dk1"/>
               </a:solidFill>
@@ -13563,25 +13930,25 @@
             </a:endParaRPr>
           </a:p>
           <a:p>
-            <a:pPr indent="0" lvl="0" marL="0" rtl="0" algn="l">
-              <a:lnSpc>
-                <a:spcPct val="115000"/>
-              </a:lnSpc>
-              <a:spcBef>
-                <a:spcPts val="0"/>
-              </a:spcBef>
-              <a:spcAft>
-                <a:spcPts val="0"/>
-              </a:spcAft>
-              <a:buClr>
-                <a:schemeClr val="dk1"/>
-              </a:buClr>
-              <a:buSzPts val="1100"/>
-              <a:buFont typeface="Arial"/>
-              <a:buNone/>
-            </a:pPr>
-            <a:r>
-              <a:rPr b="1" lang="en">
+            <a:pPr indent="0" lvl="0" marL="0" marR="0" rtl="0" algn="l">
+              <a:lnSpc>
+                <a:spcPct val="115000"/>
+              </a:lnSpc>
+              <a:spcBef>
+                <a:spcPts val="0"/>
+              </a:spcBef>
+              <a:spcAft>
+                <a:spcPts val="0"/>
+              </a:spcAft>
+              <a:buClr>
+                <a:srgbClr val="000000"/>
+              </a:buClr>
+              <a:buSzPts val="1400"/>
+              <a:buFont typeface="Arial"/>
+              <a:buNone/>
+            </a:pPr>
+            <a:r>
+              <a:rPr b="1" i="0" lang="en" sz="1400" u="none" cap="none" strike="noStrike">
                 <a:solidFill>
                   <a:schemeClr val="dk1"/>
                 </a:solidFill>
@@ -13590,9 +13957,9 @@
                 <a:cs typeface="Courier New"/>
                 <a:sym typeface="Courier New"/>
               </a:rPr>
-              <a:t>}</a:t>
-            </a:r>
-            <a:endParaRPr b="1">
+              <a:t>a:hover</a:t>
+            </a:r>
+            <a:endParaRPr b="1" i="0" sz="1400" u="none" cap="none" strike="noStrike">
               <a:solidFill>
                 <a:schemeClr val="dk1"/>
               </a:solidFill>
@@ -13603,7 +13970,7 @@
             </a:endParaRPr>
           </a:p>
           <a:p>
-            <a:pPr indent="0" lvl="0" marL="0" rtl="0" algn="l">
+            <a:pPr indent="0" lvl="0" marL="0" marR="0" rtl="0" algn="l">
               <a:lnSpc>
                 <a:spcPct val="115000"/>
               </a:lnSpc>
@@ -13621,7 +13988,7 @@
               <a:buNone/>
             </a:pPr>
             <a:r>
-              <a:rPr b="1" lang="en">
+              <a:rPr b="1" i="0" lang="en" sz="1400" u="none" cap="none" strike="noStrike">
                 <a:solidFill>
                   <a:schemeClr val="dk1"/>
                 </a:solidFill>
@@ -13630,9 +13997,9 @@
                 <a:cs typeface="Courier New"/>
                 <a:sym typeface="Courier New"/>
               </a:rPr>
-              <a:t>/* mouse over link */</a:t>
-            </a:r>
-            <a:endParaRPr b="1">
+              <a:t>{</a:t>
+            </a:r>
+            <a:endParaRPr b="1" i="0" sz="1400" u="none" cap="none" strike="noStrike">
               <a:solidFill>
                 <a:schemeClr val="dk1"/>
               </a:solidFill>
@@ -13643,20 +14010,25 @@
             </a:endParaRPr>
           </a:p>
           <a:p>
-            <a:pPr indent="0" lvl="0" marL="0" rtl="0" algn="l">
-              <a:lnSpc>
-                <a:spcPct val="115000"/>
-              </a:lnSpc>
-              <a:spcBef>
-                <a:spcPts val="0"/>
-              </a:spcBef>
-              <a:spcAft>
-                <a:spcPts val="0"/>
-              </a:spcAft>
-              <a:buNone/>
-            </a:pPr>
-            <a:r>
-              <a:rPr b="1" lang="en">
+            <a:pPr indent="457200" lvl="0" marL="0" marR="0" rtl="0" algn="l">
+              <a:lnSpc>
+                <a:spcPct val="115000"/>
+              </a:lnSpc>
+              <a:spcBef>
+                <a:spcPts val="0"/>
+              </a:spcBef>
+              <a:spcAft>
+                <a:spcPts val="0"/>
+              </a:spcAft>
+              <a:buClr>
+                <a:schemeClr val="dk1"/>
+              </a:buClr>
+              <a:buSzPts val="1100"/>
+              <a:buFont typeface="Arial"/>
+              <a:buNone/>
+            </a:pPr>
+            <a:r>
+              <a:rPr b="1" i="0" lang="en" sz="1400" u="none" cap="none" strike="noStrike">
                 <a:solidFill>
                   <a:schemeClr val="dk1"/>
                 </a:solidFill>
@@ -13665,10 +14037,38 @@
                 <a:cs typeface="Courier New"/>
                 <a:sym typeface="Courier New"/>
               </a:rPr>
-              <a:t>a</a:t>
-            </a:r>
-            <a:r>
-              <a:rPr b="1" lang="en">
+              <a:t>color: hotpink;</a:t>
+            </a:r>
+            <a:endParaRPr b="1" i="0" sz="1400" u="none" cap="none" strike="noStrike">
+              <a:solidFill>
+                <a:schemeClr val="dk1"/>
+              </a:solidFill>
+              <a:latin typeface="Courier New"/>
+              <a:ea typeface="Courier New"/>
+              <a:cs typeface="Courier New"/>
+              <a:sym typeface="Courier New"/>
+            </a:endParaRPr>
+          </a:p>
+          <a:p>
+            <a:pPr indent="0" lvl="0" marL="0" marR="0" rtl="0" algn="l">
+              <a:lnSpc>
+                <a:spcPct val="115000"/>
+              </a:lnSpc>
+              <a:spcBef>
+                <a:spcPts val="0"/>
+              </a:spcBef>
+              <a:spcAft>
+                <a:spcPts val="0"/>
+              </a:spcAft>
+              <a:buClr>
+                <a:schemeClr val="dk1"/>
+              </a:buClr>
+              <a:buSzPts val="1100"/>
+              <a:buFont typeface="Arial"/>
+              <a:buNone/>
+            </a:pPr>
+            <a:r>
+              <a:rPr b="1" i="0" lang="en" sz="1400" u="none" cap="none" strike="noStrike">
                 <a:solidFill>
                   <a:schemeClr val="dk1"/>
                 </a:solidFill>
@@ -13677,9 +14077,9 @@
                 <a:cs typeface="Courier New"/>
                 <a:sym typeface="Courier New"/>
               </a:rPr>
-              <a:t>:hover</a:t>
-            </a:r>
-            <a:endParaRPr b="1">
+              <a:t>}</a:t>
+            </a:r>
+            <a:endParaRPr b="1" i="0" sz="1400" u="none" cap="none" strike="noStrike">
               <a:solidFill>
                 <a:schemeClr val="dk1"/>
               </a:solidFill>
@@ -13690,7 +14090,7 @@
             </a:endParaRPr>
           </a:p>
           <a:p>
-            <a:pPr indent="0" lvl="0" marL="0" rtl="0" algn="l">
+            <a:pPr indent="0" lvl="0" marL="0" marR="0" rtl="0" algn="l">
               <a:lnSpc>
                 <a:spcPct val="115000"/>
               </a:lnSpc>
@@ -13708,7 +14108,7 @@
               <a:buNone/>
             </a:pPr>
             <a:r>
-              <a:rPr b="1" lang="en">
+              <a:rPr b="1" i="0" lang="en" sz="1400" u="none" cap="none" strike="noStrike">
                 <a:solidFill>
                   <a:schemeClr val="dk1"/>
                 </a:solidFill>
@@ -13717,9 +14117,9 @@
                 <a:cs typeface="Courier New"/>
                 <a:sym typeface="Courier New"/>
               </a:rPr>
-              <a:t>{</a:t>
-            </a:r>
-            <a:endParaRPr b="1">
+              <a:t>/* selected link */</a:t>
+            </a:r>
+            <a:endParaRPr b="1" i="0" sz="1400" u="none" cap="none" strike="noStrike">
               <a:solidFill>
                 <a:schemeClr val="dk1"/>
               </a:solidFill>
@@ -13730,25 +14130,25 @@
             </a:endParaRPr>
           </a:p>
           <a:p>
-            <a:pPr indent="457200" lvl="0" marL="0" rtl="0" algn="l">
-              <a:lnSpc>
-                <a:spcPct val="115000"/>
-              </a:lnSpc>
-              <a:spcBef>
-                <a:spcPts val="0"/>
-              </a:spcBef>
-              <a:spcAft>
-                <a:spcPts val="0"/>
-              </a:spcAft>
-              <a:buClr>
-                <a:schemeClr val="dk1"/>
-              </a:buClr>
-              <a:buSzPts val="1100"/>
-              <a:buFont typeface="Arial"/>
-              <a:buNone/>
-            </a:pPr>
-            <a:r>
-              <a:rPr b="1" lang="en">
+            <a:pPr indent="0" lvl="0" marL="0" marR="0" rtl="0" algn="l">
+              <a:lnSpc>
+                <a:spcPct val="115000"/>
+              </a:lnSpc>
+              <a:spcBef>
+                <a:spcPts val="0"/>
+              </a:spcBef>
+              <a:spcAft>
+                <a:spcPts val="0"/>
+              </a:spcAft>
+              <a:buClr>
+                <a:srgbClr val="000000"/>
+              </a:buClr>
+              <a:buSzPts val="1400"/>
+              <a:buFont typeface="Arial"/>
+              <a:buNone/>
+            </a:pPr>
+            <a:r>
+              <a:rPr b="1" i="0" lang="en" sz="1400" u="none" cap="none" strike="noStrike">
                 <a:solidFill>
                   <a:schemeClr val="dk1"/>
                 </a:solidFill>
@@ -13757,9 +14157,9 @@
                 <a:cs typeface="Courier New"/>
                 <a:sym typeface="Courier New"/>
               </a:rPr>
-              <a:t>color: hotpink;</a:t>
-            </a:r>
-            <a:endParaRPr b="1">
+              <a:t>a:active</a:t>
+            </a:r>
+            <a:endParaRPr b="1" i="0" sz="1400" u="none" cap="none" strike="noStrike">
               <a:solidFill>
                 <a:schemeClr val="dk1"/>
               </a:solidFill>
@@ -13770,7 +14170,7 @@
             </a:endParaRPr>
           </a:p>
           <a:p>
-            <a:pPr indent="0" lvl="0" marL="0" rtl="0" algn="l">
+            <a:pPr indent="0" lvl="0" marL="0" marR="0" rtl="0" algn="l">
               <a:lnSpc>
                 <a:spcPct val="115000"/>
               </a:lnSpc>
@@ -13788,7 +14188,7 @@
               <a:buNone/>
             </a:pPr>
             <a:r>
-              <a:rPr b="1" lang="en">
+              <a:rPr b="1" i="0" lang="en" sz="1400" u="none" cap="none" strike="noStrike">
                 <a:solidFill>
                   <a:schemeClr val="dk1"/>
                 </a:solidFill>
@@ -13797,9 +14197,9 @@
                 <a:cs typeface="Courier New"/>
                 <a:sym typeface="Courier New"/>
               </a:rPr>
-              <a:t>}</a:t>
-            </a:r>
-            <a:endParaRPr b="1">
+              <a:t>{</a:t>
+            </a:r>
+            <a:endParaRPr b="1" i="0" sz="1400" u="none" cap="none" strike="noStrike">
               <a:solidFill>
                 <a:schemeClr val="dk1"/>
               </a:solidFill>
@@ -13810,7 +14210,7 @@
             </a:endParaRPr>
           </a:p>
           <a:p>
-            <a:pPr indent="0" lvl="0" marL="0" rtl="0" algn="l">
+            <a:pPr indent="457200" lvl="0" marL="0" marR="0" rtl="0" algn="l">
               <a:lnSpc>
                 <a:spcPct val="115000"/>
               </a:lnSpc>
@@ -13828,7 +14228,7 @@
               <a:buNone/>
             </a:pPr>
             <a:r>
-              <a:rPr b="1" lang="en">
+              <a:rPr b="1" i="0" lang="en" sz="1400" u="none" cap="none" strike="noStrike">
                 <a:solidFill>
                   <a:schemeClr val="dk1"/>
                 </a:solidFill>
@@ -13837,9 +14237,9 @@
                 <a:cs typeface="Courier New"/>
                 <a:sym typeface="Courier New"/>
               </a:rPr>
-              <a:t>/* selected link */</a:t>
-            </a:r>
-            <a:endParaRPr b="1">
+              <a:t>color: blue;</a:t>
+            </a:r>
+            <a:endParaRPr b="1" i="0" sz="1400" u="none" cap="none" strike="noStrike">
               <a:solidFill>
                 <a:schemeClr val="dk1"/>
               </a:solidFill>
@@ -13850,20 +14250,25 @@
             </a:endParaRPr>
           </a:p>
           <a:p>
-            <a:pPr indent="0" lvl="0" marL="0" rtl="0" algn="l">
-              <a:lnSpc>
-                <a:spcPct val="115000"/>
-              </a:lnSpc>
-              <a:spcBef>
-                <a:spcPts val="0"/>
-              </a:spcBef>
-              <a:spcAft>
-                <a:spcPts val="0"/>
-              </a:spcAft>
-              <a:buNone/>
-            </a:pPr>
-            <a:r>
-              <a:rPr b="1" lang="en">
+            <a:pPr indent="0" lvl="0" marL="0" marR="0" rtl="0" algn="l">
+              <a:lnSpc>
+                <a:spcPct val="115000"/>
+              </a:lnSpc>
+              <a:spcBef>
+                <a:spcPts val="0"/>
+              </a:spcBef>
+              <a:spcAft>
+                <a:spcPts val="0"/>
+              </a:spcAft>
+              <a:buClr>
+                <a:schemeClr val="dk1"/>
+              </a:buClr>
+              <a:buSzPts val="1100"/>
+              <a:buFont typeface="Arial"/>
+              <a:buNone/>
+            </a:pPr>
+            <a:r>
+              <a:rPr b="1" i="0" lang="en" sz="1400" u="none" cap="none" strike="noStrike">
                 <a:solidFill>
                   <a:schemeClr val="dk1"/>
                 </a:solidFill>
@@ -13872,141 +14277,9 @@
                 <a:cs typeface="Courier New"/>
                 <a:sym typeface="Courier New"/>
               </a:rPr>
-              <a:t>a</a:t>
-            </a:r>
-            <a:r>
-              <a:rPr b="1" lang="en">
-                <a:solidFill>
-                  <a:schemeClr val="dk1"/>
-                </a:solidFill>
-                <a:latin typeface="Courier New"/>
-                <a:ea typeface="Courier New"/>
-                <a:cs typeface="Courier New"/>
-                <a:sym typeface="Courier New"/>
-              </a:rPr>
-              <a:t>:active</a:t>
-            </a:r>
-            <a:endParaRPr b="1">
-              <a:solidFill>
-                <a:schemeClr val="dk1"/>
-              </a:solidFill>
-              <a:latin typeface="Courier New"/>
-              <a:ea typeface="Courier New"/>
-              <a:cs typeface="Courier New"/>
-              <a:sym typeface="Courier New"/>
-            </a:endParaRPr>
-          </a:p>
-          <a:p>
-            <a:pPr indent="0" lvl="0" marL="0" rtl="0" algn="l">
-              <a:lnSpc>
-                <a:spcPct val="115000"/>
-              </a:lnSpc>
-              <a:spcBef>
-                <a:spcPts val="0"/>
-              </a:spcBef>
-              <a:spcAft>
-                <a:spcPts val="0"/>
-              </a:spcAft>
-              <a:buClr>
-                <a:schemeClr val="dk1"/>
-              </a:buClr>
-              <a:buSzPts val="1100"/>
-              <a:buFont typeface="Arial"/>
-              <a:buNone/>
-            </a:pPr>
-            <a:r>
-              <a:rPr b="1" lang="en">
-                <a:solidFill>
-                  <a:schemeClr val="dk1"/>
-                </a:solidFill>
-                <a:latin typeface="Courier New"/>
-                <a:ea typeface="Courier New"/>
-                <a:cs typeface="Courier New"/>
-                <a:sym typeface="Courier New"/>
-              </a:rPr>
-              <a:t>{</a:t>
-            </a:r>
-            <a:endParaRPr b="1">
-              <a:solidFill>
-                <a:schemeClr val="dk1"/>
-              </a:solidFill>
-              <a:latin typeface="Courier New"/>
-              <a:ea typeface="Courier New"/>
-              <a:cs typeface="Courier New"/>
-              <a:sym typeface="Courier New"/>
-            </a:endParaRPr>
-          </a:p>
-          <a:p>
-            <a:pPr indent="457200" lvl="0" marL="0" rtl="0" algn="l">
-              <a:lnSpc>
-                <a:spcPct val="115000"/>
-              </a:lnSpc>
-              <a:spcBef>
-                <a:spcPts val="0"/>
-              </a:spcBef>
-              <a:spcAft>
-                <a:spcPts val="0"/>
-              </a:spcAft>
-              <a:buClr>
-                <a:schemeClr val="dk1"/>
-              </a:buClr>
-              <a:buSzPts val="1100"/>
-              <a:buFont typeface="Arial"/>
-              <a:buNone/>
-            </a:pPr>
-            <a:r>
-              <a:rPr b="1" lang="en">
-                <a:solidFill>
-                  <a:schemeClr val="dk1"/>
-                </a:solidFill>
-                <a:latin typeface="Courier New"/>
-                <a:ea typeface="Courier New"/>
-                <a:cs typeface="Courier New"/>
-                <a:sym typeface="Courier New"/>
-              </a:rPr>
-              <a:t>color: blue;</a:t>
-            </a:r>
-            <a:endParaRPr b="1">
-              <a:solidFill>
-                <a:schemeClr val="dk1"/>
-              </a:solidFill>
-              <a:latin typeface="Courier New"/>
-              <a:ea typeface="Courier New"/>
-              <a:cs typeface="Courier New"/>
-              <a:sym typeface="Courier New"/>
-            </a:endParaRPr>
-          </a:p>
-          <a:p>
-            <a:pPr indent="0" lvl="0" marL="0" rtl="0" algn="l">
-              <a:lnSpc>
-                <a:spcPct val="115000"/>
-              </a:lnSpc>
-              <a:spcBef>
-                <a:spcPts val="0"/>
-              </a:spcBef>
-              <a:spcAft>
-                <a:spcPts val="0"/>
-              </a:spcAft>
-              <a:buClr>
-                <a:schemeClr val="dk1"/>
-              </a:buClr>
-              <a:buSzPts val="1100"/>
-              <a:buFont typeface="Arial"/>
-              <a:buNone/>
-            </a:pPr>
-            <a:r>
-              <a:rPr b="1" lang="en">
-                <a:solidFill>
-                  <a:schemeClr val="dk1"/>
-                </a:solidFill>
-                <a:latin typeface="Courier New"/>
-                <a:ea typeface="Courier New"/>
-                <a:cs typeface="Courier New"/>
-                <a:sym typeface="Courier New"/>
-              </a:rPr>
               <a:t>}</a:t>
             </a:r>
-            <a:endParaRPr b="1">
+            <a:endParaRPr b="1" i="0" sz="1400" u="none" cap="none" strike="noStrike">
               <a:solidFill>
                 <a:schemeClr val="dk1"/>
               </a:solidFill>
@@ -14043,20 +14316,25 @@
           </a:bodyPr>
           <a:lstStyle/>
           <a:p>
-            <a:pPr indent="0" lvl="0" marL="0" rtl="0" algn="l">
-              <a:lnSpc>
-                <a:spcPct val="115000"/>
-              </a:lnSpc>
-              <a:spcBef>
-                <a:spcPts val="0"/>
-              </a:spcBef>
-              <a:spcAft>
-                <a:spcPts val="0"/>
-              </a:spcAft>
-              <a:buNone/>
-            </a:pPr>
-            <a:r>
-              <a:rPr lang="en" sz="1800">
+            <a:pPr indent="0" lvl="0" marL="0" marR="0" rtl="0" algn="l">
+              <a:lnSpc>
+                <a:spcPct val="115000"/>
+              </a:lnSpc>
+              <a:spcBef>
+                <a:spcPts val="0"/>
+              </a:spcBef>
+              <a:spcAft>
+                <a:spcPts val="0"/>
+              </a:spcAft>
+              <a:buClr>
+                <a:srgbClr val="000000"/>
+              </a:buClr>
+              <a:buSzPts val="1800"/>
+              <a:buFont typeface="Arial"/>
+              <a:buNone/>
+            </a:pPr>
+            <a:r>
+              <a:rPr b="0" i="0" lang="en" sz="1800" u="none" cap="none" strike="noStrike">
                 <a:solidFill>
                   <a:schemeClr val="dk1"/>
                 </a:solidFill>
@@ -14067,7 +14345,10 @@
               </a:rPr>
               <a:t>A pseudo-class is used to define a special state of an element.</a:t>
             </a:r>
-            <a:endParaRPr sz="1800">
+            <a:endParaRPr b="0" i="0" sz="1800" u="none" cap="none" strike="noStrike">
+              <a:solidFill>
+                <a:srgbClr val="000000"/>
+              </a:solidFill>
               <a:latin typeface="Times New Roman"/>
               <a:ea typeface="Times New Roman"/>
               <a:cs typeface="Times New Roman"/>
@@ -14117,6 +14398,10 @@
           <a:prstGeom prst="rect">
             <a:avLst/>
           </a:prstGeom>
+          <a:noFill/>
+          <a:ln>
+            <a:noFill/>
+          </a:ln>
         </p:spPr>
         <p:txBody>
           <a:bodyPr anchorCtr="0" anchor="t" bIns="91425" lIns="91425" spcFirstLastPara="1" rIns="91425" wrap="square" tIns="91425">
@@ -14134,6 +14419,7 @@
               <a:spcAft>
                 <a:spcPts val="0"/>
               </a:spcAft>
+              <a:buSzPts val="2800"/>
               <a:buNone/>
             </a:pPr>
             <a:r>
@@ -14175,20 +14461,25 @@
           </a:bodyPr>
           <a:lstStyle/>
           <a:p>
-            <a:pPr indent="0" lvl="0" marL="0" rtl="0" algn="l">
-              <a:lnSpc>
-                <a:spcPct val="115000"/>
-              </a:lnSpc>
-              <a:spcBef>
-                <a:spcPts val="0"/>
-              </a:spcBef>
-              <a:spcAft>
-                <a:spcPts val="0"/>
-              </a:spcAft>
-              <a:buNone/>
-            </a:pPr>
-            <a:r>
-              <a:rPr lang="en" sz="1800">
+            <a:pPr indent="0" lvl="0" marL="0" marR="0" rtl="0" algn="l">
+              <a:lnSpc>
+                <a:spcPct val="115000"/>
+              </a:lnSpc>
+              <a:spcBef>
+                <a:spcPts val="0"/>
+              </a:spcBef>
+              <a:spcAft>
+                <a:spcPts val="0"/>
+              </a:spcAft>
+              <a:buClr>
+                <a:srgbClr val="000000"/>
+              </a:buClr>
+              <a:buSzPts val="1800"/>
+              <a:buFont typeface="Arial"/>
+              <a:buNone/>
+            </a:pPr>
+            <a:r>
+              <a:rPr b="0" i="0" lang="en" sz="1800" u="none" cap="none" strike="noStrike">
                 <a:solidFill>
                   <a:schemeClr val="dk1"/>
                 </a:solidFill>
@@ -14199,7 +14490,7 @@
               </a:rPr>
               <a:t>To select the first child of an element:</a:t>
             </a:r>
-            <a:endParaRPr sz="1800">
+            <a:endParaRPr b="0" i="0" sz="1800" u="none" cap="none" strike="noStrike">
               <a:solidFill>
                 <a:schemeClr val="dk1"/>
               </a:solidFill>
@@ -14242,20 +14533,25 @@
           </a:bodyPr>
           <a:lstStyle/>
           <a:p>
-            <a:pPr indent="0" lvl="0" marL="0" rtl="0" algn="l">
-              <a:lnSpc>
-                <a:spcPct val="115000"/>
-              </a:lnSpc>
-              <a:spcBef>
-                <a:spcPts val="0"/>
-              </a:spcBef>
-              <a:spcAft>
-                <a:spcPts val="0"/>
-              </a:spcAft>
-              <a:buNone/>
-            </a:pPr>
-            <a:r>
-              <a:rPr b="1" lang="en" sz="1800">
+            <a:pPr indent="0" lvl="0" marL="0" marR="0" rtl="0" algn="l">
+              <a:lnSpc>
+                <a:spcPct val="115000"/>
+              </a:lnSpc>
+              <a:spcBef>
+                <a:spcPts val="0"/>
+              </a:spcBef>
+              <a:spcAft>
+                <a:spcPts val="0"/>
+              </a:spcAft>
+              <a:buClr>
+                <a:srgbClr val="000000"/>
+              </a:buClr>
+              <a:buSzPts val="1800"/>
+              <a:buFont typeface="Arial"/>
+              <a:buNone/>
+            </a:pPr>
+            <a:r>
+              <a:rPr b="1" i="0" lang="en" sz="1800" u="none" cap="none" strike="noStrike">
                 <a:solidFill>
                   <a:schemeClr val="dk1"/>
                 </a:solidFill>
@@ -14266,7 +14562,7 @@
               </a:rPr>
               <a:t>ul li:first-child</a:t>
             </a:r>
-            <a:endParaRPr b="1" sz="1800">
+            <a:endParaRPr b="1" i="0" sz="1800" u="none" cap="none" strike="noStrike">
               <a:solidFill>
                 <a:schemeClr val="dk1"/>
               </a:solidFill>
@@ -14277,20 +14573,25 @@
             </a:endParaRPr>
           </a:p>
           <a:p>
-            <a:pPr indent="0" lvl="0" marL="0" rtl="0" algn="l">
-              <a:lnSpc>
-                <a:spcPct val="115000"/>
-              </a:lnSpc>
-              <a:spcBef>
-                <a:spcPts val="0"/>
-              </a:spcBef>
-              <a:spcAft>
-                <a:spcPts val="0"/>
-              </a:spcAft>
-              <a:buNone/>
-            </a:pPr>
-            <a:r>
-              <a:rPr b="1" lang="en" sz="1800">
+            <a:pPr indent="0" lvl="0" marL="0" marR="0" rtl="0" algn="l">
+              <a:lnSpc>
+                <a:spcPct val="115000"/>
+              </a:lnSpc>
+              <a:spcBef>
+                <a:spcPts val="0"/>
+              </a:spcBef>
+              <a:spcAft>
+                <a:spcPts val="0"/>
+              </a:spcAft>
+              <a:buClr>
+                <a:srgbClr val="000000"/>
+              </a:buClr>
+              <a:buSzPts val="1800"/>
+              <a:buFont typeface="Arial"/>
+              <a:buNone/>
+            </a:pPr>
+            <a:r>
+              <a:rPr b="1" i="0" lang="en" sz="1800" u="none" cap="none" strike="noStrike">
                 <a:solidFill>
                   <a:schemeClr val="dk1"/>
                 </a:solidFill>
@@ -14301,7 +14602,7 @@
               </a:rPr>
               <a:t>{</a:t>
             </a:r>
-            <a:endParaRPr b="1" sz="1800">
+            <a:endParaRPr b="1" i="0" sz="1800" u="none" cap="none" strike="noStrike">
               <a:solidFill>
                 <a:schemeClr val="dk1"/>
               </a:solidFill>
@@ -14312,20 +14613,25 @@
             </a:endParaRPr>
           </a:p>
           <a:p>
-            <a:pPr indent="457200" lvl="0" marL="0" rtl="0" algn="l">
-              <a:lnSpc>
-                <a:spcPct val="115000"/>
-              </a:lnSpc>
-              <a:spcBef>
-                <a:spcPts val="0"/>
-              </a:spcBef>
-              <a:spcAft>
-                <a:spcPts val="0"/>
-              </a:spcAft>
-              <a:buNone/>
-            </a:pPr>
-            <a:r>
-              <a:rPr b="1" lang="en" sz="1800">
+            <a:pPr indent="457200" lvl="0" marL="0" marR="0" rtl="0" algn="l">
+              <a:lnSpc>
+                <a:spcPct val="115000"/>
+              </a:lnSpc>
+              <a:spcBef>
+                <a:spcPts val="0"/>
+              </a:spcBef>
+              <a:spcAft>
+                <a:spcPts val="0"/>
+              </a:spcAft>
+              <a:buClr>
+                <a:srgbClr val="000000"/>
+              </a:buClr>
+              <a:buSzPts val="1800"/>
+              <a:buFont typeface="Arial"/>
+              <a:buNone/>
+            </a:pPr>
+            <a:r>
+              <a:rPr b="1" i="0" lang="en" sz="1800" u="none" cap="none" strike="noStrike">
                 <a:solidFill>
                   <a:schemeClr val="dk1"/>
                 </a:solidFill>
@@ -14336,7 +14642,7 @@
               </a:rPr>
               <a:t>color: blue;</a:t>
             </a:r>
-            <a:endParaRPr b="1" sz="1800">
+            <a:endParaRPr b="1" i="0" sz="1800" u="none" cap="none" strike="noStrike">
               <a:solidFill>
                 <a:schemeClr val="dk1"/>
               </a:solidFill>
@@ -14347,20 +14653,25 @@
             </a:endParaRPr>
           </a:p>
           <a:p>
-            <a:pPr indent="0" lvl="0" marL="0" rtl="0" algn="l">
-              <a:lnSpc>
-                <a:spcPct val="115000"/>
-              </a:lnSpc>
-              <a:spcBef>
-                <a:spcPts val="0"/>
-              </a:spcBef>
-              <a:spcAft>
-                <a:spcPts val="0"/>
-              </a:spcAft>
-              <a:buNone/>
-            </a:pPr>
-            <a:r>
-              <a:rPr b="1" lang="en" sz="1800">
+            <a:pPr indent="0" lvl="0" marL="0" marR="0" rtl="0" algn="l">
+              <a:lnSpc>
+                <a:spcPct val="115000"/>
+              </a:lnSpc>
+              <a:spcBef>
+                <a:spcPts val="0"/>
+              </a:spcBef>
+              <a:spcAft>
+                <a:spcPts val="0"/>
+              </a:spcAft>
+              <a:buClr>
+                <a:srgbClr val="000000"/>
+              </a:buClr>
+              <a:buSzPts val="1800"/>
+              <a:buFont typeface="Arial"/>
+              <a:buNone/>
+            </a:pPr>
+            <a:r>
+              <a:rPr b="1" i="0" lang="en" sz="1800" u="none" cap="none" strike="noStrike">
                 <a:solidFill>
                   <a:schemeClr val="dk1"/>
                 </a:solidFill>
@@ -14371,7 +14682,7 @@
               </a:rPr>
               <a:t>}</a:t>
             </a:r>
-            <a:endParaRPr b="1" sz="1800">
+            <a:endParaRPr b="1" i="0" sz="1800" u="none" cap="none" strike="noStrike">
               <a:solidFill>
                 <a:schemeClr val="dk1"/>
               </a:solidFill>
@@ -14414,20 +14725,25 @@
           </a:bodyPr>
           <a:lstStyle/>
           <a:p>
-            <a:pPr indent="0" lvl="0" marL="0" rtl="0" algn="l">
-              <a:lnSpc>
-                <a:spcPct val="115000"/>
-              </a:lnSpc>
-              <a:spcBef>
-                <a:spcPts val="0"/>
-              </a:spcBef>
-              <a:spcAft>
-                <a:spcPts val="0"/>
-              </a:spcAft>
-              <a:buNone/>
-            </a:pPr>
-            <a:r>
-              <a:rPr lang="en" sz="1800">
+            <a:pPr indent="0" lvl="0" marL="0" marR="0" rtl="0" algn="l">
+              <a:lnSpc>
+                <a:spcPct val="115000"/>
+              </a:lnSpc>
+              <a:spcBef>
+                <a:spcPts val="0"/>
+              </a:spcBef>
+              <a:spcAft>
+                <a:spcPts val="0"/>
+              </a:spcAft>
+              <a:buClr>
+                <a:srgbClr val="000000"/>
+              </a:buClr>
+              <a:buSzPts val="1800"/>
+              <a:buFont typeface="Arial"/>
+              <a:buNone/>
+            </a:pPr>
+            <a:r>
+              <a:rPr b="0" i="0" lang="en" sz="1800" u="none" cap="none" strike="noStrike">
                 <a:solidFill>
                   <a:schemeClr val="dk1"/>
                 </a:solidFill>
@@ -14438,7 +14754,7 @@
               </a:rPr>
               <a:t>To select the n-th child of an element:</a:t>
             </a:r>
-            <a:endParaRPr sz="1800">
+            <a:endParaRPr b="0" i="0" sz="1800" u="none" cap="none" strike="noStrike">
               <a:solidFill>
                 <a:schemeClr val="dk1"/>
               </a:solidFill>
@@ -14481,20 +14797,25 @@
           </a:bodyPr>
           <a:lstStyle/>
           <a:p>
-            <a:pPr indent="0" lvl="0" marL="0" rtl="0" algn="l">
-              <a:lnSpc>
-                <a:spcPct val="115000"/>
-              </a:lnSpc>
-              <a:spcBef>
-                <a:spcPts val="0"/>
-              </a:spcBef>
-              <a:spcAft>
-                <a:spcPts val="0"/>
-              </a:spcAft>
-              <a:buNone/>
-            </a:pPr>
-            <a:r>
-              <a:rPr b="1" lang="en" sz="1800">
+            <a:pPr indent="0" lvl="0" marL="0" marR="0" rtl="0" algn="l">
+              <a:lnSpc>
+                <a:spcPct val="115000"/>
+              </a:lnSpc>
+              <a:spcBef>
+                <a:spcPts val="0"/>
+              </a:spcBef>
+              <a:spcAft>
+                <a:spcPts val="0"/>
+              </a:spcAft>
+              <a:buClr>
+                <a:srgbClr val="000000"/>
+              </a:buClr>
+              <a:buSzPts val="1800"/>
+              <a:buFont typeface="Arial"/>
+              <a:buNone/>
+            </a:pPr>
+            <a:r>
+              <a:rPr b="1" i="0" lang="en" sz="1800" u="none" cap="none" strike="noStrike">
                 <a:solidFill>
                   <a:schemeClr val="dk1"/>
                 </a:solidFill>
@@ -14506,7 +14827,7 @@
               <a:t>ul li:</a:t>
             </a:r>
             <a:r>
-              <a:rPr b="1" i="1" lang="en" sz="1800">
+              <a:rPr b="1" i="1" lang="en" sz="1800" u="none" cap="none" strike="noStrike">
                 <a:solidFill>
                   <a:schemeClr val="dk1"/>
                 </a:solidFill>
@@ -14517,7 +14838,7 @@
               </a:rPr>
               <a:t>nth-child(3)</a:t>
             </a:r>
-            <a:endParaRPr b="1" sz="1800">
+            <a:endParaRPr b="1" i="0" sz="1800" u="none" cap="none" strike="noStrike">
               <a:solidFill>
                 <a:schemeClr val="dk1"/>
               </a:solidFill>
@@ -14528,20 +14849,25 @@
             </a:endParaRPr>
           </a:p>
           <a:p>
-            <a:pPr indent="0" lvl="0" marL="0" rtl="0" algn="l">
-              <a:lnSpc>
-                <a:spcPct val="115000"/>
-              </a:lnSpc>
-              <a:spcBef>
-                <a:spcPts val="0"/>
-              </a:spcBef>
-              <a:spcAft>
-                <a:spcPts val="0"/>
-              </a:spcAft>
-              <a:buNone/>
-            </a:pPr>
-            <a:r>
-              <a:rPr b="1" lang="en" sz="1800">
+            <a:pPr indent="0" lvl="0" marL="0" marR="0" rtl="0" algn="l">
+              <a:lnSpc>
+                <a:spcPct val="115000"/>
+              </a:lnSpc>
+              <a:spcBef>
+                <a:spcPts val="0"/>
+              </a:spcBef>
+              <a:spcAft>
+                <a:spcPts val="0"/>
+              </a:spcAft>
+              <a:buClr>
+                <a:srgbClr val="000000"/>
+              </a:buClr>
+              <a:buSzPts val="1800"/>
+              <a:buFont typeface="Arial"/>
+              <a:buNone/>
+            </a:pPr>
+            <a:r>
+              <a:rPr b="1" i="0" lang="en" sz="1800" u="none" cap="none" strike="noStrike">
                 <a:solidFill>
                   <a:schemeClr val="dk1"/>
                 </a:solidFill>
@@ -14552,7 +14878,7 @@
               </a:rPr>
               <a:t>{</a:t>
             </a:r>
-            <a:endParaRPr b="1" sz="1800">
+            <a:endParaRPr b="1" i="0" sz="1800" u="none" cap="none" strike="noStrike">
               <a:solidFill>
                 <a:schemeClr val="dk1"/>
               </a:solidFill>
@@ -14563,20 +14889,25 @@
             </a:endParaRPr>
           </a:p>
           <a:p>
-            <a:pPr indent="457200" lvl="0" marL="0" rtl="0" algn="l">
-              <a:lnSpc>
-                <a:spcPct val="115000"/>
-              </a:lnSpc>
-              <a:spcBef>
-                <a:spcPts val="0"/>
-              </a:spcBef>
-              <a:spcAft>
-                <a:spcPts val="0"/>
-              </a:spcAft>
-              <a:buNone/>
-            </a:pPr>
-            <a:r>
-              <a:rPr b="1" lang="en" sz="1800">
+            <a:pPr indent="457200" lvl="0" marL="0" marR="0" rtl="0" algn="l">
+              <a:lnSpc>
+                <a:spcPct val="115000"/>
+              </a:lnSpc>
+              <a:spcBef>
+                <a:spcPts val="0"/>
+              </a:spcBef>
+              <a:spcAft>
+                <a:spcPts val="0"/>
+              </a:spcAft>
+              <a:buClr>
+                <a:srgbClr val="000000"/>
+              </a:buClr>
+              <a:buSzPts val="1800"/>
+              <a:buFont typeface="Arial"/>
+              <a:buNone/>
+            </a:pPr>
+            <a:r>
+              <a:rPr b="1" i="0" lang="en" sz="1800" u="none" cap="none" strike="noStrike">
                 <a:solidFill>
                   <a:schemeClr val="dk1"/>
                 </a:solidFill>
@@ -14587,7 +14918,7 @@
               </a:rPr>
               <a:t>color: blue;</a:t>
             </a:r>
-            <a:endParaRPr b="1" sz="1800">
+            <a:endParaRPr b="1" i="0" sz="1800" u="none" cap="none" strike="noStrike">
               <a:solidFill>
                 <a:schemeClr val="dk1"/>
               </a:solidFill>
@@ -14598,20 +14929,25 @@
             </a:endParaRPr>
           </a:p>
           <a:p>
-            <a:pPr indent="0" lvl="0" marL="0" rtl="0" algn="l">
-              <a:lnSpc>
-                <a:spcPct val="115000"/>
-              </a:lnSpc>
-              <a:spcBef>
-                <a:spcPts val="0"/>
-              </a:spcBef>
-              <a:spcAft>
-                <a:spcPts val="0"/>
-              </a:spcAft>
-              <a:buNone/>
-            </a:pPr>
-            <a:r>
-              <a:rPr b="1" lang="en" sz="1800">
+            <a:pPr indent="0" lvl="0" marL="0" marR="0" rtl="0" algn="l">
+              <a:lnSpc>
+                <a:spcPct val="115000"/>
+              </a:lnSpc>
+              <a:spcBef>
+                <a:spcPts val="0"/>
+              </a:spcBef>
+              <a:spcAft>
+                <a:spcPts val="0"/>
+              </a:spcAft>
+              <a:buClr>
+                <a:srgbClr val="000000"/>
+              </a:buClr>
+              <a:buSzPts val="1800"/>
+              <a:buFont typeface="Arial"/>
+              <a:buNone/>
+            </a:pPr>
+            <a:r>
+              <a:rPr b="1" i="0" lang="en" sz="1800" u="none" cap="none" strike="noStrike">
                 <a:solidFill>
                   <a:schemeClr val="dk1"/>
                 </a:solidFill>
@@ -14622,7 +14958,7 @@
               </a:rPr>
               <a:t>}</a:t>
             </a:r>
-            <a:endParaRPr b="1" sz="1800">
+            <a:endParaRPr b="1" i="0" sz="1800" u="none" cap="none" strike="noStrike">
               <a:solidFill>
                 <a:schemeClr val="dk1"/>
               </a:solidFill>
@@ -14675,6 +15011,10 @@
           <a:prstGeom prst="rect">
             <a:avLst/>
           </a:prstGeom>
+          <a:noFill/>
+          <a:ln>
+            <a:noFill/>
+          </a:ln>
         </p:spPr>
         <p:txBody>
           <a:bodyPr anchorCtr="0" anchor="t" bIns="91425" lIns="91425" spcFirstLastPara="1" rIns="91425" wrap="square" tIns="91425">
@@ -14692,6 +15032,7 @@
               <a:spcAft>
                 <a:spcPts val="0"/>
               </a:spcAft>
+              <a:buSzPts val="2800"/>
               <a:buNone/>
             </a:pPr>
             <a:r>
@@ -14733,20 +15074,25 @@
           </a:bodyPr>
           <a:lstStyle/>
           <a:p>
-            <a:pPr indent="0" lvl="0" marL="0" rtl="0" algn="l">
-              <a:lnSpc>
-                <a:spcPct val="115000"/>
-              </a:lnSpc>
-              <a:spcBef>
-                <a:spcPts val="0"/>
-              </a:spcBef>
-              <a:spcAft>
-                <a:spcPts val="0"/>
-              </a:spcAft>
-              <a:buNone/>
-            </a:pPr>
-            <a:r>
-              <a:rPr b="1" lang="en" sz="1800">
+            <a:pPr indent="0" lvl="0" marL="0" marR="0" rtl="0" algn="l">
+              <a:lnSpc>
+                <a:spcPct val="115000"/>
+              </a:lnSpc>
+              <a:spcBef>
+                <a:spcPts val="0"/>
+              </a:spcBef>
+              <a:spcAft>
+                <a:spcPts val="0"/>
+              </a:spcAft>
+              <a:buClr>
+                <a:srgbClr val="000000"/>
+              </a:buClr>
+              <a:buSzPts val="1800"/>
+              <a:buFont typeface="Arial"/>
+              <a:buNone/>
+            </a:pPr>
+            <a:r>
+              <a:rPr b="1" i="0" lang="en" sz="1800" u="none" cap="none" strike="noStrike">
                 <a:solidFill>
                   <a:schemeClr val="dk1"/>
                 </a:solidFill>
@@ -14757,7 +15103,7 @@
               </a:rPr>
               <a:t>selector::pseudo-element</a:t>
             </a:r>
-            <a:endParaRPr b="1" sz="1800">
+            <a:endParaRPr b="1" i="0" sz="1800" u="none" cap="none" strike="noStrike">
               <a:solidFill>
                 <a:schemeClr val="dk1"/>
               </a:solidFill>
@@ -14768,20 +15114,25 @@
             </a:endParaRPr>
           </a:p>
           <a:p>
-            <a:pPr indent="0" lvl="0" marL="0" rtl="0" algn="l">
-              <a:lnSpc>
-                <a:spcPct val="115000"/>
-              </a:lnSpc>
-              <a:spcBef>
-                <a:spcPts val="0"/>
-              </a:spcBef>
-              <a:spcAft>
-                <a:spcPts val="0"/>
-              </a:spcAft>
-              <a:buNone/>
-            </a:pPr>
-            <a:r>
-              <a:rPr b="1" lang="en" sz="1800">
+            <a:pPr indent="0" lvl="0" marL="0" marR="0" rtl="0" algn="l">
+              <a:lnSpc>
+                <a:spcPct val="115000"/>
+              </a:lnSpc>
+              <a:spcBef>
+                <a:spcPts val="0"/>
+              </a:spcBef>
+              <a:spcAft>
+                <a:spcPts val="0"/>
+              </a:spcAft>
+              <a:buClr>
+                <a:srgbClr val="000000"/>
+              </a:buClr>
+              <a:buSzPts val="1800"/>
+              <a:buFont typeface="Arial"/>
+              <a:buNone/>
+            </a:pPr>
+            <a:r>
+              <a:rPr b="1" i="0" lang="en" sz="1800" u="none" cap="none" strike="noStrike">
                 <a:solidFill>
                   <a:schemeClr val="dk1"/>
                 </a:solidFill>
@@ -14792,7 +15143,7 @@
               </a:rPr>
               <a:t>{</a:t>
             </a:r>
-            <a:endParaRPr b="1" sz="1800">
+            <a:endParaRPr b="1" i="0" sz="1800" u="none" cap="none" strike="noStrike">
               <a:solidFill>
                 <a:schemeClr val="dk1"/>
               </a:solidFill>
@@ -14803,20 +15154,25 @@
             </a:endParaRPr>
           </a:p>
           <a:p>
-            <a:pPr indent="457200" lvl="0" marL="0" rtl="0" algn="l">
-              <a:lnSpc>
-                <a:spcPct val="115000"/>
-              </a:lnSpc>
-              <a:spcBef>
-                <a:spcPts val="0"/>
-              </a:spcBef>
-              <a:spcAft>
-                <a:spcPts val="0"/>
-              </a:spcAft>
-              <a:buNone/>
-            </a:pPr>
-            <a:r>
-              <a:rPr b="1" lang="en" sz="1800">
+            <a:pPr indent="457200" lvl="0" marL="0" marR="0" rtl="0" algn="l">
+              <a:lnSpc>
+                <a:spcPct val="115000"/>
+              </a:lnSpc>
+              <a:spcBef>
+                <a:spcPts val="0"/>
+              </a:spcBef>
+              <a:spcAft>
+                <a:spcPts val="0"/>
+              </a:spcAft>
+              <a:buClr>
+                <a:srgbClr val="000000"/>
+              </a:buClr>
+              <a:buSzPts val="1800"/>
+              <a:buFont typeface="Arial"/>
+              <a:buNone/>
+            </a:pPr>
+            <a:r>
+              <a:rPr b="1" i="0" lang="en" sz="1800" u="none" cap="none" strike="noStrike">
                 <a:solidFill>
                   <a:schemeClr val="dk1"/>
                 </a:solidFill>
@@ -14827,7 +15183,7 @@
               </a:rPr>
               <a:t>property: value;</a:t>
             </a:r>
-            <a:endParaRPr b="1" sz="1800">
+            <a:endParaRPr b="1" i="0" sz="1800" u="none" cap="none" strike="noStrike">
               <a:solidFill>
                 <a:schemeClr val="dk1"/>
               </a:solidFill>
@@ -14838,20 +15194,25 @@
             </a:endParaRPr>
           </a:p>
           <a:p>
-            <a:pPr indent="0" lvl="0" marL="0" rtl="0" algn="l">
-              <a:lnSpc>
-                <a:spcPct val="115000"/>
-              </a:lnSpc>
-              <a:spcBef>
-                <a:spcPts val="0"/>
-              </a:spcBef>
-              <a:spcAft>
-                <a:spcPts val="0"/>
-              </a:spcAft>
-              <a:buNone/>
-            </a:pPr>
-            <a:r>
-              <a:rPr b="1" lang="en" sz="1800">
+            <a:pPr indent="0" lvl="0" marL="0" marR="0" rtl="0" algn="l">
+              <a:lnSpc>
+                <a:spcPct val="115000"/>
+              </a:lnSpc>
+              <a:spcBef>
+                <a:spcPts val="0"/>
+              </a:spcBef>
+              <a:spcAft>
+                <a:spcPts val="0"/>
+              </a:spcAft>
+              <a:buClr>
+                <a:srgbClr val="000000"/>
+              </a:buClr>
+              <a:buSzPts val="1800"/>
+              <a:buFont typeface="Arial"/>
+              <a:buNone/>
+            </a:pPr>
+            <a:r>
+              <a:rPr b="1" i="0" lang="en" sz="1800" u="none" cap="none" strike="noStrike">
                 <a:solidFill>
                   <a:schemeClr val="dk1"/>
                 </a:solidFill>
@@ -14862,7 +15223,7 @@
               </a:rPr>
               <a:t>}</a:t>
             </a:r>
-            <a:endParaRPr b="1" sz="1800">
+            <a:endParaRPr b="1" i="0" sz="1800" u="none" cap="none" strike="noStrike">
               <a:solidFill>
                 <a:schemeClr val="dk1"/>
               </a:solidFill>
@@ -14899,20 +15260,25 @@
           </a:bodyPr>
           <a:lstStyle/>
           <a:p>
-            <a:pPr indent="0" lvl="0" marL="0" rtl="0" algn="l">
-              <a:lnSpc>
-                <a:spcPct val="115000"/>
-              </a:lnSpc>
-              <a:spcBef>
-                <a:spcPts val="0"/>
-              </a:spcBef>
-              <a:spcAft>
-                <a:spcPts val="0"/>
-              </a:spcAft>
-              <a:buNone/>
-            </a:pPr>
-            <a:r>
-              <a:rPr lang="en" sz="1800">
+            <a:pPr indent="0" lvl="0" marL="0" marR="0" rtl="0" algn="l">
+              <a:lnSpc>
+                <a:spcPct val="115000"/>
+              </a:lnSpc>
+              <a:spcBef>
+                <a:spcPts val="0"/>
+              </a:spcBef>
+              <a:spcAft>
+                <a:spcPts val="0"/>
+              </a:spcAft>
+              <a:buClr>
+                <a:srgbClr val="000000"/>
+              </a:buClr>
+              <a:buSzPts val="1800"/>
+              <a:buFont typeface="Arial"/>
+              <a:buNone/>
+            </a:pPr>
+            <a:r>
+              <a:rPr b="0" i="0" lang="en" sz="1800" u="none" cap="none" strike="noStrike">
                 <a:solidFill>
                   <a:schemeClr val="dk1"/>
                 </a:solidFill>
@@ -14923,7 +15289,7 @@
               </a:rPr>
               <a:t>A pseudo-element is used to style specified parts of an element.</a:t>
             </a:r>
-            <a:endParaRPr sz="1800">
+            <a:endParaRPr b="0" i="0" sz="1800" u="none" cap="none" strike="noStrike">
               <a:solidFill>
                 <a:schemeClr val="dk1"/>
               </a:solidFill>
@@ -14960,20 +15326,25 @@
           </a:bodyPr>
           <a:lstStyle/>
           <a:p>
-            <a:pPr indent="0" lvl="0" marL="0" rtl="0" algn="l">
-              <a:lnSpc>
-                <a:spcPct val="115000"/>
-              </a:lnSpc>
-              <a:spcBef>
-                <a:spcPts val="0"/>
-              </a:spcBef>
-              <a:spcAft>
-                <a:spcPts val="0"/>
-              </a:spcAft>
-              <a:buNone/>
-            </a:pPr>
-            <a:r>
-              <a:rPr b="1" lang="en" sz="1600">
+            <a:pPr indent="0" lvl="0" marL="0" marR="0" rtl="0" algn="l">
+              <a:lnSpc>
+                <a:spcPct val="115000"/>
+              </a:lnSpc>
+              <a:spcBef>
+                <a:spcPts val="0"/>
+              </a:spcBef>
+              <a:spcAft>
+                <a:spcPts val="0"/>
+              </a:spcAft>
+              <a:buClr>
+                <a:srgbClr val="000000"/>
+              </a:buClr>
+              <a:buSzPts val="1600"/>
+              <a:buFont typeface="Arial"/>
+              <a:buNone/>
+            </a:pPr>
+            <a:r>
+              <a:rPr b="1" i="0" lang="en" sz="1600" u="none" cap="none" strike="noStrike">
                 <a:solidFill>
                   <a:schemeClr val="dk1"/>
                 </a:solidFill>
@@ -14982,10 +15353,38 @@
                 <a:cs typeface="Courier New"/>
                 <a:sym typeface="Courier New"/>
               </a:rPr>
-              <a:t>p</a:t>
-            </a:r>
-            <a:r>
-              <a:rPr b="1" lang="en" sz="1600">
+              <a:t>p::first-letter</a:t>
+            </a:r>
+            <a:endParaRPr b="1" i="0" sz="1600" u="none" cap="none" strike="noStrike">
+              <a:solidFill>
+                <a:schemeClr val="dk1"/>
+              </a:solidFill>
+              <a:latin typeface="Courier New"/>
+              <a:ea typeface="Courier New"/>
+              <a:cs typeface="Courier New"/>
+              <a:sym typeface="Courier New"/>
+            </a:endParaRPr>
+          </a:p>
+          <a:p>
+            <a:pPr indent="0" lvl="0" marL="0" marR="0" rtl="0" algn="l">
+              <a:lnSpc>
+                <a:spcPct val="115000"/>
+              </a:lnSpc>
+              <a:spcBef>
+                <a:spcPts val="0"/>
+              </a:spcBef>
+              <a:spcAft>
+                <a:spcPts val="0"/>
+              </a:spcAft>
+              <a:buClr>
+                <a:srgbClr val="000000"/>
+              </a:buClr>
+              <a:buSzPts val="1600"/>
+              <a:buFont typeface="Arial"/>
+              <a:buNone/>
+            </a:pPr>
+            <a:r>
+              <a:rPr b="1" i="0" lang="en" sz="1600" u="none" cap="none" strike="noStrike">
                 <a:solidFill>
                   <a:schemeClr val="dk1"/>
                 </a:solidFill>
@@ -14994,9 +15393,9 @@
                 <a:cs typeface="Courier New"/>
                 <a:sym typeface="Courier New"/>
               </a:rPr>
-              <a:t>::first-letter</a:t>
-            </a:r>
-            <a:endParaRPr b="1" sz="1600">
+              <a:t>{</a:t>
+            </a:r>
+            <a:endParaRPr b="1" i="0" sz="1600" u="none" cap="none" strike="noStrike">
               <a:solidFill>
                 <a:schemeClr val="dk1"/>
               </a:solidFill>
@@ -15007,20 +15406,25 @@
             </a:endParaRPr>
           </a:p>
           <a:p>
-            <a:pPr indent="0" lvl="0" marL="0" rtl="0" algn="l">
-              <a:lnSpc>
-                <a:spcPct val="115000"/>
-              </a:lnSpc>
-              <a:spcBef>
-                <a:spcPts val="0"/>
-              </a:spcBef>
-              <a:spcAft>
-                <a:spcPts val="0"/>
-              </a:spcAft>
-              <a:buNone/>
-            </a:pPr>
-            <a:r>
-              <a:rPr b="1" lang="en" sz="1600">
+            <a:pPr indent="0" lvl="0" marL="0" marR="0" rtl="0" algn="l">
+              <a:lnSpc>
+                <a:spcPct val="115000"/>
+              </a:lnSpc>
+              <a:spcBef>
+                <a:spcPts val="0"/>
+              </a:spcBef>
+              <a:spcAft>
+                <a:spcPts val="0"/>
+              </a:spcAft>
+              <a:buClr>
+                <a:srgbClr val="000000"/>
+              </a:buClr>
+              <a:buSzPts val="1600"/>
+              <a:buFont typeface="Arial"/>
+              <a:buNone/>
+            </a:pPr>
+            <a:r>
+              <a:rPr b="1" i="0" lang="en" sz="1600" u="none" cap="none" strike="noStrike">
                 <a:solidFill>
                   <a:schemeClr val="dk1"/>
                 </a:solidFill>
@@ -15029,9 +15433,9 @@
                 <a:cs typeface="Courier New"/>
                 <a:sym typeface="Courier New"/>
               </a:rPr>
-              <a:t>{</a:t>
-            </a:r>
-            <a:endParaRPr b="1" sz="1600">
+              <a:t>color: red;</a:t>
+            </a:r>
+            <a:endParaRPr b="1" i="0" sz="1600" u="none" cap="none" strike="noStrike">
               <a:solidFill>
                 <a:schemeClr val="dk1"/>
               </a:solidFill>
@@ -15042,20 +15446,25 @@
             </a:endParaRPr>
           </a:p>
           <a:p>
-            <a:pPr indent="0" lvl="0" marL="0" rtl="0" algn="l">
-              <a:lnSpc>
-                <a:spcPct val="115000"/>
-              </a:lnSpc>
-              <a:spcBef>
-                <a:spcPts val="0"/>
-              </a:spcBef>
-              <a:spcAft>
-                <a:spcPts val="0"/>
-              </a:spcAft>
-              <a:buNone/>
-            </a:pPr>
-            <a:r>
-              <a:rPr b="1" lang="en" sz="1600">
+            <a:pPr indent="0" lvl="0" marL="0" marR="0" rtl="0" algn="l">
+              <a:lnSpc>
+                <a:spcPct val="115000"/>
+              </a:lnSpc>
+              <a:spcBef>
+                <a:spcPts val="0"/>
+              </a:spcBef>
+              <a:spcAft>
+                <a:spcPts val="0"/>
+              </a:spcAft>
+              <a:buClr>
+                <a:srgbClr val="000000"/>
+              </a:buClr>
+              <a:buSzPts val="1600"/>
+              <a:buFont typeface="Arial"/>
+              <a:buNone/>
+            </a:pPr>
+            <a:r>
+              <a:rPr b="1" i="0" lang="en" sz="1600" u="none" cap="none" strike="noStrike">
                 <a:solidFill>
                   <a:schemeClr val="dk1"/>
                 </a:solidFill>
@@ -15064,9 +15473,9 @@
                 <a:cs typeface="Courier New"/>
                 <a:sym typeface="Courier New"/>
               </a:rPr>
-              <a:t>color: red;</a:t>
-            </a:r>
-            <a:endParaRPr b="1" sz="1600">
+              <a:t>}</a:t>
+            </a:r>
+            <a:endParaRPr b="1" i="0" sz="1600" u="none" cap="none" strike="noStrike">
               <a:solidFill>
                 <a:schemeClr val="dk1"/>
               </a:solidFill>
@@ -15077,20 +15486,25 @@
             </a:endParaRPr>
           </a:p>
           <a:p>
-            <a:pPr indent="0" lvl="0" marL="0" rtl="0" algn="l">
-              <a:lnSpc>
-                <a:spcPct val="115000"/>
-              </a:lnSpc>
-              <a:spcBef>
-                <a:spcPts val="0"/>
-              </a:spcBef>
-              <a:spcAft>
-                <a:spcPts val="0"/>
-              </a:spcAft>
-              <a:buNone/>
-            </a:pPr>
-            <a:r>
-              <a:rPr b="1" lang="en" sz="1600">
+            <a:pPr indent="0" lvl="0" marL="0" marR="0" rtl="0" algn="l">
+              <a:lnSpc>
+                <a:spcPct val="115000"/>
+              </a:lnSpc>
+              <a:spcBef>
+                <a:spcPts val="0"/>
+              </a:spcBef>
+              <a:spcAft>
+                <a:spcPts val="0"/>
+              </a:spcAft>
+              <a:buClr>
+                <a:srgbClr val="000000"/>
+              </a:buClr>
+              <a:buSzPts val="1600"/>
+              <a:buFont typeface="Arial"/>
+              <a:buNone/>
+            </a:pPr>
+            <a:r>
+              <a:rPr b="1" i="0" lang="en" sz="1600" u="none" cap="none" strike="noStrike">
                 <a:solidFill>
                   <a:schemeClr val="dk1"/>
                 </a:solidFill>
@@ -15099,9 +15513,9 @@
                 <a:cs typeface="Courier New"/>
                 <a:sym typeface="Courier New"/>
               </a:rPr>
-              <a:t>}</a:t>
-            </a:r>
-            <a:endParaRPr b="1" sz="1600">
+              <a:t>p::first-line</a:t>
+            </a:r>
+            <a:endParaRPr b="1" i="0" sz="1600" u="none" cap="none" strike="noStrike">
               <a:solidFill>
                 <a:schemeClr val="dk1"/>
               </a:solidFill>
@@ -15112,20 +15526,25 @@
             </a:endParaRPr>
           </a:p>
           <a:p>
-            <a:pPr indent="0" lvl="0" marL="0" rtl="0" algn="l">
-              <a:lnSpc>
-                <a:spcPct val="115000"/>
-              </a:lnSpc>
-              <a:spcBef>
-                <a:spcPts val="0"/>
-              </a:spcBef>
-              <a:spcAft>
-                <a:spcPts val="0"/>
-              </a:spcAft>
-              <a:buNone/>
-            </a:pPr>
-            <a:r>
-              <a:rPr b="1" lang="en" sz="1600">
+            <a:pPr indent="0" lvl="0" marL="0" marR="0" rtl="0" algn="l">
+              <a:lnSpc>
+                <a:spcPct val="115000"/>
+              </a:lnSpc>
+              <a:spcBef>
+                <a:spcPts val="0"/>
+              </a:spcBef>
+              <a:spcAft>
+                <a:spcPts val="0"/>
+              </a:spcAft>
+              <a:buClr>
+                <a:srgbClr val="000000"/>
+              </a:buClr>
+              <a:buSzPts val="1600"/>
+              <a:buFont typeface="Arial"/>
+              <a:buNone/>
+            </a:pPr>
+            <a:r>
+              <a:rPr b="1" i="0" lang="en" sz="1600" u="none" cap="none" strike="noStrike">
                 <a:solidFill>
                   <a:schemeClr val="dk1"/>
                 </a:solidFill>
@@ -15134,10 +15553,38 @@
                 <a:cs typeface="Courier New"/>
                 <a:sym typeface="Courier New"/>
               </a:rPr>
-              <a:t>p</a:t>
-            </a:r>
-            <a:r>
-              <a:rPr b="1" lang="en" sz="1600">
+              <a:t>{</a:t>
+            </a:r>
+            <a:endParaRPr b="1" i="0" sz="1600" u="none" cap="none" strike="noStrike">
+              <a:solidFill>
+                <a:schemeClr val="dk1"/>
+              </a:solidFill>
+              <a:latin typeface="Courier New"/>
+              <a:ea typeface="Courier New"/>
+              <a:cs typeface="Courier New"/>
+              <a:sym typeface="Courier New"/>
+            </a:endParaRPr>
+          </a:p>
+          <a:p>
+            <a:pPr indent="0" lvl="0" marL="0" marR="0" rtl="0" algn="l">
+              <a:lnSpc>
+                <a:spcPct val="115000"/>
+              </a:lnSpc>
+              <a:spcBef>
+                <a:spcPts val="0"/>
+              </a:spcBef>
+              <a:spcAft>
+                <a:spcPts val="0"/>
+              </a:spcAft>
+              <a:buClr>
+                <a:srgbClr val="000000"/>
+              </a:buClr>
+              <a:buSzPts val="1600"/>
+              <a:buFont typeface="Arial"/>
+              <a:buNone/>
+            </a:pPr>
+            <a:r>
+              <a:rPr b="1" i="0" lang="en" sz="1600" u="none" cap="none" strike="noStrike">
                 <a:solidFill>
                   <a:schemeClr val="dk1"/>
                 </a:solidFill>
@@ -15146,9 +15593,9 @@
                 <a:cs typeface="Courier New"/>
                 <a:sym typeface="Courier New"/>
               </a:rPr>
-              <a:t>::first-line</a:t>
-            </a:r>
-            <a:endParaRPr b="1" sz="1600">
+              <a:t>color: black;</a:t>
+            </a:r>
+            <a:endParaRPr b="1" i="0" sz="1600" u="none" cap="none" strike="noStrike">
               <a:solidFill>
                 <a:schemeClr val="dk1"/>
               </a:solidFill>
@@ -15159,20 +15606,25 @@
             </a:endParaRPr>
           </a:p>
           <a:p>
-            <a:pPr indent="0" lvl="0" marL="0" rtl="0" algn="l">
-              <a:lnSpc>
-                <a:spcPct val="115000"/>
-              </a:lnSpc>
-              <a:spcBef>
-                <a:spcPts val="0"/>
-              </a:spcBef>
-              <a:spcAft>
-                <a:spcPts val="0"/>
-              </a:spcAft>
-              <a:buNone/>
-            </a:pPr>
-            <a:r>
-              <a:rPr b="1" lang="en" sz="1600">
+            <a:pPr indent="0" lvl="0" marL="0" marR="0" rtl="0" algn="l">
+              <a:lnSpc>
+                <a:spcPct val="115000"/>
+              </a:lnSpc>
+              <a:spcBef>
+                <a:spcPts val="0"/>
+              </a:spcBef>
+              <a:spcAft>
+                <a:spcPts val="0"/>
+              </a:spcAft>
+              <a:buClr>
+                <a:srgbClr val="000000"/>
+              </a:buClr>
+              <a:buSzPts val="1600"/>
+              <a:buFont typeface="Arial"/>
+              <a:buNone/>
+            </a:pPr>
+            <a:r>
+              <a:rPr b="1" i="0" lang="en" sz="1600" u="none" cap="none" strike="noStrike">
                 <a:solidFill>
                   <a:schemeClr val="dk1"/>
                 </a:solidFill>
@@ -15181,9 +15633,9 @@
                 <a:cs typeface="Courier New"/>
                 <a:sym typeface="Courier New"/>
               </a:rPr>
-              <a:t>{</a:t>
-            </a:r>
-            <a:endParaRPr b="1" sz="1600">
+              <a:t>}</a:t>
+            </a:r>
+            <a:endParaRPr b="1" i="0" sz="1600" u="none" cap="none" strike="noStrike">
               <a:solidFill>
                 <a:schemeClr val="dk1"/>
               </a:solidFill>
@@ -15194,20 +15646,25 @@
             </a:endParaRPr>
           </a:p>
           <a:p>
-            <a:pPr indent="0" lvl="0" marL="0" rtl="0" algn="l">
-              <a:lnSpc>
-                <a:spcPct val="115000"/>
-              </a:lnSpc>
-              <a:spcBef>
-                <a:spcPts val="0"/>
-              </a:spcBef>
-              <a:spcAft>
-                <a:spcPts val="0"/>
-              </a:spcAft>
-              <a:buNone/>
-            </a:pPr>
-            <a:r>
-              <a:rPr b="1" lang="en" sz="1600">
+            <a:pPr indent="0" lvl="0" marL="0" marR="0" rtl="0" algn="l">
+              <a:lnSpc>
+                <a:spcPct val="115000"/>
+              </a:lnSpc>
+              <a:spcBef>
+                <a:spcPts val="0"/>
+              </a:spcBef>
+              <a:spcAft>
+                <a:spcPts val="0"/>
+              </a:spcAft>
+              <a:buClr>
+                <a:srgbClr val="000000"/>
+              </a:buClr>
+              <a:buSzPts val="1600"/>
+              <a:buFont typeface="Arial"/>
+              <a:buNone/>
+            </a:pPr>
+            <a:r>
+              <a:rPr b="1" i="0" lang="en" sz="1600" u="none" cap="none" strike="noStrike">
                 <a:solidFill>
                   <a:schemeClr val="dk1"/>
                 </a:solidFill>
@@ -15216,9 +15673,9 @@
                 <a:cs typeface="Courier New"/>
                 <a:sym typeface="Courier New"/>
               </a:rPr>
-              <a:t>color: black;</a:t>
-            </a:r>
-            <a:endParaRPr b="1" sz="1600">
+              <a:t>p::selection</a:t>
+            </a:r>
+            <a:endParaRPr b="1" i="0" sz="1600" u="none" cap="none" strike="noStrike">
               <a:solidFill>
                 <a:schemeClr val="dk1"/>
               </a:solidFill>
@@ -15229,20 +15686,25 @@
             </a:endParaRPr>
           </a:p>
           <a:p>
-            <a:pPr indent="0" lvl="0" marL="0" rtl="0" algn="l">
-              <a:lnSpc>
-                <a:spcPct val="115000"/>
-              </a:lnSpc>
-              <a:spcBef>
-                <a:spcPts val="0"/>
-              </a:spcBef>
-              <a:spcAft>
-                <a:spcPts val="0"/>
-              </a:spcAft>
-              <a:buNone/>
-            </a:pPr>
-            <a:r>
-              <a:rPr b="1" lang="en" sz="1600">
+            <a:pPr indent="0" lvl="0" marL="0" marR="0" rtl="0" algn="l">
+              <a:lnSpc>
+                <a:spcPct val="115000"/>
+              </a:lnSpc>
+              <a:spcBef>
+                <a:spcPts val="0"/>
+              </a:spcBef>
+              <a:spcAft>
+                <a:spcPts val="0"/>
+              </a:spcAft>
+              <a:buClr>
+                <a:srgbClr val="000000"/>
+              </a:buClr>
+              <a:buSzPts val="1600"/>
+              <a:buFont typeface="Arial"/>
+              <a:buNone/>
+            </a:pPr>
+            <a:r>
+              <a:rPr b="1" i="0" lang="en" sz="1600" u="none" cap="none" strike="noStrike">
                 <a:solidFill>
                   <a:schemeClr val="dk1"/>
                 </a:solidFill>
@@ -15251,9 +15713,9 @@
                 <a:cs typeface="Courier New"/>
                 <a:sym typeface="Courier New"/>
               </a:rPr>
-              <a:t>}</a:t>
-            </a:r>
-            <a:endParaRPr b="1" sz="1600">
+              <a:t>{</a:t>
+            </a:r>
+            <a:endParaRPr b="1" i="0" sz="1600" u="none" cap="none" strike="noStrike">
               <a:solidFill>
                 <a:schemeClr val="dk1"/>
               </a:solidFill>
@@ -15264,20 +15726,25 @@
             </a:endParaRPr>
           </a:p>
           <a:p>
-            <a:pPr indent="0" lvl="0" marL="0" rtl="0" algn="l">
-              <a:lnSpc>
-                <a:spcPct val="115000"/>
-              </a:lnSpc>
-              <a:spcBef>
-                <a:spcPts val="0"/>
-              </a:spcBef>
-              <a:spcAft>
-                <a:spcPts val="0"/>
-              </a:spcAft>
-              <a:buNone/>
-            </a:pPr>
-            <a:r>
-              <a:rPr b="1" lang="en" sz="1600">
+            <a:pPr indent="0" lvl="0" marL="0" marR="0" rtl="0" algn="l">
+              <a:lnSpc>
+                <a:spcPct val="115000"/>
+              </a:lnSpc>
+              <a:spcBef>
+                <a:spcPts val="0"/>
+              </a:spcBef>
+              <a:spcAft>
+                <a:spcPts val="0"/>
+              </a:spcAft>
+              <a:buClr>
+                <a:srgbClr val="000000"/>
+              </a:buClr>
+              <a:buSzPts val="1600"/>
+              <a:buFont typeface="Arial"/>
+              <a:buNone/>
+            </a:pPr>
+            <a:r>
+              <a:rPr b="1" i="0" lang="en" sz="1600" u="none" cap="none" strike="noStrike">
                 <a:solidFill>
                   <a:schemeClr val="dk1"/>
                 </a:solidFill>
@@ -15286,10 +15753,38 @@
                 <a:cs typeface="Courier New"/>
                 <a:sym typeface="Courier New"/>
               </a:rPr>
-              <a:t>p</a:t>
-            </a:r>
-            <a:r>
-              <a:rPr b="1" lang="en" sz="1600">
+              <a:t>color: red;</a:t>
+            </a:r>
+            <a:endParaRPr b="1" i="0" sz="1600" u="none" cap="none" strike="noStrike">
+              <a:solidFill>
+                <a:schemeClr val="dk1"/>
+              </a:solidFill>
+              <a:latin typeface="Courier New"/>
+              <a:ea typeface="Courier New"/>
+              <a:cs typeface="Courier New"/>
+              <a:sym typeface="Courier New"/>
+            </a:endParaRPr>
+          </a:p>
+          <a:p>
+            <a:pPr indent="0" lvl="0" marL="0" marR="0" rtl="0" algn="l">
+              <a:lnSpc>
+                <a:spcPct val="115000"/>
+              </a:lnSpc>
+              <a:spcBef>
+                <a:spcPts val="0"/>
+              </a:spcBef>
+              <a:spcAft>
+                <a:spcPts val="0"/>
+              </a:spcAft>
+              <a:buClr>
+                <a:srgbClr val="000000"/>
+              </a:buClr>
+              <a:buSzPts val="1600"/>
+              <a:buFont typeface="Arial"/>
+              <a:buNone/>
+            </a:pPr>
+            <a:r>
+              <a:rPr b="1" i="0" lang="en" sz="1600" u="none" cap="none" strike="noStrike">
                 <a:solidFill>
                   <a:schemeClr val="dk1"/>
                 </a:solidFill>
@@ -15298,9 +15793,9 @@
                 <a:cs typeface="Courier New"/>
                 <a:sym typeface="Courier New"/>
               </a:rPr>
-              <a:t>::selection</a:t>
-            </a:r>
-            <a:endParaRPr b="1" sz="1600">
+              <a:t>background: yellow;</a:t>
+            </a:r>
+            <a:endParaRPr b="1" i="0" sz="1600" u="none" cap="none" strike="noStrike">
               <a:solidFill>
                 <a:schemeClr val="dk1"/>
               </a:solidFill>
@@ -15311,20 +15806,25 @@
             </a:endParaRPr>
           </a:p>
           <a:p>
-            <a:pPr indent="0" lvl="0" marL="0" rtl="0" algn="l">
-              <a:lnSpc>
-                <a:spcPct val="115000"/>
-              </a:lnSpc>
-              <a:spcBef>
-                <a:spcPts val="0"/>
-              </a:spcBef>
-              <a:spcAft>
-                <a:spcPts val="0"/>
-              </a:spcAft>
-              <a:buNone/>
-            </a:pPr>
-            <a:r>
-              <a:rPr b="1" lang="en" sz="1600">
+            <a:pPr indent="0" lvl="0" marL="0" marR="0" rtl="0" algn="l">
+              <a:lnSpc>
+                <a:spcPct val="115000"/>
+              </a:lnSpc>
+              <a:spcBef>
+                <a:spcPts val="0"/>
+              </a:spcBef>
+              <a:spcAft>
+                <a:spcPts val="0"/>
+              </a:spcAft>
+              <a:buClr>
+                <a:srgbClr val="000000"/>
+              </a:buClr>
+              <a:buSzPts val="1600"/>
+              <a:buFont typeface="Arial"/>
+              <a:buNone/>
+            </a:pPr>
+            <a:r>
+              <a:rPr b="1" i="0" lang="en" sz="1600" u="none" cap="none" strike="noStrike">
                 <a:solidFill>
                   <a:schemeClr val="dk1"/>
                 </a:solidFill>
@@ -15333,9 +15833,9 @@
                 <a:cs typeface="Courier New"/>
                 <a:sym typeface="Courier New"/>
               </a:rPr>
-              <a:t>{</a:t>
-            </a:r>
-            <a:endParaRPr b="1" sz="1600">
+              <a:t>}</a:t>
+            </a:r>
+            <a:endParaRPr b="1" i="0" sz="1600" u="none" cap="none" strike="noStrike">
               <a:solidFill>
                 <a:schemeClr val="dk1"/>
               </a:solidFill>
@@ -15346,20 +15846,25 @@
             </a:endParaRPr>
           </a:p>
           <a:p>
-            <a:pPr indent="0" lvl="0" marL="0" rtl="0" algn="l">
-              <a:lnSpc>
-                <a:spcPct val="115000"/>
-              </a:lnSpc>
-              <a:spcBef>
-                <a:spcPts val="0"/>
-              </a:spcBef>
-              <a:spcAft>
-                <a:spcPts val="0"/>
-              </a:spcAft>
-              <a:buNone/>
-            </a:pPr>
-            <a:r>
-              <a:rPr b="1" lang="en" sz="1600">
+            <a:pPr indent="0" lvl="0" marL="0" marR="0" rtl="0" algn="l">
+              <a:lnSpc>
+                <a:spcPct val="115000"/>
+              </a:lnSpc>
+              <a:spcBef>
+                <a:spcPts val="0"/>
+              </a:spcBef>
+              <a:spcAft>
+                <a:spcPts val="0"/>
+              </a:spcAft>
+              <a:buClr>
+                <a:srgbClr val="000000"/>
+              </a:buClr>
+              <a:buSzPts val="1600"/>
+              <a:buFont typeface="Arial"/>
+              <a:buNone/>
+            </a:pPr>
+            <a:r>
+              <a:rPr b="1" i="0" lang="en" sz="1600" u="none" cap="none" strike="noStrike">
                 <a:solidFill>
                   <a:schemeClr val="dk1"/>
                 </a:solidFill>
@@ -15368,9 +15873,9 @@
                 <a:cs typeface="Courier New"/>
                 <a:sym typeface="Courier New"/>
               </a:rPr>
-              <a:t>color: red;</a:t>
-            </a:r>
-            <a:endParaRPr b="1" sz="1600">
+              <a:t>::marker</a:t>
+            </a:r>
+            <a:endParaRPr b="1" i="0" sz="1600" u="none" cap="none" strike="noStrike">
               <a:solidFill>
                 <a:schemeClr val="dk1"/>
               </a:solidFill>
@@ -15381,20 +15886,25 @@
             </a:endParaRPr>
           </a:p>
           <a:p>
-            <a:pPr indent="0" lvl="0" marL="0" rtl="0" algn="l">
-              <a:lnSpc>
-                <a:spcPct val="115000"/>
-              </a:lnSpc>
-              <a:spcBef>
-                <a:spcPts val="0"/>
-              </a:spcBef>
-              <a:spcAft>
-                <a:spcPts val="0"/>
-              </a:spcAft>
-              <a:buNone/>
-            </a:pPr>
-            <a:r>
-              <a:rPr b="1" lang="en" sz="1600">
+            <a:pPr indent="0" lvl="0" marL="0" marR="0" rtl="0" algn="l">
+              <a:lnSpc>
+                <a:spcPct val="115000"/>
+              </a:lnSpc>
+              <a:spcBef>
+                <a:spcPts val="0"/>
+              </a:spcBef>
+              <a:spcAft>
+                <a:spcPts val="0"/>
+              </a:spcAft>
+              <a:buClr>
+                <a:srgbClr val="000000"/>
+              </a:buClr>
+              <a:buSzPts val="1600"/>
+              <a:buFont typeface="Arial"/>
+              <a:buNone/>
+            </a:pPr>
+            <a:r>
+              <a:rPr b="1" i="0" lang="en" sz="1600" u="none" cap="none" strike="noStrike">
                 <a:solidFill>
                   <a:schemeClr val="dk1"/>
                 </a:solidFill>
@@ -15403,9 +15913,9 @@
                 <a:cs typeface="Courier New"/>
                 <a:sym typeface="Courier New"/>
               </a:rPr>
-              <a:t>background: yellow;</a:t>
-            </a:r>
-            <a:endParaRPr b="1" sz="1600">
+              <a:t>{</a:t>
+            </a:r>
+            <a:endParaRPr b="1" i="0" sz="1600" u="none" cap="none" strike="noStrike">
               <a:solidFill>
                 <a:schemeClr val="dk1"/>
               </a:solidFill>
@@ -15416,20 +15926,25 @@
             </a:endParaRPr>
           </a:p>
           <a:p>
-            <a:pPr indent="0" lvl="0" marL="0" rtl="0" algn="l">
-              <a:lnSpc>
-                <a:spcPct val="115000"/>
-              </a:lnSpc>
-              <a:spcBef>
-                <a:spcPts val="0"/>
-              </a:spcBef>
-              <a:spcAft>
-                <a:spcPts val="0"/>
-              </a:spcAft>
-              <a:buNone/>
-            </a:pPr>
-            <a:r>
-              <a:rPr b="1" lang="en" sz="1600">
+            <a:pPr indent="0" lvl="0" marL="0" marR="0" rtl="0" algn="l">
+              <a:lnSpc>
+                <a:spcPct val="115000"/>
+              </a:lnSpc>
+              <a:spcBef>
+                <a:spcPts val="0"/>
+              </a:spcBef>
+              <a:spcAft>
+                <a:spcPts val="0"/>
+              </a:spcAft>
+              <a:buClr>
+                <a:srgbClr val="000000"/>
+              </a:buClr>
+              <a:buSzPts val="1600"/>
+              <a:buFont typeface="Arial"/>
+              <a:buNone/>
+            </a:pPr>
+            <a:r>
+              <a:rPr b="1" i="0" lang="en" sz="1600" u="none" cap="none" strike="noStrike">
                 <a:solidFill>
                   <a:schemeClr val="dk1"/>
                 </a:solidFill>
@@ -15438,9 +15953,9 @@
                 <a:cs typeface="Courier New"/>
                 <a:sym typeface="Courier New"/>
               </a:rPr>
-              <a:t>}</a:t>
-            </a:r>
-            <a:endParaRPr b="1" sz="1600">
+              <a:t>color: orange;</a:t>
+            </a:r>
+            <a:endParaRPr b="1" i="0" sz="1600" u="none" cap="none" strike="noStrike">
               <a:solidFill>
                 <a:schemeClr val="dk1"/>
               </a:solidFill>
@@ -15451,20 +15966,25 @@
             </a:endParaRPr>
           </a:p>
           <a:p>
-            <a:pPr indent="0" lvl="0" marL="0" rtl="0" algn="l">
-              <a:lnSpc>
-                <a:spcPct val="115000"/>
-              </a:lnSpc>
-              <a:spcBef>
-                <a:spcPts val="0"/>
-              </a:spcBef>
-              <a:spcAft>
-                <a:spcPts val="0"/>
-              </a:spcAft>
-              <a:buNone/>
-            </a:pPr>
-            <a:r>
-              <a:rPr b="1" lang="en" sz="1600">
+            <a:pPr indent="0" lvl="0" marL="0" marR="0" rtl="0" algn="l">
+              <a:lnSpc>
+                <a:spcPct val="115000"/>
+              </a:lnSpc>
+              <a:spcBef>
+                <a:spcPts val="0"/>
+              </a:spcBef>
+              <a:spcAft>
+                <a:spcPts val="0"/>
+              </a:spcAft>
+              <a:buClr>
+                <a:srgbClr val="000000"/>
+              </a:buClr>
+              <a:buSzPts val="1600"/>
+              <a:buFont typeface="Arial"/>
+              <a:buNone/>
+            </a:pPr>
+            <a:r>
+              <a:rPr b="1" i="0" lang="en" sz="1600" u="none" cap="none" strike="noStrike">
                 <a:solidFill>
                   <a:schemeClr val="dk1"/>
                 </a:solidFill>
@@ -15473,114 +15993,9 @@
                 <a:cs typeface="Courier New"/>
                 <a:sym typeface="Courier New"/>
               </a:rPr>
-              <a:t>::marker</a:t>
-            </a:r>
-            <a:endParaRPr b="1" sz="1600">
-              <a:solidFill>
-                <a:schemeClr val="dk1"/>
-              </a:solidFill>
-              <a:latin typeface="Courier New"/>
-              <a:ea typeface="Courier New"/>
-              <a:cs typeface="Courier New"/>
-              <a:sym typeface="Courier New"/>
-            </a:endParaRPr>
-          </a:p>
-          <a:p>
-            <a:pPr indent="0" lvl="0" marL="0" rtl="0" algn="l">
-              <a:lnSpc>
-                <a:spcPct val="115000"/>
-              </a:lnSpc>
-              <a:spcBef>
-                <a:spcPts val="0"/>
-              </a:spcBef>
-              <a:spcAft>
-                <a:spcPts val="0"/>
-              </a:spcAft>
-              <a:buNone/>
-            </a:pPr>
-            <a:r>
-              <a:rPr b="1" lang="en" sz="1600">
-                <a:solidFill>
-                  <a:schemeClr val="dk1"/>
-                </a:solidFill>
-                <a:latin typeface="Courier New"/>
-                <a:ea typeface="Courier New"/>
-                <a:cs typeface="Courier New"/>
-                <a:sym typeface="Courier New"/>
-              </a:rPr>
-              <a:t>{</a:t>
-            </a:r>
-            <a:endParaRPr b="1" sz="1600">
-              <a:solidFill>
-                <a:schemeClr val="dk1"/>
-              </a:solidFill>
-              <a:latin typeface="Courier New"/>
-              <a:ea typeface="Courier New"/>
-              <a:cs typeface="Courier New"/>
-              <a:sym typeface="Courier New"/>
-            </a:endParaRPr>
-          </a:p>
-          <a:p>
-            <a:pPr indent="0" lvl="0" marL="0" rtl="0" algn="l">
-              <a:lnSpc>
-                <a:spcPct val="115000"/>
-              </a:lnSpc>
-              <a:spcBef>
-                <a:spcPts val="0"/>
-              </a:spcBef>
-              <a:spcAft>
-                <a:spcPts val="0"/>
-              </a:spcAft>
-              <a:buNone/>
-            </a:pPr>
-            <a:r>
-              <a:rPr b="1" lang="en" sz="1600">
-                <a:solidFill>
-                  <a:schemeClr val="dk1"/>
-                </a:solidFill>
-                <a:latin typeface="Courier New"/>
-                <a:ea typeface="Courier New"/>
-                <a:cs typeface="Courier New"/>
-                <a:sym typeface="Courier New"/>
-              </a:rPr>
-              <a:t>color: orange;</a:t>
-            </a:r>
-            <a:endParaRPr b="1" sz="1600">
-              <a:solidFill>
-                <a:schemeClr val="dk1"/>
-              </a:solidFill>
-              <a:latin typeface="Courier New"/>
-              <a:ea typeface="Courier New"/>
-              <a:cs typeface="Courier New"/>
-              <a:sym typeface="Courier New"/>
-            </a:endParaRPr>
-          </a:p>
-          <a:p>
-            <a:pPr indent="0" lvl="0" marL="0" rtl="0" algn="l">
-              <a:lnSpc>
-                <a:spcPct val="115000"/>
-              </a:lnSpc>
-              <a:spcBef>
-                <a:spcPts val="0"/>
-              </a:spcBef>
-              <a:spcAft>
-                <a:spcPts val="0"/>
-              </a:spcAft>
-              <a:buNone/>
-            </a:pPr>
-            <a:r>
-              <a:rPr b="1" lang="en" sz="1600">
-                <a:solidFill>
-                  <a:schemeClr val="dk1"/>
-                </a:solidFill>
-                <a:latin typeface="Courier New"/>
-                <a:ea typeface="Courier New"/>
-                <a:cs typeface="Courier New"/>
-                <a:sym typeface="Courier New"/>
-              </a:rPr>
               <a:t>}</a:t>
             </a:r>
-            <a:endParaRPr b="1" sz="1600">
+            <a:endParaRPr b="1" i="0" sz="1600" u="none" cap="none" strike="noStrike">
               <a:solidFill>
                 <a:schemeClr val="dk1"/>
               </a:solidFill>
@@ -15633,6 +16048,10 @@
           <a:prstGeom prst="rect">
             <a:avLst/>
           </a:prstGeom>
+          <a:noFill/>
+          <a:ln>
+            <a:noFill/>
+          </a:ln>
         </p:spPr>
         <p:txBody>
           <a:bodyPr anchorCtr="0" anchor="t" bIns="91425" lIns="91425" spcFirstLastPara="1" rIns="91425" wrap="square" tIns="91425">
@@ -15650,6 +16069,7 @@
               <a:spcAft>
                 <a:spcPts val="0"/>
               </a:spcAft>
+              <a:buSzPts val="2800"/>
               <a:buNone/>
             </a:pPr>
             <a:r>
@@ -15676,6 +16096,10 @@
           <a:prstGeom prst="rect">
             <a:avLst/>
           </a:prstGeom>
+          <a:noFill/>
+          <a:ln>
+            <a:noFill/>
+          </a:ln>
         </p:spPr>
         <p:txBody>
           <a:bodyPr anchorCtr="0" anchor="t" bIns="91425" lIns="91425" spcFirstLastPara="1" rIns="91425" wrap="square" tIns="91425">
@@ -15684,6 +16108,9 @@
           <a:lstStyle/>
           <a:p>
             <a:pPr indent="0" lvl="0" marL="0" rtl="0" algn="l">
+              <a:lnSpc>
+                <a:spcPct val="115000"/>
+              </a:lnSpc>
               <a:spcBef>
                 <a:spcPts val="0"/>
               </a:spcBef>
@@ -15721,6 +16148,9 @@
           </a:p>
           <a:p>
             <a:pPr indent="-419100" lvl="0" marL="457200" rtl="0" algn="l">
+              <a:lnSpc>
+                <a:spcPct val="115000"/>
+              </a:lnSpc>
               <a:spcBef>
                 <a:spcPts val="0"/>
               </a:spcBef>
@@ -15758,6 +16188,9 @@
           </a:p>
           <a:p>
             <a:pPr indent="-419100" lvl="0" marL="457200" rtl="0" algn="l">
+              <a:lnSpc>
+                <a:spcPct val="115000"/>
+              </a:lnSpc>
               <a:spcBef>
                 <a:spcPts val="0"/>
               </a:spcBef>
@@ -15795,6 +16228,9 @@
           </a:p>
           <a:p>
             <a:pPr indent="-419100" lvl="0" marL="457200" rtl="0" algn="l">
+              <a:lnSpc>
+                <a:spcPct val="115000"/>
+              </a:lnSpc>
               <a:spcBef>
                 <a:spcPts val="0"/>
               </a:spcBef>
@@ -15832,12 +16268,16 @@
           </a:p>
           <a:p>
             <a:pPr indent="0" lvl="0" marL="0" rtl="0" algn="l">
-              <a:spcBef>
-                <a:spcPts val="0"/>
-              </a:spcBef>
-              <a:spcAft>
-                <a:spcPts val="0"/>
-              </a:spcAft>
+              <a:lnSpc>
+                <a:spcPct val="115000"/>
+              </a:lnSpc>
+              <a:spcBef>
+                <a:spcPts val="0"/>
+              </a:spcBef>
+              <a:spcAft>
+                <a:spcPts val="0"/>
+              </a:spcAft>
+              <a:buSzPts val="1800"/>
               <a:buNone/>
             </a:pPr>
             <a:r>
@@ -15905,6 +16345,10 @@
           <a:prstGeom prst="rect">
             <a:avLst/>
           </a:prstGeom>
+          <a:noFill/>
+          <a:ln>
+            <a:noFill/>
+          </a:ln>
         </p:spPr>
         <p:txBody>
           <a:bodyPr anchorCtr="0" anchor="t" bIns="91425" lIns="91425" spcFirstLastPara="1" rIns="91425" wrap="square" tIns="91425">
@@ -15913,12 +16357,16 @@
           <a:lstStyle/>
           <a:p>
             <a:pPr indent="0" lvl="0" marL="0" rtl="0" algn="l">
-              <a:spcBef>
-                <a:spcPts val="0"/>
-              </a:spcBef>
-              <a:spcAft>
-                <a:spcPts val="0"/>
-              </a:spcAft>
+              <a:lnSpc>
+                <a:spcPct val="115000"/>
+              </a:lnSpc>
+              <a:spcBef>
+                <a:spcPts val="0"/>
+              </a:spcBef>
+              <a:spcAft>
+                <a:spcPts val="0"/>
+              </a:spcAft>
+              <a:buSzPts val="1800"/>
               <a:buNone/>
             </a:pPr>
             <a:r>
@@ -15945,12 +16393,16 @@
           </a:p>
           <a:p>
             <a:pPr indent="0" lvl="0" marL="0" rtl="0" algn="l">
-              <a:spcBef>
-                <a:spcPts val="0"/>
-              </a:spcBef>
-              <a:spcAft>
-                <a:spcPts val="0"/>
-              </a:spcAft>
+              <a:lnSpc>
+                <a:spcPct val="115000"/>
+              </a:lnSpc>
+              <a:spcBef>
+                <a:spcPts val="0"/>
+              </a:spcBef>
+              <a:spcAft>
+                <a:spcPts val="0"/>
+              </a:spcAft>
+              <a:buSzPts val="1800"/>
               <a:buNone/>
             </a:pPr>
             <a:r>
@@ -15977,12 +16429,16 @@
           </a:p>
           <a:p>
             <a:pPr indent="0" lvl="0" marL="0" rtl="0" algn="l">
-              <a:spcBef>
-                <a:spcPts val="0"/>
-              </a:spcBef>
-              <a:spcAft>
-                <a:spcPts val="0"/>
-              </a:spcAft>
+              <a:lnSpc>
+                <a:spcPct val="115000"/>
+              </a:lnSpc>
+              <a:spcBef>
+                <a:spcPts val="0"/>
+              </a:spcBef>
+              <a:spcAft>
+                <a:spcPts val="0"/>
+              </a:spcAft>
+              <a:buSzPts val="1800"/>
               <a:buNone/>
             </a:pPr>
             <a:r>
@@ -16000,12 +16456,16 @@
           </a:p>
           <a:p>
             <a:pPr indent="0" lvl="0" marL="0" rtl="0" algn="l">
-              <a:spcBef>
-                <a:spcPts val="0"/>
-              </a:spcBef>
-              <a:spcAft>
-                <a:spcPts val="0"/>
-              </a:spcAft>
+              <a:lnSpc>
+                <a:spcPct val="115000"/>
+              </a:lnSpc>
+              <a:spcBef>
+                <a:spcPts val="0"/>
+              </a:spcBef>
+              <a:spcAft>
+                <a:spcPts val="0"/>
+              </a:spcAft>
+              <a:buSzPts val="1800"/>
               <a:buNone/>
             </a:pPr>
             <a:r>
@@ -16032,12 +16492,16 @@
           </a:p>
           <a:p>
             <a:pPr indent="0" lvl="0" marL="0" rtl="0" algn="l">
-              <a:spcBef>
-                <a:spcPts val="0"/>
-              </a:spcBef>
-              <a:spcAft>
-                <a:spcPts val="0"/>
-              </a:spcAft>
+              <a:lnSpc>
+                <a:spcPct val="115000"/>
+              </a:lnSpc>
+              <a:spcBef>
+                <a:spcPts val="0"/>
+              </a:spcBef>
+              <a:spcAft>
+                <a:spcPts val="0"/>
+              </a:spcAft>
+              <a:buSzPts val="1800"/>
               <a:buNone/>
             </a:pPr>
             <a:r>
@@ -16064,12 +16528,16 @@
           </a:p>
           <a:p>
             <a:pPr indent="457200" lvl="0" marL="0" rtl="0" algn="l">
-              <a:spcBef>
-                <a:spcPts val="0"/>
-              </a:spcBef>
-              <a:spcAft>
-                <a:spcPts val="0"/>
-              </a:spcAft>
+              <a:lnSpc>
+                <a:spcPct val="115000"/>
+              </a:lnSpc>
+              <a:spcBef>
+                <a:spcPts val="0"/>
+              </a:spcBef>
+              <a:spcAft>
+                <a:spcPts val="0"/>
+              </a:spcAft>
+              <a:buSzPts val="1800"/>
               <a:buNone/>
             </a:pPr>
             <a:r>
@@ -16132,12 +16600,16 @@
           </a:p>
           <a:p>
             <a:pPr indent="0" lvl="0" marL="0" rtl="0" algn="l">
-              <a:spcBef>
-                <a:spcPts val="0"/>
-              </a:spcBef>
-              <a:spcAft>
-                <a:spcPts val="0"/>
-              </a:spcAft>
+              <a:lnSpc>
+                <a:spcPct val="115000"/>
+              </a:lnSpc>
+              <a:spcBef>
+                <a:spcPts val="0"/>
+              </a:spcBef>
+              <a:spcAft>
+                <a:spcPts val="0"/>
+              </a:spcAft>
+              <a:buSzPts val="1800"/>
               <a:buNone/>
             </a:pPr>
             <a:r>
@@ -16164,12 +16636,16 @@
           </a:p>
           <a:p>
             <a:pPr indent="0" lvl="0" marL="0" rtl="0" algn="l">
-              <a:spcBef>
-                <a:spcPts val="0"/>
-              </a:spcBef>
-              <a:spcAft>
-                <a:spcPts val="0"/>
-              </a:spcAft>
+              <a:lnSpc>
+                <a:spcPct val="115000"/>
+              </a:lnSpc>
+              <a:spcBef>
+                <a:spcPts val="0"/>
+              </a:spcBef>
+              <a:spcAft>
+                <a:spcPts val="0"/>
+              </a:spcAft>
+              <a:buSzPts val="1800"/>
               <a:buNone/>
             </a:pPr>
             <a:r>
@@ -16182,35 +16658,83 @@
                 <a:cs typeface="Courier New"/>
                 <a:sym typeface="Courier New"/>
               </a:rPr>
-              <a:t>/* the rule </a:t>
-            </a:r>
+              <a:t>/* the rule below overrides the above rule */</a:t>
+            </a:r>
+            <a:endParaRPr b="1">
+              <a:solidFill>
+                <a:srgbClr val="008100"/>
+              </a:solidFill>
+              <a:latin typeface="Courier New"/>
+              <a:ea typeface="Courier New"/>
+              <a:cs typeface="Courier New"/>
+              <a:sym typeface="Courier New"/>
+            </a:endParaRPr>
+          </a:p>
+          <a:p>
+            <a:pPr indent="0" lvl="0" marL="0" rtl="0" algn="l">
+              <a:lnSpc>
+                <a:spcPct val="115000"/>
+              </a:lnSpc>
+              <a:spcBef>
+                <a:spcPts val="0"/>
+              </a:spcBef>
+              <a:spcAft>
+                <a:spcPts val="0"/>
+              </a:spcAft>
+              <a:buSzPts val="1800"/>
+              <a:buNone/>
+            </a:pPr>
             <a:r>
               <a:rPr b="1" lang="en">
                 <a:solidFill>
-                  <a:srgbClr val="008100"/>
+                  <a:srgbClr val="A62A2A"/>
                 </a:solidFill>
                 <a:latin typeface="Courier New"/>
                 <a:ea typeface="Courier New"/>
                 <a:cs typeface="Courier New"/>
                 <a:sym typeface="Courier New"/>
               </a:rPr>
-              <a:t>below </a:t>
-            </a:r>
+              <a:t>h1</a:t>
+            </a:r>
+            <a:endParaRPr b="1">
+              <a:solidFill>
+                <a:srgbClr val="A62A2A"/>
+              </a:solidFill>
+              <a:latin typeface="Courier New"/>
+              <a:ea typeface="Courier New"/>
+              <a:cs typeface="Courier New"/>
+              <a:sym typeface="Courier New"/>
+            </a:endParaRPr>
+          </a:p>
+          <a:p>
+            <a:pPr indent="0" lvl="0" marL="0" rtl="0" algn="l">
+              <a:lnSpc>
+                <a:spcPct val="115000"/>
+              </a:lnSpc>
+              <a:spcBef>
+                <a:spcPts val="0"/>
+              </a:spcBef>
+              <a:spcAft>
+                <a:spcPts val="0"/>
+              </a:spcAft>
+              <a:buSzPts val="1800"/>
+              <a:buNone/>
+            </a:pPr>
             <a:r>
               <a:rPr b="1" lang="en">
                 <a:solidFill>
-                  <a:srgbClr val="008100"/>
+                  <a:schemeClr val="dk1"/>
                 </a:solidFill>
                 <a:latin typeface="Courier New"/>
                 <a:ea typeface="Courier New"/>
                 <a:cs typeface="Courier New"/>
                 <a:sym typeface="Courier New"/>
               </a:rPr>
-              <a:t>overrides the above rule */</a:t>
+              <a:t>{</a:t>
             </a:r>
             <a:endParaRPr b="1">
               <a:solidFill>
-                <a:srgbClr val="008100"/>
+                <a:schemeClr val="dk1"/>
               </a:solidFill>
               <a:latin typeface="Courier New"/>
               <a:ea typeface="Courier New"/>
@@ -16219,30 +16743,70 @@
             </a:endParaRPr>
           </a:p>
           <a:p>
-            <a:pPr indent="0" lvl="0" marL="0" rtl="0" algn="l">
-              <a:spcBef>
-                <a:spcPts val="0"/>
-              </a:spcBef>
-              <a:spcAft>
-                <a:spcPts val="0"/>
-              </a:spcAft>
+            <a:pPr indent="457200" lvl="0" marL="0" rtl="0" algn="l">
+              <a:lnSpc>
+                <a:spcPct val="115000"/>
+              </a:lnSpc>
+              <a:spcBef>
+                <a:spcPts val="0"/>
+              </a:spcBef>
+              <a:spcAft>
+                <a:spcPts val="0"/>
+              </a:spcAft>
+              <a:buSzPts val="1800"/>
               <a:buNone/>
             </a:pPr>
             <a:r>
               <a:rPr b="1" lang="en">
                 <a:solidFill>
-                  <a:srgbClr val="A62A2A"/>
+                  <a:srgbClr val="FF0000"/>
                 </a:solidFill>
                 <a:latin typeface="Courier New"/>
                 <a:ea typeface="Courier New"/>
                 <a:cs typeface="Courier New"/>
                 <a:sym typeface="Courier New"/>
               </a:rPr>
-              <a:t>h1</a:t>
+              <a:t>color</a:t>
+            </a:r>
+            <a:r>
+              <a:rPr b="1" lang="en">
+                <a:solidFill>
+                  <a:schemeClr val="dk1"/>
+                </a:solidFill>
+                <a:latin typeface="Courier New"/>
+                <a:ea typeface="Courier New"/>
+                <a:cs typeface="Courier New"/>
+                <a:sym typeface="Courier New"/>
+              </a:rPr>
+              <a:t>: </a:t>
+            </a:r>
+            <a:r>
+              <a:rPr b="1" lang="en">
+                <a:solidFill>
+                  <a:srgbClr val="0000CE"/>
+                </a:solidFill>
+                <a:latin typeface="Courier New"/>
+                <a:ea typeface="Courier New"/>
+                <a:cs typeface="Courier New"/>
+                <a:sym typeface="Courier New"/>
+              </a:rPr>
+              <a:t>green</a:t>
+            </a:r>
+            <a:r>
+              <a:rPr b="1" lang="en">
+                <a:solidFill>
+                  <a:schemeClr val="dk1"/>
+                </a:solidFill>
+                <a:latin typeface="Courier New"/>
+                <a:ea typeface="Courier New"/>
+                <a:cs typeface="Courier New"/>
+                <a:sym typeface="Courier New"/>
+              </a:rPr>
+              <a:t>;</a:t>
             </a:r>
             <a:endParaRPr b="1">
               <a:solidFill>
-                <a:srgbClr val="A62A2A"/>
+                <a:schemeClr val="dk1"/>
               </a:solidFill>
               <a:latin typeface="Courier New"/>
               <a:ea typeface="Courier New"/>
@@ -16252,112 +16816,16 @@
           </a:p>
           <a:p>
             <a:pPr indent="0" lvl="0" marL="0" rtl="0" algn="l">
-              <a:spcBef>
-                <a:spcPts val="0"/>
-              </a:spcBef>
-              <a:spcAft>
-                <a:spcPts val="0"/>
-              </a:spcAft>
-              <a:buNone/>
-            </a:pPr>
-            <a:r>
-              <a:rPr b="1" lang="en">
-                <a:solidFill>
-                  <a:schemeClr val="dk1"/>
-                </a:solidFill>
-                <a:latin typeface="Courier New"/>
-                <a:ea typeface="Courier New"/>
-                <a:cs typeface="Courier New"/>
-                <a:sym typeface="Courier New"/>
-              </a:rPr>
-              <a:t>{</a:t>
-            </a:r>
-            <a:endParaRPr b="1">
-              <a:solidFill>
-                <a:schemeClr val="dk1"/>
-              </a:solidFill>
-              <a:latin typeface="Courier New"/>
-              <a:ea typeface="Courier New"/>
-              <a:cs typeface="Courier New"/>
-              <a:sym typeface="Courier New"/>
-            </a:endParaRPr>
-          </a:p>
-          <a:p>
-            <a:pPr indent="457200" lvl="0" marL="0" rtl="0" algn="l">
-              <a:spcBef>
-                <a:spcPts val="0"/>
-              </a:spcBef>
-              <a:spcAft>
-                <a:spcPts val="0"/>
-              </a:spcAft>
-              <a:buNone/>
-            </a:pPr>
-            <a:r>
-              <a:rPr b="1" lang="en">
-                <a:solidFill>
-                  <a:srgbClr val="FF0000"/>
-                </a:solidFill>
-                <a:latin typeface="Courier New"/>
-                <a:ea typeface="Courier New"/>
-                <a:cs typeface="Courier New"/>
-                <a:sym typeface="Courier New"/>
-              </a:rPr>
-              <a:t>color</a:t>
-            </a:r>
-            <a:r>
-              <a:rPr b="1" lang="en">
-                <a:solidFill>
-                  <a:schemeClr val="dk1"/>
-                </a:solidFill>
-                <a:latin typeface="Courier New"/>
-                <a:ea typeface="Courier New"/>
-                <a:cs typeface="Courier New"/>
-                <a:sym typeface="Courier New"/>
-              </a:rPr>
-              <a:t>: </a:t>
-            </a:r>
-            <a:r>
-              <a:rPr b="1" lang="en">
-                <a:solidFill>
-                  <a:srgbClr val="0000CE"/>
-                </a:solidFill>
-                <a:latin typeface="Courier New"/>
-                <a:ea typeface="Courier New"/>
-                <a:cs typeface="Courier New"/>
-                <a:sym typeface="Courier New"/>
-              </a:rPr>
-              <a:t>green</a:t>
-            </a:r>
-            <a:r>
-              <a:rPr b="1" lang="en">
-                <a:solidFill>
-                  <a:schemeClr val="dk1"/>
-                </a:solidFill>
-                <a:latin typeface="Courier New"/>
-                <a:ea typeface="Courier New"/>
-                <a:cs typeface="Courier New"/>
-                <a:sym typeface="Courier New"/>
-              </a:rPr>
-              <a:t>;</a:t>
-            </a:r>
-            <a:endParaRPr b="1">
-              <a:solidFill>
-                <a:schemeClr val="dk1"/>
-              </a:solidFill>
-              <a:latin typeface="Courier New"/>
-              <a:ea typeface="Courier New"/>
-              <a:cs typeface="Courier New"/>
-              <a:sym typeface="Courier New"/>
-            </a:endParaRPr>
-          </a:p>
-          <a:p>
-            <a:pPr indent="0" lvl="0" marL="0" rtl="0" algn="l">
-              <a:spcBef>
-                <a:spcPts val="0"/>
-              </a:spcBef>
-              <a:spcAft>
-                <a:spcPts val="0"/>
-              </a:spcAft>
+              <a:lnSpc>
+                <a:spcPct val="115000"/>
+              </a:lnSpc>
+              <a:spcBef>
+                <a:spcPts val="0"/>
+              </a:spcBef>
+              <a:spcAft>
+                <a:spcPts val="0"/>
+              </a:spcAft>
+              <a:buSzPts val="1800"/>
               <a:buNone/>
             </a:pPr>
             <a:r>
@@ -16400,6 +16868,10 @@
           <a:prstGeom prst="rect">
             <a:avLst/>
           </a:prstGeom>
+          <a:noFill/>
+          <a:ln>
+            <a:noFill/>
+          </a:ln>
         </p:spPr>
         <p:txBody>
           <a:bodyPr anchorCtr="0" anchor="t" bIns="91425" lIns="91425" spcFirstLastPara="1" rIns="91425" wrap="square" tIns="91425">
@@ -16408,12 +16880,16 @@
           <a:lstStyle/>
           <a:p>
             <a:pPr indent="0" lvl="0" marL="0" rtl="0" algn="l">
-              <a:spcBef>
-                <a:spcPts val="0"/>
-              </a:spcBef>
-              <a:spcAft>
-                <a:spcPts val="0"/>
-              </a:spcAft>
+              <a:lnSpc>
+                <a:spcPct val="100000"/>
+              </a:lnSpc>
+              <a:spcBef>
+                <a:spcPts val="0"/>
+              </a:spcBef>
+              <a:spcAft>
+                <a:spcPts val="0"/>
+              </a:spcAft>
+              <a:buSzPts val="2800"/>
               <a:buNone/>
             </a:pPr>
             <a:r>
@@ -16473,6 +16949,10 @@
           <a:prstGeom prst="rect">
             <a:avLst/>
           </a:prstGeom>
+          <a:noFill/>
+          <a:ln>
+            <a:noFill/>
+          </a:ln>
         </p:spPr>
         <p:txBody>
           <a:bodyPr anchorCtr="0" anchor="t" bIns="91425" lIns="91425" spcFirstLastPara="1" rIns="91425" wrap="square" tIns="91425">
@@ -16481,12 +16961,16 @@
           <a:lstStyle/>
           <a:p>
             <a:pPr indent="0" lvl="0" marL="0" rtl="0" algn="l">
-              <a:spcBef>
-                <a:spcPts val="0"/>
-              </a:spcBef>
-              <a:spcAft>
-                <a:spcPts val="0"/>
-              </a:spcAft>
+              <a:lnSpc>
+                <a:spcPct val="100000"/>
+              </a:lnSpc>
+              <a:spcBef>
+                <a:spcPts val="0"/>
+              </a:spcBef>
+              <a:spcAft>
+                <a:spcPts val="0"/>
+              </a:spcAft>
+              <a:buSzPts val="2800"/>
               <a:buNone/>
             </a:pPr>
             <a:r>
@@ -16521,6 +17005,10 @@
           <a:prstGeom prst="rect">
             <a:avLst/>
           </a:prstGeom>
+          <a:noFill/>
+          <a:ln>
+            <a:noFill/>
+          </a:ln>
         </p:spPr>
         <p:txBody>
           <a:bodyPr anchorCtr="0" anchor="t" bIns="91425" lIns="91425" spcFirstLastPara="1" rIns="91425" wrap="square" tIns="91425">
@@ -16529,12 +17017,16 @@
           <a:lstStyle/>
           <a:p>
             <a:pPr indent="0" lvl="0" marL="0" rtl="0" algn="l">
-              <a:spcBef>
-                <a:spcPts val="0"/>
-              </a:spcBef>
-              <a:spcAft>
-                <a:spcPts val="0"/>
-              </a:spcAft>
+              <a:lnSpc>
+                <a:spcPct val="115000"/>
+              </a:lnSpc>
+              <a:spcBef>
+                <a:spcPts val="0"/>
+              </a:spcBef>
+              <a:spcAft>
+                <a:spcPts val="0"/>
+              </a:spcAft>
+              <a:buSzPts val="1800"/>
               <a:buNone/>
             </a:pPr>
             <a:r>
@@ -16561,6 +17053,9 @@
           </a:p>
           <a:p>
             <a:pPr indent="-342900" lvl="0" marL="457200" rtl="0" algn="l">
+              <a:lnSpc>
+                <a:spcPct val="115000"/>
+              </a:lnSpc>
               <a:spcBef>
                 <a:spcPts val="0"/>
               </a:spcBef>
@@ -16598,6 +17093,9 @@
           </a:p>
           <a:p>
             <a:pPr indent="-342900" lvl="0" marL="457200" rtl="0" algn="l">
+              <a:lnSpc>
+                <a:spcPct val="115000"/>
+              </a:lnSpc>
               <a:spcBef>
                 <a:spcPts val="0"/>
               </a:spcBef>
@@ -16635,6 +17133,9 @@
           </a:p>
           <a:p>
             <a:pPr indent="-317500" lvl="1" marL="914400" rtl="0" algn="l">
+              <a:lnSpc>
+                <a:spcPct val="115000"/>
+              </a:lnSpc>
               <a:spcBef>
                 <a:spcPts val="0"/>
               </a:spcBef>
@@ -16672,6 +17173,9 @@
           </a:p>
           <a:p>
             <a:pPr indent="-317500" lvl="1" marL="914400" rtl="0" algn="l">
+              <a:lnSpc>
+                <a:spcPct val="115000"/>
+              </a:lnSpc>
               <a:spcBef>
                 <a:spcPts val="0"/>
               </a:spcBef>
@@ -16709,6 +17213,9 @@
           </a:p>
           <a:p>
             <a:pPr indent="-317500" lvl="1" marL="914400" rtl="0" algn="l">
+              <a:lnSpc>
+                <a:spcPct val="115000"/>
+              </a:lnSpc>
               <a:spcBef>
                 <a:spcPts val="0"/>
               </a:spcBef>
@@ -16746,6 +17253,9 @@
           </a:p>
           <a:p>
             <a:pPr indent="-317500" lvl="1" marL="914400" rtl="0" algn="l">
+              <a:lnSpc>
+                <a:spcPct val="115000"/>
+              </a:lnSpc>
               <a:spcBef>
                 <a:spcPts val="0"/>
               </a:spcBef>
@@ -16814,20 +17324,25 @@
           </a:bodyPr>
           <a:lstStyle/>
           <a:p>
-            <a:pPr indent="0" lvl="0" marL="0" rtl="0" algn="l">
-              <a:lnSpc>
-                <a:spcPct val="115000"/>
-              </a:lnSpc>
-              <a:spcBef>
-                <a:spcPts val="0"/>
-              </a:spcBef>
-              <a:spcAft>
-                <a:spcPts val="0"/>
-              </a:spcAft>
-              <a:buNone/>
-            </a:pPr>
-            <a:r>
-              <a:rPr b="1" lang="en" sz="1600">
+            <a:pPr indent="0" lvl="0" marL="0" marR="0" rtl="0" algn="l">
+              <a:lnSpc>
+                <a:spcPct val="115000"/>
+              </a:lnSpc>
+              <a:spcBef>
+                <a:spcPts val="0"/>
+              </a:spcBef>
+              <a:spcAft>
+                <a:spcPts val="0"/>
+              </a:spcAft>
+              <a:buClr>
+                <a:srgbClr val="000000"/>
+              </a:buClr>
+              <a:buSzPts val="1600"/>
+              <a:buFont typeface="Arial"/>
+              <a:buNone/>
+            </a:pPr>
+            <a:r>
+              <a:rPr b="1" i="0" lang="en" sz="1600" u="none" cap="none" strike="noStrike">
                 <a:solidFill>
                   <a:srgbClr val="A62A2A"/>
                 </a:solidFill>
@@ -16838,7 +17353,7 @@
               </a:rPr>
               <a:t>body </a:t>
             </a:r>
-            <a:endParaRPr b="1" sz="1600">
+            <a:endParaRPr b="1" i="0" sz="1600" u="none" cap="none" strike="noStrike">
               <a:solidFill>
                 <a:srgbClr val="A62A2A"/>
               </a:solidFill>
@@ -16849,7 +17364,7 @@
             </a:endParaRPr>
           </a:p>
           <a:p>
-            <a:pPr indent="0" lvl="0" marL="0" rtl="0" algn="l">
+            <a:pPr indent="0" lvl="0" marL="0" marR="0" rtl="0" algn="l">
               <a:lnSpc>
                 <a:spcPct val="115000"/>
               </a:lnSpc>
@@ -16867,7 +17382,7 @@
               <a:buNone/>
             </a:pPr>
             <a:r>
-              <a:rPr b="1" lang="en" sz="1600">
+              <a:rPr b="1" i="0" lang="en" sz="1600" u="none" cap="none" strike="noStrike">
                 <a:solidFill>
                   <a:schemeClr val="dk1"/>
                 </a:solidFill>
@@ -16878,7 +17393,7 @@
               </a:rPr>
               <a:t>{</a:t>
             </a:r>
-            <a:endParaRPr b="1" sz="1600">
+            <a:endParaRPr b="1" i="0" sz="1600" u="none" cap="none" strike="noStrike">
               <a:solidFill>
                 <a:schemeClr val="dk1"/>
               </a:solidFill>
@@ -16889,7 +17404,7 @@
             </a:endParaRPr>
           </a:p>
           <a:p>
-            <a:pPr indent="457200" lvl="0" marL="0" rtl="0" algn="l">
+            <a:pPr indent="457200" lvl="0" marL="0" marR="0" rtl="0" algn="l">
               <a:lnSpc>
                 <a:spcPct val="115000"/>
               </a:lnSpc>
@@ -16907,7 +17422,7 @@
               <a:buNone/>
             </a:pPr>
             <a:r>
-              <a:rPr b="1" lang="en" sz="1600">
+              <a:rPr b="1" i="0" lang="en" sz="1600" u="none" cap="none" strike="noStrike">
                 <a:solidFill>
                   <a:srgbClr val="FF0000"/>
                 </a:solidFill>
@@ -16919,7 +17434,7 @@
               <a:t>color</a:t>
             </a:r>
             <a:r>
-              <a:rPr b="1" lang="en" sz="1600">
+              <a:rPr b="1" i="0" lang="en" sz="1600" u="none" cap="none" strike="noStrike">
                 <a:solidFill>
                   <a:schemeClr val="dk1"/>
                 </a:solidFill>
@@ -16931,7 +17446,7 @@
               <a:t>: </a:t>
             </a:r>
             <a:r>
-              <a:rPr b="1" lang="en" sz="1600">
+              <a:rPr b="1" i="0" lang="en" sz="1600" u="none" cap="none" strike="noStrike">
                 <a:solidFill>
                   <a:srgbClr val="0000CE"/>
                 </a:solidFill>
@@ -16943,7 +17458,7 @@
               <a:t>blue</a:t>
             </a:r>
             <a:r>
-              <a:rPr b="1" lang="en" sz="1600">
+              <a:rPr b="1" i="0" lang="en" sz="1600" u="none" cap="none" strike="noStrike">
                 <a:solidFill>
                   <a:schemeClr val="dk1"/>
                 </a:solidFill>
@@ -16954,7 +17469,7 @@
               </a:rPr>
               <a:t>;</a:t>
             </a:r>
-            <a:endParaRPr b="1" sz="1600">
+            <a:endParaRPr b="1" i="0" sz="1600" u="none" cap="none" strike="noStrike">
               <a:solidFill>
                 <a:schemeClr val="dk1"/>
               </a:solidFill>
@@ -16965,7 +17480,7 @@
             </a:endParaRPr>
           </a:p>
           <a:p>
-            <a:pPr indent="0" lvl="0" marL="0" rtl="0" algn="l">
+            <a:pPr indent="0" lvl="0" marL="0" marR="0" rtl="0" algn="l">
               <a:lnSpc>
                 <a:spcPct val="115000"/>
               </a:lnSpc>
@@ -16983,7 +17498,7 @@
               <a:buNone/>
             </a:pPr>
             <a:r>
-              <a:rPr b="1" lang="en" sz="1600">
+              <a:rPr b="1" i="0" lang="en" sz="1600" u="none" cap="none" strike="noStrike">
                 <a:solidFill>
                   <a:schemeClr val="dk1"/>
                 </a:solidFill>
@@ -16994,7 +17509,7 @@
               </a:rPr>
               <a:t>}</a:t>
             </a:r>
-            <a:endParaRPr b="1" sz="1600">
+            <a:endParaRPr b="1" i="0" sz="1600" u="none" cap="none" strike="noStrike">
               <a:solidFill>
                 <a:schemeClr val="dk1"/>
               </a:solidFill>
@@ -17005,7 +17520,7 @@
             </a:endParaRPr>
           </a:p>
           <a:p>
-            <a:pPr indent="0" lvl="0" marL="0" rtl="0" algn="l">
+            <a:pPr indent="0" lvl="0" marL="0" marR="0" rtl="0" algn="l">
               <a:lnSpc>
                 <a:spcPct val="115000"/>
               </a:lnSpc>
@@ -17023,7 +17538,7 @@
               <a:buNone/>
             </a:pPr>
             <a:r>
-              <a:rPr b="1" lang="en" sz="1600">
+              <a:rPr b="1" i="0" lang="en" sz="1600" u="none" cap="none" strike="noStrike">
                 <a:solidFill>
                   <a:srgbClr val="008100"/>
                 </a:solidFill>
@@ -17034,7 +17549,7 @@
               </a:rPr>
               <a:t>/* revert to browser’s default value*/</a:t>
             </a:r>
-            <a:endParaRPr b="1" sz="1600">
+            <a:endParaRPr b="1" i="0" sz="1600" u="none" cap="none" strike="noStrike">
               <a:solidFill>
                 <a:srgbClr val="008100"/>
               </a:solidFill>
@@ -17045,20 +17560,25 @@
             </a:endParaRPr>
           </a:p>
           <a:p>
-            <a:pPr indent="0" lvl="0" marL="0" rtl="0" algn="l">
-              <a:lnSpc>
-                <a:spcPct val="115000"/>
-              </a:lnSpc>
-              <a:spcBef>
-                <a:spcPts val="0"/>
-              </a:spcBef>
-              <a:spcAft>
-                <a:spcPts val="0"/>
-              </a:spcAft>
-              <a:buNone/>
-            </a:pPr>
-            <a:r>
-              <a:rPr b="1" lang="en" sz="1600">
+            <a:pPr indent="0" lvl="0" marL="0" marR="0" rtl="0" algn="l">
+              <a:lnSpc>
+                <a:spcPct val="115000"/>
+              </a:lnSpc>
+              <a:spcBef>
+                <a:spcPts val="0"/>
+              </a:spcBef>
+              <a:spcAft>
+                <a:spcPts val="0"/>
+              </a:spcAft>
+              <a:buClr>
+                <a:srgbClr val="000000"/>
+              </a:buClr>
+              <a:buSzPts val="1600"/>
+              <a:buFont typeface="Arial"/>
+              <a:buNone/>
+            </a:pPr>
+            <a:r>
+              <a:rPr b="1" i="0" lang="en" sz="1600" u="none" cap="none" strike="noStrike">
                 <a:solidFill>
                   <a:srgbClr val="A62A2A"/>
                 </a:solidFill>
@@ -17069,7 +17589,7 @@
               </a:rPr>
               <a:t>h1 </a:t>
             </a:r>
-            <a:endParaRPr b="1" sz="1600">
+            <a:endParaRPr b="1" i="0" sz="1600" u="none" cap="none" strike="noStrike">
               <a:solidFill>
                 <a:srgbClr val="A62A2A"/>
               </a:solidFill>
@@ -17080,7 +17600,7 @@
             </a:endParaRPr>
           </a:p>
           <a:p>
-            <a:pPr indent="0" lvl="0" marL="0" rtl="0" algn="l">
+            <a:pPr indent="0" lvl="0" marL="0" marR="0" rtl="0" algn="l">
               <a:lnSpc>
                 <a:spcPct val="115000"/>
               </a:lnSpc>
@@ -17098,7 +17618,7 @@
               <a:buNone/>
             </a:pPr>
             <a:r>
-              <a:rPr b="1" lang="en" sz="1600">
+              <a:rPr b="1" i="0" lang="en" sz="1600" u="none" cap="none" strike="noStrike">
                 <a:solidFill>
                   <a:schemeClr val="dk1"/>
                 </a:solidFill>
@@ -17109,7 +17629,7 @@
               </a:rPr>
               <a:t>{</a:t>
             </a:r>
-            <a:endParaRPr b="1" sz="1600">
+            <a:endParaRPr b="1" i="0" sz="1600" u="none" cap="none" strike="noStrike">
               <a:solidFill>
                 <a:schemeClr val="dk1"/>
               </a:solidFill>
@@ -17120,7 +17640,7 @@
             </a:endParaRPr>
           </a:p>
           <a:p>
-            <a:pPr indent="457200" lvl="0" marL="0" rtl="0" algn="l">
+            <a:pPr indent="457200" lvl="0" marL="0" marR="0" rtl="0" algn="l">
               <a:lnSpc>
                 <a:spcPct val="115000"/>
               </a:lnSpc>
@@ -17138,7 +17658,7 @@
               <a:buNone/>
             </a:pPr>
             <a:r>
-              <a:rPr b="1" lang="en" sz="1600">
+              <a:rPr b="1" i="0" lang="en" sz="1600" u="none" cap="none" strike="noStrike">
                 <a:solidFill>
                   <a:srgbClr val="FF0000"/>
                 </a:solidFill>
@@ -17150,7 +17670,7 @@
               <a:t>color</a:t>
             </a:r>
             <a:r>
-              <a:rPr b="1" lang="en" sz="1600">
+              <a:rPr b="1" i="0" lang="en" sz="1600" u="none" cap="none" strike="noStrike">
                 <a:solidFill>
                   <a:schemeClr val="dk1"/>
                 </a:solidFill>
@@ -17162,7 +17682,7 @@
               <a:t>: </a:t>
             </a:r>
             <a:r>
-              <a:rPr b="1" lang="en" sz="1600">
+              <a:rPr b="1" i="0" lang="en" sz="1600" u="none" cap="none" strike="noStrike">
                 <a:solidFill>
                   <a:srgbClr val="0000CE"/>
                 </a:solidFill>
@@ -17174,7 +17694,7 @@
               <a:t>revert</a:t>
             </a:r>
             <a:r>
-              <a:rPr b="1" lang="en" sz="1600">
+              <a:rPr b="1" i="0" lang="en" sz="1600" u="none" cap="none" strike="noStrike">
                 <a:solidFill>
                   <a:schemeClr val="dk1"/>
                 </a:solidFill>
@@ -17185,7 +17705,7 @@
               </a:rPr>
               <a:t>;</a:t>
             </a:r>
-            <a:endParaRPr b="1" sz="1600">
+            <a:endParaRPr b="1" i="0" sz="1600" u="none" cap="none" strike="noStrike">
               <a:solidFill>
                 <a:schemeClr val="dk1"/>
               </a:solidFill>
@@ -17196,7 +17716,7 @@
             </a:endParaRPr>
           </a:p>
           <a:p>
-            <a:pPr indent="0" lvl="0" marL="0" rtl="0" algn="l">
+            <a:pPr indent="0" lvl="0" marL="0" marR="0" rtl="0" algn="l">
               <a:lnSpc>
                 <a:spcPct val="115000"/>
               </a:lnSpc>
@@ -17214,7 +17734,7 @@
               <a:buNone/>
             </a:pPr>
             <a:r>
-              <a:rPr b="1" lang="en" sz="1600">
+              <a:rPr b="1" i="0" lang="en" sz="1600" u="none" cap="none" strike="noStrike">
                 <a:solidFill>
                   <a:schemeClr val="dk1"/>
                 </a:solidFill>
@@ -17225,7 +17745,7 @@
               </a:rPr>
               <a:t>}</a:t>
             </a:r>
-            <a:endParaRPr b="1" sz="1600">
+            <a:endParaRPr b="1" i="0" sz="1600" u="none" cap="none" strike="noStrike">
               <a:solidFill>
                 <a:schemeClr val="dk1"/>
               </a:solidFill>
@@ -17278,6 +17798,10 @@
           <a:prstGeom prst="rect">
             <a:avLst/>
           </a:prstGeom>
+          <a:noFill/>
+          <a:ln>
+            <a:noFill/>
+          </a:ln>
         </p:spPr>
         <p:txBody>
           <a:bodyPr anchorCtr="0" anchor="t" bIns="91425" lIns="91425" spcFirstLastPara="1" rIns="91425" wrap="square" tIns="91425">
@@ -17295,6 +17819,7 @@
               <a:spcAft>
                 <a:spcPts val="0"/>
               </a:spcAft>
+              <a:buSzPts val="2800"/>
               <a:buNone/>
             </a:pPr>
             <a:r>
@@ -17329,6 +17854,10 @@
           <a:prstGeom prst="rect">
             <a:avLst/>
           </a:prstGeom>
+          <a:noFill/>
+          <a:ln>
+            <a:noFill/>
+          </a:ln>
         </p:spPr>
         <p:txBody>
           <a:bodyPr anchorCtr="0" anchor="t" bIns="91425" lIns="91425" spcFirstLastPara="1" rIns="91425" wrap="square" tIns="91425">
@@ -17337,12 +17866,16 @@
           <a:lstStyle/>
           <a:p>
             <a:pPr indent="0" lvl="0" marL="0" rtl="0" algn="l">
-              <a:spcBef>
-                <a:spcPts val="0"/>
-              </a:spcBef>
-              <a:spcAft>
-                <a:spcPts val="0"/>
-              </a:spcAft>
+              <a:lnSpc>
+                <a:spcPct val="115000"/>
+              </a:lnSpc>
+              <a:spcBef>
+                <a:spcPts val="0"/>
+              </a:spcBef>
+              <a:spcAft>
+                <a:spcPts val="0"/>
+              </a:spcAft>
+              <a:buSzPts val="1800"/>
               <a:buNone/>
             </a:pPr>
             <a:r>
@@ -17369,12 +17902,16 @@
           </a:p>
           <a:p>
             <a:pPr indent="0" lvl="0" marL="0" rtl="0" algn="l">
-              <a:spcBef>
-                <a:spcPts val="0"/>
-              </a:spcBef>
-              <a:spcAft>
-                <a:spcPts val="0"/>
-              </a:spcAft>
+              <a:lnSpc>
+                <a:spcPct val="115000"/>
+              </a:lnSpc>
+              <a:spcBef>
+                <a:spcPts val="0"/>
+              </a:spcBef>
+              <a:spcAft>
+                <a:spcPts val="0"/>
+              </a:spcAft>
+              <a:buSzPts val="1800"/>
               <a:buNone/>
             </a:pPr>
             <a:r>
@@ -17392,12 +17929,16 @@
           </a:p>
           <a:p>
             <a:pPr indent="0" lvl="0" marL="0" rtl="0" algn="ctr">
-              <a:spcBef>
-                <a:spcPts val="0"/>
-              </a:spcBef>
-              <a:spcAft>
-                <a:spcPts val="0"/>
-              </a:spcAft>
+              <a:lnSpc>
+                <a:spcPct val="115000"/>
+              </a:lnSpc>
+              <a:spcBef>
+                <a:spcPts val="0"/>
+              </a:spcBef>
+              <a:spcAft>
+                <a:spcPts val="0"/>
+              </a:spcAft>
+              <a:buSzPts val="1800"/>
               <a:buNone/>
             </a:pPr>
             <a:r>
@@ -17502,17 +18043,25 @@
           </a:bodyPr>
           <a:lstStyle/>
           <a:p>
-            <a:pPr indent="0" lvl="0" marL="0" rtl="0" algn="ctr">
-              <a:spcBef>
-                <a:spcPts val="0"/>
-              </a:spcBef>
-              <a:spcAft>
-                <a:spcPts val="0"/>
-              </a:spcAft>
-              <a:buNone/>
-            </a:pPr>
-            <a:r>
-              <a:rPr b="1" lang="en" sz="1600">
+            <a:pPr indent="0" lvl="0" marL="0" marR="0" rtl="0" algn="ctr">
+              <a:lnSpc>
+                <a:spcPct val="100000"/>
+              </a:lnSpc>
+              <a:spcBef>
+                <a:spcPts val="0"/>
+              </a:spcBef>
+              <a:spcAft>
+                <a:spcPts val="0"/>
+              </a:spcAft>
+              <a:buClr>
+                <a:srgbClr val="000000"/>
+              </a:buClr>
+              <a:buSzPts val="1600"/>
+              <a:buFont typeface="Arial"/>
+              <a:buNone/>
+            </a:pPr>
+            <a:r>
+              <a:rPr b="1" i="0" lang="en" sz="1600" u="none" cap="none" strike="noStrike">
                 <a:solidFill>
                   <a:schemeClr val="lt1"/>
                 </a:solidFill>
@@ -17521,21 +18070,9 @@
                 <a:cs typeface="Times New Roman"/>
                 <a:sym typeface="Times New Roman"/>
               </a:rPr>
-              <a:t>i</a:t>
-            </a:r>
-            <a:r>
-              <a:rPr b="1" lang="en" sz="1600">
-                <a:solidFill>
-                  <a:schemeClr val="lt1"/>
-                </a:solidFill>
-                <a:latin typeface="Times New Roman"/>
-                <a:ea typeface="Times New Roman"/>
-                <a:cs typeface="Times New Roman"/>
-                <a:sym typeface="Times New Roman"/>
-              </a:rPr>
-              <a:t>nline style</a:t>
-            </a:r>
-            <a:endParaRPr b="1" sz="1600">
+              <a:t>inline style</a:t>
+            </a:r>
+            <a:endParaRPr b="1" i="0" sz="1600" u="none" cap="none" strike="noStrike">
               <a:solidFill>
                 <a:schemeClr val="lt1"/>
               </a:solidFill>
@@ -17580,17 +18117,25 @@
           </a:bodyPr>
           <a:lstStyle/>
           <a:p>
-            <a:pPr indent="0" lvl="0" marL="0" rtl="0" algn="ctr">
-              <a:spcBef>
-                <a:spcPts val="0"/>
-              </a:spcBef>
-              <a:spcAft>
-                <a:spcPts val="0"/>
-              </a:spcAft>
-              <a:buNone/>
-            </a:pPr>
-            <a:r>
-              <a:rPr b="1" lang="en" sz="1600">
+            <a:pPr indent="0" lvl="0" marL="0" marR="0" rtl="0" algn="ctr">
+              <a:lnSpc>
+                <a:spcPct val="100000"/>
+              </a:lnSpc>
+              <a:spcBef>
+                <a:spcPts val="0"/>
+              </a:spcBef>
+              <a:spcAft>
+                <a:spcPts val="0"/>
+              </a:spcAft>
+              <a:buClr>
+                <a:srgbClr val="000000"/>
+              </a:buClr>
+              <a:buSzPts val="1600"/>
+              <a:buFont typeface="Arial"/>
+              <a:buNone/>
+            </a:pPr>
+            <a:r>
+              <a:rPr b="1" i="0" lang="en" sz="1600" u="none" cap="none" strike="noStrike">
                 <a:solidFill>
                   <a:schemeClr val="lt1"/>
                 </a:solidFill>
@@ -17599,21 +18144,9 @@
                 <a:cs typeface="Times New Roman"/>
                 <a:sym typeface="Times New Roman"/>
               </a:rPr>
-              <a:t>i</a:t>
-            </a:r>
-            <a:r>
-              <a:rPr b="1" lang="en" sz="1600">
-                <a:solidFill>
-                  <a:schemeClr val="lt1"/>
-                </a:solidFill>
-                <a:latin typeface="Times New Roman"/>
-                <a:ea typeface="Times New Roman"/>
-                <a:cs typeface="Times New Roman"/>
-                <a:sym typeface="Times New Roman"/>
-              </a:rPr>
-              <a:t>d selector</a:t>
-            </a:r>
-            <a:endParaRPr b="1" sz="1600">
+              <a:t>id selector</a:t>
+            </a:r>
+            <a:endParaRPr b="1" i="0" sz="1600" u="none" cap="none" strike="noStrike">
               <a:solidFill>
                 <a:schemeClr val="lt1"/>
               </a:solidFill>
@@ -17658,17 +18191,25 @@
           </a:bodyPr>
           <a:lstStyle/>
           <a:p>
-            <a:pPr indent="0" lvl="0" marL="0" rtl="0" algn="ctr">
-              <a:spcBef>
-                <a:spcPts val="0"/>
-              </a:spcBef>
-              <a:spcAft>
-                <a:spcPts val="0"/>
-              </a:spcAft>
-              <a:buNone/>
-            </a:pPr>
-            <a:r>
-              <a:rPr b="1" lang="en" sz="1600">
+            <a:pPr indent="0" lvl="0" marL="0" marR="0" rtl="0" algn="ctr">
+              <a:lnSpc>
+                <a:spcPct val="100000"/>
+              </a:lnSpc>
+              <a:spcBef>
+                <a:spcPts val="0"/>
+              </a:spcBef>
+              <a:spcAft>
+                <a:spcPts val="0"/>
+              </a:spcAft>
+              <a:buClr>
+                <a:srgbClr val="000000"/>
+              </a:buClr>
+              <a:buSzPts val="1600"/>
+              <a:buFont typeface="Arial"/>
+              <a:buNone/>
+            </a:pPr>
+            <a:r>
+              <a:rPr b="1" i="0" lang="en" sz="1600" u="none" cap="none" strike="noStrike">
                 <a:solidFill>
                   <a:schemeClr val="lt1"/>
                 </a:solidFill>
@@ -17677,21 +18218,9 @@
                 <a:cs typeface="Times New Roman"/>
                 <a:sym typeface="Times New Roman"/>
               </a:rPr>
-              <a:t>c</a:t>
-            </a:r>
-            <a:r>
-              <a:rPr b="1" lang="en" sz="1600">
-                <a:solidFill>
-                  <a:schemeClr val="lt1"/>
-                </a:solidFill>
-                <a:latin typeface="Times New Roman"/>
-                <a:ea typeface="Times New Roman"/>
-                <a:cs typeface="Times New Roman"/>
-                <a:sym typeface="Times New Roman"/>
-              </a:rPr>
-              <a:t>lass, pseudo-class, attribute selectors</a:t>
-            </a:r>
-            <a:endParaRPr b="1" sz="1600">
+              <a:t>class, pseudo-class, attribute selectors</a:t>
+            </a:r>
+            <a:endParaRPr b="1" i="0" sz="1600" u="none" cap="none" strike="noStrike">
               <a:solidFill>
                 <a:schemeClr val="lt1"/>
               </a:solidFill>
@@ -17736,17 +18265,25 @@
           </a:bodyPr>
           <a:lstStyle/>
           <a:p>
-            <a:pPr indent="0" lvl="0" marL="0" rtl="0" algn="ctr">
-              <a:spcBef>
-                <a:spcPts val="0"/>
-              </a:spcBef>
-              <a:spcAft>
-                <a:spcPts val="0"/>
-              </a:spcAft>
-              <a:buNone/>
-            </a:pPr>
-            <a:r>
-              <a:rPr b="1" lang="en" sz="1600">
+            <a:pPr indent="0" lvl="0" marL="0" marR="0" rtl="0" algn="ctr">
+              <a:lnSpc>
+                <a:spcPct val="100000"/>
+              </a:lnSpc>
+              <a:spcBef>
+                <a:spcPts val="0"/>
+              </a:spcBef>
+              <a:spcAft>
+                <a:spcPts val="0"/>
+              </a:spcAft>
+              <a:buClr>
+                <a:srgbClr val="000000"/>
+              </a:buClr>
+              <a:buSzPts val="1600"/>
+              <a:buFont typeface="Arial"/>
+              <a:buNone/>
+            </a:pPr>
+            <a:r>
+              <a:rPr b="1" i="0" lang="en" sz="1600" u="none" cap="none" strike="noStrike">
                 <a:solidFill>
                   <a:schemeClr val="lt1"/>
                 </a:solidFill>
@@ -17755,21 +18292,9 @@
                 <a:cs typeface="Times New Roman"/>
                 <a:sym typeface="Times New Roman"/>
               </a:rPr>
-              <a:t>e</a:t>
-            </a:r>
-            <a:r>
-              <a:rPr b="1" lang="en" sz="1600">
-                <a:solidFill>
-                  <a:schemeClr val="lt1"/>
-                </a:solidFill>
-                <a:latin typeface="Times New Roman"/>
-                <a:ea typeface="Times New Roman"/>
-                <a:cs typeface="Times New Roman"/>
-                <a:sym typeface="Times New Roman"/>
-              </a:rPr>
-              <a:t>lements, pseudo-element selectors</a:t>
-            </a:r>
-            <a:endParaRPr b="1" sz="1600">
+              <a:t>elements, pseudo-element selectors</a:t>
+            </a:r>
+            <a:endParaRPr b="1" i="0" sz="1600" u="none" cap="none" strike="noStrike">
               <a:solidFill>
                 <a:schemeClr val="lt1"/>
               </a:solidFill>
@@ -17832,35 +18357,55 @@
           </a:bodyPr>
           <a:lstStyle/>
           <a:p>
-            <a:pPr indent="0" lvl="0" marL="0" rtl="0" algn="ctr">
-              <a:spcBef>
-                <a:spcPts val="0"/>
-              </a:spcBef>
-              <a:spcAft>
-                <a:spcPts val="0"/>
-              </a:spcAft>
-              <a:buNone/>
-            </a:pPr>
-            <a:r>
-              <a:rPr b="1" lang="en">
+            <a:pPr indent="0" lvl="0" marL="0" marR="0" rtl="0" algn="ctr">
+              <a:lnSpc>
+                <a:spcPct val="100000"/>
+              </a:lnSpc>
+              <a:spcBef>
+                <a:spcPts val="0"/>
+              </a:spcBef>
+              <a:spcAft>
+                <a:spcPts val="0"/>
+              </a:spcAft>
+              <a:buClr>
+                <a:srgbClr val="000000"/>
+              </a:buClr>
+              <a:buSzPts val="1400"/>
+              <a:buFont typeface="Arial"/>
+              <a:buNone/>
+            </a:pPr>
+            <a:r>
+              <a:rPr b="1" i="0" lang="en" sz="1400" u="none" cap="none" strike="noStrike">
                 <a:solidFill>
                   <a:srgbClr val="FF0000"/>
                 </a:solidFill>
+                <a:latin typeface="Arial"/>
+                <a:ea typeface="Arial"/>
+                <a:cs typeface="Arial"/>
+                <a:sym typeface="Arial"/>
               </a:rPr>
               <a:t>More</a:t>
             </a:r>
             <a:r>
-              <a:rPr lang="en">
+              <a:rPr b="0" i="0" lang="en" sz="1400" u="none" cap="none" strike="noStrike">
                 <a:solidFill>
                   <a:srgbClr val="FF0000"/>
                 </a:solidFill>
+                <a:latin typeface="Arial"/>
+                <a:ea typeface="Arial"/>
+                <a:cs typeface="Arial"/>
+                <a:sym typeface="Arial"/>
               </a:rPr>
               <a:t> important</a:t>
             </a:r>
-            <a:endParaRPr>
+            <a:endParaRPr b="0" i="0" sz="1400" u="none" cap="none" strike="noStrike">
               <a:solidFill>
                 <a:srgbClr val="FF0000"/>
               </a:solidFill>
+              <a:latin typeface="Arial"/>
+              <a:ea typeface="Arial"/>
+              <a:cs typeface="Arial"/>
+              <a:sym typeface="Arial"/>
             </a:endParaRPr>
           </a:p>
         </p:txBody>
@@ -17890,35 +18435,55 @@
           </a:bodyPr>
           <a:lstStyle/>
           <a:p>
-            <a:pPr indent="0" lvl="0" marL="0" rtl="0" algn="ctr">
-              <a:spcBef>
-                <a:spcPts val="0"/>
-              </a:spcBef>
-              <a:spcAft>
-                <a:spcPts val="0"/>
-              </a:spcAft>
-              <a:buNone/>
-            </a:pPr>
-            <a:r>
-              <a:rPr b="1" lang="en">
+            <a:pPr indent="0" lvl="0" marL="0" marR="0" rtl="0" algn="ctr">
+              <a:lnSpc>
+                <a:spcPct val="100000"/>
+              </a:lnSpc>
+              <a:spcBef>
+                <a:spcPts val="0"/>
+              </a:spcBef>
+              <a:spcAft>
+                <a:spcPts val="0"/>
+              </a:spcAft>
+              <a:buClr>
+                <a:srgbClr val="000000"/>
+              </a:buClr>
+              <a:buSzPts val="1400"/>
+              <a:buFont typeface="Arial"/>
+              <a:buNone/>
+            </a:pPr>
+            <a:r>
+              <a:rPr b="1" i="0" lang="en" sz="1400" u="none" cap="none" strike="noStrike">
                 <a:solidFill>
                   <a:srgbClr val="FF0000"/>
                 </a:solidFill>
+                <a:latin typeface="Arial"/>
+                <a:ea typeface="Arial"/>
+                <a:cs typeface="Arial"/>
+                <a:sym typeface="Arial"/>
               </a:rPr>
               <a:t>Less</a:t>
             </a:r>
             <a:r>
-              <a:rPr lang="en">
+              <a:rPr b="0" i="0" lang="en" sz="1400" u="none" cap="none" strike="noStrike">
                 <a:solidFill>
                   <a:srgbClr val="FF0000"/>
                 </a:solidFill>
+                <a:latin typeface="Arial"/>
+                <a:ea typeface="Arial"/>
+                <a:cs typeface="Arial"/>
+                <a:sym typeface="Arial"/>
               </a:rPr>
               <a:t> important</a:t>
             </a:r>
-            <a:endParaRPr>
+            <a:endParaRPr b="0" i="0" sz="1400" u="none" cap="none" strike="noStrike">
               <a:solidFill>
                 <a:srgbClr val="FF0000"/>
               </a:solidFill>
+              <a:latin typeface="Arial"/>
+              <a:ea typeface="Arial"/>
+              <a:cs typeface="Arial"/>
+              <a:sym typeface="Arial"/>
             </a:endParaRPr>
           </a:p>
         </p:txBody>
@@ -17948,17 +18513,28 @@
           </a:bodyPr>
           <a:lstStyle/>
           <a:p>
-            <a:pPr indent="0" lvl="0" marL="0" rtl="0" algn="l">
-              <a:spcBef>
-                <a:spcPts val="0"/>
-              </a:spcBef>
-              <a:spcAft>
-                <a:spcPts val="0"/>
-              </a:spcAft>
-              <a:buNone/>
-            </a:pPr>
-            <a:r>
-              <a:rPr lang="en">
+            <a:pPr indent="0" lvl="0" marL="0" marR="0" rtl="0" algn="l">
+              <a:lnSpc>
+                <a:spcPct val="100000"/>
+              </a:lnSpc>
+              <a:spcBef>
+                <a:spcPts val="0"/>
+              </a:spcBef>
+              <a:spcAft>
+                <a:spcPts val="0"/>
+              </a:spcAft>
+              <a:buClr>
+                <a:srgbClr val="000000"/>
+              </a:buClr>
+              <a:buSzPts val="1400"/>
+              <a:buFont typeface="Arial"/>
+              <a:buNone/>
+            </a:pPr>
+            <a:r>
+              <a:rPr b="0" i="0" lang="en" sz="1400" u="none" cap="none" strike="noStrike">
+                <a:solidFill>
+                  <a:srgbClr val="000000"/>
+                </a:solidFill>
                 <a:latin typeface="Courier New"/>
                 <a:ea typeface="Courier New"/>
                 <a:cs typeface="Courier New"/>
@@ -17966,7 +18542,10 @@
               </a:rPr>
               <a:t>#last</a:t>
             </a:r>
-            <a:endParaRPr>
+            <a:endParaRPr b="0" i="0" sz="1400" u="none" cap="none" strike="noStrike">
+              <a:solidFill>
+                <a:srgbClr val="000000"/>
+              </a:solidFill>
               <a:latin typeface="Courier New"/>
               <a:ea typeface="Courier New"/>
               <a:cs typeface="Courier New"/>
@@ -17974,17 +18553,28 @@
             </a:endParaRPr>
           </a:p>
           <a:p>
-            <a:pPr indent="0" lvl="0" marL="0" rtl="0" algn="l">
-              <a:spcBef>
-                <a:spcPts val="0"/>
-              </a:spcBef>
-              <a:spcAft>
-                <a:spcPts val="0"/>
-              </a:spcAft>
-              <a:buNone/>
-            </a:pPr>
-            <a:r>
-              <a:rPr lang="en">
+            <a:pPr indent="0" lvl="0" marL="0" marR="0" rtl="0" algn="l">
+              <a:lnSpc>
+                <a:spcPct val="100000"/>
+              </a:lnSpc>
+              <a:spcBef>
+                <a:spcPts val="0"/>
+              </a:spcBef>
+              <a:spcAft>
+                <a:spcPts val="0"/>
+              </a:spcAft>
+              <a:buClr>
+                <a:srgbClr val="000000"/>
+              </a:buClr>
+              <a:buSzPts val="1400"/>
+              <a:buFont typeface="Arial"/>
+              <a:buNone/>
+            </a:pPr>
+            <a:r>
+              <a:rPr b="0" i="0" lang="en" sz="1400" u="none" cap="none" strike="noStrike">
+                <a:solidFill>
+                  <a:srgbClr val="000000"/>
+                </a:solidFill>
                 <a:latin typeface="Courier New"/>
                 <a:ea typeface="Courier New"/>
                 <a:cs typeface="Courier New"/>
@@ -17992,7 +18582,10 @@
               </a:rPr>
               <a:t>{</a:t>
             </a:r>
-            <a:endParaRPr>
+            <a:endParaRPr b="0" i="0" sz="1400" u="none" cap="none" strike="noStrike">
+              <a:solidFill>
+                <a:srgbClr val="000000"/>
+              </a:solidFill>
               <a:latin typeface="Courier New"/>
               <a:ea typeface="Courier New"/>
               <a:cs typeface="Courier New"/>
@@ -18000,60 +18593,79 @@
             </a:endParaRPr>
           </a:p>
           <a:p>
-            <a:pPr indent="0" lvl="0" marL="0" rtl="0" algn="l">
-              <a:spcBef>
-                <a:spcPts val="0"/>
-              </a:spcBef>
-              <a:spcAft>
-                <a:spcPts val="0"/>
-              </a:spcAft>
-              <a:buNone/>
-            </a:pPr>
-            <a:r>
-              <a:rPr lang="en">
+            <a:pPr indent="0" lvl="0" marL="0" marR="0" rtl="0" algn="l">
+              <a:lnSpc>
+                <a:spcPct val="100000"/>
+              </a:lnSpc>
+              <a:spcBef>
+                <a:spcPts val="0"/>
+              </a:spcBef>
+              <a:spcAft>
+                <a:spcPts val="0"/>
+              </a:spcAft>
+              <a:buClr>
+                <a:srgbClr val="000000"/>
+              </a:buClr>
+              <a:buSzPts val="1400"/>
+              <a:buFont typeface="Arial"/>
+              <a:buNone/>
+            </a:pPr>
+            <a:r>
+              <a:rPr b="0" i="0" lang="en" sz="1400" u="none" cap="none" strike="noStrike">
+                <a:solidFill>
+                  <a:srgbClr val="000000"/>
+                </a:solidFill>
                 <a:latin typeface="Courier New"/>
                 <a:ea typeface="Courier New"/>
                 <a:cs typeface="Courier New"/>
                 <a:sym typeface="Courier New"/>
               </a:rPr>
-              <a:t>c</a:t>
-            </a:r>
-            <a:r>
-              <a:rPr lang="en">
+              <a:t>color: blue;</a:t>
+            </a:r>
+            <a:endParaRPr b="0" i="0" sz="1400" u="none" cap="none" strike="noStrike">
+              <a:solidFill>
+                <a:srgbClr val="000000"/>
+              </a:solidFill>
+              <a:latin typeface="Courier New"/>
+              <a:ea typeface="Courier New"/>
+              <a:cs typeface="Courier New"/>
+              <a:sym typeface="Courier New"/>
+            </a:endParaRPr>
+          </a:p>
+          <a:p>
+            <a:pPr indent="0" lvl="0" marL="0" marR="0" rtl="0" algn="l">
+              <a:lnSpc>
+                <a:spcPct val="100000"/>
+              </a:lnSpc>
+              <a:spcBef>
+                <a:spcPts val="0"/>
+              </a:spcBef>
+              <a:spcAft>
+                <a:spcPts val="0"/>
+              </a:spcAft>
+              <a:buClr>
+                <a:srgbClr val="000000"/>
+              </a:buClr>
+              <a:buSzPts val="1400"/>
+              <a:buFont typeface="Arial"/>
+              <a:buNone/>
+            </a:pPr>
+            <a:r>
+              <a:rPr b="0" i="0" lang="en" sz="1400" u="none" cap="none" strike="noStrike">
+                <a:solidFill>
+                  <a:srgbClr val="000000"/>
+                </a:solidFill>
                 <a:latin typeface="Courier New"/>
                 <a:ea typeface="Courier New"/>
                 <a:cs typeface="Courier New"/>
                 <a:sym typeface="Courier New"/>
               </a:rPr>
-              <a:t>olor: blue;</a:t>
-            </a:r>
-            <a:endParaRPr>
-              <a:latin typeface="Courier New"/>
-              <a:ea typeface="Courier New"/>
-              <a:cs typeface="Courier New"/>
-              <a:sym typeface="Courier New"/>
-            </a:endParaRPr>
-          </a:p>
-          <a:p>
-            <a:pPr indent="0" lvl="0" marL="0" rtl="0" algn="l">
-              <a:spcBef>
-                <a:spcPts val="0"/>
-              </a:spcBef>
-              <a:spcAft>
-                <a:spcPts val="0"/>
-              </a:spcAft>
-              <a:buNone/>
-            </a:pPr>
-            <a:r>
-              <a:rPr lang="en">
-                <a:latin typeface="Courier New"/>
-                <a:ea typeface="Courier New"/>
-                <a:cs typeface="Courier New"/>
-                <a:sym typeface="Courier New"/>
-              </a:rPr>
               <a:t>}</a:t>
             </a:r>
-            <a:endParaRPr>
+            <a:endParaRPr b="0" i="0" sz="1400" u="none" cap="none" strike="noStrike">
+              <a:solidFill>
+                <a:srgbClr val="000000"/>
+              </a:solidFill>
               <a:latin typeface="Courier New"/>
               <a:ea typeface="Courier New"/>
               <a:cs typeface="Courier New"/>
@@ -18087,34 +18699,79 @@
           </a:bodyPr>
           <a:lstStyle/>
           <a:p>
-            <a:pPr indent="0" lvl="0" marL="0" rtl="0" algn="l">
-              <a:spcBef>
-                <a:spcPts val="0"/>
-              </a:spcBef>
-              <a:spcAft>
-                <a:spcPts val="0"/>
-              </a:spcAft>
-              <a:buNone/>
-            </a:pPr>
-            <a:r>
-              <a:rPr lang="en">
+            <a:pPr indent="0" lvl="0" marL="0" marR="0" rtl="0" algn="l">
+              <a:lnSpc>
+                <a:spcPct val="100000"/>
+              </a:lnSpc>
+              <a:spcBef>
+                <a:spcPts val="0"/>
+              </a:spcBef>
+              <a:spcAft>
+                <a:spcPts val="0"/>
+              </a:spcAft>
+              <a:buClr>
+                <a:srgbClr val="000000"/>
+              </a:buClr>
+              <a:buSzPts val="1400"/>
+              <a:buFont typeface="Arial"/>
+              <a:buNone/>
+            </a:pPr>
+            <a:r>
+              <a:rPr b="0" i="0" lang="en" sz="1400" u="none" cap="none" strike="noStrike">
+                <a:solidFill>
+                  <a:srgbClr val="000000"/>
+                </a:solidFill>
                 <a:latin typeface="Courier New"/>
                 <a:ea typeface="Courier New"/>
                 <a:cs typeface="Courier New"/>
                 <a:sym typeface="Courier New"/>
               </a:rPr>
-              <a:t>b</a:t>
-            </a:r>
-            <a:r>
-              <a:rPr lang="en">
+              <a:t>body p:last-child</a:t>
+            </a:r>
+            <a:endParaRPr b="0" i="0" sz="1400" u="none" cap="none" strike="noStrike">
+              <a:solidFill>
+                <a:srgbClr val="000000"/>
+              </a:solidFill>
+              <a:latin typeface="Courier New"/>
+              <a:ea typeface="Courier New"/>
+              <a:cs typeface="Courier New"/>
+              <a:sym typeface="Courier New"/>
+            </a:endParaRPr>
+          </a:p>
+          <a:p>
+            <a:pPr indent="0" lvl="0" marL="0" marR="0" rtl="0" algn="l">
+              <a:lnSpc>
+                <a:spcPct val="100000"/>
+              </a:lnSpc>
+              <a:spcBef>
+                <a:spcPts val="0"/>
+              </a:spcBef>
+              <a:spcAft>
+                <a:spcPts val="0"/>
+              </a:spcAft>
+              <a:buClr>
+                <a:srgbClr val="000000"/>
+              </a:buClr>
+              <a:buSzPts val="1400"/>
+              <a:buFont typeface="Arial"/>
+              <a:buNone/>
+            </a:pPr>
+            <a:r>
+              <a:rPr b="0" i="0" lang="en" sz="1400" u="none" cap="none" strike="noStrike">
+                <a:solidFill>
+                  <a:srgbClr val="000000"/>
+                </a:solidFill>
                 <a:latin typeface="Courier New"/>
                 <a:ea typeface="Courier New"/>
                 <a:cs typeface="Courier New"/>
                 <a:sym typeface="Courier New"/>
               </a:rPr>
-              <a:t>ody p:last-child</a:t>
-            </a:r>
-            <a:endParaRPr>
+              <a:t>{</a:t>
+            </a:r>
+            <a:endParaRPr b="0" i="0" sz="1400" u="none" cap="none" strike="noStrike">
+              <a:solidFill>
+                <a:srgbClr val="000000"/>
+              </a:solidFill>
               <a:latin typeface="Courier New"/>
               <a:ea typeface="Courier New"/>
               <a:cs typeface="Courier New"/>
@@ -18122,25 +18779,39 @@
             </a:endParaRPr>
           </a:p>
           <a:p>
-            <a:pPr indent="0" lvl="0" marL="0" rtl="0" algn="l">
-              <a:spcBef>
-                <a:spcPts val="0"/>
-              </a:spcBef>
-              <a:spcAft>
-                <a:spcPts val="0"/>
-              </a:spcAft>
-              <a:buNone/>
-            </a:pPr>
-            <a:r>
-              <a:rPr lang="en">
+            <a:pPr indent="0" lvl="0" marL="0" marR="0" rtl="0" algn="l">
+              <a:lnSpc>
+                <a:spcPct val="100000"/>
+              </a:lnSpc>
+              <a:spcBef>
+                <a:spcPts val="0"/>
+              </a:spcBef>
+              <a:spcAft>
+                <a:spcPts val="0"/>
+              </a:spcAft>
+              <a:buClr>
+                <a:srgbClr val="000000"/>
+              </a:buClr>
+              <a:buSzPts val="1400"/>
+              <a:buFont typeface="Arial"/>
+              <a:buNone/>
+            </a:pPr>
+            <a:r>
+              <a:rPr b="0" i="0" lang="en" sz="1400" u="none" cap="none" strike="noStrike">
+                <a:solidFill>
+                  <a:srgbClr val="000000"/>
+                </a:solidFill>
                 <a:latin typeface="Courier New"/>
                 <a:ea typeface="Courier New"/>
                 <a:cs typeface="Courier New"/>
                 <a:sym typeface="Courier New"/>
               </a:rPr>
-              <a:t>{</a:t>
-            </a:r>
-            <a:endParaRPr>
+              <a:t>color: green;</a:t>
+            </a:r>
+            <a:endParaRPr b="0" i="0" sz="1400" u="none" cap="none" strike="noStrike">
+              <a:solidFill>
+                <a:srgbClr val="000000"/>
+              </a:solidFill>
               <a:latin typeface="Courier New"/>
               <a:ea typeface="Courier New"/>
               <a:cs typeface="Courier New"/>
@@ -18148,51 +18819,39 @@
             </a:endParaRPr>
           </a:p>
           <a:p>
-            <a:pPr indent="0" lvl="0" marL="0" rtl="0" algn="l">
-              <a:spcBef>
-                <a:spcPts val="0"/>
-              </a:spcBef>
-              <a:spcAft>
-                <a:spcPts val="0"/>
-              </a:spcAft>
-              <a:buNone/>
-            </a:pPr>
-            <a:r>
-              <a:rPr lang="en">
+            <a:pPr indent="0" lvl="0" marL="0" marR="0" rtl="0" algn="l">
+              <a:lnSpc>
+                <a:spcPct val="100000"/>
+              </a:lnSpc>
+              <a:spcBef>
+                <a:spcPts val="0"/>
+              </a:spcBef>
+              <a:spcAft>
+                <a:spcPts val="0"/>
+              </a:spcAft>
+              <a:buClr>
+                <a:srgbClr val="000000"/>
+              </a:buClr>
+              <a:buSzPts val="1400"/>
+              <a:buFont typeface="Arial"/>
+              <a:buNone/>
+            </a:pPr>
+            <a:r>
+              <a:rPr b="0" i="0" lang="en" sz="1400" u="none" cap="none" strike="noStrike">
+                <a:solidFill>
+                  <a:srgbClr val="000000"/>
+                </a:solidFill>
                 <a:latin typeface="Courier New"/>
                 <a:ea typeface="Courier New"/>
                 <a:cs typeface="Courier New"/>
                 <a:sym typeface="Courier New"/>
               </a:rPr>
-              <a:t>color: green;</a:t>
-            </a:r>
-            <a:endParaRPr>
-              <a:latin typeface="Courier New"/>
-              <a:ea typeface="Courier New"/>
-              <a:cs typeface="Courier New"/>
-              <a:sym typeface="Courier New"/>
-            </a:endParaRPr>
-          </a:p>
-          <a:p>
-            <a:pPr indent="0" lvl="0" marL="0" rtl="0" algn="l">
-              <a:spcBef>
-                <a:spcPts val="0"/>
-              </a:spcBef>
-              <a:spcAft>
-                <a:spcPts val="0"/>
-              </a:spcAft>
-              <a:buNone/>
-            </a:pPr>
-            <a:r>
-              <a:rPr lang="en">
-                <a:latin typeface="Courier New"/>
-                <a:ea typeface="Courier New"/>
-                <a:cs typeface="Courier New"/>
-                <a:sym typeface="Courier New"/>
-              </a:rPr>
               <a:t>}</a:t>
             </a:r>
-            <a:endParaRPr>
+            <a:endParaRPr b="0" i="0" sz="1400" u="none" cap="none" strike="noStrike">
+              <a:solidFill>
+                <a:srgbClr val="000000"/>
+              </a:solidFill>
               <a:latin typeface="Courier New"/>
               <a:ea typeface="Courier New"/>
               <a:cs typeface="Courier New"/>
@@ -18242,6 +18901,10 @@
           <a:prstGeom prst="rect">
             <a:avLst/>
           </a:prstGeom>
+          <a:noFill/>
+          <a:ln>
+            <a:noFill/>
+          </a:ln>
         </p:spPr>
         <p:txBody>
           <a:bodyPr anchorCtr="0" anchor="t" bIns="91425" lIns="91425" spcFirstLastPara="1" rIns="91425" wrap="square" tIns="91425">
@@ -18250,12 +18913,16 @@
           <a:lstStyle/>
           <a:p>
             <a:pPr indent="0" lvl="0" marL="0" rtl="0" algn="l">
-              <a:spcBef>
-                <a:spcPts val="0"/>
-              </a:spcBef>
-              <a:spcAft>
-                <a:spcPts val="0"/>
-              </a:spcAft>
+              <a:lnSpc>
+                <a:spcPct val="100000"/>
+              </a:lnSpc>
+              <a:spcBef>
+                <a:spcPts val="0"/>
+              </a:spcBef>
+              <a:spcAft>
+                <a:spcPts val="0"/>
+              </a:spcAft>
+              <a:buSzPts val="2800"/>
               <a:buNone/>
             </a:pPr>
             <a:r>
@@ -18282,6 +18949,10 @@
           <a:prstGeom prst="rect">
             <a:avLst/>
           </a:prstGeom>
+          <a:noFill/>
+          <a:ln>
+            <a:noFill/>
+          </a:ln>
         </p:spPr>
         <p:txBody>
           <a:bodyPr anchorCtr="0" anchor="t" bIns="91425" lIns="91425" spcFirstLastPara="1" rIns="91425" wrap="square" tIns="91425">
@@ -18290,12 +18961,16 @@
           <a:lstStyle/>
           <a:p>
             <a:pPr indent="0" lvl="0" marL="0" rtl="0" algn="l">
-              <a:spcBef>
-                <a:spcPts val="0"/>
-              </a:spcBef>
-              <a:spcAft>
-                <a:spcPts val="0"/>
-              </a:spcAft>
+              <a:lnSpc>
+                <a:spcPct val="115000"/>
+              </a:lnSpc>
+              <a:spcBef>
+                <a:spcPts val="0"/>
+              </a:spcBef>
+              <a:spcAft>
+                <a:spcPts val="0"/>
+              </a:spcAft>
+              <a:buSzPts val="1800"/>
               <a:buNone/>
             </a:pPr>
             <a:r>
@@ -18322,12 +18997,16 @@
           </a:p>
           <a:p>
             <a:pPr indent="0" lvl="0" marL="0" rtl="0" algn="l">
-              <a:spcBef>
-                <a:spcPts val="0"/>
-              </a:spcBef>
-              <a:spcAft>
-                <a:spcPts val="0"/>
-              </a:spcAft>
+              <a:lnSpc>
+                <a:spcPct val="115000"/>
+              </a:lnSpc>
+              <a:spcBef>
+                <a:spcPts val="0"/>
+              </a:spcBef>
+              <a:spcAft>
+                <a:spcPts val="0"/>
+              </a:spcAft>
+              <a:buSzPts val="1800"/>
               <a:buNone/>
             </a:pPr>
             <a:r>
@@ -18345,12 +19024,16 @@
           </a:p>
           <a:p>
             <a:pPr indent="0" lvl="0" marL="0" rtl="0" algn="l">
-              <a:spcBef>
-                <a:spcPts val="0"/>
-              </a:spcBef>
-              <a:spcAft>
-                <a:spcPts val="0"/>
-              </a:spcAft>
+              <a:lnSpc>
+                <a:spcPct val="115000"/>
+              </a:lnSpc>
+              <a:spcBef>
+                <a:spcPts val="0"/>
+              </a:spcBef>
+              <a:spcAft>
+                <a:spcPts val="0"/>
+              </a:spcAft>
+              <a:buSzPts val="1800"/>
               <a:buNone/>
             </a:pPr>
             <a:r>
@@ -18363,23 +19046,51 @@
                 <a:cs typeface="Courier New"/>
                 <a:sym typeface="Courier New"/>
               </a:rPr>
-              <a:t>h</a:t>
-            </a:r>
+              <a:t>h1</a:t>
+            </a:r>
+            <a:endParaRPr b="1">
+              <a:solidFill>
+                <a:srgbClr val="A62A2A"/>
+              </a:solidFill>
+              <a:latin typeface="Courier New"/>
+              <a:ea typeface="Courier New"/>
+              <a:cs typeface="Courier New"/>
+              <a:sym typeface="Courier New"/>
+            </a:endParaRPr>
+          </a:p>
+          <a:p>
+            <a:pPr indent="0" lvl="0" marL="0" rtl="0" algn="l">
+              <a:lnSpc>
+                <a:spcPct val="115000"/>
+              </a:lnSpc>
+              <a:spcBef>
+                <a:spcPts val="0"/>
+              </a:spcBef>
+              <a:spcAft>
+                <a:spcPts val="0"/>
+              </a:spcAft>
+              <a:buClr>
+                <a:schemeClr val="dk1"/>
+              </a:buClr>
+              <a:buSzPts val="1100"/>
+              <a:buFont typeface="Arial"/>
+              <a:buNone/>
+            </a:pPr>
             <a:r>
               <a:rPr b="1" lang="en">
                 <a:solidFill>
-                  <a:srgbClr val="A62A2A"/>
+                  <a:schemeClr val="dk1"/>
                 </a:solidFill>
                 <a:latin typeface="Courier New"/>
                 <a:ea typeface="Courier New"/>
                 <a:cs typeface="Courier New"/>
                 <a:sym typeface="Courier New"/>
               </a:rPr>
-              <a:t>1</a:t>
+              <a:t>{</a:t>
             </a:r>
             <a:endParaRPr b="1">
               <a:solidFill>
-                <a:srgbClr val="A62A2A"/>
+                <a:schemeClr val="dk1"/>
               </a:solidFill>
               <a:latin typeface="Courier New"/>
               <a:ea typeface="Courier New"/>
@@ -18388,7 +19099,10 @@
             </a:endParaRPr>
           </a:p>
           <a:p>
-            <a:pPr indent="0" lvl="0" marL="0" rtl="0" algn="l">
+            <a:pPr indent="457200" lvl="0" marL="0" rtl="0" algn="l">
+              <a:lnSpc>
+                <a:spcPct val="115000"/>
+              </a:lnSpc>
               <a:spcBef>
                 <a:spcPts val="0"/>
               </a:spcBef>
@@ -18405,14 +19119,50 @@
             <a:r>
               <a:rPr b="1" lang="en">
                 <a:solidFill>
-                  <a:schemeClr val="dk1"/>
+                  <a:srgbClr val="FF0000"/>
                 </a:solidFill>
                 <a:latin typeface="Courier New"/>
                 <a:ea typeface="Courier New"/>
                 <a:cs typeface="Courier New"/>
                 <a:sym typeface="Courier New"/>
               </a:rPr>
-              <a:t>{</a:t>
+              <a:t>color</a:t>
+            </a:r>
+            <a:r>
+              <a:rPr b="1" lang="en">
+                <a:solidFill>
+                  <a:schemeClr val="dk1"/>
+                </a:solidFill>
+                <a:latin typeface="Courier New"/>
+                <a:ea typeface="Courier New"/>
+                <a:cs typeface="Courier New"/>
+                <a:sym typeface="Courier New"/>
+              </a:rPr>
+              <a:t>: </a:t>
+            </a:r>
+            <a:r>
+              <a:rPr b="1" lang="en">
+                <a:solidFill>
+                  <a:srgbClr val="0000CE"/>
+                </a:solidFill>
+                <a:latin typeface="Courier New"/>
+                <a:ea typeface="Courier New"/>
+                <a:cs typeface="Courier New"/>
+                <a:sym typeface="Courier New"/>
+              </a:rPr>
+              <a:t>blue !important</a:t>
+            </a:r>
+            <a:r>
+              <a:rPr b="1" lang="en">
+                <a:solidFill>
+                  <a:schemeClr val="dk1"/>
+                </a:solidFill>
+                <a:latin typeface="Courier New"/>
+                <a:ea typeface="Courier New"/>
+                <a:cs typeface="Courier New"/>
+                <a:sym typeface="Courier New"/>
+              </a:rPr>
+              <a:t>;</a:t>
             </a:r>
             <a:endParaRPr b="1">
               <a:solidFill>
@@ -18425,7 +19175,10 @@
             </a:endParaRPr>
           </a:p>
           <a:p>
-            <a:pPr indent="457200" lvl="0" marL="0" rtl="0" algn="l">
+            <a:pPr indent="0" lvl="0" marL="0" rtl="0" algn="l">
+              <a:lnSpc>
+                <a:spcPct val="115000"/>
+              </a:lnSpc>
               <a:spcBef>
                 <a:spcPts val="0"/>
               </a:spcBef>
@@ -18442,39 +19195,119 @@
             <a:r>
               <a:rPr b="1" lang="en">
                 <a:solidFill>
-                  <a:srgbClr val="FF0000"/>
+                  <a:schemeClr val="dk1"/>
                 </a:solidFill>
                 <a:latin typeface="Courier New"/>
                 <a:ea typeface="Courier New"/>
                 <a:cs typeface="Courier New"/>
                 <a:sym typeface="Courier New"/>
               </a:rPr>
-              <a:t>color</a:t>
-            </a:r>
+              <a:t>}</a:t>
+            </a:r>
+            <a:endParaRPr b="1">
+              <a:solidFill>
+                <a:schemeClr val="dk1"/>
+              </a:solidFill>
+              <a:latin typeface="Courier New"/>
+              <a:ea typeface="Courier New"/>
+              <a:cs typeface="Courier New"/>
+              <a:sym typeface="Courier New"/>
+            </a:endParaRPr>
+          </a:p>
+          <a:p>
+            <a:pPr indent="0" lvl="0" marL="0" rtl="0" algn="l">
+              <a:lnSpc>
+                <a:spcPct val="115000"/>
+              </a:lnSpc>
+              <a:spcBef>
+                <a:spcPts val="0"/>
+              </a:spcBef>
+              <a:spcAft>
+                <a:spcPts val="0"/>
+              </a:spcAft>
+              <a:buClr>
+                <a:schemeClr val="dk1"/>
+              </a:buClr>
+              <a:buSzPts val="1100"/>
+              <a:buFont typeface="Arial"/>
+              <a:buNone/>
+            </a:pPr>
             <a:r>
               <a:rPr b="1" lang="en">
                 <a:solidFill>
-                  <a:schemeClr val="dk1"/>
+                  <a:srgbClr val="008100"/>
                 </a:solidFill>
                 <a:latin typeface="Courier New"/>
                 <a:ea typeface="Courier New"/>
                 <a:cs typeface="Courier New"/>
                 <a:sym typeface="Courier New"/>
               </a:rPr>
-              <a:t>: </a:t>
-            </a:r>
+              <a:t>/* this rule is not applied */</a:t>
+            </a:r>
+            <a:endParaRPr b="1">
+              <a:solidFill>
+                <a:srgbClr val="008100"/>
+              </a:solidFill>
+              <a:latin typeface="Courier New"/>
+              <a:ea typeface="Courier New"/>
+              <a:cs typeface="Courier New"/>
+              <a:sym typeface="Courier New"/>
+            </a:endParaRPr>
+          </a:p>
+          <a:p>
+            <a:pPr indent="0" lvl="0" marL="0" rtl="0" algn="l">
+              <a:lnSpc>
+                <a:spcPct val="115000"/>
+              </a:lnSpc>
+              <a:spcBef>
+                <a:spcPts val="0"/>
+              </a:spcBef>
+              <a:spcAft>
+                <a:spcPts val="0"/>
+              </a:spcAft>
+              <a:buSzPts val="1800"/>
+              <a:buNone/>
+            </a:pPr>
             <a:r>
               <a:rPr b="1" lang="en">
                 <a:solidFill>
-                  <a:srgbClr val="0000CE"/>
+                  <a:srgbClr val="A62A2A"/>
                 </a:solidFill>
                 <a:latin typeface="Courier New"/>
                 <a:ea typeface="Courier New"/>
                 <a:cs typeface="Courier New"/>
                 <a:sym typeface="Courier New"/>
               </a:rPr>
-              <a:t>blue !important</a:t>
-            </a:r>
+              <a:t>h1 </a:t>
+            </a:r>
+            <a:endParaRPr b="1">
+              <a:solidFill>
+                <a:srgbClr val="A62A2A"/>
+              </a:solidFill>
+              <a:latin typeface="Courier New"/>
+              <a:ea typeface="Courier New"/>
+              <a:cs typeface="Courier New"/>
+              <a:sym typeface="Courier New"/>
+            </a:endParaRPr>
+          </a:p>
+          <a:p>
+            <a:pPr indent="0" lvl="0" marL="0" rtl="0" algn="l">
+              <a:lnSpc>
+                <a:spcPct val="115000"/>
+              </a:lnSpc>
+              <a:spcBef>
+                <a:spcPts val="0"/>
+              </a:spcBef>
+              <a:spcAft>
+                <a:spcPts val="0"/>
+              </a:spcAft>
+              <a:buClr>
+                <a:schemeClr val="dk1"/>
+              </a:buClr>
+              <a:buSzPts val="1100"/>
+              <a:buFont typeface="Arial"/>
+              <a:buNone/>
+            </a:pPr>
             <a:r>
               <a:rPr b="1" lang="en">
                 <a:solidFill>
@@ -18485,7 +19318,7 @@
                 <a:cs typeface="Courier New"/>
                 <a:sym typeface="Courier New"/>
               </a:rPr>
-              <a:t>;</a:t>
+              <a:t>{</a:t>
             </a:r>
             <a:endParaRPr b="1">
               <a:solidFill>
@@ -18498,7 +19331,10 @@
             </a:endParaRPr>
           </a:p>
           <a:p>
-            <a:pPr indent="0" lvl="0" marL="0" rtl="0" algn="l">
+            <a:pPr indent="457200" lvl="0" marL="0" rtl="0" algn="l">
+              <a:lnSpc>
+                <a:spcPct val="115000"/>
+              </a:lnSpc>
               <a:spcBef>
                 <a:spcPts val="0"/>
               </a:spcBef>
@@ -18515,14 +19351,50 @@
             <a:r>
               <a:rPr b="1" lang="en">
                 <a:solidFill>
-                  <a:schemeClr val="dk1"/>
+                  <a:srgbClr val="FF0000"/>
                 </a:solidFill>
                 <a:latin typeface="Courier New"/>
                 <a:ea typeface="Courier New"/>
                 <a:cs typeface="Courier New"/>
                 <a:sym typeface="Courier New"/>
               </a:rPr>
-              <a:t>}</a:t>
+              <a:t>color</a:t>
+            </a:r>
+            <a:r>
+              <a:rPr b="1" lang="en">
+                <a:solidFill>
+                  <a:schemeClr val="dk1"/>
+                </a:solidFill>
+                <a:latin typeface="Courier New"/>
+                <a:ea typeface="Courier New"/>
+                <a:cs typeface="Courier New"/>
+                <a:sym typeface="Courier New"/>
+              </a:rPr>
+              <a:t>: </a:t>
+            </a:r>
+            <a:r>
+              <a:rPr b="1" lang="en">
+                <a:solidFill>
+                  <a:srgbClr val="0000CE"/>
+                </a:solidFill>
+                <a:latin typeface="Courier New"/>
+                <a:ea typeface="Courier New"/>
+                <a:cs typeface="Courier New"/>
+                <a:sym typeface="Courier New"/>
+              </a:rPr>
+              <a:t>green</a:t>
+            </a:r>
+            <a:r>
+              <a:rPr b="1" lang="en">
+                <a:solidFill>
+                  <a:schemeClr val="dk1"/>
+                </a:solidFill>
+                <a:latin typeface="Courier New"/>
+                <a:ea typeface="Courier New"/>
+                <a:cs typeface="Courier New"/>
+                <a:sym typeface="Courier New"/>
+              </a:rPr>
+              <a:t>;</a:t>
             </a:r>
             <a:endParaRPr b="1">
               <a:solidFill>
@@ -18536,191 +19408,16 @@
           </a:p>
           <a:p>
             <a:pPr indent="0" lvl="0" marL="0" rtl="0" algn="l">
-              <a:spcBef>
-                <a:spcPts val="0"/>
-              </a:spcBef>
-              <a:spcAft>
-                <a:spcPts val="0"/>
-              </a:spcAft>
-              <a:buClr>
-                <a:schemeClr val="dk1"/>
-              </a:buClr>
-              <a:buSzPts val="1100"/>
-              <a:buFont typeface="Arial"/>
-              <a:buNone/>
-            </a:pPr>
-            <a:r>
-              <a:rPr b="1" lang="en">
-                <a:solidFill>
-                  <a:srgbClr val="008100"/>
-                </a:solidFill>
-                <a:latin typeface="Courier New"/>
-                <a:ea typeface="Courier New"/>
-                <a:cs typeface="Courier New"/>
-                <a:sym typeface="Courier New"/>
-              </a:rPr>
-              <a:t>/* this rule is not applied */</a:t>
-            </a:r>
-            <a:endParaRPr b="1">
-              <a:solidFill>
-                <a:srgbClr val="008100"/>
-              </a:solidFill>
-              <a:latin typeface="Courier New"/>
-              <a:ea typeface="Courier New"/>
-              <a:cs typeface="Courier New"/>
-              <a:sym typeface="Courier New"/>
-            </a:endParaRPr>
-          </a:p>
-          <a:p>
-            <a:pPr indent="0" lvl="0" marL="0" rtl="0" algn="l">
-              <a:spcBef>
-                <a:spcPts val="0"/>
-              </a:spcBef>
-              <a:spcAft>
-                <a:spcPts val="0"/>
-              </a:spcAft>
-              <a:buNone/>
-            </a:pPr>
-            <a:r>
-              <a:rPr b="1" lang="en">
-                <a:solidFill>
-                  <a:srgbClr val="A62A2A"/>
-                </a:solidFill>
-                <a:latin typeface="Courier New"/>
-                <a:ea typeface="Courier New"/>
-                <a:cs typeface="Courier New"/>
-                <a:sym typeface="Courier New"/>
-              </a:rPr>
-              <a:t>h1 </a:t>
-            </a:r>
-            <a:endParaRPr b="1">
-              <a:solidFill>
-                <a:srgbClr val="A62A2A"/>
-              </a:solidFill>
-              <a:latin typeface="Courier New"/>
-              <a:ea typeface="Courier New"/>
-              <a:cs typeface="Courier New"/>
-              <a:sym typeface="Courier New"/>
-            </a:endParaRPr>
-          </a:p>
-          <a:p>
-            <a:pPr indent="0" lvl="0" marL="0" rtl="0" algn="l">
-              <a:spcBef>
-                <a:spcPts val="0"/>
-              </a:spcBef>
-              <a:spcAft>
-                <a:spcPts val="0"/>
-              </a:spcAft>
-              <a:buClr>
-                <a:schemeClr val="dk1"/>
-              </a:buClr>
-              <a:buSzPts val="1100"/>
-              <a:buFont typeface="Arial"/>
-              <a:buNone/>
-            </a:pPr>
-            <a:r>
-              <a:rPr b="1" lang="en">
-                <a:solidFill>
-                  <a:schemeClr val="dk1"/>
-                </a:solidFill>
-                <a:latin typeface="Courier New"/>
-                <a:ea typeface="Courier New"/>
-                <a:cs typeface="Courier New"/>
-                <a:sym typeface="Courier New"/>
-              </a:rPr>
-              <a:t>{</a:t>
-            </a:r>
-            <a:endParaRPr b="1">
-              <a:solidFill>
-                <a:schemeClr val="dk1"/>
-              </a:solidFill>
-              <a:latin typeface="Courier New"/>
-              <a:ea typeface="Courier New"/>
-              <a:cs typeface="Courier New"/>
-              <a:sym typeface="Courier New"/>
-            </a:endParaRPr>
-          </a:p>
-          <a:p>
-            <a:pPr indent="457200" lvl="0" marL="0" rtl="0" algn="l">
-              <a:spcBef>
-                <a:spcPts val="0"/>
-              </a:spcBef>
-              <a:spcAft>
-                <a:spcPts val="0"/>
-              </a:spcAft>
-              <a:buClr>
-                <a:schemeClr val="dk1"/>
-              </a:buClr>
-              <a:buSzPts val="1100"/>
-              <a:buFont typeface="Arial"/>
-              <a:buNone/>
-            </a:pPr>
-            <a:r>
-              <a:rPr b="1" lang="en">
-                <a:solidFill>
-                  <a:srgbClr val="FF0000"/>
-                </a:solidFill>
-                <a:latin typeface="Courier New"/>
-                <a:ea typeface="Courier New"/>
-                <a:cs typeface="Courier New"/>
-                <a:sym typeface="Courier New"/>
-              </a:rPr>
-              <a:t>color</a:t>
-            </a:r>
-            <a:r>
-              <a:rPr b="1" lang="en">
-                <a:solidFill>
-                  <a:schemeClr val="dk1"/>
-                </a:solidFill>
-                <a:latin typeface="Courier New"/>
-                <a:ea typeface="Courier New"/>
-                <a:cs typeface="Courier New"/>
-                <a:sym typeface="Courier New"/>
-              </a:rPr>
-              <a:t>: </a:t>
-            </a:r>
-            <a:r>
-              <a:rPr b="1" lang="en">
-                <a:solidFill>
-                  <a:srgbClr val="0000CE"/>
-                </a:solidFill>
-                <a:latin typeface="Courier New"/>
-                <a:ea typeface="Courier New"/>
-                <a:cs typeface="Courier New"/>
-                <a:sym typeface="Courier New"/>
-              </a:rPr>
-              <a:t>green</a:t>
-            </a:r>
-            <a:r>
-              <a:rPr b="1" lang="en">
-                <a:solidFill>
-                  <a:schemeClr val="dk1"/>
-                </a:solidFill>
-                <a:latin typeface="Courier New"/>
-                <a:ea typeface="Courier New"/>
-                <a:cs typeface="Courier New"/>
-                <a:sym typeface="Courier New"/>
-              </a:rPr>
-              <a:t>;</a:t>
-            </a:r>
-            <a:endParaRPr b="1">
-              <a:solidFill>
-                <a:schemeClr val="dk1"/>
-              </a:solidFill>
-              <a:latin typeface="Courier New"/>
-              <a:ea typeface="Courier New"/>
-              <a:cs typeface="Courier New"/>
-              <a:sym typeface="Courier New"/>
-            </a:endParaRPr>
-          </a:p>
-          <a:p>
-            <a:pPr indent="0" lvl="0" marL="0" rtl="0" algn="l">
-              <a:spcBef>
-                <a:spcPts val="0"/>
-              </a:spcBef>
-              <a:spcAft>
-                <a:spcPts val="0"/>
-              </a:spcAft>
+              <a:lnSpc>
+                <a:spcPct val="115000"/>
+              </a:lnSpc>
+              <a:spcBef>
+                <a:spcPts val="0"/>
+              </a:spcBef>
+              <a:spcAft>
+                <a:spcPts val="0"/>
+              </a:spcAft>
+              <a:buSzPts val="1800"/>
               <a:buNone/>
             </a:pPr>
             <a:r>
@@ -18772,7 +19469,10 @@
           </a:bodyPr>
           <a:lstStyle/>
           <a:p>
-            <a:pPr indent="0" lvl="0" marL="0" rtl="0" algn="ctr">
+            <a:pPr indent="0" lvl="0" marL="0" marR="0" rtl="0" algn="ctr">
+              <a:lnSpc>
+                <a:spcPct val="100000"/>
+              </a:lnSpc>
               <a:spcBef>
                 <a:spcPts val="0"/>
               </a:spcBef>
@@ -18787,7 +19487,10 @@
               <a:buNone/>
             </a:pPr>
             <a:r>
-              <a:rPr lang="en" sz="1800">
+              <a:rPr b="0" i="0" lang="en" sz="1800" u="none" cap="none" strike="noStrike">
+                <a:solidFill>
+                  <a:srgbClr val="000000"/>
+                </a:solidFill>
                 <a:latin typeface="Times New Roman"/>
                 <a:ea typeface="Times New Roman"/>
                 <a:cs typeface="Times New Roman"/>
@@ -18795,7 +19498,10 @@
               </a:rPr>
               <a:t>However, it is not recommended</a:t>
             </a:r>
-            <a:endParaRPr sz="1800">
+            <a:endParaRPr b="0" i="0" sz="1800" u="none" cap="none" strike="noStrike">
+              <a:solidFill>
+                <a:srgbClr val="000000"/>
+              </a:solidFill>
               <a:latin typeface="Times New Roman"/>
               <a:ea typeface="Times New Roman"/>
               <a:cs typeface="Times New Roman"/>
@@ -18803,7 +19509,10 @@
             </a:endParaRPr>
           </a:p>
           <a:p>
-            <a:pPr indent="0" lvl="0" marL="0" rtl="0" algn="ctr">
+            <a:pPr indent="0" lvl="0" marL="0" marR="0" rtl="0" algn="ctr">
+              <a:lnSpc>
+                <a:spcPct val="100000"/>
+              </a:lnSpc>
               <a:spcBef>
                 <a:spcPts val="0"/>
               </a:spcBef>
@@ -18818,7 +19527,10 @@
               <a:buNone/>
             </a:pPr>
             <a:r>
-              <a:rPr lang="en" sz="1800">
+              <a:rPr b="0" i="0" lang="en" sz="1800" u="none" cap="none" strike="noStrike">
+                <a:solidFill>
+                  <a:srgbClr val="000000"/>
+                </a:solidFill>
                 <a:latin typeface="Times New Roman"/>
                 <a:ea typeface="Times New Roman"/>
                 <a:cs typeface="Times New Roman"/>
@@ -18826,7 +19538,10 @@
               </a:rPr>
               <a:t>to use it unless really necessary</a:t>
             </a:r>
-            <a:endParaRPr sz="1800">
+            <a:endParaRPr b="0" i="0" sz="1800" u="none" cap="none" strike="noStrike">
+              <a:solidFill>
+                <a:srgbClr val="000000"/>
+              </a:solidFill>
               <a:latin typeface="Times New Roman"/>
               <a:ea typeface="Times New Roman"/>
               <a:cs typeface="Times New Roman"/>
@@ -18936,12 +19651,16 @@
           <a:lstStyle/>
           <a:p>
             <a:pPr indent="0" lvl="0" marL="0" rtl="0" algn="l">
-              <a:spcBef>
-                <a:spcPts val="0"/>
-              </a:spcBef>
-              <a:spcAft>
-                <a:spcPts val="0"/>
-              </a:spcAft>
+              <a:lnSpc>
+                <a:spcPct val="115000"/>
+              </a:lnSpc>
+              <a:spcBef>
+                <a:spcPts val="0"/>
+              </a:spcBef>
+              <a:spcAft>
+                <a:spcPts val="0"/>
+              </a:spcAft>
+              <a:buSzPts val="1800"/>
               <a:buNone/>
             </a:pPr>
             <a:r>
@@ -18960,6 +19679,9 @@
           </a:p>
           <a:p>
             <a:pPr indent="-361950" lvl="0" marL="457200" rtl="0" algn="l">
+              <a:lnSpc>
+                <a:spcPct val="115000"/>
+              </a:lnSpc>
               <a:spcBef>
                 <a:spcPts val="0"/>
               </a:spcBef>
@@ -18988,6 +19710,9 @@
           </a:p>
           <a:p>
             <a:pPr indent="-361950" lvl="0" marL="457200" rtl="0" algn="l">
+              <a:lnSpc>
+                <a:spcPct val="115000"/>
+              </a:lnSpc>
               <a:spcBef>
                 <a:spcPts val="0"/>
               </a:spcBef>
@@ -19016,6 +19741,9 @@
           </a:p>
           <a:p>
             <a:pPr indent="-361950" lvl="0" marL="457200" rtl="0" algn="l">
+              <a:lnSpc>
+                <a:spcPct val="115000"/>
+              </a:lnSpc>
               <a:spcBef>
                 <a:spcPts val="0"/>
               </a:spcBef>
@@ -19044,12 +19772,16 @@
           </a:p>
           <a:p>
             <a:pPr indent="0" lvl="0" marL="0" rtl="0" algn="l">
-              <a:spcBef>
-                <a:spcPts val="0"/>
-              </a:spcBef>
-              <a:spcAft>
-                <a:spcPts val="0"/>
-              </a:spcAft>
+              <a:lnSpc>
+                <a:spcPct val="115000"/>
+              </a:lnSpc>
+              <a:spcBef>
+                <a:spcPts val="0"/>
+              </a:spcBef>
+              <a:spcAft>
+                <a:spcPts val="0"/>
+              </a:spcAft>
+              <a:buSzPts val="1800"/>
               <a:buNone/>
             </a:pPr>
             <a:r>
@@ -19063,12 +19795,16 @@
           </a:p>
           <a:p>
             <a:pPr indent="0" lvl="0" marL="0" rtl="0" algn="l">
-              <a:spcBef>
-                <a:spcPts val="0"/>
-              </a:spcBef>
-              <a:spcAft>
-                <a:spcPts val="0"/>
-              </a:spcAft>
+              <a:lnSpc>
+                <a:spcPct val="115000"/>
+              </a:lnSpc>
+              <a:spcBef>
+                <a:spcPts val="0"/>
+              </a:spcBef>
+              <a:spcAft>
+                <a:spcPts val="0"/>
+              </a:spcAft>
+              <a:buSzPts val="1800"/>
               <a:buNone/>
             </a:pPr>
             <a:r>
@@ -19087,6 +19823,9 @@
           </a:p>
           <a:p>
             <a:pPr indent="-361950" lvl="0" marL="457200" rtl="0" algn="l">
+              <a:lnSpc>
+                <a:spcPct val="115000"/>
+              </a:lnSpc>
               <a:spcBef>
                 <a:spcPts val="0"/>
               </a:spcBef>
@@ -19115,6 +19854,9 @@
           </a:p>
           <a:p>
             <a:pPr indent="-361950" lvl="0" marL="457200" rtl="0" algn="l">
+              <a:lnSpc>
+                <a:spcPct val="115000"/>
+              </a:lnSpc>
               <a:spcBef>
                 <a:spcPts val="0"/>
               </a:spcBef>
@@ -19143,6 +19885,9 @@
           </a:p>
           <a:p>
             <a:pPr indent="-361950" lvl="0" marL="457200" rtl="0" algn="l">
+              <a:lnSpc>
+                <a:spcPct val="115000"/>
+              </a:lnSpc>
               <a:spcBef>
                 <a:spcPts val="0"/>
               </a:spcBef>
@@ -19171,12 +19916,16 @@
           </a:p>
           <a:p>
             <a:pPr indent="0" lvl="0" marL="0" rtl="0" algn="l">
-              <a:spcBef>
-                <a:spcPts val="0"/>
-              </a:spcBef>
-              <a:spcAft>
-                <a:spcPts val="0"/>
-              </a:spcAft>
+              <a:lnSpc>
+                <a:spcPct val="115000"/>
+              </a:lnSpc>
+              <a:spcBef>
+                <a:spcPts val="0"/>
+              </a:spcBef>
+              <a:spcAft>
+                <a:spcPts val="0"/>
+              </a:spcAft>
+              <a:buSzPts val="1800"/>
               <a:buNone/>
             </a:pPr>
             <a:r>
@@ -19190,12 +19939,16 @@
           </a:p>
           <a:p>
             <a:pPr indent="0" lvl="0" marL="0" rtl="0" algn="l">
-              <a:spcBef>
-                <a:spcPts val="0"/>
-              </a:spcBef>
-              <a:spcAft>
-                <a:spcPts val="0"/>
-              </a:spcAft>
+              <a:lnSpc>
+                <a:spcPct val="115000"/>
+              </a:lnSpc>
+              <a:spcBef>
+                <a:spcPts val="0"/>
+              </a:spcBef>
+              <a:spcAft>
+                <a:spcPts val="0"/>
+              </a:spcAft>
+              <a:buSzPts val="1800"/>
               <a:buNone/>
             </a:pPr>
             <a:r>
@@ -19220,15 +19973,7 @@
                   <a:schemeClr val="dk1"/>
                 </a:solidFill>
               </a:rPr>
-              <a:t> keyword only when really necessar</a:t>
-            </a:r>
-            <a:r>
-              <a:rPr lang="en" sz="2100">
-                <a:solidFill>
-                  <a:schemeClr val="dk1"/>
-                </a:solidFill>
-              </a:rPr>
-              <a:t>y</a:t>
+              <a:t> keyword only when really necessary</a:t>
             </a:r>
             <a:endParaRPr sz="2100">
               <a:solidFill>
@@ -19385,8 +20130,32 @@
                 <a:cs typeface="Courier New"/>
                 <a:sym typeface="Courier New"/>
               </a:rPr>
-              <a:t>	</a:t>
-            </a:r>
+              <a:t>	&lt;ol&gt;</a:t>
+            </a:r>
+            <a:endParaRPr sz="2000">
+              <a:solidFill>
+                <a:schemeClr val="dk1"/>
+              </a:solidFill>
+              <a:latin typeface="Courier New"/>
+              <a:ea typeface="Courier New"/>
+              <a:cs typeface="Courier New"/>
+              <a:sym typeface="Courier New"/>
+            </a:endParaRPr>
+          </a:p>
+          <a:p>
+            <a:pPr indent="0" lvl="0" marL="0" rtl="0" algn="l">
+              <a:lnSpc>
+                <a:spcPct val="115000"/>
+              </a:lnSpc>
+              <a:spcBef>
+                <a:spcPts val="0"/>
+              </a:spcBef>
+              <a:spcAft>
+                <a:spcPts val="0"/>
+              </a:spcAft>
+              <a:buSzPts val="1800"/>
+              <a:buNone/>
+            </a:pPr>
             <a:r>
               <a:rPr lang="en" sz="2000">
                 <a:solidFill>
@@ -19397,7 +20166,7 @@
                 <a:cs typeface="Courier New"/>
                 <a:sym typeface="Courier New"/>
               </a:rPr>
-              <a:t>&lt;ol&gt;</a:t>
+              <a:t>		&lt;li&gt;DOM based&lt;/li&gt;</a:t>
             </a:r>
             <a:endParaRPr sz="2000">
               <a:solidFill>
@@ -19411,6 +20180,9 @@
           </a:p>
           <a:p>
             <a:pPr indent="0" lvl="0" marL="0" rtl="0" algn="l">
+              <a:lnSpc>
+                <a:spcPct val="115000"/>
+              </a:lnSpc>
               <a:spcBef>
                 <a:spcPts val="0"/>
               </a:spcBef>
@@ -19430,7 +20202,7 @@
                 <a:cs typeface="Courier New"/>
                 <a:sym typeface="Courier New"/>
               </a:rPr>
-              <a:t>		&lt;li&gt;DOM based&lt;/li&gt;</a:t>
+              <a:t>		&lt;li&gt;pseudo class&lt;/li&gt;</a:t>
             </a:r>
             <a:endParaRPr sz="2000">
               <a:solidFill>
@@ -19444,13 +20216,20 @@
           </a:p>
           <a:p>
             <a:pPr indent="0" lvl="0" marL="0" rtl="0" algn="l">
-              <a:spcBef>
-                <a:spcPts val="0"/>
-              </a:spcBef>
-              <a:spcAft>
-                <a:spcPts val="0"/>
-              </a:spcAft>
+              <a:lnSpc>
+                <a:spcPct val="115000"/>
+              </a:lnSpc>
+              <a:spcBef>
+                <a:spcPts val="0"/>
+              </a:spcBef>
+              <a:spcAft>
+                <a:spcPts val="0"/>
+              </a:spcAft>
+              <a:buClr>
+                <a:schemeClr val="dk1"/>
+              </a:buClr>
               <a:buSzPts val="1800"/>
+              <a:buFont typeface="Arial"/>
               <a:buNone/>
             </a:pPr>
             <a:r>
@@ -19463,7 +20242,7 @@
                 <a:cs typeface="Courier New"/>
                 <a:sym typeface="Courier New"/>
               </a:rPr>
-              <a:t>		&lt;li&gt;pseudo class&lt;/li&gt;</a:t>
+              <a:t>		&lt;li&gt;pseudo elements&lt;/li&gt;</a:t>
             </a:r>
             <a:endParaRPr sz="2000">
               <a:solidFill>
@@ -19476,18 +20255,17 @@
             </a:endParaRPr>
           </a:p>
           <a:p>
-            <a:pPr indent="0" lvl="0" marL="0" rtl="0" algn="l">
-              <a:spcBef>
-                <a:spcPts val="0"/>
-              </a:spcBef>
-              <a:spcAft>
-                <a:spcPts val="0"/>
-              </a:spcAft>
-              <a:buClr>
-                <a:schemeClr val="dk1"/>
-              </a:buClr>
-              <a:buSzPts val="1800"/>
-              <a:buFont typeface="Arial"/>
+            <a:pPr indent="457200" lvl="0" marL="0" rtl="0" algn="l">
+              <a:lnSpc>
+                <a:spcPct val="115000"/>
+              </a:lnSpc>
+              <a:spcBef>
+                <a:spcPts val="0"/>
+              </a:spcBef>
+              <a:spcAft>
+                <a:spcPts val="0"/>
+              </a:spcAft>
+              <a:buSzPts val="1100"/>
               <a:buNone/>
             </a:pPr>
             <a:r>
@@ -19500,7 +20278,7 @@
                 <a:cs typeface="Courier New"/>
                 <a:sym typeface="Courier New"/>
               </a:rPr>
-              <a:t>		&lt;li&gt;pseudo elements&lt;/li&gt;</a:t>
+              <a:t>&lt;/ol&gt;</a:t>
             </a:r>
             <a:endParaRPr sz="2000">
               <a:solidFill>
@@ -19513,40 +20291,10 @@
             </a:endParaRPr>
           </a:p>
           <a:p>
-            <a:pPr indent="457200" lvl="0" marL="0" rtl="0" algn="l">
-              <a:spcBef>
-                <a:spcPts val="0"/>
-              </a:spcBef>
-              <a:spcAft>
-                <a:spcPts val="0"/>
-              </a:spcAft>
-              <a:buSzPts val="1100"/>
-              <a:buNone/>
-            </a:pPr>
-            <a:r>
-              <a:rPr lang="en" sz="2000">
-                <a:solidFill>
-                  <a:schemeClr val="dk1"/>
-                </a:solidFill>
-                <a:latin typeface="Courier New"/>
-                <a:ea typeface="Courier New"/>
-                <a:cs typeface="Courier New"/>
-                <a:sym typeface="Courier New"/>
-              </a:rPr>
-              <a:t>&lt;/ol&gt;</a:t>
-            </a:r>
-            <a:endParaRPr sz="2000">
-              <a:solidFill>
-                <a:schemeClr val="dk1"/>
-              </a:solidFill>
-              <a:latin typeface="Courier New"/>
-              <a:ea typeface="Courier New"/>
-              <a:cs typeface="Courier New"/>
-              <a:sym typeface="Courier New"/>
-            </a:endParaRPr>
-          </a:p>
-          <a:p>
             <a:pPr indent="0" lvl="0" marL="0" rtl="0" algn="l">
+              <a:lnSpc>
+                <a:spcPct val="115000"/>
+              </a:lnSpc>
               <a:spcBef>
                 <a:spcPts val="400"/>
               </a:spcBef>
@@ -19717,6 +20465,10 @@
           <a:prstGeom prst="rect">
             <a:avLst/>
           </a:prstGeom>
+          <a:noFill/>
+          <a:ln>
+            <a:noFill/>
+          </a:ln>
         </p:spPr>
         <p:txBody>
           <a:bodyPr anchorCtr="0" anchor="ctr" bIns="91425" lIns="91425" spcFirstLastPara="1" rIns="91425" wrap="square" tIns="91425">
@@ -19725,12 +20477,16 @@
           <a:lstStyle/>
           <a:p>
             <a:pPr indent="0" lvl="0" marL="0" rtl="0" algn="ctr">
-              <a:spcBef>
-                <a:spcPts val="0"/>
-              </a:spcBef>
-              <a:spcAft>
-                <a:spcPts val="0"/>
-              </a:spcAft>
+              <a:lnSpc>
+                <a:spcPct val="115000"/>
+              </a:lnSpc>
+              <a:spcBef>
+                <a:spcPts val="0"/>
+              </a:spcBef>
+              <a:spcAft>
+                <a:spcPts val="0"/>
+              </a:spcAft>
+              <a:buSzPts val="1800"/>
               <a:buNone/>
             </a:pPr>
             <a:r>
@@ -23451,6 +24207,10 @@
           <a:prstGeom prst="rect">
             <a:avLst/>
           </a:prstGeom>
+          <a:noFill/>
+          <a:ln>
+            <a:noFill/>
+          </a:ln>
         </p:spPr>
         <p:txBody>
           <a:bodyPr anchorCtr="0" anchor="t" bIns="91425" lIns="91425" spcFirstLastPara="1" rIns="91425" wrap="square" tIns="91425">
@@ -23459,12 +24219,16 @@
           <a:lstStyle/>
           <a:p>
             <a:pPr indent="0" lvl="0" marL="0" rtl="0" algn="l">
-              <a:spcBef>
-                <a:spcPts val="0"/>
-              </a:spcBef>
-              <a:spcAft>
-                <a:spcPts val="0"/>
-              </a:spcAft>
+              <a:lnSpc>
+                <a:spcPct val="100000"/>
+              </a:lnSpc>
+              <a:spcBef>
+                <a:spcPts val="0"/>
+              </a:spcBef>
+              <a:spcAft>
+                <a:spcPts val="0"/>
+              </a:spcAft>
+              <a:buSzPts val="2800"/>
               <a:buNone/>
             </a:pPr>
             <a:r>
@@ -23491,6 +24255,10 @@
           <a:prstGeom prst="rect">
             <a:avLst/>
           </a:prstGeom>
+          <a:noFill/>
+          <a:ln>
+            <a:noFill/>
+          </a:ln>
         </p:spPr>
         <p:txBody>
           <a:bodyPr anchorCtr="0" anchor="t" bIns="91425" lIns="91425" spcFirstLastPara="1" rIns="91425" wrap="square" tIns="91425">
@@ -23499,6 +24267,9 @@
           <a:lstStyle/>
           <a:p>
             <a:pPr indent="-342900" lvl="0" marL="457200" rtl="0" algn="l">
+              <a:lnSpc>
+                <a:spcPct val="115000"/>
+              </a:lnSpc>
               <a:spcBef>
                 <a:spcPts val="0"/>
               </a:spcBef>
@@ -23536,6 +24307,9 @@
           </a:p>
           <a:p>
             <a:pPr indent="-342900" lvl="0" marL="457200" rtl="0" algn="l">
+              <a:lnSpc>
+                <a:spcPct val="115000"/>
+              </a:lnSpc>
               <a:spcBef>
                 <a:spcPts val="0"/>
               </a:spcBef>
@@ -23573,6 +24347,9 @@
           </a:p>
           <a:p>
             <a:pPr indent="-342900" lvl="0" marL="457200" rtl="0" algn="l">
+              <a:lnSpc>
+                <a:spcPct val="115000"/>
+              </a:lnSpc>
               <a:spcBef>
                 <a:spcPts val="0"/>
               </a:spcBef>
@@ -23643,20 +24420,44 @@
           </a:bodyPr>
           <a:lstStyle/>
           <a:p>
-            <a:pPr indent="0" lvl="0" marL="0" rtl="0" algn="ctr">
-              <a:spcBef>
-                <a:spcPts val="0"/>
-              </a:spcBef>
-              <a:spcAft>
-                <a:spcPts val="0"/>
-              </a:spcAft>
-              <a:buNone/>
-            </a:pPr>
-            <a:r>
-              <a:rPr b="1" lang="en"/>
+            <a:pPr indent="0" lvl="0" marL="0" marR="0" rtl="0" algn="ctr">
+              <a:lnSpc>
+                <a:spcPct val="100000"/>
+              </a:lnSpc>
+              <a:spcBef>
+                <a:spcPts val="0"/>
+              </a:spcBef>
+              <a:spcAft>
+                <a:spcPts val="0"/>
+              </a:spcAft>
+              <a:buClr>
+                <a:srgbClr val="000000"/>
+              </a:buClr>
+              <a:buSzPts val="1400"/>
+              <a:buFont typeface="Arial"/>
+              <a:buNone/>
+            </a:pPr>
+            <a:r>
+              <a:rPr b="1" i="0" lang="en" sz="1400" u="none" cap="none" strike="noStrike">
+                <a:solidFill>
+                  <a:srgbClr val="000000"/>
+                </a:solidFill>
+                <a:latin typeface="Arial"/>
+                <a:ea typeface="Arial"/>
+                <a:cs typeface="Arial"/>
+                <a:sym typeface="Arial"/>
+              </a:rPr>
               <a:t>DOCUMENT</a:t>
             </a:r>
-            <a:endParaRPr b="1"/>
+            <a:endParaRPr b="1" i="0" sz="1400" u="none" cap="none" strike="noStrike">
+              <a:solidFill>
+                <a:srgbClr val="000000"/>
+              </a:solidFill>
+              <a:latin typeface="Arial"/>
+              <a:ea typeface="Arial"/>
+              <a:cs typeface="Arial"/>
+              <a:sym typeface="Arial"/>
+            </a:endParaRPr>
           </a:p>
         </p:txBody>
       </p:sp>
@@ -23693,20 +24494,44 @@
           </a:bodyPr>
           <a:lstStyle/>
           <a:p>
-            <a:pPr indent="0" lvl="0" marL="0" rtl="0" algn="ctr">
-              <a:spcBef>
-                <a:spcPts val="0"/>
-              </a:spcBef>
-              <a:spcAft>
-                <a:spcPts val="0"/>
-              </a:spcAft>
-              <a:buNone/>
-            </a:pPr>
-            <a:r>
-              <a:rPr b="1" lang="en"/>
+            <a:pPr indent="0" lvl="0" marL="0" marR="0" rtl="0" algn="ctr">
+              <a:lnSpc>
+                <a:spcPct val="100000"/>
+              </a:lnSpc>
+              <a:spcBef>
+                <a:spcPts val="0"/>
+              </a:spcBef>
+              <a:spcAft>
+                <a:spcPts val="0"/>
+              </a:spcAft>
+              <a:buClr>
+                <a:srgbClr val="000000"/>
+              </a:buClr>
+              <a:buSzPts val="1400"/>
+              <a:buFont typeface="Arial"/>
+              <a:buNone/>
+            </a:pPr>
+            <a:r>
+              <a:rPr b="1" i="0" lang="en" sz="1400" u="none" cap="none" strike="noStrike">
+                <a:solidFill>
+                  <a:srgbClr val="000000"/>
+                </a:solidFill>
+                <a:latin typeface="Arial"/>
+                <a:ea typeface="Arial"/>
+                <a:cs typeface="Arial"/>
+                <a:sym typeface="Arial"/>
+              </a:rPr>
               <a:t>HTML</a:t>
             </a:r>
-            <a:endParaRPr b="1"/>
+            <a:endParaRPr b="1" i="0" sz="1400" u="none" cap="none" strike="noStrike">
+              <a:solidFill>
+                <a:srgbClr val="000000"/>
+              </a:solidFill>
+              <a:latin typeface="Arial"/>
+              <a:ea typeface="Arial"/>
+              <a:cs typeface="Arial"/>
+              <a:sym typeface="Arial"/>
+            </a:endParaRPr>
           </a:p>
         </p:txBody>
       </p:sp>
@@ -23743,24 +24568,44 @@
           </a:bodyPr>
           <a:lstStyle/>
           <a:p>
-            <a:pPr indent="0" lvl="0" marL="0" rtl="0" algn="ctr">
-              <a:spcBef>
-                <a:spcPts val="0"/>
-              </a:spcBef>
-              <a:spcAft>
-                <a:spcPts val="0"/>
-              </a:spcAft>
-              <a:buNone/>
-            </a:pPr>
-            <a:r>
-              <a:rPr b="1" lang="en"/>
-              <a:t>h</a:t>
-            </a:r>
-            <a:r>
-              <a:rPr b="1" lang="en"/>
-              <a:t>ead</a:t>
-            </a:r>
-            <a:endParaRPr b="1"/>
+            <a:pPr indent="0" lvl="0" marL="0" marR="0" rtl="0" algn="ctr">
+              <a:lnSpc>
+                <a:spcPct val="100000"/>
+              </a:lnSpc>
+              <a:spcBef>
+                <a:spcPts val="0"/>
+              </a:spcBef>
+              <a:spcAft>
+                <a:spcPts val="0"/>
+              </a:spcAft>
+              <a:buClr>
+                <a:srgbClr val="000000"/>
+              </a:buClr>
+              <a:buSzPts val="1400"/>
+              <a:buFont typeface="Arial"/>
+              <a:buNone/>
+            </a:pPr>
+            <a:r>
+              <a:rPr b="1" i="0" lang="en" sz="1400" u="none" cap="none" strike="noStrike">
+                <a:solidFill>
+                  <a:srgbClr val="000000"/>
+                </a:solidFill>
+                <a:latin typeface="Arial"/>
+                <a:ea typeface="Arial"/>
+                <a:cs typeface="Arial"/>
+                <a:sym typeface="Arial"/>
+              </a:rPr>
+              <a:t>head</a:t>
+            </a:r>
+            <a:endParaRPr b="1" i="0" sz="1400" u="none" cap="none" strike="noStrike">
+              <a:solidFill>
+                <a:srgbClr val="000000"/>
+              </a:solidFill>
+              <a:latin typeface="Arial"/>
+              <a:ea typeface="Arial"/>
+              <a:cs typeface="Arial"/>
+              <a:sym typeface="Arial"/>
+            </a:endParaRPr>
           </a:p>
         </p:txBody>
       </p:sp>
@@ -23797,20 +24642,44 @@
           </a:bodyPr>
           <a:lstStyle/>
           <a:p>
-            <a:pPr indent="0" lvl="0" marL="0" rtl="0" algn="ctr">
-              <a:spcBef>
-                <a:spcPts val="0"/>
-              </a:spcBef>
-              <a:spcAft>
-                <a:spcPts val="0"/>
-              </a:spcAft>
-              <a:buNone/>
-            </a:pPr>
-            <a:r>
-              <a:rPr b="1" lang="en"/>
+            <a:pPr indent="0" lvl="0" marL="0" marR="0" rtl="0" algn="ctr">
+              <a:lnSpc>
+                <a:spcPct val="100000"/>
+              </a:lnSpc>
+              <a:spcBef>
+                <a:spcPts val="0"/>
+              </a:spcBef>
+              <a:spcAft>
+                <a:spcPts val="0"/>
+              </a:spcAft>
+              <a:buClr>
+                <a:srgbClr val="000000"/>
+              </a:buClr>
+              <a:buSzPts val="1400"/>
+              <a:buFont typeface="Arial"/>
+              <a:buNone/>
+            </a:pPr>
+            <a:r>
+              <a:rPr b="1" i="0" lang="en" sz="1400" u="none" cap="none" strike="noStrike">
+                <a:solidFill>
+                  <a:srgbClr val="000000"/>
+                </a:solidFill>
+                <a:latin typeface="Arial"/>
+                <a:ea typeface="Arial"/>
+                <a:cs typeface="Arial"/>
+                <a:sym typeface="Arial"/>
+              </a:rPr>
               <a:t>title</a:t>
             </a:r>
-            <a:endParaRPr b="1"/>
+            <a:endParaRPr b="1" i="0" sz="1400" u="none" cap="none" strike="noStrike">
+              <a:solidFill>
+                <a:srgbClr val="000000"/>
+              </a:solidFill>
+              <a:latin typeface="Arial"/>
+              <a:ea typeface="Arial"/>
+              <a:cs typeface="Arial"/>
+              <a:sym typeface="Arial"/>
+            </a:endParaRPr>
           </a:p>
         </p:txBody>
       </p:sp>
@@ -23847,20 +24716,44 @@
           </a:bodyPr>
           <a:lstStyle/>
           <a:p>
-            <a:pPr indent="0" lvl="0" marL="0" rtl="0" algn="ctr">
-              <a:spcBef>
-                <a:spcPts val="0"/>
-              </a:spcBef>
-              <a:spcAft>
-                <a:spcPts val="0"/>
-              </a:spcAft>
-              <a:buNone/>
-            </a:pPr>
-            <a:r>
-              <a:rPr b="1" lang="en"/>
+            <a:pPr indent="0" lvl="0" marL="0" marR="0" rtl="0" algn="ctr">
+              <a:lnSpc>
+                <a:spcPct val="100000"/>
+              </a:lnSpc>
+              <a:spcBef>
+                <a:spcPts val="0"/>
+              </a:spcBef>
+              <a:spcAft>
+                <a:spcPts val="0"/>
+              </a:spcAft>
+              <a:buClr>
+                <a:srgbClr val="000000"/>
+              </a:buClr>
+              <a:buSzPts val="1400"/>
+              <a:buFont typeface="Arial"/>
+              <a:buNone/>
+            </a:pPr>
+            <a:r>
+              <a:rPr b="1" i="0" lang="en" sz="1400" u="none" cap="none" strike="noStrike">
+                <a:solidFill>
+                  <a:srgbClr val="000000"/>
+                </a:solidFill>
+                <a:latin typeface="Arial"/>
+                <a:ea typeface="Arial"/>
+                <a:cs typeface="Arial"/>
+                <a:sym typeface="Arial"/>
+              </a:rPr>
               <a:t>body</a:t>
             </a:r>
-            <a:endParaRPr b="1"/>
+            <a:endParaRPr b="1" i="0" sz="1400" u="none" cap="none" strike="noStrike">
+              <a:solidFill>
+                <a:srgbClr val="000000"/>
+              </a:solidFill>
+              <a:latin typeface="Arial"/>
+              <a:ea typeface="Arial"/>
+              <a:cs typeface="Arial"/>
+              <a:sym typeface="Arial"/>
+            </a:endParaRPr>
           </a:p>
         </p:txBody>
       </p:sp>
@@ -23897,20 +24790,44 @@
           </a:bodyPr>
           <a:lstStyle/>
           <a:p>
-            <a:pPr indent="0" lvl="0" marL="0" rtl="0" algn="ctr">
-              <a:spcBef>
-                <a:spcPts val="0"/>
-              </a:spcBef>
-              <a:spcAft>
-                <a:spcPts val="0"/>
-              </a:spcAft>
-              <a:buNone/>
-            </a:pPr>
-            <a:r>
-              <a:rPr b="1" lang="en"/>
+            <a:pPr indent="0" lvl="0" marL="0" marR="0" rtl="0" algn="ctr">
+              <a:lnSpc>
+                <a:spcPct val="100000"/>
+              </a:lnSpc>
+              <a:spcBef>
+                <a:spcPts val="0"/>
+              </a:spcBef>
+              <a:spcAft>
+                <a:spcPts val="0"/>
+              </a:spcAft>
+              <a:buClr>
+                <a:srgbClr val="000000"/>
+              </a:buClr>
+              <a:buSzPts val="1400"/>
+              <a:buFont typeface="Arial"/>
+              <a:buNone/>
+            </a:pPr>
+            <a:r>
+              <a:rPr b="1" i="0" lang="en" sz="1400" u="none" cap="none" strike="noStrike">
+                <a:solidFill>
+                  <a:srgbClr val="000000"/>
+                </a:solidFill>
+                <a:latin typeface="Arial"/>
+                <a:ea typeface="Arial"/>
+                <a:cs typeface="Arial"/>
+                <a:sym typeface="Arial"/>
+              </a:rPr>
               <a:t>h1</a:t>
             </a:r>
-            <a:endParaRPr b="1"/>
+            <a:endParaRPr b="1" i="0" sz="1400" u="none" cap="none" strike="noStrike">
+              <a:solidFill>
+                <a:srgbClr val="000000"/>
+              </a:solidFill>
+              <a:latin typeface="Arial"/>
+              <a:ea typeface="Arial"/>
+              <a:cs typeface="Arial"/>
+              <a:sym typeface="Arial"/>
+            </a:endParaRPr>
           </a:p>
         </p:txBody>
       </p:sp>
@@ -23947,24 +24864,44 @@
           </a:bodyPr>
           <a:lstStyle/>
           <a:p>
-            <a:pPr indent="0" lvl="0" marL="0" rtl="0" algn="ctr">
-              <a:spcBef>
-                <a:spcPts val="0"/>
-              </a:spcBef>
-              <a:spcAft>
-                <a:spcPts val="0"/>
-              </a:spcAft>
-              <a:buNone/>
-            </a:pPr>
-            <a:r>
-              <a:rPr b="1" lang="en"/>
-              <a:t>d</a:t>
-            </a:r>
-            <a:r>
-              <a:rPr b="1" lang="en"/>
-              <a:t>iv id=div1</a:t>
-            </a:r>
-            <a:endParaRPr b="1"/>
+            <a:pPr indent="0" lvl="0" marL="0" marR="0" rtl="0" algn="ctr">
+              <a:lnSpc>
+                <a:spcPct val="100000"/>
+              </a:lnSpc>
+              <a:spcBef>
+                <a:spcPts val="0"/>
+              </a:spcBef>
+              <a:spcAft>
+                <a:spcPts val="0"/>
+              </a:spcAft>
+              <a:buClr>
+                <a:srgbClr val="000000"/>
+              </a:buClr>
+              <a:buSzPts val="1400"/>
+              <a:buFont typeface="Arial"/>
+              <a:buNone/>
+            </a:pPr>
+            <a:r>
+              <a:rPr b="1" i="0" lang="en" sz="1400" u="none" cap="none" strike="noStrike">
+                <a:solidFill>
+                  <a:srgbClr val="000000"/>
+                </a:solidFill>
+                <a:latin typeface="Arial"/>
+                <a:ea typeface="Arial"/>
+                <a:cs typeface="Arial"/>
+                <a:sym typeface="Arial"/>
+              </a:rPr>
+              <a:t>div id=div1</a:t>
+            </a:r>
+            <a:endParaRPr b="1" i="0" sz="1400" u="none" cap="none" strike="noStrike">
+              <a:solidFill>
+                <a:srgbClr val="000000"/>
+              </a:solidFill>
+              <a:latin typeface="Arial"/>
+              <a:ea typeface="Arial"/>
+              <a:cs typeface="Arial"/>
+              <a:sym typeface="Arial"/>
+            </a:endParaRPr>
           </a:p>
         </p:txBody>
       </p:sp>
@@ -23992,8 +24929,8 @@
             </a:solidFill>
             <a:prstDash val="solid"/>
             <a:round/>
-            <a:headEnd len="med" w="med" type="none"/>
-            <a:tailEnd len="med" w="med" type="none"/>
+            <a:headEnd len="sm" w="sm" type="none"/>
+            <a:tailEnd len="sm" w="sm" type="none"/>
           </a:ln>
         </p:spPr>
       </p:cxnSp>
@@ -24030,24 +24967,44 @@
           </a:bodyPr>
           <a:lstStyle/>
           <a:p>
-            <a:pPr indent="0" lvl="0" marL="0" rtl="0" algn="ctr">
-              <a:spcBef>
-                <a:spcPts val="0"/>
-              </a:spcBef>
-              <a:spcAft>
-                <a:spcPts val="0"/>
-              </a:spcAft>
-              <a:buNone/>
-            </a:pPr>
-            <a:r>
-              <a:rPr b="1" lang="en">
+            <a:pPr indent="0" lvl="0" marL="0" marR="0" rtl="0" algn="ctr">
+              <a:lnSpc>
+                <a:spcPct val="100000"/>
+              </a:lnSpc>
+              <a:spcBef>
+                <a:spcPts val="0"/>
+              </a:spcBef>
+              <a:spcAft>
+                <a:spcPts val="0"/>
+              </a:spcAft>
+              <a:buClr>
+                <a:srgbClr val="000000"/>
+              </a:buClr>
+              <a:buSzPts val="1400"/>
+              <a:buFont typeface="Arial"/>
+              <a:buNone/>
+            </a:pPr>
+            <a:r>
+              <a:rPr b="1" i="0" lang="en" sz="1400" u="none" cap="none" strike="noStrike">
                 <a:solidFill>
                   <a:schemeClr val="dk1"/>
                 </a:solidFill>
+                <a:latin typeface="Arial"/>
+                <a:ea typeface="Arial"/>
+                <a:cs typeface="Arial"/>
+                <a:sym typeface="Arial"/>
               </a:rPr>
               <a:t>div id=div2</a:t>
             </a:r>
-            <a:endParaRPr b="1"/>
+            <a:endParaRPr b="1" i="0" sz="1400" u="none" cap="none" strike="noStrike">
+              <a:solidFill>
+                <a:srgbClr val="000000"/>
+              </a:solidFill>
+              <a:latin typeface="Arial"/>
+              <a:ea typeface="Arial"/>
+              <a:cs typeface="Arial"/>
+              <a:sym typeface="Arial"/>
+            </a:endParaRPr>
           </a:p>
         </p:txBody>
       </p:sp>
@@ -24075,8 +25032,8 @@
             </a:solidFill>
             <a:prstDash val="solid"/>
             <a:round/>
-            <a:headEnd len="med" w="med" type="none"/>
-            <a:tailEnd len="med" w="med" type="none"/>
+            <a:headEnd len="sm" w="sm" type="none"/>
+            <a:tailEnd len="sm" w="sm" type="none"/>
           </a:ln>
         </p:spPr>
       </p:cxnSp>
@@ -24104,8 +25061,8 @@
             </a:solidFill>
             <a:prstDash val="solid"/>
             <a:round/>
-            <a:headEnd len="med" w="med" type="none"/>
-            <a:tailEnd len="med" w="med" type="none"/>
+            <a:headEnd len="sm" w="sm" type="none"/>
+            <a:tailEnd len="sm" w="sm" type="none"/>
           </a:ln>
         </p:spPr>
       </p:cxnSp>
@@ -24133,8 +25090,8 @@
             </a:solidFill>
             <a:prstDash val="solid"/>
             <a:round/>
-            <a:headEnd len="med" w="med" type="none"/>
-            <a:tailEnd len="med" w="med" type="none"/>
+            <a:headEnd len="sm" w="sm" type="none"/>
+            <a:tailEnd len="sm" w="sm" type="none"/>
           </a:ln>
         </p:spPr>
       </p:cxnSp>
@@ -24162,8 +25119,8 @@
             </a:solidFill>
             <a:prstDash val="solid"/>
             <a:round/>
-            <a:headEnd len="med" w="med" type="none"/>
-            <a:tailEnd len="med" w="med" type="none"/>
+            <a:headEnd len="sm" w="sm" type="none"/>
+            <a:tailEnd len="sm" w="sm" type="none"/>
           </a:ln>
         </p:spPr>
       </p:cxnSp>
@@ -24191,8 +25148,8 @@
             </a:solidFill>
             <a:prstDash val="solid"/>
             <a:round/>
-            <a:headEnd len="med" w="med" type="none"/>
-            <a:tailEnd len="med" w="med" type="none"/>
+            <a:headEnd len="sm" w="sm" type="none"/>
+            <a:tailEnd len="sm" w="sm" type="none"/>
           </a:ln>
         </p:spPr>
       </p:cxnSp>
@@ -24220,8 +25177,8 @@
             </a:solidFill>
             <a:prstDash val="solid"/>
             <a:round/>
-            <a:headEnd len="med" w="med" type="none"/>
-            <a:tailEnd len="med" w="med" type="none"/>
+            <a:headEnd len="sm" w="sm" type="none"/>
+            <a:tailEnd len="sm" w="sm" type="none"/>
           </a:ln>
         </p:spPr>
       </p:cxnSp>
@@ -24250,20 +25207,44 @@
           </a:bodyPr>
           <a:lstStyle/>
           <a:p>
-            <a:pPr indent="0" lvl="0" marL="0" rtl="0" algn="ctr">
-              <a:spcBef>
-                <a:spcPts val="0"/>
-              </a:spcBef>
-              <a:spcAft>
-                <a:spcPts val="0"/>
-              </a:spcAft>
-              <a:buNone/>
-            </a:pPr>
-            <a:r>
-              <a:rPr lang="en"/>
+            <a:pPr indent="0" lvl="0" marL="0" marR="0" rtl="0" algn="ctr">
+              <a:lnSpc>
+                <a:spcPct val="100000"/>
+              </a:lnSpc>
+              <a:spcBef>
+                <a:spcPts val="0"/>
+              </a:spcBef>
+              <a:spcAft>
+                <a:spcPts val="0"/>
+              </a:spcAft>
+              <a:buClr>
+                <a:srgbClr val="000000"/>
+              </a:buClr>
+              <a:buSzPts val="1400"/>
+              <a:buFont typeface="Arial"/>
+              <a:buNone/>
+            </a:pPr>
+            <a:r>
+              <a:rPr b="0" i="0" lang="en" sz="1400" u="none" cap="none" strike="noStrike">
+                <a:solidFill>
+                  <a:srgbClr val="000000"/>
+                </a:solidFill>
+                <a:latin typeface="Arial"/>
+                <a:ea typeface="Arial"/>
+                <a:cs typeface="Arial"/>
+                <a:sym typeface="Arial"/>
+              </a:rPr>
               <a:t>HTML Document</a:t>
             </a:r>
-            <a:endParaRPr/>
+            <a:endParaRPr b="0" i="0" sz="1400" u="none" cap="none" strike="noStrike">
+              <a:solidFill>
+                <a:srgbClr val="000000"/>
+              </a:solidFill>
+              <a:latin typeface="Arial"/>
+              <a:ea typeface="Arial"/>
+              <a:cs typeface="Arial"/>
+              <a:sym typeface="Arial"/>
+            </a:endParaRPr>
           </a:p>
         </p:txBody>
       </p:sp>
@@ -24291,8 +25272,8 @@
             </a:solidFill>
             <a:prstDash val="solid"/>
             <a:round/>
-            <a:headEnd len="med" w="med" type="none"/>
-            <a:tailEnd len="med" w="med" type="none"/>
+            <a:headEnd len="sm" w="sm" type="none"/>
+            <a:tailEnd len="sm" w="sm" type="none"/>
           </a:ln>
         </p:spPr>
       </p:cxnSp>
@@ -24321,20 +25302,44 @@
           </a:bodyPr>
           <a:lstStyle/>
           <a:p>
-            <a:pPr indent="0" lvl="0" marL="0" rtl="0" algn="ctr">
-              <a:spcBef>
-                <a:spcPts val="0"/>
-              </a:spcBef>
-              <a:spcAft>
-                <a:spcPts val="0"/>
-              </a:spcAft>
-              <a:buNone/>
-            </a:pPr>
-            <a:r>
-              <a:rPr lang="en"/>
+            <a:pPr indent="0" lvl="0" marL="0" marR="0" rtl="0" algn="ctr">
+              <a:lnSpc>
+                <a:spcPct val="100000"/>
+              </a:lnSpc>
+              <a:spcBef>
+                <a:spcPts val="0"/>
+              </a:spcBef>
+              <a:spcAft>
+                <a:spcPts val="0"/>
+              </a:spcAft>
+              <a:buClr>
+                <a:srgbClr val="000000"/>
+              </a:buClr>
+              <a:buSzPts val="1400"/>
+              <a:buFont typeface="Arial"/>
+              <a:buNone/>
+            </a:pPr>
+            <a:r>
+              <a:rPr b="0" i="0" lang="en" sz="1400" u="none" cap="none" strike="noStrike">
+                <a:solidFill>
+                  <a:srgbClr val="000000"/>
+                </a:solidFill>
+                <a:latin typeface="Arial"/>
+                <a:ea typeface="Arial"/>
+                <a:cs typeface="Arial"/>
+                <a:sym typeface="Arial"/>
+              </a:rPr>
               <a:t>Page-1</a:t>
             </a:r>
-            <a:endParaRPr/>
+            <a:endParaRPr b="0" i="0" sz="1400" u="none" cap="none" strike="noStrike">
+              <a:solidFill>
+                <a:srgbClr val="000000"/>
+              </a:solidFill>
+              <a:latin typeface="Arial"/>
+              <a:ea typeface="Arial"/>
+              <a:cs typeface="Arial"/>
+              <a:sym typeface="Arial"/>
+            </a:endParaRPr>
           </a:p>
         </p:txBody>
       </p:sp>
@@ -24362,8 +25367,8 @@
             </a:solidFill>
             <a:prstDash val="solid"/>
             <a:round/>
-            <a:headEnd len="med" w="med" type="none"/>
-            <a:tailEnd len="med" w="med" type="none"/>
+            <a:headEnd len="sm" w="sm" type="none"/>
+            <a:tailEnd len="sm" w="sm" type="none"/>
           </a:ln>
         </p:spPr>
       </p:cxnSp>
@@ -24400,24 +25405,44 @@
           </a:bodyPr>
           <a:lstStyle/>
           <a:p>
-            <a:pPr indent="0" lvl="0" marL="0" rtl="0" algn="ctr">
-              <a:spcBef>
-                <a:spcPts val="0"/>
-              </a:spcBef>
-              <a:spcAft>
-                <a:spcPts val="0"/>
-              </a:spcAft>
-              <a:buNone/>
-            </a:pPr>
-            <a:r>
-              <a:rPr b="1" lang="en"/>
-              <a:t>p</a:t>
-            </a:r>
-            <a:r>
-              <a:rPr b="1" lang="en"/>
-              <a:t> class="p1"</a:t>
-            </a:r>
-            <a:endParaRPr b="1"/>
+            <a:pPr indent="0" lvl="0" marL="0" marR="0" rtl="0" algn="ctr">
+              <a:lnSpc>
+                <a:spcPct val="100000"/>
+              </a:lnSpc>
+              <a:spcBef>
+                <a:spcPts val="0"/>
+              </a:spcBef>
+              <a:spcAft>
+                <a:spcPts val="0"/>
+              </a:spcAft>
+              <a:buClr>
+                <a:srgbClr val="000000"/>
+              </a:buClr>
+              <a:buSzPts val="1400"/>
+              <a:buFont typeface="Arial"/>
+              <a:buNone/>
+            </a:pPr>
+            <a:r>
+              <a:rPr b="1" i="0" lang="en" sz="1400" u="none" cap="none" strike="noStrike">
+                <a:solidFill>
+                  <a:srgbClr val="000000"/>
+                </a:solidFill>
+                <a:latin typeface="Arial"/>
+                <a:ea typeface="Arial"/>
+                <a:cs typeface="Arial"/>
+                <a:sym typeface="Arial"/>
+              </a:rPr>
+              <a:t>p class="p1"</a:t>
+            </a:r>
+            <a:endParaRPr b="1" i="0" sz="1400" u="none" cap="none" strike="noStrike">
+              <a:solidFill>
+                <a:srgbClr val="000000"/>
+              </a:solidFill>
+              <a:latin typeface="Arial"/>
+              <a:ea typeface="Arial"/>
+              <a:cs typeface="Arial"/>
+              <a:sym typeface="Arial"/>
+            </a:endParaRPr>
           </a:p>
         </p:txBody>
       </p:sp>
@@ -24445,8 +25470,8 @@
             </a:solidFill>
             <a:prstDash val="solid"/>
             <a:round/>
-            <a:headEnd len="med" w="med" type="none"/>
-            <a:tailEnd len="med" w="med" type="none"/>
+            <a:headEnd len="sm" w="sm" type="none"/>
+            <a:tailEnd len="sm" w="sm" type="none"/>
           </a:ln>
         </p:spPr>
       </p:cxnSp>
@@ -24483,24 +25508,44 @@
           </a:bodyPr>
           <a:lstStyle/>
           <a:p>
-            <a:pPr indent="0" lvl="0" marL="0" rtl="0" algn="ctr">
-              <a:spcBef>
-                <a:spcPts val="0"/>
-              </a:spcBef>
-              <a:spcAft>
-                <a:spcPts val="0"/>
-              </a:spcAft>
-              <a:buNone/>
-            </a:pPr>
-            <a:r>
-              <a:rPr b="1" lang="en">
+            <a:pPr indent="0" lvl="0" marL="0" marR="0" rtl="0" algn="ctr">
+              <a:lnSpc>
+                <a:spcPct val="100000"/>
+              </a:lnSpc>
+              <a:spcBef>
+                <a:spcPts val="0"/>
+              </a:spcBef>
+              <a:spcAft>
+                <a:spcPts val="0"/>
+              </a:spcAft>
+              <a:buClr>
+                <a:srgbClr val="000000"/>
+              </a:buClr>
+              <a:buSzPts val="1400"/>
+              <a:buFont typeface="Arial"/>
+              <a:buNone/>
+            </a:pPr>
+            <a:r>
+              <a:rPr b="1" i="0" lang="en" sz="1400" u="none" cap="none" strike="noStrike">
                 <a:solidFill>
                   <a:schemeClr val="dk1"/>
                 </a:solidFill>
+                <a:latin typeface="Arial"/>
+                <a:ea typeface="Arial"/>
+                <a:cs typeface="Arial"/>
+                <a:sym typeface="Arial"/>
               </a:rPr>
               <a:t>p class="p2"</a:t>
             </a:r>
-            <a:endParaRPr b="1"/>
+            <a:endParaRPr b="1" i="0" sz="1400" u="none" cap="none" strike="noStrike">
+              <a:solidFill>
+                <a:srgbClr val="000000"/>
+              </a:solidFill>
+              <a:latin typeface="Arial"/>
+              <a:ea typeface="Arial"/>
+              <a:cs typeface="Arial"/>
+              <a:sym typeface="Arial"/>
+            </a:endParaRPr>
           </a:p>
         </p:txBody>
       </p:sp>
@@ -24528,8 +25573,8 @@
             </a:solidFill>
             <a:prstDash val="solid"/>
             <a:round/>
-            <a:headEnd len="med" w="med" type="none"/>
-            <a:tailEnd len="med" w="med" type="none"/>
+            <a:headEnd len="sm" w="sm" type="none"/>
+            <a:tailEnd len="sm" w="sm" type="none"/>
           </a:ln>
         </p:spPr>
       </p:cxnSp>
@@ -24539,13 +25584,12 @@
           <p:cNvPicPr preferRelativeResize="0"/>
           <p:nvPr/>
         </p:nvPicPr>
-        <p:blipFill>
+        <p:blipFill rotWithShape="1">
           <a:blip r:embed="rId3">
             <a:alphaModFix/>
           </a:blip>
-          <a:stretch>
-            <a:fillRect/>
-          </a:stretch>
+          <a:srcRect b="0" l="0" r="0" t="0"/>
+          <a:stretch/>
         </p:blipFill>
         <p:spPr>
           <a:xfrm>
@@ -24586,24 +25630,44 @@
           </a:bodyPr>
           <a:lstStyle/>
           <a:p>
-            <a:pPr indent="0" lvl="0" marL="0" rtl="0" algn="ctr">
-              <a:spcBef>
-                <a:spcPts val="0"/>
-              </a:spcBef>
-              <a:spcAft>
-                <a:spcPts val="0"/>
-              </a:spcAft>
-              <a:buNone/>
-            </a:pPr>
-            <a:r>
-              <a:rPr lang="en"/>
-              <a:t>t</a:t>
-            </a:r>
-            <a:r>
-              <a:rPr lang="en"/>
-              <a:t>ext 1</a:t>
-            </a:r>
-            <a:endParaRPr/>
+            <a:pPr indent="0" lvl="0" marL="0" marR="0" rtl="0" algn="ctr">
+              <a:lnSpc>
+                <a:spcPct val="100000"/>
+              </a:lnSpc>
+              <a:spcBef>
+                <a:spcPts val="0"/>
+              </a:spcBef>
+              <a:spcAft>
+                <a:spcPts val="0"/>
+              </a:spcAft>
+              <a:buClr>
+                <a:srgbClr val="000000"/>
+              </a:buClr>
+              <a:buSzPts val="1400"/>
+              <a:buFont typeface="Arial"/>
+              <a:buNone/>
+            </a:pPr>
+            <a:r>
+              <a:rPr b="0" i="0" lang="en" sz="1400" u="none" cap="none" strike="noStrike">
+                <a:solidFill>
+                  <a:srgbClr val="000000"/>
+                </a:solidFill>
+                <a:latin typeface="Arial"/>
+                <a:ea typeface="Arial"/>
+                <a:cs typeface="Arial"/>
+                <a:sym typeface="Arial"/>
+              </a:rPr>
+              <a:t>text 1</a:t>
+            </a:r>
+            <a:endParaRPr b="0" i="0" sz="1400" u="none" cap="none" strike="noStrike">
+              <a:solidFill>
+                <a:srgbClr val="000000"/>
+              </a:solidFill>
+              <a:latin typeface="Arial"/>
+              <a:ea typeface="Arial"/>
+              <a:cs typeface="Arial"/>
+              <a:sym typeface="Arial"/>
+            </a:endParaRPr>
           </a:p>
         </p:txBody>
       </p:sp>
@@ -24631,8 +25695,8 @@
             </a:solidFill>
             <a:prstDash val="solid"/>
             <a:round/>
-            <a:headEnd len="med" w="med" type="none"/>
-            <a:tailEnd len="med" w="med" type="none"/>
+            <a:headEnd len="sm" w="sm" type="none"/>
+            <a:tailEnd len="sm" w="sm" type="none"/>
           </a:ln>
         </p:spPr>
       </p:cxnSp>
@@ -24661,20 +25725,44 @@
           </a:bodyPr>
           <a:lstStyle/>
           <a:p>
-            <a:pPr indent="0" lvl="0" marL="0" rtl="0" algn="ctr">
-              <a:spcBef>
-                <a:spcPts val="0"/>
-              </a:spcBef>
-              <a:spcAft>
-                <a:spcPts val="0"/>
-              </a:spcAft>
-              <a:buNone/>
-            </a:pPr>
-            <a:r>
-              <a:rPr lang="en"/>
+            <a:pPr indent="0" lvl="0" marL="0" marR="0" rtl="0" algn="ctr">
+              <a:lnSpc>
+                <a:spcPct val="100000"/>
+              </a:lnSpc>
+              <a:spcBef>
+                <a:spcPts val="0"/>
+              </a:spcBef>
+              <a:spcAft>
+                <a:spcPts val="0"/>
+              </a:spcAft>
+              <a:buClr>
+                <a:srgbClr val="000000"/>
+              </a:buClr>
+              <a:buSzPts val="1400"/>
+              <a:buFont typeface="Arial"/>
+              <a:buNone/>
+            </a:pPr>
+            <a:r>
+              <a:rPr b="0" i="0" lang="en" sz="1400" u="none" cap="none" strike="noStrike">
+                <a:solidFill>
+                  <a:srgbClr val="000000"/>
+                </a:solidFill>
+                <a:latin typeface="Arial"/>
+                <a:ea typeface="Arial"/>
+                <a:cs typeface="Arial"/>
+                <a:sym typeface="Arial"/>
+              </a:rPr>
               <a:t>text 2</a:t>
             </a:r>
-            <a:endParaRPr/>
+            <a:endParaRPr b="0" i="0" sz="1400" u="none" cap="none" strike="noStrike">
+              <a:solidFill>
+                <a:srgbClr val="000000"/>
+              </a:solidFill>
+              <a:latin typeface="Arial"/>
+              <a:ea typeface="Arial"/>
+              <a:cs typeface="Arial"/>
+              <a:sym typeface="Arial"/>
+            </a:endParaRPr>
           </a:p>
         </p:txBody>
       </p:sp>
@@ -24702,8 +25790,8 @@
             </a:solidFill>
             <a:prstDash val="solid"/>
             <a:round/>
-            <a:headEnd len="med" w="med" type="none"/>
-            <a:tailEnd len="med" w="med" type="none"/>
+            <a:headEnd len="sm" w="sm" type="none"/>
+            <a:tailEnd len="sm" w="sm" type="none"/>
           </a:ln>
         </p:spPr>
       </p:cxnSp>
@@ -24732,17 +25820,25 @@
           </a:bodyPr>
           <a:lstStyle/>
           <a:p>
-            <a:pPr indent="0" lvl="0" marL="0" rtl="0" algn="ctr">
-              <a:spcBef>
-                <a:spcPts val="0"/>
-              </a:spcBef>
-              <a:spcAft>
-                <a:spcPts val="0"/>
-              </a:spcAft>
-              <a:buNone/>
-            </a:pPr>
-            <a:r>
-              <a:rPr b="1" i="1" lang="en">
+            <a:pPr indent="0" lvl="0" marL="0" marR="0" rtl="0" algn="ctr">
+              <a:lnSpc>
+                <a:spcPct val="100000"/>
+              </a:lnSpc>
+              <a:spcBef>
+                <a:spcPts val="0"/>
+              </a:spcBef>
+              <a:spcAft>
+                <a:spcPts val="0"/>
+              </a:spcAft>
+              <a:buClr>
+                <a:srgbClr val="000000"/>
+              </a:buClr>
+              <a:buSzPts val="1400"/>
+              <a:buFont typeface="Arial"/>
+              <a:buNone/>
+            </a:pPr>
+            <a:r>
+              <a:rPr b="1" i="1" lang="en" sz="1400" u="none" cap="none" strike="noStrike">
                 <a:solidFill>
                   <a:srgbClr val="FF0000"/>
                 </a:solidFill>
@@ -24753,7 +25849,7 @@
               </a:rPr>
               <a:t>root</a:t>
             </a:r>
-            <a:endParaRPr b="1" i="1">
+            <a:endParaRPr b="1" i="1" sz="1400" u="none" cap="none" strike="noStrike">
               <a:solidFill>
                 <a:srgbClr val="FF0000"/>
               </a:solidFill>
@@ -24790,17 +25886,25 @@
           </a:bodyPr>
           <a:lstStyle/>
           <a:p>
-            <a:pPr indent="0" lvl="0" marL="0" rtl="0" algn="ctr">
-              <a:spcBef>
-                <a:spcPts val="0"/>
-              </a:spcBef>
-              <a:spcAft>
-                <a:spcPts val="0"/>
-              </a:spcAft>
-              <a:buNone/>
-            </a:pPr>
-            <a:r>
-              <a:rPr b="1" i="1" lang="en">
+            <a:pPr indent="0" lvl="0" marL="0" marR="0" rtl="0" algn="ctr">
+              <a:lnSpc>
+                <a:spcPct val="100000"/>
+              </a:lnSpc>
+              <a:spcBef>
+                <a:spcPts val="0"/>
+              </a:spcBef>
+              <a:spcAft>
+                <a:spcPts val="0"/>
+              </a:spcAft>
+              <a:buClr>
+                <a:srgbClr val="000000"/>
+              </a:buClr>
+              <a:buSzPts val="1400"/>
+              <a:buFont typeface="Arial"/>
+              <a:buNone/>
+            </a:pPr>
+            <a:r>
+              <a:rPr b="1" i="1" lang="en" sz="1400" u="none" cap="none" strike="noStrike">
                 <a:solidFill>
                   <a:srgbClr val="FF0000"/>
                 </a:solidFill>
@@ -24811,7 +25915,7 @@
               </a:rPr>
               <a:t>parent</a:t>
             </a:r>
-            <a:endParaRPr b="1" i="1">
+            <a:endParaRPr b="1" i="1" sz="1400" u="none" cap="none" strike="noStrike">
               <a:solidFill>
                 <a:srgbClr val="FF0000"/>
               </a:solidFill>
@@ -24848,17 +25952,25 @@
           </a:bodyPr>
           <a:lstStyle/>
           <a:p>
-            <a:pPr indent="0" lvl="0" marL="0" rtl="0" algn="ctr">
-              <a:spcBef>
-                <a:spcPts val="0"/>
-              </a:spcBef>
-              <a:spcAft>
-                <a:spcPts val="0"/>
-              </a:spcAft>
-              <a:buNone/>
-            </a:pPr>
-            <a:r>
-              <a:rPr b="1" i="1" lang="en">
+            <a:pPr indent="0" lvl="0" marL="0" marR="0" rtl="0" algn="ctr">
+              <a:lnSpc>
+                <a:spcPct val="100000"/>
+              </a:lnSpc>
+              <a:spcBef>
+                <a:spcPts val="0"/>
+              </a:spcBef>
+              <a:spcAft>
+                <a:spcPts val="0"/>
+              </a:spcAft>
+              <a:buClr>
+                <a:srgbClr val="000000"/>
+              </a:buClr>
+              <a:buSzPts val="1400"/>
+              <a:buFont typeface="Arial"/>
+              <a:buNone/>
+            </a:pPr>
+            <a:r>
+              <a:rPr b="1" i="1" lang="en" sz="1400" u="none" cap="none" strike="noStrike">
                 <a:solidFill>
                   <a:srgbClr val="FF0000"/>
                 </a:solidFill>
@@ -24869,7 +25981,7 @@
               </a:rPr>
               <a:t>child</a:t>
             </a:r>
-            <a:endParaRPr b="1" i="1">
+            <a:endParaRPr b="1" i="1" sz="1400" u="none" cap="none" strike="noStrike">
               <a:solidFill>
                 <a:srgbClr val="FF0000"/>
               </a:solidFill>
@@ -24919,10 +26031,31 @@
             </a:solidFill>
             <a:prstDash val="solid"/>
             <a:round/>
-            <a:headEnd len="med" w="med" type="none"/>
-            <a:tailEnd len="med" w="med" type="triangle"/>
+            <a:headEnd len="sm" w="sm" type="none"/>
+            <a:tailEnd len="sm" w="sm" type="none"/>
           </a:ln>
         </p:spPr>
+        <p:txBody>
+          <a:bodyPr anchorCtr="0" anchor="ctr" bIns="91425" lIns="91425" spcFirstLastPara="1" rIns="91425" wrap="square" tIns="91425">
+            <a:noAutofit/>
+          </a:bodyPr>
+          <a:lstStyle/>
+          <a:p>
+            <a:pPr indent="0" lvl="0" marL="0" rtl="0" algn="l">
+              <a:spcBef>
+                <a:spcPts val="0"/>
+              </a:spcBef>
+              <a:spcAft>
+                <a:spcPts val="0"/>
+              </a:spcAft>
+              <a:buNone/>
+            </a:pPr>
+            <a:r>
+              <a:t/>
+            </a:r>
+            <a:endParaRPr/>
+          </a:p>
+        </p:txBody>
       </p:sp>
       <p:sp>
         <p:nvSpPr>
@@ -24957,10 +26090,31 @@
             </a:solidFill>
             <a:prstDash val="solid"/>
             <a:round/>
-            <a:headEnd len="med" w="med" type="none"/>
-            <a:tailEnd len="med" w="med" type="none"/>
+            <a:headEnd len="sm" w="sm" type="none"/>
+            <a:tailEnd len="sm" w="sm" type="none"/>
           </a:ln>
         </p:spPr>
+        <p:txBody>
+          <a:bodyPr anchorCtr="0" anchor="ctr" bIns="91425" lIns="91425" spcFirstLastPara="1" rIns="91425" wrap="square" tIns="91425">
+            <a:noAutofit/>
+          </a:bodyPr>
+          <a:lstStyle/>
+          <a:p>
+            <a:pPr indent="0" lvl="0" marL="0" rtl="0" algn="l">
+              <a:spcBef>
+                <a:spcPts val="0"/>
+              </a:spcBef>
+              <a:spcAft>
+                <a:spcPts val="0"/>
+              </a:spcAft>
+              <a:buNone/>
+            </a:pPr>
+            <a:r>
+              <a:t/>
+            </a:r>
+            <a:endParaRPr/>
+          </a:p>
+        </p:txBody>
       </p:sp>
       <p:sp>
         <p:nvSpPr>
@@ -25000,10 +26154,31 @@
             </a:solidFill>
             <a:prstDash val="solid"/>
             <a:round/>
-            <a:headEnd len="med" w="med" type="none"/>
-            <a:tailEnd len="med" w="med" type="triangle"/>
+            <a:headEnd len="sm" w="sm" type="none"/>
+            <a:tailEnd len="sm" w="sm" type="none"/>
           </a:ln>
         </p:spPr>
+        <p:txBody>
+          <a:bodyPr anchorCtr="0" anchor="ctr" bIns="91425" lIns="91425" spcFirstLastPara="1" rIns="91425" wrap="square" tIns="91425">
+            <a:noAutofit/>
+          </a:bodyPr>
+          <a:lstStyle/>
+          <a:p>
+            <a:pPr indent="0" lvl="0" marL="0" rtl="0" algn="l">
+              <a:spcBef>
+                <a:spcPts val="0"/>
+              </a:spcBef>
+              <a:spcAft>
+                <a:spcPts val="0"/>
+              </a:spcAft>
+              <a:buNone/>
+            </a:pPr>
+            <a:r>
+              <a:t/>
+            </a:r>
+            <a:endParaRPr/>
+          </a:p>
+        </p:txBody>
       </p:sp>
       <p:sp>
         <p:nvSpPr>
@@ -25030,17 +26205,25 @@
           </a:bodyPr>
           <a:lstStyle/>
           <a:p>
-            <a:pPr indent="0" lvl="0" marL="0" rtl="0" algn="ctr">
-              <a:spcBef>
-                <a:spcPts val="0"/>
-              </a:spcBef>
-              <a:spcAft>
-                <a:spcPts val="0"/>
-              </a:spcAft>
-              <a:buNone/>
-            </a:pPr>
-            <a:r>
-              <a:rPr b="1" i="1" lang="en">
+            <a:pPr indent="0" lvl="0" marL="0" marR="0" rtl="0" algn="ctr">
+              <a:lnSpc>
+                <a:spcPct val="100000"/>
+              </a:lnSpc>
+              <a:spcBef>
+                <a:spcPts val="0"/>
+              </a:spcBef>
+              <a:spcAft>
+                <a:spcPts val="0"/>
+              </a:spcAft>
+              <a:buClr>
+                <a:srgbClr val="000000"/>
+              </a:buClr>
+              <a:buSzPts val="1400"/>
+              <a:buFont typeface="Arial"/>
+              <a:buNone/>
+            </a:pPr>
+            <a:r>
+              <a:rPr b="1" i="1" lang="en" sz="1400" u="none" cap="none" strike="noStrike">
                 <a:solidFill>
                   <a:srgbClr val="FF0000"/>
                 </a:solidFill>
@@ -25051,7 +26234,7 @@
               </a:rPr>
               <a:t>siblings</a:t>
             </a:r>
-            <a:endParaRPr b="1" i="1">
+            <a:endParaRPr b="1" i="1" sz="1400" u="none" cap="none" strike="noStrike">
               <a:solidFill>
                 <a:srgbClr val="FF0000"/>
               </a:solidFill>

--- a/CSCI-111/week-3/week-3-lecture.pptx
+++ b/CSCI-111/week-3/week-3-lecture.pptx
@@ -29,6 +29,10 @@
     <p:sldId id="274" r:id="rId24"/>
     <p:sldId id="275" r:id="rId25"/>
     <p:sldId id="276" r:id="rId26"/>
+    <p:sldId id="277" r:id="rId27"/>
+    <p:sldId id="278" r:id="rId28"/>
+    <p:sldId id="279" r:id="rId29"/>
+    <p:sldId id="280" r:id="rId30"/>
   </p:sldIdLst>
   <p:sldSz cy="5143500" cx="9144000"/>
   <p:notesSz cx="6858000" cy="9144000"/>
@@ -277,7 +281,7 @@
       </p15:sldGuideLst>
     </p:ext>
     <p:ext uri="GoogleSlidesCustomDataVersion2">
-      <go:slidesCustomData xmlns:go="http://customooxmlschemas.google.com/" r:id="rId27" roundtripDataSignature="AMtx7mjRSIX/qbLuNzQfSetpUAD2olDmMw=="/>
+      <go:slidesCustomData xmlns:go="http://customooxmlschemas.google.com/" r:id="rId31" roundtripDataSignature="AMtx7mg75LW+kIS967rnElYuqlnvPGKYOg=="/>
     </p:ext>
   </p:extLst>
 </p:presentation>
@@ -1799,7 +1803,7 @@
       </p:grpSpPr>
       <p:sp>
         <p:nvSpPr>
-          <p:cNvPr id="219" name="Google Shape;219;g3296ee86163_1_29:notes"/>
+          <p:cNvPr id="219" name="Google Shape;219;g329b0af9a98_0_0:notes"/>
           <p:cNvSpPr/>
           <p:nvPr>
             <p:ph idx="2" type="sldImg"/>
@@ -1844,7 +1848,7 @@
       </p:sp>
       <p:sp>
         <p:nvSpPr>
-          <p:cNvPr id="220" name="Google Shape;220;g3296ee86163_1_29:notes"/>
+          <p:cNvPr id="220" name="Google Shape;220;g329b0af9a98_0_0:notes"/>
           <p:cNvSpPr txBox="1"/>
           <p:nvPr>
             <p:ph idx="1" type="body"/>
@@ -1902,7 +1906,7 @@
   <p:cSld>
     <p:spTree>
       <p:nvGrpSpPr>
-        <p:cNvPr id="223" name="Shape 223"/>
+        <p:cNvPr id="230" name="Shape 230"/>
         <p:cNvGrpSpPr/>
         <p:nvPr/>
       </p:nvGrpSpPr>
@@ -1916,7 +1920,7 @@
       </p:grpSpPr>
       <p:sp>
         <p:nvSpPr>
-          <p:cNvPr id="224" name="Google Shape;224;g2f62552a751_0_61:notes"/>
+          <p:cNvPr id="231" name="Google Shape;231;g329b0af9a98_0_19:notes"/>
           <p:cNvSpPr/>
           <p:nvPr>
             <p:ph idx="2" type="sldImg"/>
@@ -1961,7 +1965,7 @@
       </p:sp>
       <p:sp>
         <p:nvSpPr>
-          <p:cNvPr id="225" name="Google Shape;225;g2f62552a751_0_61:notes"/>
+          <p:cNvPr id="232" name="Google Shape;232;g329b0af9a98_0_19:notes"/>
           <p:cNvSpPr txBox="1"/>
           <p:nvPr>
             <p:ph idx="1" type="body"/>
@@ -2019,7 +2023,7 @@
   <p:cSld>
     <p:spTree>
       <p:nvGrpSpPr>
-        <p:cNvPr id="231" name="Shape 231"/>
+        <p:cNvPr id="244" name="Shape 244"/>
         <p:cNvGrpSpPr/>
         <p:nvPr/>
       </p:nvGrpSpPr>
@@ -2033,7 +2037,7 @@
       </p:grpSpPr>
       <p:sp>
         <p:nvSpPr>
-          <p:cNvPr id="232" name="Google Shape;232;g2f62552a751_0_66:notes"/>
+          <p:cNvPr id="245" name="Google Shape;245;g329f99a3c7b_0_15:notes"/>
           <p:cNvSpPr/>
           <p:nvPr>
             <p:ph idx="2" type="sldImg"/>
@@ -2078,7 +2082,7 @@
       </p:sp>
       <p:sp>
         <p:nvSpPr>
-          <p:cNvPr id="233" name="Google Shape;233;g2f62552a751_0_66:notes"/>
+          <p:cNvPr id="246" name="Google Shape;246;g329f99a3c7b_0_15:notes"/>
           <p:cNvSpPr txBox="1"/>
           <p:nvPr>
             <p:ph idx="1" type="body"/>
@@ -2253,7 +2257,7 @@
   <p:cSld>
     <p:spTree>
       <p:nvGrpSpPr>
-        <p:cNvPr id="239" name="Shape 239"/>
+        <p:cNvPr id="260" name="Shape 260"/>
         <p:cNvGrpSpPr/>
         <p:nvPr/>
       </p:nvGrpSpPr>
@@ -2267,7 +2271,7 @@
       </p:grpSpPr>
       <p:sp>
         <p:nvSpPr>
-          <p:cNvPr id="240" name="Google Shape;240;p16:notes"/>
+          <p:cNvPr id="261" name="Google Shape;261;g329b0af9a98_0_42:notes"/>
           <p:cNvSpPr/>
           <p:nvPr>
             <p:ph idx="2" type="sldImg"/>
@@ -2312,7 +2316,7 @@
       </p:sp>
       <p:sp>
         <p:nvSpPr>
-          <p:cNvPr id="241" name="Google Shape;241;p16:notes"/>
+          <p:cNvPr id="262" name="Google Shape;262;g329b0af9a98_0_42:notes"/>
           <p:cNvSpPr txBox="1"/>
           <p:nvPr>
             <p:ph idx="1" type="body"/>
@@ -2370,7 +2374,7 @@
   <p:cSld>
     <p:spTree>
       <p:nvGrpSpPr>
-        <p:cNvPr id="245" name="Shape 245"/>
+        <p:cNvPr id="273" name="Shape 273"/>
         <p:cNvGrpSpPr/>
         <p:nvPr/>
       </p:nvGrpSpPr>
@@ -2384,7 +2388,7 @@
       </p:grpSpPr>
       <p:sp>
         <p:nvSpPr>
-          <p:cNvPr id="246" name="Google Shape;246;g2f62552a751_0_76:notes"/>
+          <p:cNvPr id="274" name="Google Shape;274;g3296ee86163_1_29:notes"/>
           <p:cNvSpPr/>
           <p:nvPr>
             <p:ph idx="2" type="sldImg"/>
@@ -2429,7 +2433,475 @@
       </p:sp>
       <p:sp>
         <p:nvSpPr>
-          <p:cNvPr id="247" name="Google Shape;247;g2f62552a751_0_76:notes"/>
+          <p:cNvPr id="275" name="Google Shape;275;g3296ee86163_1_29:notes"/>
+          <p:cNvSpPr txBox="1"/>
+          <p:nvPr>
+            <p:ph idx="1" type="body"/>
+          </p:nvPr>
+        </p:nvSpPr>
+        <p:spPr>
+          <a:xfrm>
+            <a:off x="685800" y="4343400"/>
+            <a:ext cx="5486400" cy="4114800"/>
+          </a:xfrm>
+          <a:prstGeom prst="rect">
+            <a:avLst/>
+          </a:prstGeom>
+          <a:noFill/>
+          <a:ln>
+            <a:noFill/>
+          </a:ln>
+        </p:spPr>
+        <p:txBody>
+          <a:bodyPr anchorCtr="0" anchor="t" bIns="91425" lIns="91425" spcFirstLastPara="1" rIns="91425" wrap="square" tIns="91425">
+            <a:noAutofit/>
+          </a:bodyPr>
+          <a:lstStyle/>
+          <a:p>
+            <a:pPr indent="0" lvl="0" marL="0" rtl="0" algn="l">
+              <a:lnSpc>
+                <a:spcPct val="100000"/>
+              </a:lnSpc>
+              <a:spcBef>
+                <a:spcPts val="0"/>
+              </a:spcBef>
+              <a:spcAft>
+                <a:spcPts val="0"/>
+              </a:spcAft>
+              <a:buSzPts val="1100"/>
+              <a:buNone/>
+            </a:pPr>
+            <a:r>
+              <a:t/>
+            </a:r>
+            <a:endParaRPr/>
+          </a:p>
+        </p:txBody>
+      </p:sp>
+    </p:spTree>
+  </p:cSld>
+  <p:clrMapOvr>
+    <a:masterClrMapping/>
+  </p:clrMapOvr>
+</p:notes>
+</file>
+
+<file path=ppt/notesSlides/notesSlide22.xml><?xml version="1.0" encoding="utf-8"?>
+<p:notes xmlns:a="http://schemas.openxmlformats.org/drawingml/2006/main" xmlns:r="http://schemas.openxmlformats.org/officeDocument/2006/relationships" xmlns:mc="http://schemas.openxmlformats.org/markup-compatibility/2006" xmlns:mv="urn:schemas-microsoft-com:mac:vml" xmlns:p="http://schemas.openxmlformats.org/presentationml/2006/main" xmlns:c="http://schemas.openxmlformats.org/drawingml/2006/chart" xmlns:dgm="http://schemas.openxmlformats.org/drawingml/2006/diagram" xmlns:o="urn:schemas-microsoft-com:office:office" xmlns:v="urn:schemas-microsoft-com:vml" xmlns:pvml="urn:schemas-microsoft-com:office:powerpoint" xmlns:com="http://schemas.openxmlformats.org/drawingml/2006/compatibility" xmlns:p14="http://schemas.microsoft.com/office/powerpoint/2010/main" xmlns:p15="http://schemas.microsoft.com/office/powerpoint/2012/main" xmlns:ahyp="http://schemas.microsoft.com/office/drawing/2018/hyperlinkcolor" showMasterPhAnim="0" showMasterSp="0">
+  <p:cSld>
+    <p:spTree>
+      <p:nvGrpSpPr>
+        <p:cNvPr id="278" name="Shape 278"/>
+        <p:cNvGrpSpPr/>
+        <p:nvPr/>
+      </p:nvGrpSpPr>
+      <p:grpSpPr>
+        <a:xfrm>
+          <a:off x="0" y="0"/>
+          <a:ext cx="0" cy="0"/>
+          <a:chOff x="0" y="0"/>
+          <a:chExt cx="0" cy="0"/>
+        </a:xfrm>
+      </p:grpSpPr>
+      <p:sp>
+        <p:nvSpPr>
+          <p:cNvPr id="279" name="Google Shape;279;g2f62552a751_0_61:notes"/>
+          <p:cNvSpPr/>
+          <p:nvPr>
+            <p:ph idx="2" type="sldImg"/>
+          </p:nvPr>
+        </p:nvSpPr>
+        <p:spPr>
+          <a:xfrm>
+            <a:off x="381300" y="685800"/>
+            <a:ext cx="6096000" cy="3429000"/>
+          </a:xfrm>
+          <a:custGeom>
+            <a:rect b="b" l="l" r="r" t="t"/>
+            <a:pathLst>
+              <a:path extrusionOk="0" h="120000" w="120000">
+                <a:moveTo>
+                  <a:pt x="0" y="0"/>
+                </a:moveTo>
+                <a:lnTo>
+                  <a:pt x="120000" y="0"/>
+                </a:lnTo>
+                <a:lnTo>
+                  <a:pt x="120000" y="120000"/>
+                </a:lnTo>
+                <a:lnTo>
+                  <a:pt x="0" y="120000"/>
+                </a:lnTo>
+                <a:close/>
+              </a:path>
+            </a:pathLst>
+          </a:custGeom>
+          <a:noFill/>
+          <a:ln cap="flat" cmpd="sng" w="9525">
+            <a:solidFill>
+              <a:srgbClr val="000000"/>
+            </a:solidFill>
+            <a:prstDash val="solid"/>
+            <a:round/>
+            <a:headEnd len="sm" w="sm" type="none"/>
+            <a:tailEnd len="sm" w="sm" type="none"/>
+          </a:ln>
+        </p:spPr>
+      </p:sp>
+      <p:sp>
+        <p:nvSpPr>
+          <p:cNvPr id="280" name="Google Shape;280;g2f62552a751_0_61:notes"/>
+          <p:cNvSpPr txBox="1"/>
+          <p:nvPr>
+            <p:ph idx="1" type="body"/>
+          </p:nvPr>
+        </p:nvSpPr>
+        <p:spPr>
+          <a:xfrm>
+            <a:off x="685800" y="4343400"/>
+            <a:ext cx="5486400" cy="4114800"/>
+          </a:xfrm>
+          <a:prstGeom prst="rect">
+            <a:avLst/>
+          </a:prstGeom>
+          <a:noFill/>
+          <a:ln>
+            <a:noFill/>
+          </a:ln>
+        </p:spPr>
+        <p:txBody>
+          <a:bodyPr anchorCtr="0" anchor="t" bIns="91425" lIns="91425" spcFirstLastPara="1" rIns="91425" wrap="square" tIns="91425">
+            <a:noAutofit/>
+          </a:bodyPr>
+          <a:lstStyle/>
+          <a:p>
+            <a:pPr indent="0" lvl="0" marL="0" rtl="0" algn="l">
+              <a:lnSpc>
+                <a:spcPct val="100000"/>
+              </a:lnSpc>
+              <a:spcBef>
+                <a:spcPts val="0"/>
+              </a:spcBef>
+              <a:spcAft>
+                <a:spcPts val="0"/>
+              </a:spcAft>
+              <a:buSzPts val="1100"/>
+              <a:buNone/>
+            </a:pPr>
+            <a:r>
+              <a:t/>
+            </a:r>
+            <a:endParaRPr/>
+          </a:p>
+        </p:txBody>
+      </p:sp>
+    </p:spTree>
+  </p:cSld>
+  <p:clrMapOvr>
+    <a:masterClrMapping/>
+  </p:clrMapOvr>
+</p:notes>
+</file>
+
+<file path=ppt/notesSlides/notesSlide23.xml><?xml version="1.0" encoding="utf-8"?>
+<p:notes xmlns:a="http://schemas.openxmlformats.org/drawingml/2006/main" xmlns:r="http://schemas.openxmlformats.org/officeDocument/2006/relationships" xmlns:mc="http://schemas.openxmlformats.org/markup-compatibility/2006" xmlns:mv="urn:schemas-microsoft-com:mac:vml" xmlns:p="http://schemas.openxmlformats.org/presentationml/2006/main" xmlns:c="http://schemas.openxmlformats.org/drawingml/2006/chart" xmlns:dgm="http://schemas.openxmlformats.org/drawingml/2006/diagram" xmlns:o="urn:schemas-microsoft-com:office:office" xmlns:v="urn:schemas-microsoft-com:vml" xmlns:pvml="urn:schemas-microsoft-com:office:powerpoint" xmlns:com="http://schemas.openxmlformats.org/drawingml/2006/compatibility" xmlns:p14="http://schemas.microsoft.com/office/powerpoint/2010/main" xmlns:p15="http://schemas.microsoft.com/office/powerpoint/2012/main" xmlns:ahyp="http://schemas.microsoft.com/office/drawing/2018/hyperlinkcolor" showMasterPhAnim="0" showMasterSp="0">
+  <p:cSld>
+    <p:spTree>
+      <p:nvGrpSpPr>
+        <p:cNvPr id="287" name="Shape 287"/>
+        <p:cNvGrpSpPr/>
+        <p:nvPr/>
+      </p:nvGrpSpPr>
+      <p:grpSpPr>
+        <a:xfrm>
+          <a:off x="0" y="0"/>
+          <a:ext cx="0" cy="0"/>
+          <a:chOff x="0" y="0"/>
+          <a:chExt cx="0" cy="0"/>
+        </a:xfrm>
+      </p:grpSpPr>
+      <p:sp>
+        <p:nvSpPr>
+          <p:cNvPr id="288" name="Google Shape;288;g2f62552a751_0_66:notes"/>
+          <p:cNvSpPr/>
+          <p:nvPr>
+            <p:ph idx="2" type="sldImg"/>
+          </p:nvPr>
+        </p:nvSpPr>
+        <p:spPr>
+          <a:xfrm>
+            <a:off x="381300" y="685800"/>
+            <a:ext cx="6096000" cy="3429000"/>
+          </a:xfrm>
+          <a:custGeom>
+            <a:rect b="b" l="l" r="r" t="t"/>
+            <a:pathLst>
+              <a:path extrusionOk="0" h="120000" w="120000">
+                <a:moveTo>
+                  <a:pt x="0" y="0"/>
+                </a:moveTo>
+                <a:lnTo>
+                  <a:pt x="120000" y="0"/>
+                </a:lnTo>
+                <a:lnTo>
+                  <a:pt x="120000" y="120000"/>
+                </a:lnTo>
+                <a:lnTo>
+                  <a:pt x="0" y="120000"/>
+                </a:lnTo>
+                <a:close/>
+              </a:path>
+            </a:pathLst>
+          </a:custGeom>
+          <a:noFill/>
+          <a:ln cap="flat" cmpd="sng" w="9525">
+            <a:solidFill>
+              <a:srgbClr val="000000"/>
+            </a:solidFill>
+            <a:prstDash val="solid"/>
+            <a:round/>
+            <a:headEnd len="sm" w="sm" type="none"/>
+            <a:tailEnd len="sm" w="sm" type="none"/>
+          </a:ln>
+        </p:spPr>
+      </p:sp>
+      <p:sp>
+        <p:nvSpPr>
+          <p:cNvPr id="289" name="Google Shape;289;g2f62552a751_0_66:notes"/>
+          <p:cNvSpPr txBox="1"/>
+          <p:nvPr>
+            <p:ph idx="1" type="body"/>
+          </p:nvPr>
+        </p:nvSpPr>
+        <p:spPr>
+          <a:xfrm>
+            <a:off x="685800" y="4343400"/>
+            <a:ext cx="5486400" cy="4114800"/>
+          </a:xfrm>
+          <a:prstGeom prst="rect">
+            <a:avLst/>
+          </a:prstGeom>
+          <a:noFill/>
+          <a:ln>
+            <a:noFill/>
+          </a:ln>
+        </p:spPr>
+        <p:txBody>
+          <a:bodyPr anchorCtr="0" anchor="t" bIns="91425" lIns="91425" spcFirstLastPara="1" rIns="91425" wrap="square" tIns="91425">
+            <a:noAutofit/>
+          </a:bodyPr>
+          <a:lstStyle/>
+          <a:p>
+            <a:pPr indent="0" lvl="0" marL="0" rtl="0" algn="l">
+              <a:lnSpc>
+                <a:spcPct val="100000"/>
+              </a:lnSpc>
+              <a:spcBef>
+                <a:spcPts val="0"/>
+              </a:spcBef>
+              <a:spcAft>
+                <a:spcPts val="0"/>
+              </a:spcAft>
+              <a:buSzPts val="1100"/>
+              <a:buNone/>
+            </a:pPr>
+            <a:r>
+              <a:t/>
+            </a:r>
+            <a:endParaRPr/>
+          </a:p>
+        </p:txBody>
+      </p:sp>
+    </p:spTree>
+  </p:cSld>
+  <p:clrMapOvr>
+    <a:masterClrMapping/>
+  </p:clrMapOvr>
+</p:notes>
+</file>
+
+<file path=ppt/notesSlides/notesSlide24.xml><?xml version="1.0" encoding="utf-8"?>
+<p:notes xmlns:a="http://schemas.openxmlformats.org/drawingml/2006/main" xmlns:r="http://schemas.openxmlformats.org/officeDocument/2006/relationships" xmlns:mc="http://schemas.openxmlformats.org/markup-compatibility/2006" xmlns:mv="urn:schemas-microsoft-com:mac:vml" xmlns:p="http://schemas.openxmlformats.org/presentationml/2006/main" xmlns:c="http://schemas.openxmlformats.org/drawingml/2006/chart" xmlns:dgm="http://schemas.openxmlformats.org/drawingml/2006/diagram" xmlns:o="urn:schemas-microsoft-com:office:office" xmlns:v="urn:schemas-microsoft-com:vml" xmlns:pvml="urn:schemas-microsoft-com:office:powerpoint" xmlns:com="http://schemas.openxmlformats.org/drawingml/2006/compatibility" xmlns:p14="http://schemas.microsoft.com/office/powerpoint/2010/main" xmlns:p15="http://schemas.microsoft.com/office/powerpoint/2012/main" xmlns:ahyp="http://schemas.microsoft.com/office/drawing/2018/hyperlinkcolor" showMasterPhAnim="0" showMasterSp="0">
+  <p:cSld>
+    <p:spTree>
+      <p:nvGrpSpPr>
+        <p:cNvPr id="295" name="Shape 295"/>
+        <p:cNvGrpSpPr/>
+        <p:nvPr/>
+      </p:nvGrpSpPr>
+      <p:grpSpPr>
+        <a:xfrm>
+          <a:off x="0" y="0"/>
+          <a:ext cx="0" cy="0"/>
+          <a:chOff x="0" y="0"/>
+          <a:chExt cx="0" cy="0"/>
+        </a:xfrm>
+      </p:grpSpPr>
+      <p:sp>
+        <p:nvSpPr>
+          <p:cNvPr id="296" name="Google Shape;296;p16:notes"/>
+          <p:cNvSpPr/>
+          <p:nvPr>
+            <p:ph idx="2" type="sldImg"/>
+          </p:nvPr>
+        </p:nvSpPr>
+        <p:spPr>
+          <a:xfrm>
+            <a:off x="381300" y="685800"/>
+            <a:ext cx="6096000" cy="3429000"/>
+          </a:xfrm>
+          <a:custGeom>
+            <a:rect b="b" l="l" r="r" t="t"/>
+            <a:pathLst>
+              <a:path extrusionOk="0" h="120000" w="120000">
+                <a:moveTo>
+                  <a:pt x="0" y="0"/>
+                </a:moveTo>
+                <a:lnTo>
+                  <a:pt x="120000" y="0"/>
+                </a:lnTo>
+                <a:lnTo>
+                  <a:pt x="120000" y="120000"/>
+                </a:lnTo>
+                <a:lnTo>
+                  <a:pt x="0" y="120000"/>
+                </a:lnTo>
+                <a:close/>
+              </a:path>
+            </a:pathLst>
+          </a:custGeom>
+          <a:noFill/>
+          <a:ln cap="flat" cmpd="sng" w="9525">
+            <a:solidFill>
+              <a:srgbClr val="000000"/>
+            </a:solidFill>
+            <a:prstDash val="solid"/>
+            <a:round/>
+            <a:headEnd len="sm" w="sm" type="none"/>
+            <a:tailEnd len="sm" w="sm" type="none"/>
+          </a:ln>
+        </p:spPr>
+      </p:sp>
+      <p:sp>
+        <p:nvSpPr>
+          <p:cNvPr id="297" name="Google Shape;297;p16:notes"/>
+          <p:cNvSpPr txBox="1"/>
+          <p:nvPr>
+            <p:ph idx="1" type="body"/>
+          </p:nvPr>
+        </p:nvSpPr>
+        <p:spPr>
+          <a:xfrm>
+            <a:off x="685800" y="4343400"/>
+            <a:ext cx="5486400" cy="4114800"/>
+          </a:xfrm>
+          <a:prstGeom prst="rect">
+            <a:avLst/>
+          </a:prstGeom>
+          <a:noFill/>
+          <a:ln>
+            <a:noFill/>
+          </a:ln>
+        </p:spPr>
+        <p:txBody>
+          <a:bodyPr anchorCtr="0" anchor="t" bIns="91425" lIns="91425" spcFirstLastPara="1" rIns="91425" wrap="square" tIns="91425">
+            <a:noAutofit/>
+          </a:bodyPr>
+          <a:lstStyle/>
+          <a:p>
+            <a:pPr indent="0" lvl="0" marL="0" rtl="0" algn="l">
+              <a:lnSpc>
+                <a:spcPct val="100000"/>
+              </a:lnSpc>
+              <a:spcBef>
+                <a:spcPts val="0"/>
+              </a:spcBef>
+              <a:spcAft>
+                <a:spcPts val="0"/>
+              </a:spcAft>
+              <a:buSzPts val="1100"/>
+              <a:buNone/>
+            </a:pPr>
+            <a:r>
+              <a:t/>
+            </a:r>
+            <a:endParaRPr/>
+          </a:p>
+        </p:txBody>
+      </p:sp>
+    </p:spTree>
+  </p:cSld>
+  <p:clrMapOvr>
+    <a:masterClrMapping/>
+  </p:clrMapOvr>
+</p:notes>
+</file>
+
+<file path=ppt/notesSlides/notesSlide25.xml><?xml version="1.0" encoding="utf-8"?>
+<p:notes xmlns:a="http://schemas.openxmlformats.org/drawingml/2006/main" xmlns:r="http://schemas.openxmlformats.org/officeDocument/2006/relationships" xmlns:mc="http://schemas.openxmlformats.org/markup-compatibility/2006" xmlns:mv="urn:schemas-microsoft-com:mac:vml" xmlns:p="http://schemas.openxmlformats.org/presentationml/2006/main" xmlns:c="http://schemas.openxmlformats.org/drawingml/2006/chart" xmlns:dgm="http://schemas.openxmlformats.org/drawingml/2006/diagram" xmlns:o="urn:schemas-microsoft-com:office:office" xmlns:v="urn:schemas-microsoft-com:vml" xmlns:pvml="urn:schemas-microsoft-com:office:powerpoint" xmlns:com="http://schemas.openxmlformats.org/drawingml/2006/compatibility" xmlns:p14="http://schemas.microsoft.com/office/powerpoint/2010/main" xmlns:p15="http://schemas.microsoft.com/office/powerpoint/2012/main" xmlns:ahyp="http://schemas.microsoft.com/office/drawing/2018/hyperlinkcolor" showMasterPhAnim="0" showMasterSp="0">
+  <p:cSld>
+    <p:spTree>
+      <p:nvGrpSpPr>
+        <p:cNvPr id="301" name="Shape 301"/>
+        <p:cNvGrpSpPr/>
+        <p:nvPr/>
+      </p:nvGrpSpPr>
+      <p:grpSpPr>
+        <a:xfrm>
+          <a:off x="0" y="0"/>
+          <a:ext cx="0" cy="0"/>
+          <a:chOff x="0" y="0"/>
+          <a:chExt cx="0" cy="0"/>
+        </a:xfrm>
+      </p:grpSpPr>
+      <p:sp>
+        <p:nvSpPr>
+          <p:cNvPr id="302" name="Google Shape;302;g2f62552a751_0_76:notes"/>
+          <p:cNvSpPr/>
+          <p:nvPr>
+            <p:ph idx="2" type="sldImg"/>
+          </p:nvPr>
+        </p:nvSpPr>
+        <p:spPr>
+          <a:xfrm>
+            <a:off x="381300" y="685800"/>
+            <a:ext cx="6096000" cy="3429000"/>
+          </a:xfrm>
+          <a:custGeom>
+            <a:rect b="b" l="l" r="r" t="t"/>
+            <a:pathLst>
+              <a:path extrusionOk="0" h="120000" w="120000">
+                <a:moveTo>
+                  <a:pt x="0" y="0"/>
+                </a:moveTo>
+                <a:lnTo>
+                  <a:pt x="120000" y="0"/>
+                </a:lnTo>
+                <a:lnTo>
+                  <a:pt x="120000" y="120000"/>
+                </a:lnTo>
+                <a:lnTo>
+                  <a:pt x="0" y="120000"/>
+                </a:lnTo>
+                <a:close/>
+              </a:path>
+            </a:pathLst>
+          </a:custGeom>
+          <a:noFill/>
+          <a:ln cap="flat" cmpd="sng" w="9525">
+            <a:solidFill>
+              <a:srgbClr val="000000"/>
+            </a:solidFill>
+            <a:prstDash val="solid"/>
+            <a:round/>
+            <a:headEnd len="sm" w="sm" type="none"/>
+            <a:tailEnd len="sm" w="sm" type="none"/>
+          </a:ln>
+        </p:spPr>
+      </p:sp>
+      <p:sp>
+        <p:nvSpPr>
+          <p:cNvPr id="303" name="Google Shape;303;g2f62552a751_0_76:notes"/>
           <p:cNvSpPr txBox="1"/>
           <p:nvPr>
             <p:ph idx="1" type="body"/>
@@ -11794,6 +12266,9 @@
             </a:r>
             <a:r>
               <a:rPr lang="en" sz="1800">
+                <a:solidFill>
+                  <a:schemeClr val="dk2"/>
+                </a:solidFill>
                 <a:latin typeface="Courier New"/>
                 <a:ea typeface="Courier New"/>
                 <a:cs typeface="Courier New"/>
@@ -11912,6 +12387,9 @@
             </a:r>
             <a:r>
               <a:rPr lang="en" sz="1800">
+                <a:solidFill>
+                  <a:schemeClr val="dk2"/>
+                </a:solidFill>
                 <a:latin typeface="Courier New"/>
                 <a:ea typeface="Courier New"/>
                 <a:cs typeface="Courier New"/>
@@ -12026,6 +12504,9 @@
             </a:r>
             <a:r>
               <a:rPr lang="en" sz="1800">
+                <a:solidFill>
+                  <a:schemeClr val="dk2"/>
+                </a:solidFill>
                 <a:latin typeface="Courier New"/>
                 <a:ea typeface="Courier New"/>
                 <a:cs typeface="Courier New"/>
@@ -18402,6 +18883,42 @@
               <a:buNone/>
             </a:pPr>
             <a:r>
+              <a:rPr lang="en">
+                <a:solidFill>
+                  <a:schemeClr val="dk1"/>
+                </a:solidFill>
+                <a:latin typeface="Times New Roman"/>
+                <a:ea typeface="Times New Roman"/>
+                <a:cs typeface="Times New Roman"/>
+                <a:sym typeface="Times New Roman"/>
+              </a:rPr>
+              <a:t>Inline style has more weight than id, and not included into calculation.</a:t>
+            </a:r>
+            <a:endParaRPr>
+              <a:solidFill>
+                <a:schemeClr val="dk1"/>
+              </a:solidFill>
+              <a:latin typeface="Times New Roman"/>
+              <a:ea typeface="Times New Roman"/>
+              <a:cs typeface="Times New Roman"/>
+              <a:sym typeface="Times New Roman"/>
+            </a:endParaRPr>
+          </a:p>
+          <a:p>
+            <a:pPr indent="0" lvl="0" marL="0" rtl="0" algn="l">
+              <a:lnSpc>
+                <a:spcPct val="115000"/>
+              </a:lnSpc>
+              <a:spcBef>
+                <a:spcPts val="0"/>
+              </a:spcBef>
+              <a:spcAft>
+                <a:spcPts val="0"/>
+              </a:spcAft>
+              <a:buSzPts val="1800"/>
+              <a:buNone/>
+            </a:pPr>
+            <a:r>
               <a:t/>
             </a:r>
             <a:endParaRPr>
@@ -19152,108 +19669,7 @@
       </p:grpSpPr>
       <p:sp>
         <p:nvSpPr>
-          <p:cNvPr id="222" name="Google Shape;222;g3296ee86163_1_29"/>
-          <p:cNvSpPr txBox="1"/>
-          <p:nvPr>
-            <p:ph type="title"/>
-          </p:nvPr>
-        </p:nvSpPr>
-        <p:spPr>
-          <a:xfrm>
-            <a:off x="0" y="2285400"/>
-            <a:ext cx="9144000" cy="572700"/>
-          </a:xfrm>
-          <a:prstGeom prst="rect">
-            <a:avLst/>
-          </a:prstGeom>
-          <a:noFill/>
-          <a:ln>
-            <a:noFill/>
-          </a:ln>
-        </p:spPr>
-        <p:txBody>
-          <a:bodyPr anchorCtr="0" anchor="t" bIns="91425" lIns="91425" spcFirstLastPara="1" rIns="91425" wrap="square" tIns="91425">
-            <a:noAutofit/>
-          </a:bodyPr>
-          <a:lstStyle/>
-          <a:p>
-            <a:pPr indent="0" lvl="0" marL="0" rtl="0" algn="ctr">
-              <a:lnSpc>
-                <a:spcPct val="115000"/>
-              </a:lnSpc>
-              <a:spcBef>
-                <a:spcPts val="0"/>
-              </a:spcBef>
-              <a:spcAft>
-                <a:spcPts val="0"/>
-              </a:spcAft>
-              <a:buSzPts val="2800"/>
-              <a:buNone/>
-            </a:pPr>
-            <a:r>
-              <a:rPr lang="en" sz="3000">
-                <a:solidFill>
-                  <a:srgbClr val="FF0000"/>
-                </a:solidFill>
-              </a:rPr>
-              <a:t>Cascade </a:t>
-            </a:r>
-            <a:r>
-              <a:rPr lang="en" sz="3000"/>
-              <a:t>works if</a:t>
-            </a:r>
-            <a:r>
-              <a:rPr lang="en" sz="3000">
-                <a:solidFill>
-                  <a:srgbClr val="FF0000"/>
-                </a:solidFill>
-              </a:rPr>
-              <a:t> </a:t>
-            </a:r>
-            <a:r>
-              <a:rPr lang="en" sz="3000">
-                <a:solidFill>
-                  <a:srgbClr val="0000FF"/>
-                </a:solidFill>
-              </a:rPr>
-              <a:t>Specificity </a:t>
-            </a:r>
-            <a:r>
-              <a:rPr lang="en" sz="3000"/>
-              <a:t>weight is the same</a:t>
-            </a:r>
-            <a:endParaRPr sz="3000"/>
-          </a:p>
-        </p:txBody>
-      </p:sp>
-    </p:spTree>
-  </p:cSld>
-  <p:clrMapOvr>
-    <a:masterClrMapping/>
-  </p:clrMapOvr>
-</p:sld>
-</file>
-
-<file path=ppt/slides/slide18.xml><?xml version="1.0" encoding="utf-8"?>
-<p:sld xmlns:a="http://schemas.openxmlformats.org/drawingml/2006/main" xmlns:r="http://schemas.openxmlformats.org/officeDocument/2006/relationships" xmlns:mc="http://schemas.openxmlformats.org/markup-compatibility/2006" xmlns:mv="urn:schemas-microsoft-com:mac:vml" xmlns:p="http://schemas.openxmlformats.org/presentationml/2006/main" xmlns:c="http://schemas.openxmlformats.org/drawingml/2006/chart" xmlns:dgm="http://schemas.openxmlformats.org/drawingml/2006/diagram" xmlns:o="urn:schemas-microsoft-com:office:office" xmlns:v="urn:schemas-microsoft-com:vml" xmlns:pvml="urn:schemas-microsoft-com:office:powerpoint" xmlns:com="http://schemas.openxmlformats.org/drawingml/2006/compatibility" xmlns:p14="http://schemas.microsoft.com/office/powerpoint/2010/main" xmlns:p15="http://schemas.microsoft.com/office/powerpoint/2012/main" xmlns:ahyp="http://schemas.microsoft.com/office/drawing/2018/hyperlinkcolor">
-  <p:cSld>
-    <p:spTree>
-      <p:nvGrpSpPr>
-        <p:cNvPr id="226" name="Shape 226"/>
-        <p:cNvGrpSpPr/>
-        <p:nvPr/>
-      </p:nvGrpSpPr>
-      <p:grpSpPr>
-        <a:xfrm>
-          <a:off x="0" y="0"/>
-          <a:ext cx="0" cy="0"/>
-          <a:chOff x="0" y="0"/>
-          <a:chExt cx="0" cy="0"/>
-        </a:xfrm>
-      </p:grpSpPr>
-      <p:sp>
-        <p:nvSpPr>
-          <p:cNvPr id="227" name="Google Shape;227;g2f62552a751_0_61"/>
+          <p:cNvPr id="222" name="Google Shape;222;g329b0af9a98_0_0"/>
           <p:cNvSpPr txBox="1"/>
           <p:nvPr>
             <p:ph type="title"/>
@@ -19280,7 +19696,7 @@
           <a:p>
             <a:pPr indent="0" lvl="0" marL="0" rtl="0" algn="l">
               <a:lnSpc>
-                <a:spcPct val="100000"/>
+                <a:spcPct val="115000"/>
               </a:lnSpc>
               <a:spcBef>
                 <a:spcPts val="0"/>
@@ -19294,14 +19710,14 @@
             <a:r>
               <a:rPr lang="en" sz="3000">
                 <a:solidFill>
-                  <a:srgbClr val="008100"/>
-                </a:solidFill>
-              </a:rPr>
-              <a:t>Inheritance</a:t>
+                  <a:srgbClr val="0000FF"/>
+                </a:solidFill>
+              </a:rPr>
+              <a:t>Specificity</a:t>
             </a:r>
             <a:endParaRPr sz="3000">
               <a:solidFill>
-                <a:srgbClr val="008100"/>
+                <a:srgbClr val="0000FF"/>
               </a:solidFill>
             </a:endParaRPr>
           </a:p>
@@ -19309,16 +19725,316 @@
       </p:sp>
       <p:sp>
         <p:nvSpPr>
-          <p:cNvPr id="228" name="Google Shape;228;g2f62552a751_0_61"/>
-          <p:cNvSpPr txBox="1"/>
-          <p:nvPr>
-            <p:ph idx="1" type="body"/>
-          </p:nvPr>
+          <p:cNvPr id="223" name="Google Shape;223;g329b0af9a98_0_0"/>
+          <p:cNvSpPr/>
+          <p:nvPr/>
         </p:nvSpPr>
         <p:spPr>
           <a:xfrm>
-            <a:off x="0" y="572700"/>
-            <a:ext cx="9144000" cy="4570800"/>
+            <a:off x="614175" y="572700"/>
+            <a:ext cx="2022300" cy="887700"/>
+          </a:xfrm>
+          <a:prstGeom prst="rect">
+            <a:avLst/>
+          </a:prstGeom>
+          <a:solidFill>
+            <a:schemeClr val="accent1"/>
+          </a:solidFill>
+          <a:ln cap="flat" cmpd="sng" w="9525">
+            <a:solidFill>
+              <a:schemeClr val="dk2"/>
+            </a:solidFill>
+            <a:prstDash val="solid"/>
+            <a:round/>
+            <a:headEnd len="sm" w="sm" type="none"/>
+            <a:tailEnd len="sm" w="sm" type="none"/>
+          </a:ln>
+        </p:spPr>
+        <p:txBody>
+          <a:bodyPr anchorCtr="0" anchor="t" bIns="91425" lIns="91425" spcFirstLastPara="1" rIns="91425" wrap="square" tIns="91425">
+            <a:noAutofit/>
+          </a:bodyPr>
+          <a:lstStyle/>
+          <a:p>
+            <a:pPr indent="0" lvl="0" marL="0" marR="0" rtl="0" algn="ctr">
+              <a:lnSpc>
+                <a:spcPct val="100000"/>
+              </a:lnSpc>
+              <a:spcBef>
+                <a:spcPts val="0"/>
+              </a:spcBef>
+              <a:spcAft>
+                <a:spcPts val="0"/>
+              </a:spcAft>
+              <a:buClr>
+                <a:srgbClr val="000000"/>
+              </a:buClr>
+              <a:buSzPts val="1600"/>
+              <a:buFont typeface="Arial"/>
+              <a:buNone/>
+            </a:pPr>
+            <a:r>
+              <a:rPr b="1" i="0" lang="en" sz="1600" u="none" cap="none" strike="noStrike">
+                <a:solidFill>
+                  <a:schemeClr val="lt1"/>
+                </a:solidFill>
+                <a:latin typeface="Times New Roman"/>
+                <a:ea typeface="Times New Roman"/>
+                <a:cs typeface="Times New Roman"/>
+                <a:sym typeface="Times New Roman"/>
+              </a:rPr>
+              <a:t>id</a:t>
+            </a:r>
+            <a:endParaRPr b="1" i="0" sz="1600" u="none" cap="none" strike="noStrike">
+              <a:solidFill>
+                <a:schemeClr val="lt1"/>
+              </a:solidFill>
+              <a:latin typeface="Times New Roman"/>
+              <a:ea typeface="Times New Roman"/>
+              <a:cs typeface="Times New Roman"/>
+              <a:sym typeface="Times New Roman"/>
+            </a:endParaRPr>
+          </a:p>
+        </p:txBody>
+      </p:sp>
+      <p:sp>
+        <p:nvSpPr>
+          <p:cNvPr id="224" name="Google Shape;224;g329b0af9a98_0_0"/>
+          <p:cNvSpPr/>
+          <p:nvPr/>
+        </p:nvSpPr>
+        <p:spPr>
+          <a:xfrm>
+            <a:off x="3378200" y="572700"/>
+            <a:ext cx="2022300" cy="887700"/>
+          </a:xfrm>
+          <a:prstGeom prst="rect">
+            <a:avLst/>
+          </a:prstGeom>
+          <a:solidFill>
+            <a:schemeClr val="accent1"/>
+          </a:solidFill>
+          <a:ln cap="flat" cmpd="sng" w="9525">
+            <a:solidFill>
+              <a:schemeClr val="dk2"/>
+            </a:solidFill>
+            <a:prstDash val="solid"/>
+            <a:round/>
+            <a:headEnd len="sm" w="sm" type="none"/>
+            <a:tailEnd len="sm" w="sm" type="none"/>
+          </a:ln>
+        </p:spPr>
+        <p:txBody>
+          <a:bodyPr anchorCtr="0" anchor="t" bIns="91425" lIns="91425" spcFirstLastPara="1" rIns="91425" wrap="square" tIns="91425">
+            <a:noAutofit/>
+          </a:bodyPr>
+          <a:lstStyle/>
+          <a:p>
+            <a:pPr indent="0" lvl="0" marL="0" marR="0" rtl="0" algn="ctr">
+              <a:lnSpc>
+                <a:spcPct val="100000"/>
+              </a:lnSpc>
+              <a:spcBef>
+                <a:spcPts val="0"/>
+              </a:spcBef>
+              <a:spcAft>
+                <a:spcPts val="0"/>
+              </a:spcAft>
+              <a:buClr>
+                <a:srgbClr val="000000"/>
+              </a:buClr>
+              <a:buSzPts val="1600"/>
+              <a:buFont typeface="Arial"/>
+              <a:buNone/>
+            </a:pPr>
+            <a:r>
+              <a:rPr b="1" i="0" lang="en" sz="1600" u="none" cap="none" strike="noStrike">
+                <a:solidFill>
+                  <a:schemeClr val="lt1"/>
+                </a:solidFill>
+                <a:latin typeface="Times New Roman"/>
+                <a:ea typeface="Times New Roman"/>
+                <a:cs typeface="Times New Roman"/>
+                <a:sym typeface="Times New Roman"/>
+              </a:rPr>
+              <a:t>class</a:t>
+            </a:r>
+            <a:endParaRPr b="1" sz="1600">
+              <a:solidFill>
+                <a:schemeClr val="lt1"/>
+              </a:solidFill>
+              <a:latin typeface="Times New Roman"/>
+              <a:ea typeface="Times New Roman"/>
+              <a:cs typeface="Times New Roman"/>
+              <a:sym typeface="Times New Roman"/>
+            </a:endParaRPr>
+          </a:p>
+          <a:p>
+            <a:pPr indent="0" lvl="0" marL="0" marR="0" rtl="0" algn="ctr">
+              <a:lnSpc>
+                <a:spcPct val="100000"/>
+              </a:lnSpc>
+              <a:spcBef>
+                <a:spcPts val="0"/>
+              </a:spcBef>
+              <a:spcAft>
+                <a:spcPts val="0"/>
+              </a:spcAft>
+              <a:buClr>
+                <a:srgbClr val="000000"/>
+              </a:buClr>
+              <a:buSzPts val="1600"/>
+              <a:buFont typeface="Arial"/>
+              <a:buNone/>
+            </a:pPr>
+            <a:r>
+              <a:rPr b="1" i="0" lang="en" sz="1600" u="none" cap="none" strike="noStrike">
+                <a:solidFill>
+                  <a:schemeClr val="lt1"/>
+                </a:solidFill>
+                <a:latin typeface="Times New Roman"/>
+                <a:ea typeface="Times New Roman"/>
+                <a:cs typeface="Times New Roman"/>
+                <a:sym typeface="Times New Roman"/>
+              </a:rPr>
+              <a:t>pseudo-class</a:t>
+            </a:r>
+            <a:endParaRPr b="1" sz="1600">
+              <a:solidFill>
+                <a:schemeClr val="lt1"/>
+              </a:solidFill>
+              <a:latin typeface="Times New Roman"/>
+              <a:ea typeface="Times New Roman"/>
+              <a:cs typeface="Times New Roman"/>
+              <a:sym typeface="Times New Roman"/>
+            </a:endParaRPr>
+          </a:p>
+          <a:p>
+            <a:pPr indent="0" lvl="0" marL="0" marR="0" rtl="0" algn="ctr">
+              <a:lnSpc>
+                <a:spcPct val="100000"/>
+              </a:lnSpc>
+              <a:spcBef>
+                <a:spcPts val="0"/>
+              </a:spcBef>
+              <a:spcAft>
+                <a:spcPts val="0"/>
+              </a:spcAft>
+              <a:buClr>
+                <a:srgbClr val="000000"/>
+              </a:buClr>
+              <a:buSzPts val="1600"/>
+              <a:buFont typeface="Arial"/>
+              <a:buNone/>
+            </a:pPr>
+            <a:r>
+              <a:rPr b="1" i="0" lang="en" sz="1600" u="none" cap="none" strike="noStrike">
+                <a:solidFill>
+                  <a:schemeClr val="lt1"/>
+                </a:solidFill>
+                <a:latin typeface="Times New Roman"/>
+                <a:ea typeface="Times New Roman"/>
+                <a:cs typeface="Times New Roman"/>
+                <a:sym typeface="Times New Roman"/>
+              </a:rPr>
+              <a:t>attribute</a:t>
+            </a:r>
+            <a:endParaRPr b="1" i="0" sz="1600" u="none" cap="none" strike="noStrike">
+              <a:solidFill>
+                <a:schemeClr val="lt1"/>
+              </a:solidFill>
+              <a:latin typeface="Times New Roman"/>
+              <a:ea typeface="Times New Roman"/>
+              <a:cs typeface="Times New Roman"/>
+              <a:sym typeface="Times New Roman"/>
+            </a:endParaRPr>
+          </a:p>
+        </p:txBody>
+      </p:sp>
+      <p:sp>
+        <p:nvSpPr>
+          <p:cNvPr id="225" name="Google Shape;225;g329b0af9a98_0_0"/>
+          <p:cNvSpPr/>
+          <p:nvPr/>
+        </p:nvSpPr>
+        <p:spPr>
+          <a:xfrm>
+            <a:off x="6142225" y="572700"/>
+            <a:ext cx="2022300" cy="887700"/>
+          </a:xfrm>
+          <a:prstGeom prst="rect">
+            <a:avLst/>
+          </a:prstGeom>
+          <a:solidFill>
+            <a:schemeClr val="accent1"/>
+          </a:solidFill>
+          <a:ln cap="flat" cmpd="sng" w="9525">
+            <a:solidFill>
+              <a:schemeClr val="dk2"/>
+            </a:solidFill>
+            <a:prstDash val="solid"/>
+            <a:round/>
+            <a:headEnd len="sm" w="sm" type="none"/>
+            <a:tailEnd len="sm" w="sm" type="none"/>
+          </a:ln>
+        </p:spPr>
+        <p:txBody>
+          <a:bodyPr anchorCtr="0" anchor="t" bIns="91425" lIns="91425" spcFirstLastPara="1" rIns="91425" wrap="square" tIns="91425">
+            <a:noAutofit/>
+          </a:bodyPr>
+          <a:lstStyle/>
+          <a:p>
+            <a:pPr indent="0" lvl="0" marL="0" marR="0" rtl="0" algn="ctr">
+              <a:lnSpc>
+                <a:spcPct val="100000"/>
+              </a:lnSpc>
+              <a:spcBef>
+                <a:spcPts val="0"/>
+              </a:spcBef>
+              <a:spcAft>
+                <a:spcPts val="0"/>
+              </a:spcAft>
+              <a:buClr>
+                <a:srgbClr val="000000"/>
+              </a:buClr>
+              <a:buSzPts val="1600"/>
+              <a:buFont typeface="Arial"/>
+              <a:buNone/>
+            </a:pPr>
+            <a:r>
+              <a:rPr b="1" i="0" lang="en" sz="1600" u="none" cap="none" strike="noStrike">
+                <a:solidFill>
+                  <a:srgbClr val="FFFF00"/>
+                </a:solidFill>
+                <a:latin typeface="Times New Roman"/>
+                <a:ea typeface="Times New Roman"/>
+                <a:cs typeface="Times New Roman"/>
+                <a:sym typeface="Times New Roman"/>
+              </a:rPr>
+              <a:t>element</a:t>
+            </a:r>
+            <a:endParaRPr b="1" i="0" sz="1600" u="none" cap="none" strike="noStrike">
+              <a:solidFill>
+                <a:srgbClr val="FFFF00"/>
+              </a:solidFill>
+              <a:latin typeface="Times New Roman"/>
+              <a:ea typeface="Times New Roman"/>
+              <a:cs typeface="Times New Roman"/>
+              <a:sym typeface="Times New Roman"/>
+            </a:endParaRPr>
+          </a:p>
+        </p:txBody>
+      </p:sp>
+      <p:sp>
+        <p:nvSpPr>
+          <p:cNvPr id="226" name="Google Shape;226;g329b0af9a98_0_0"/>
+          <p:cNvSpPr txBox="1"/>
+          <p:nvPr/>
+        </p:nvSpPr>
+        <p:spPr>
+          <a:xfrm>
+            <a:off x="0" y="2341325"/>
+            <a:ext cx="6727200" cy="2401200"/>
           </a:xfrm>
           <a:prstGeom prst="rect">
             <a:avLst/>
@@ -19330,302 +20046,340 @@
         </p:spPr>
         <p:txBody>
           <a:bodyPr anchorCtr="0" anchor="t" bIns="91425" lIns="91425" spcFirstLastPara="1" rIns="91425" wrap="square" tIns="91425">
-            <a:normAutofit/>
+            <a:spAutoFit/>
           </a:bodyPr>
           <a:lstStyle/>
           <a:p>
             <a:pPr indent="0" lvl="0" marL="0" rtl="0" algn="l">
-              <a:lnSpc>
-                <a:spcPct val="115000"/>
-              </a:lnSpc>
-              <a:spcBef>
-                <a:spcPts val="0"/>
-              </a:spcBef>
-              <a:spcAft>
-                <a:spcPts val="0"/>
-              </a:spcAft>
-              <a:buSzPts val="1800"/>
-              <a:buNone/>
-            </a:pPr>
-            <a:r>
-              <a:rPr lang="en">
-                <a:solidFill>
-                  <a:schemeClr val="dk1"/>
-                </a:solidFill>
-                <a:latin typeface="Times New Roman"/>
-                <a:ea typeface="Times New Roman"/>
-                <a:cs typeface="Times New Roman"/>
-                <a:sym typeface="Times New Roman"/>
-              </a:rPr>
-              <a:t>Elements can inherit the properties defined in their parents or ancestors. </a:t>
-            </a:r>
-            <a:endParaRPr>
-              <a:solidFill>
-                <a:schemeClr val="dk1"/>
-              </a:solidFill>
-              <a:latin typeface="Times New Roman"/>
-              <a:ea typeface="Times New Roman"/>
-              <a:cs typeface="Times New Roman"/>
-              <a:sym typeface="Times New Roman"/>
-            </a:endParaRPr>
-          </a:p>
-          <a:p>
-            <a:pPr indent="-342900" lvl="0" marL="457200" rtl="0" algn="l">
-              <a:lnSpc>
-                <a:spcPct val="115000"/>
-              </a:lnSpc>
-              <a:spcBef>
-                <a:spcPts val="0"/>
-              </a:spcBef>
-              <a:spcAft>
-                <a:spcPts val="0"/>
-              </a:spcAft>
-              <a:buClr>
-                <a:schemeClr val="dk1"/>
-              </a:buClr>
-              <a:buSzPts val="1800"/>
-              <a:buFont typeface="Times New Roman"/>
-              <a:buChar char="●"/>
-            </a:pPr>
-            <a:r>
-              <a:rPr lang="en">
-                <a:solidFill>
-                  <a:schemeClr val="dk1"/>
-                </a:solidFill>
-                <a:latin typeface="Times New Roman"/>
-                <a:ea typeface="Times New Roman"/>
-                <a:cs typeface="Times New Roman"/>
-                <a:sym typeface="Times New Roman"/>
-              </a:rPr>
-              <a:t>Some properties can’t be inherited like weight or margin.</a:t>
-            </a:r>
-            <a:endParaRPr>
-              <a:solidFill>
-                <a:schemeClr val="dk1"/>
-              </a:solidFill>
-              <a:latin typeface="Times New Roman"/>
-              <a:ea typeface="Times New Roman"/>
-              <a:cs typeface="Times New Roman"/>
-              <a:sym typeface="Times New Roman"/>
-            </a:endParaRPr>
-          </a:p>
-          <a:p>
-            <a:pPr indent="-342900" lvl="0" marL="457200" rtl="0" algn="l">
-              <a:lnSpc>
-                <a:spcPct val="115000"/>
-              </a:lnSpc>
-              <a:spcBef>
-                <a:spcPts val="0"/>
-              </a:spcBef>
-              <a:spcAft>
-                <a:spcPts val="0"/>
-              </a:spcAft>
-              <a:buClr>
-                <a:schemeClr val="dk1"/>
-              </a:buClr>
-              <a:buSzPts val="1800"/>
-              <a:buFont typeface="Times New Roman"/>
-              <a:buChar char="●"/>
-            </a:pPr>
-            <a:r>
-              <a:rPr lang="en">
-                <a:solidFill>
-                  <a:schemeClr val="dk1"/>
-                </a:solidFill>
-                <a:latin typeface="Times New Roman"/>
-                <a:ea typeface="Times New Roman"/>
-                <a:cs typeface="Times New Roman"/>
-                <a:sym typeface="Times New Roman"/>
-              </a:rPr>
-              <a:t>CSS provides special property values for elements:</a:t>
-            </a:r>
-            <a:endParaRPr>
-              <a:solidFill>
-                <a:schemeClr val="dk1"/>
-              </a:solidFill>
-              <a:latin typeface="Times New Roman"/>
-              <a:ea typeface="Times New Roman"/>
-              <a:cs typeface="Times New Roman"/>
-              <a:sym typeface="Times New Roman"/>
-            </a:endParaRPr>
-          </a:p>
-          <a:p>
-            <a:pPr indent="-317500" lvl="1" marL="914400" rtl="0" algn="l">
-              <a:lnSpc>
-                <a:spcPct val="115000"/>
-              </a:lnSpc>
-              <a:spcBef>
-                <a:spcPts val="0"/>
-              </a:spcBef>
-              <a:spcAft>
-                <a:spcPts val="0"/>
-              </a:spcAft>
-              <a:buClr>
-                <a:schemeClr val="dk1"/>
-              </a:buClr>
-              <a:buSzPts val="1400"/>
-              <a:buFont typeface="Times New Roman"/>
-              <a:buChar char="○"/>
-            </a:pPr>
-            <a:r>
-              <a:rPr lang="en">
-                <a:solidFill>
-                  <a:schemeClr val="dk1"/>
-                </a:solidFill>
-                <a:latin typeface="Times New Roman"/>
-                <a:ea typeface="Times New Roman"/>
-                <a:cs typeface="Times New Roman"/>
-                <a:sym typeface="Times New Roman"/>
-              </a:rPr>
-              <a:t>inherit – turn on inheritance</a:t>
-            </a:r>
-            <a:endParaRPr>
-              <a:solidFill>
-                <a:schemeClr val="dk1"/>
-              </a:solidFill>
-              <a:latin typeface="Times New Roman"/>
-              <a:ea typeface="Times New Roman"/>
-              <a:cs typeface="Times New Roman"/>
-              <a:sym typeface="Times New Roman"/>
-            </a:endParaRPr>
-          </a:p>
-          <a:p>
-            <a:pPr indent="-317500" lvl="1" marL="914400" rtl="0" algn="l">
-              <a:lnSpc>
-                <a:spcPct val="115000"/>
-              </a:lnSpc>
-              <a:spcBef>
-                <a:spcPts val="0"/>
-              </a:spcBef>
-              <a:spcAft>
-                <a:spcPts val="0"/>
-              </a:spcAft>
-              <a:buClr>
-                <a:schemeClr val="dk1"/>
-              </a:buClr>
-              <a:buSzPts val="1400"/>
-              <a:buFont typeface="Times New Roman"/>
-              <a:buChar char="○"/>
-            </a:pPr>
-            <a:r>
-              <a:rPr lang="en">
-                <a:solidFill>
-                  <a:schemeClr val="dk1"/>
-                </a:solidFill>
-                <a:latin typeface="Times New Roman"/>
-                <a:ea typeface="Times New Roman"/>
-                <a:cs typeface="Times New Roman"/>
-                <a:sym typeface="Times New Roman"/>
-              </a:rPr>
-              <a:t>initial – property’s default</a:t>
-            </a:r>
-            <a:endParaRPr>
-              <a:solidFill>
-                <a:schemeClr val="dk1"/>
-              </a:solidFill>
-              <a:latin typeface="Times New Roman"/>
-              <a:ea typeface="Times New Roman"/>
-              <a:cs typeface="Times New Roman"/>
-              <a:sym typeface="Times New Roman"/>
-            </a:endParaRPr>
-          </a:p>
-          <a:p>
-            <a:pPr indent="-317500" lvl="1" marL="914400" rtl="0" algn="l">
-              <a:lnSpc>
-                <a:spcPct val="115000"/>
-              </a:lnSpc>
-              <a:spcBef>
-                <a:spcPts val="0"/>
-              </a:spcBef>
-              <a:spcAft>
-                <a:spcPts val="0"/>
-              </a:spcAft>
-              <a:buClr>
-                <a:schemeClr val="dk1"/>
-              </a:buClr>
-              <a:buSzPts val="1400"/>
-              <a:buFont typeface="Times New Roman"/>
-              <a:buChar char="○"/>
-            </a:pPr>
-            <a:r>
-              <a:rPr lang="en">
-                <a:solidFill>
-                  <a:schemeClr val="dk1"/>
-                </a:solidFill>
-                <a:latin typeface="Times New Roman"/>
-                <a:ea typeface="Times New Roman"/>
-                <a:cs typeface="Times New Roman"/>
-                <a:sym typeface="Times New Roman"/>
-              </a:rPr>
-              <a:t>revert – browser's default</a:t>
-            </a:r>
-            <a:endParaRPr>
-              <a:solidFill>
-                <a:schemeClr val="dk1"/>
-              </a:solidFill>
-              <a:latin typeface="Times New Roman"/>
-              <a:ea typeface="Times New Roman"/>
-              <a:cs typeface="Times New Roman"/>
-              <a:sym typeface="Times New Roman"/>
-            </a:endParaRPr>
-          </a:p>
-          <a:p>
-            <a:pPr indent="-317500" lvl="1" marL="914400" rtl="0" algn="l">
-              <a:lnSpc>
-                <a:spcPct val="115000"/>
-              </a:lnSpc>
-              <a:spcBef>
-                <a:spcPts val="0"/>
-              </a:spcBef>
-              <a:spcAft>
-                <a:spcPts val="0"/>
-              </a:spcAft>
-              <a:buClr>
-                <a:schemeClr val="dk1"/>
-              </a:buClr>
-              <a:buSzPts val="1400"/>
-              <a:buFont typeface="Times New Roman"/>
-              <a:buChar char="○"/>
-            </a:pPr>
-            <a:r>
-              <a:rPr lang="en">
-                <a:solidFill>
-                  <a:schemeClr val="dk1"/>
-                </a:solidFill>
-                <a:latin typeface="Times New Roman"/>
-                <a:ea typeface="Times New Roman"/>
-                <a:cs typeface="Times New Roman"/>
-                <a:sym typeface="Times New Roman"/>
-              </a:rPr>
-              <a:t>unset – set to inherit or initial</a:t>
-            </a:r>
-            <a:endParaRPr>
-              <a:solidFill>
-                <a:schemeClr val="dk1"/>
-              </a:solidFill>
-              <a:latin typeface="Times New Roman"/>
-              <a:ea typeface="Times New Roman"/>
-              <a:cs typeface="Times New Roman"/>
-              <a:sym typeface="Times New Roman"/>
+              <a:spcBef>
+                <a:spcPts val="0"/>
+              </a:spcBef>
+              <a:spcAft>
+                <a:spcPts val="0"/>
+              </a:spcAft>
+              <a:buNone/>
+            </a:pPr>
+            <a:r>
+              <a:rPr lang="en" sz="1200">
+                <a:latin typeface="Courier New"/>
+                <a:ea typeface="Courier New"/>
+                <a:cs typeface="Courier New"/>
+                <a:sym typeface="Courier New"/>
+              </a:rPr>
+              <a:t>&lt;style&gt;</a:t>
+            </a:r>
+            <a:endParaRPr sz="1200">
+              <a:latin typeface="Courier New"/>
+              <a:ea typeface="Courier New"/>
+              <a:cs typeface="Courier New"/>
+              <a:sym typeface="Courier New"/>
+            </a:endParaRPr>
+          </a:p>
+          <a:p>
+            <a:pPr indent="0" lvl="0" marL="0" rtl="0" algn="l">
+              <a:spcBef>
+                <a:spcPts val="0"/>
+              </a:spcBef>
+              <a:spcAft>
+                <a:spcPts val="0"/>
+              </a:spcAft>
+              <a:buNone/>
+            </a:pPr>
+            <a:r>
+              <a:rPr lang="en" sz="1200">
+                <a:latin typeface="Courier New"/>
+                <a:ea typeface="Courier New"/>
+                <a:cs typeface="Courier New"/>
+                <a:sym typeface="Courier New"/>
+              </a:rPr>
+              <a:t>/*p &gt; span has more weigh as it has two element selectors p and span*/</a:t>
+            </a:r>
+            <a:endParaRPr sz="1200">
+              <a:latin typeface="Courier New"/>
+              <a:ea typeface="Courier New"/>
+              <a:cs typeface="Courier New"/>
+              <a:sym typeface="Courier New"/>
+            </a:endParaRPr>
+          </a:p>
+          <a:p>
+            <a:pPr indent="0" lvl="0" marL="0" rtl="0" algn="l">
+              <a:spcBef>
+                <a:spcPts val="0"/>
+              </a:spcBef>
+              <a:spcAft>
+                <a:spcPts val="0"/>
+              </a:spcAft>
+              <a:buNone/>
+            </a:pPr>
+            <a:r>
+              <a:rPr lang="en" sz="1200">
+                <a:latin typeface="Courier New"/>
+                <a:ea typeface="Courier New"/>
+                <a:cs typeface="Courier New"/>
+                <a:sym typeface="Courier New"/>
+              </a:rPr>
+              <a:t>p &gt; span</a:t>
+            </a:r>
+            <a:endParaRPr sz="1200">
+              <a:latin typeface="Courier New"/>
+              <a:ea typeface="Courier New"/>
+              <a:cs typeface="Courier New"/>
+              <a:sym typeface="Courier New"/>
+            </a:endParaRPr>
+          </a:p>
+          <a:p>
+            <a:pPr indent="0" lvl="0" marL="0" rtl="0" algn="l">
+              <a:spcBef>
+                <a:spcPts val="0"/>
+              </a:spcBef>
+              <a:spcAft>
+                <a:spcPts val="0"/>
+              </a:spcAft>
+              <a:buNone/>
+            </a:pPr>
+            <a:r>
+              <a:rPr lang="en" sz="1200">
+                <a:latin typeface="Courier New"/>
+                <a:ea typeface="Courier New"/>
+                <a:cs typeface="Courier New"/>
+                <a:sym typeface="Courier New"/>
+              </a:rPr>
+              <a:t>{</a:t>
+            </a:r>
+            <a:endParaRPr sz="1200">
+              <a:latin typeface="Courier New"/>
+              <a:ea typeface="Courier New"/>
+              <a:cs typeface="Courier New"/>
+              <a:sym typeface="Courier New"/>
+            </a:endParaRPr>
+          </a:p>
+          <a:p>
+            <a:pPr indent="457200" lvl="0" marL="0" rtl="0" algn="l">
+              <a:spcBef>
+                <a:spcPts val="0"/>
+              </a:spcBef>
+              <a:spcAft>
+                <a:spcPts val="0"/>
+              </a:spcAft>
+              <a:buNone/>
+            </a:pPr>
+            <a:r>
+              <a:rPr lang="en" sz="1200">
+                <a:latin typeface="Courier New"/>
+                <a:ea typeface="Courier New"/>
+                <a:cs typeface="Courier New"/>
+                <a:sym typeface="Courier New"/>
+              </a:rPr>
+              <a:t>color: red;</a:t>
+            </a:r>
+            <a:endParaRPr sz="1200">
+              <a:latin typeface="Courier New"/>
+              <a:ea typeface="Courier New"/>
+              <a:cs typeface="Courier New"/>
+              <a:sym typeface="Courier New"/>
+            </a:endParaRPr>
+          </a:p>
+          <a:p>
+            <a:pPr indent="0" lvl="0" marL="0" rtl="0" algn="l">
+              <a:spcBef>
+                <a:spcPts val="0"/>
+              </a:spcBef>
+              <a:spcAft>
+                <a:spcPts val="0"/>
+              </a:spcAft>
+              <a:buNone/>
+            </a:pPr>
+            <a:r>
+              <a:rPr lang="en" sz="1200">
+                <a:latin typeface="Courier New"/>
+                <a:ea typeface="Courier New"/>
+                <a:cs typeface="Courier New"/>
+                <a:sym typeface="Courier New"/>
+              </a:rPr>
+              <a:t>}</a:t>
+            </a:r>
+            <a:endParaRPr sz="1200">
+              <a:latin typeface="Courier New"/>
+              <a:ea typeface="Courier New"/>
+              <a:cs typeface="Courier New"/>
+              <a:sym typeface="Courier New"/>
+            </a:endParaRPr>
+          </a:p>
+          <a:p>
+            <a:pPr indent="0" lvl="0" marL="0" rtl="0" algn="l">
+              <a:spcBef>
+                <a:spcPts val="0"/>
+              </a:spcBef>
+              <a:spcAft>
+                <a:spcPts val="0"/>
+              </a:spcAft>
+              <a:buNone/>
+            </a:pPr>
+            <a:r>
+              <a:rPr lang="en" sz="1200">
+                <a:latin typeface="Courier New"/>
+                <a:ea typeface="Courier New"/>
+                <a:cs typeface="Courier New"/>
+                <a:sym typeface="Courier New"/>
+              </a:rPr>
+              <a:t>/*span has less weigh as it has only one element selectors span*/</a:t>
+            </a:r>
+            <a:endParaRPr sz="1200">
+              <a:latin typeface="Courier New"/>
+              <a:ea typeface="Courier New"/>
+              <a:cs typeface="Courier New"/>
+              <a:sym typeface="Courier New"/>
+            </a:endParaRPr>
+          </a:p>
+          <a:p>
+            <a:pPr indent="0" lvl="0" marL="0" rtl="0" algn="l">
+              <a:spcBef>
+                <a:spcPts val="0"/>
+              </a:spcBef>
+              <a:spcAft>
+                <a:spcPts val="0"/>
+              </a:spcAft>
+              <a:buNone/>
+            </a:pPr>
+            <a:r>
+              <a:rPr lang="en" sz="1200">
+                <a:latin typeface="Courier New"/>
+                <a:ea typeface="Courier New"/>
+                <a:cs typeface="Courier New"/>
+                <a:sym typeface="Courier New"/>
+              </a:rPr>
+              <a:t>span</a:t>
+            </a:r>
+            <a:endParaRPr sz="1200">
+              <a:latin typeface="Courier New"/>
+              <a:ea typeface="Courier New"/>
+              <a:cs typeface="Courier New"/>
+              <a:sym typeface="Courier New"/>
+            </a:endParaRPr>
+          </a:p>
+          <a:p>
+            <a:pPr indent="0" lvl="0" marL="0" rtl="0" algn="l">
+              <a:spcBef>
+                <a:spcPts val="0"/>
+              </a:spcBef>
+              <a:spcAft>
+                <a:spcPts val="0"/>
+              </a:spcAft>
+              <a:buNone/>
+            </a:pPr>
+            <a:r>
+              <a:rPr lang="en" sz="1200">
+                <a:latin typeface="Courier New"/>
+                <a:ea typeface="Courier New"/>
+                <a:cs typeface="Courier New"/>
+                <a:sym typeface="Courier New"/>
+              </a:rPr>
+              <a:t>{</a:t>
+            </a:r>
+            <a:endParaRPr sz="1200">
+              <a:latin typeface="Courier New"/>
+              <a:ea typeface="Courier New"/>
+              <a:cs typeface="Courier New"/>
+              <a:sym typeface="Courier New"/>
+            </a:endParaRPr>
+          </a:p>
+          <a:p>
+            <a:pPr indent="457200" lvl="0" marL="0" rtl="0" algn="l">
+              <a:spcBef>
+                <a:spcPts val="0"/>
+              </a:spcBef>
+              <a:spcAft>
+                <a:spcPts val="0"/>
+              </a:spcAft>
+              <a:buNone/>
+            </a:pPr>
+            <a:r>
+              <a:rPr lang="en" sz="1200">
+                <a:latin typeface="Courier New"/>
+                <a:ea typeface="Courier New"/>
+                <a:cs typeface="Courier New"/>
+                <a:sym typeface="Courier New"/>
+              </a:rPr>
+              <a:t>color: blue;</a:t>
+            </a:r>
+            <a:endParaRPr sz="1200">
+              <a:latin typeface="Courier New"/>
+              <a:ea typeface="Courier New"/>
+              <a:cs typeface="Courier New"/>
+              <a:sym typeface="Courier New"/>
+            </a:endParaRPr>
+          </a:p>
+          <a:p>
+            <a:pPr indent="0" lvl="0" marL="0" rtl="0" algn="l">
+              <a:spcBef>
+                <a:spcPts val="0"/>
+              </a:spcBef>
+              <a:spcAft>
+                <a:spcPts val="0"/>
+              </a:spcAft>
+              <a:buNone/>
+            </a:pPr>
+            <a:r>
+              <a:rPr lang="en" sz="1200">
+                <a:latin typeface="Courier New"/>
+                <a:ea typeface="Courier New"/>
+                <a:cs typeface="Courier New"/>
+                <a:sym typeface="Courier New"/>
+              </a:rPr>
+              <a:t>}</a:t>
+            </a:r>
+            <a:endParaRPr sz="1200">
+              <a:latin typeface="Courier New"/>
+              <a:ea typeface="Courier New"/>
+              <a:cs typeface="Courier New"/>
+              <a:sym typeface="Courier New"/>
+            </a:endParaRPr>
+          </a:p>
+          <a:p>
+            <a:pPr indent="0" lvl="0" marL="0" rtl="0" algn="l">
+              <a:spcBef>
+                <a:spcPts val="0"/>
+              </a:spcBef>
+              <a:spcAft>
+                <a:spcPts val="0"/>
+              </a:spcAft>
+              <a:buNone/>
+            </a:pPr>
+            <a:r>
+              <a:rPr lang="en" sz="1200">
+                <a:latin typeface="Courier New"/>
+                <a:ea typeface="Courier New"/>
+                <a:cs typeface="Courier New"/>
+                <a:sym typeface="Courier New"/>
+              </a:rPr>
+              <a:t>&lt;/style&gt;</a:t>
+            </a:r>
+            <a:endParaRPr sz="1200">
+              <a:latin typeface="Courier New"/>
+              <a:ea typeface="Courier New"/>
+              <a:cs typeface="Courier New"/>
+              <a:sym typeface="Courier New"/>
             </a:endParaRPr>
           </a:p>
         </p:txBody>
       </p:sp>
       <p:sp>
         <p:nvSpPr>
-          <p:cNvPr id="229" name="Google Shape;229;g2f62552a751_0_61"/>
+          <p:cNvPr id="227" name="Google Shape;227;g329b0af9a98_0_0"/>
           <p:cNvSpPr/>
           <p:nvPr/>
         </p:nvSpPr>
         <p:spPr>
           <a:xfrm>
-            <a:off x="3651800" y="1971200"/>
-            <a:ext cx="5492100" cy="3172200"/>
+            <a:off x="6727200" y="2718925"/>
+            <a:ext cx="2022300" cy="813000"/>
           </a:xfrm>
           <a:prstGeom prst="rect">
             <a:avLst/>
           </a:prstGeom>
-          <a:noFill/>
+          <a:solidFill>
+            <a:schemeClr val="lt2"/>
+          </a:solidFill>
           <a:ln cap="flat" cmpd="sng" w="9525">
             <a:solidFill>
               <a:schemeClr val="dk2"/>
@@ -19642,449 +20396,83 @@
           </a:bodyPr>
           <a:lstStyle/>
           <a:p>
-            <a:pPr indent="0" lvl="0" marL="0" marR="0" rtl="0" algn="l">
-              <a:lnSpc>
-                <a:spcPct val="115000"/>
-              </a:lnSpc>
-              <a:spcBef>
-                <a:spcPts val="0"/>
-              </a:spcBef>
-              <a:spcAft>
-                <a:spcPts val="0"/>
-              </a:spcAft>
-              <a:buClr>
-                <a:srgbClr val="000000"/>
-              </a:buClr>
-              <a:buSzPts val="1600"/>
-              <a:buFont typeface="Arial"/>
-              <a:buNone/>
-            </a:pPr>
-            <a:r>
-              <a:rPr b="1" i="0" lang="en" sz="1600" u="none" cap="none" strike="noStrike">
-                <a:solidFill>
-                  <a:srgbClr val="A62A2A"/>
-                </a:solidFill>
-                <a:latin typeface="Courier New"/>
-                <a:ea typeface="Courier New"/>
-                <a:cs typeface="Courier New"/>
-                <a:sym typeface="Courier New"/>
-              </a:rPr>
-              <a:t>body </a:t>
-            </a:r>
-            <a:endParaRPr b="1" i="0" sz="1600" u="none" cap="none" strike="noStrike">
-              <a:solidFill>
-                <a:srgbClr val="A62A2A"/>
-              </a:solidFill>
-              <a:latin typeface="Courier New"/>
-              <a:ea typeface="Courier New"/>
-              <a:cs typeface="Courier New"/>
-              <a:sym typeface="Courier New"/>
-            </a:endParaRPr>
-          </a:p>
-          <a:p>
-            <a:pPr indent="0" lvl="0" marL="0" marR="0" rtl="0" algn="l">
-              <a:lnSpc>
-                <a:spcPct val="115000"/>
-              </a:lnSpc>
-              <a:spcBef>
-                <a:spcPts val="0"/>
-              </a:spcBef>
-              <a:spcAft>
-                <a:spcPts val="0"/>
-              </a:spcAft>
-              <a:buClr>
-                <a:schemeClr val="dk1"/>
-              </a:buClr>
-              <a:buSzPts val="1100"/>
-              <a:buFont typeface="Arial"/>
-              <a:buNone/>
-            </a:pPr>
-            <a:r>
-              <a:rPr b="1" i="0" lang="en" sz="1600" u="none" cap="none" strike="noStrike">
-                <a:solidFill>
-                  <a:schemeClr val="dk1"/>
-                </a:solidFill>
-                <a:latin typeface="Courier New"/>
-                <a:ea typeface="Courier New"/>
-                <a:cs typeface="Courier New"/>
-                <a:sym typeface="Courier New"/>
-              </a:rPr>
-              <a:t>{</a:t>
-            </a:r>
-            <a:endParaRPr b="1" i="0" sz="1600" u="none" cap="none" strike="noStrike">
-              <a:solidFill>
-                <a:schemeClr val="dk1"/>
-              </a:solidFill>
-              <a:latin typeface="Courier New"/>
-              <a:ea typeface="Courier New"/>
-              <a:cs typeface="Courier New"/>
-              <a:sym typeface="Courier New"/>
-            </a:endParaRPr>
-          </a:p>
-          <a:p>
-            <a:pPr indent="457200" lvl="0" marL="0" marR="0" rtl="0" algn="l">
-              <a:lnSpc>
-                <a:spcPct val="115000"/>
-              </a:lnSpc>
-              <a:spcBef>
-                <a:spcPts val="0"/>
-              </a:spcBef>
-              <a:spcAft>
-                <a:spcPts val="0"/>
-              </a:spcAft>
-              <a:buClr>
-                <a:schemeClr val="dk1"/>
-              </a:buClr>
-              <a:buSzPts val="1100"/>
-              <a:buFont typeface="Arial"/>
-              <a:buNone/>
-            </a:pPr>
-            <a:r>
-              <a:rPr b="1" i="0" lang="en" sz="1600" u="none" cap="none" strike="noStrike">
-                <a:solidFill>
-                  <a:srgbClr val="FF0000"/>
-                </a:solidFill>
-                <a:latin typeface="Courier New"/>
-                <a:ea typeface="Courier New"/>
-                <a:cs typeface="Courier New"/>
-                <a:sym typeface="Courier New"/>
-              </a:rPr>
-              <a:t>color</a:t>
-            </a:r>
-            <a:r>
-              <a:rPr b="1" i="0" lang="en" sz="1600" u="none" cap="none" strike="noStrike">
-                <a:solidFill>
-                  <a:schemeClr val="dk1"/>
-                </a:solidFill>
-                <a:latin typeface="Courier New"/>
-                <a:ea typeface="Courier New"/>
-                <a:cs typeface="Courier New"/>
-                <a:sym typeface="Courier New"/>
-              </a:rPr>
-              <a:t>: </a:t>
-            </a:r>
-            <a:r>
-              <a:rPr b="1" i="0" lang="en" sz="1600" u="none" cap="none" strike="noStrike">
-                <a:solidFill>
-                  <a:srgbClr val="0000CE"/>
-                </a:solidFill>
-                <a:latin typeface="Courier New"/>
-                <a:ea typeface="Courier New"/>
-                <a:cs typeface="Courier New"/>
-                <a:sym typeface="Courier New"/>
-              </a:rPr>
-              <a:t>blue</a:t>
-            </a:r>
-            <a:r>
-              <a:rPr b="1" i="0" lang="en" sz="1600" u="none" cap="none" strike="noStrike">
-                <a:solidFill>
-                  <a:schemeClr val="dk1"/>
-                </a:solidFill>
-                <a:latin typeface="Courier New"/>
-                <a:ea typeface="Courier New"/>
-                <a:cs typeface="Courier New"/>
-                <a:sym typeface="Courier New"/>
-              </a:rPr>
-              <a:t>;</a:t>
-            </a:r>
-            <a:endParaRPr b="1" i="0" sz="1600" u="none" cap="none" strike="noStrike">
-              <a:solidFill>
-                <a:schemeClr val="dk1"/>
-              </a:solidFill>
-              <a:latin typeface="Courier New"/>
-              <a:ea typeface="Courier New"/>
-              <a:cs typeface="Courier New"/>
-              <a:sym typeface="Courier New"/>
-            </a:endParaRPr>
-          </a:p>
-          <a:p>
-            <a:pPr indent="0" lvl="0" marL="0" marR="0" rtl="0" algn="l">
-              <a:lnSpc>
-                <a:spcPct val="115000"/>
-              </a:lnSpc>
-              <a:spcBef>
-                <a:spcPts val="0"/>
-              </a:spcBef>
-              <a:spcAft>
-                <a:spcPts val="0"/>
-              </a:spcAft>
-              <a:buClr>
-                <a:schemeClr val="dk1"/>
-              </a:buClr>
-              <a:buSzPts val="1100"/>
-              <a:buFont typeface="Arial"/>
-              <a:buNone/>
-            </a:pPr>
-            <a:r>
-              <a:rPr b="1" i="0" lang="en" sz="1600" u="none" cap="none" strike="noStrike">
-                <a:solidFill>
-                  <a:schemeClr val="dk1"/>
-                </a:solidFill>
-                <a:latin typeface="Courier New"/>
-                <a:ea typeface="Courier New"/>
-                <a:cs typeface="Courier New"/>
-                <a:sym typeface="Courier New"/>
-              </a:rPr>
-              <a:t>}</a:t>
-            </a:r>
-            <a:endParaRPr b="1" i="0" sz="1600" u="none" cap="none" strike="noStrike">
-              <a:solidFill>
-                <a:schemeClr val="dk1"/>
-              </a:solidFill>
-              <a:latin typeface="Courier New"/>
-              <a:ea typeface="Courier New"/>
-              <a:cs typeface="Courier New"/>
-              <a:sym typeface="Courier New"/>
-            </a:endParaRPr>
-          </a:p>
-          <a:p>
-            <a:pPr indent="0" lvl="0" marL="0" marR="0" rtl="0" algn="l">
-              <a:lnSpc>
-                <a:spcPct val="115000"/>
-              </a:lnSpc>
-              <a:spcBef>
-                <a:spcPts val="0"/>
-              </a:spcBef>
-              <a:spcAft>
-                <a:spcPts val="0"/>
-              </a:spcAft>
-              <a:buClr>
-                <a:schemeClr val="dk1"/>
-              </a:buClr>
-              <a:buSzPts val="1100"/>
-              <a:buFont typeface="Arial"/>
-              <a:buNone/>
-            </a:pPr>
-            <a:r>
-              <a:rPr b="1" i="0" lang="en" sz="1600" u="none" cap="none" strike="noStrike">
-                <a:solidFill>
-                  <a:srgbClr val="008100"/>
-                </a:solidFill>
-                <a:latin typeface="Courier New"/>
-                <a:ea typeface="Courier New"/>
-                <a:cs typeface="Courier New"/>
-                <a:sym typeface="Courier New"/>
-              </a:rPr>
-              <a:t>/* revert to browser’s default value*/</a:t>
-            </a:r>
-            <a:endParaRPr b="1" i="0" sz="1600" u="none" cap="none" strike="noStrike">
-              <a:solidFill>
-                <a:srgbClr val="008100"/>
-              </a:solidFill>
-              <a:latin typeface="Courier New"/>
-              <a:ea typeface="Courier New"/>
-              <a:cs typeface="Courier New"/>
-              <a:sym typeface="Courier New"/>
-            </a:endParaRPr>
-          </a:p>
-          <a:p>
-            <a:pPr indent="0" lvl="0" marL="0" marR="0" rtl="0" algn="l">
-              <a:lnSpc>
-                <a:spcPct val="115000"/>
-              </a:lnSpc>
-              <a:spcBef>
-                <a:spcPts val="0"/>
-              </a:spcBef>
-              <a:spcAft>
-                <a:spcPts val="0"/>
-              </a:spcAft>
-              <a:buClr>
-                <a:srgbClr val="000000"/>
-              </a:buClr>
-              <a:buSzPts val="1600"/>
-              <a:buFont typeface="Arial"/>
-              <a:buNone/>
-            </a:pPr>
-            <a:r>
-              <a:rPr b="1" i="0" lang="en" sz="1600" u="none" cap="none" strike="noStrike">
-                <a:solidFill>
-                  <a:srgbClr val="A62A2A"/>
-                </a:solidFill>
-                <a:latin typeface="Courier New"/>
-                <a:ea typeface="Courier New"/>
-                <a:cs typeface="Courier New"/>
-                <a:sym typeface="Courier New"/>
-              </a:rPr>
-              <a:t>h1 </a:t>
-            </a:r>
-            <a:endParaRPr b="1" i="0" sz="1600" u="none" cap="none" strike="noStrike">
-              <a:solidFill>
-                <a:srgbClr val="A62A2A"/>
-              </a:solidFill>
-              <a:latin typeface="Courier New"/>
-              <a:ea typeface="Courier New"/>
-              <a:cs typeface="Courier New"/>
-              <a:sym typeface="Courier New"/>
-            </a:endParaRPr>
-          </a:p>
-          <a:p>
-            <a:pPr indent="0" lvl="0" marL="0" marR="0" rtl="0" algn="l">
-              <a:lnSpc>
-                <a:spcPct val="115000"/>
-              </a:lnSpc>
-              <a:spcBef>
-                <a:spcPts val="0"/>
-              </a:spcBef>
-              <a:spcAft>
-                <a:spcPts val="0"/>
-              </a:spcAft>
-              <a:buClr>
-                <a:schemeClr val="dk1"/>
-              </a:buClr>
-              <a:buSzPts val="1100"/>
-              <a:buFont typeface="Arial"/>
-              <a:buNone/>
-            </a:pPr>
-            <a:r>
-              <a:rPr b="1" i="0" lang="en" sz="1600" u="none" cap="none" strike="noStrike">
-                <a:solidFill>
-                  <a:schemeClr val="dk1"/>
-                </a:solidFill>
-                <a:latin typeface="Courier New"/>
-                <a:ea typeface="Courier New"/>
-                <a:cs typeface="Courier New"/>
-                <a:sym typeface="Courier New"/>
-              </a:rPr>
-              <a:t>{</a:t>
-            </a:r>
-            <a:endParaRPr b="1" i="0" sz="1600" u="none" cap="none" strike="noStrike">
-              <a:solidFill>
-                <a:schemeClr val="dk1"/>
-              </a:solidFill>
-              <a:latin typeface="Courier New"/>
-              <a:ea typeface="Courier New"/>
-              <a:cs typeface="Courier New"/>
-              <a:sym typeface="Courier New"/>
-            </a:endParaRPr>
-          </a:p>
-          <a:p>
-            <a:pPr indent="457200" lvl="0" marL="0" marR="0" rtl="0" algn="l">
-              <a:lnSpc>
-                <a:spcPct val="115000"/>
-              </a:lnSpc>
-              <a:spcBef>
-                <a:spcPts val="0"/>
-              </a:spcBef>
-              <a:spcAft>
-                <a:spcPts val="0"/>
-              </a:spcAft>
-              <a:buClr>
-                <a:schemeClr val="dk1"/>
-              </a:buClr>
-              <a:buSzPts val="1100"/>
-              <a:buFont typeface="Arial"/>
-              <a:buNone/>
-            </a:pPr>
-            <a:r>
-              <a:rPr b="1" i="0" lang="en" sz="1600" u="none" cap="none" strike="noStrike">
-                <a:solidFill>
-                  <a:srgbClr val="FF0000"/>
-                </a:solidFill>
-                <a:latin typeface="Courier New"/>
-                <a:ea typeface="Courier New"/>
-                <a:cs typeface="Courier New"/>
-                <a:sym typeface="Courier New"/>
-              </a:rPr>
-              <a:t>color</a:t>
-            </a:r>
-            <a:r>
-              <a:rPr b="1" i="0" lang="en" sz="1600" u="none" cap="none" strike="noStrike">
-                <a:solidFill>
-                  <a:schemeClr val="dk1"/>
-                </a:solidFill>
-                <a:latin typeface="Courier New"/>
-                <a:ea typeface="Courier New"/>
-                <a:cs typeface="Courier New"/>
-                <a:sym typeface="Courier New"/>
-              </a:rPr>
-              <a:t>: </a:t>
-            </a:r>
-            <a:r>
-              <a:rPr b="1" i="0" lang="en" sz="1600" u="none" cap="none" strike="noStrike">
-                <a:solidFill>
-                  <a:srgbClr val="0000CE"/>
-                </a:solidFill>
-                <a:latin typeface="Courier New"/>
-                <a:ea typeface="Courier New"/>
-                <a:cs typeface="Courier New"/>
-                <a:sym typeface="Courier New"/>
-              </a:rPr>
-              <a:t>revert</a:t>
-            </a:r>
-            <a:r>
-              <a:rPr b="1" i="0" lang="en" sz="1600" u="none" cap="none" strike="noStrike">
-                <a:solidFill>
-                  <a:schemeClr val="dk1"/>
-                </a:solidFill>
-                <a:latin typeface="Courier New"/>
-                <a:ea typeface="Courier New"/>
-                <a:cs typeface="Courier New"/>
-                <a:sym typeface="Courier New"/>
-              </a:rPr>
-              <a:t>;</a:t>
-            </a:r>
-            <a:endParaRPr b="1" i="0" sz="1600" u="none" cap="none" strike="noStrike">
-              <a:solidFill>
-                <a:schemeClr val="dk1"/>
-              </a:solidFill>
-              <a:latin typeface="Courier New"/>
-              <a:ea typeface="Courier New"/>
-              <a:cs typeface="Courier New"/>
-              <a:sym typeface="Courier New"/>
-            </a:endParaRPr>
-          </a:p>
-          <a:p>
-            <a:pPr indent="0" lvl="0" marL="0" marR="0" rtl="0" algn="l">
-              <a:lnSpc>
-                <a:spcPct val="115000"/>
-              </a:lnSpc>
-              <a:spcBef>
-                <a:spcPts val="0"/>
-              </a:spcBef>
-              <a:spcAft>
-                <a:spcPts val="0"/>
-              </a:spcAft>
-              <a:buClr>
-                <a:schemeClr val="dk1"/>
-              </a:buClr>
-              <a:buSzPts val="1100"/>
-              <a:buFont typeface="Arial"/>
-              <a:buNone/>
-            </a:pPr>
-            <a:r>
-              <a:rPr b="1" i="0" lang="en" sz="1600" u="none" cap="none" strike="noStrike">
-                <a:solidFill>
-                  <a:schemeClr val="dk1"/>
-                </a:solidFill>
-                <a:latin typeface="Courier New"/>
-                <a:ea typeface="Courier New"/>
-                <a:cs typeface="Courier New"/>
-                <a:sym typeface="Courier New"/>
-              </a:rPr>
-              <a:t>}</a:t>
-            </a:r>
-            <a:endParaRPr b="1" i="0" sz="1600" u="none" cap="none" strike="noStrike">
-              <a:solidFill>
-                <a:schemeClr val="dk1"/>
-              </a:solidFill>
-              <a:latin typeface="Courier New"/>
-              <a:ea typeface="Courier New"/>
-              <a:cs typeface="Courier New"/>
-              <a:sym typeface="Courier New"/>
-            </a:endParaRPr>
+            <a:pPr indent="0" lvl="0" marL="0" rtl="0" algn="ctr">
+              <a:spcBef>
+                <a:spcPts val="0"/>
+              </a:spcBef>
+              <a:spcAft>
+                <a:spcPts val="0"/>
+              </a:spcAft>
+              <a:buNone/>
+            </a:pPr>
+            <a:r>
+              <a:rPr lang="en" sz="3000"/>
+              <a:t>0 0 2</a:t>
+            </a:r>
+            <a:endParaRPr sz="3000"/>
           </a:p>
         </p:txBody>
       </p:sp>
       <p:sp>
         <p:nvSpPr>
-          <p:cNvPr id="230" name="Google Shape;230;g2f62552a751_0_61"/>
+          <p:cNvPr id="228" name="Google Shape;228;g329b0af9a98_0_0"/>
           <p:cNvSpPr/>
           <p:nvPr/>
         </p:nvSpPr>
         <p:spPr>
           <a:xfrm>
-            <a:off x="4572000" y="4759700"/>
-            <a:ext cx="4572000" cy="383700"/>
+            <a:off x="6727200" y="3929525"/>
+            <a:ext cx="2022300" cy="813000"/>
+          </a:xfrm>
+          <a:prstGeom prst="rect">
+            <a:avLst/>
+          </a:prstGeom>
+          <a:solidFill>
+            <a:schemeClr val="lt2"/>
+          </a:solidFill>
+          <a:ln cap="flat" cmpd="sng" w="9525">
+            <a:solidFill>
+              <a:schemeClr val="dk2"/>
+            </a:solidFill>
+            <a:prstDash val="solid"/>
+            <a:round/>
+            <a:headEnd len="sm" w="sm" type="none"/>
+            <a:tailEnd len="sm" w="sm" type="none"/>
+          </a:ln>
+        </p:spPr>
+        <p:txBody>
+          <a:bodyPr anchorCtr="0" anchor="ctr" bIns="91425" lIns="91425" spcFirstLastPara="1" rIns="91425" wrap="square" tIns="91425">
+            <a:noAutofit/>
+          </a:bodyPr>
+          <a:lstStyle/>
+          <a:p>
+            <a:pPr indent="0" lvl="0" marL="0" rtl="0" algn="ctr">
+              <a:spcBef>
+                <a:spcPts val="0"/>
+              </a:spcBef>
+              <a:spcAft>
+                <a:spcPts val="0"/>
+              </a:spcAft>
+              <a:buNone/>
+            </a:pPr>
+            <a:r>
+              <a:rPr lang="en" sz="3000"/>
+              <a:t>0 0 1</a:t>
+            </a:r>
+            <a:endParaRPr sz="3000"/>
+          </a:p>
+        </p:txBody>
+      </p:sp>
+      <p:sp>
+        <p:nvSpPr>
+          <p:cNvPr id="229" name="Google Shape;229;g329b0af9a98_0_0"/>
+          <p:cNvSpPr/>
+          <p:nvPr/>
+        </p:nvSpPr>
+        <p:spPr>
+          <a:xfrm>
+            <a:off x="6142225" y="1484713"/>
+            <a:ext cx="2022300" cy="322200"/>
           </a:xfrm>
           <a:prstGeom prst="rect">
             <a:avLst/>
@@ -20095,12 +20483,12 @@
           </a:ln>
         </p:spPr>
         <p:txBody>
-          <a:bodyPr anchorCtr="0" anchor="t" bIns="91425" lIns="91425" spcFirstLastPara="1" rIns="91425" wrap="square" tIns="91425">
+          <a:bodyPr anchorCtr="0" anchor="ctr" bIns="91425" lIns="91425" spcFirstLastPara="1" rIns="91425" wrap="square" tIns="91425">
             <a:noAutofit/>
           </a:bodyPr>
           <a:lstStyle/>
           <a:p>
-            <a:pPr indent="0" lvl="0" marL="0" rtl="0" algn="l">
+            <a:pPr indent="0" lvl="0" marL="0" rtl="0" algn="ctr">
               <a:spcBef>
                 <a:spcPts val="0"/>
               </a:spcBef>
@@ -20116,19 +20504,10 @@
                 <a:cs typeface="Courier New"/>
                 <a:sym typeface="Courier New"/>
               </a:rPr>
-              <a:t>p</a:t>
+              <a:t>page-11</a:t>
             </a:r>
             <a:r>
               <a:rPr lang="en">
-                <a:latin typeface="Courier New"/>
-                <a:ea typeface="Courier New"/>
-                <a:cs typeface="Courier New"/>
-                <a:sym typeface="Courier New"/>
-              </a:rPr>
-              <a:t>age-14</a:t>
-            </a:r>
-            <a:r>
-              <a:rPr lang="en">
                 <a:solidFill>
                   <a:srgbClr val="000000"/>
                 </a:solidFill>
@@ -20137,23 +20516,11 @@
                 <a:cs typeface="Courier New"/>
                 <a:sym typeface="Courier New"/>
               </a:rPr>
-              <a:t>.html, </a:t>
-            </a:r>
-            <a:r>
-              <a:rPr lang="en">
-                <a:solidFill>
-                  <a:schemeClr val="dk1"/>
-                </a:solidFill>
-                <a:latin typeface="Courier New"/>
-                <a:ea typeface="Courier New"/>
-                <a:cs typeface="Courier New"/>
-                <a:sym typeface="Courier New"/>
-              </a:rPr>
-              <a:t>page-15.html, page-16.html</a:t>
+              <a:t>.html</a:t>
             </a:r>
             <a:endParaRPr>
               <a:solidFill>
-                <a:schemeClr val="dk1"/>
+                <a:srgbClr val="000000"/>
               </a:solidFill>
               <a:latin typeface="Courier New"/>
               <a:ea typeface="Courier New"/>
@@ -20171,12 +20538,12 @@
 </p:sld>
 </file>
 
-<file path=ppt/slides/slide19.xml><?xml version="1.0" encoding="utf-8"?>
+<file path=ppt/slides/slide18.xml><?xml version="1.0" encoding="utf-8"?>
 <p:sld xmlns:a="http://schemas.openxmlformats.org/drawingml/2006/main" xmlns:r="http://schemas.openxmlformats.org/officeDocument/2006/relationships" xmlns:mc="http://schemas.openxmlformats.org/markup-compatibility/2006" xmlns:mv="urn:schemas-microsoft-com:mac:vml" xmlns:p="http://schemas.openxmlformats.org/presentationml/2006/main" xmlns:c="http://schemas.openxmlformats.org/drawingml/2006/chart" xmlns:dgm="http://schemas.openxmlformats.org/drawingml/2006/diagram" xmlns:o="urn:schemas-microsoft-com:office:office" xmlns:v="urn:schemas-microsoft-com:vml" xmlns:pvml="urn:schemas-microsoft-com:office:powerpoint" xmlns:com="http://schemas.openxmlformats.org/drawingml/2006/compatibility" xmlns:p14="http://schemas.microsoft.com/office/powerpoint/2010/main" xmlns:p15="http://schemas.microsoft.com/office/powerpoint/2012/main" xmlns:ahyp="http://schemas.microsoft.com/office/drawing/2018/hyperlinkcolor">
   <p:cSld>
     <p:spTree>
       <p:nvGrpSpPr>
-        <p:cNvPr id="234" name="Shape 234"/>
+        <p:cNvPr id="233" name="Shape 233"/>
         <p:cNvGrpSpPr/>
         <p:nvPr/>
       </p:nvGrpSpPr>
@@ -20190,7 +20557,7 @@
       </p:grpSpPr>
       <p:sp>
         <p:nvSpPr>
-          <p:cNvPr id="235" name="Google Shape;235;g2f62552a751_0_66"/>
+          <p:cNvPr id="234" name="Google Shape;234;g329b0af9a98_0_19"/>
           <p:cNvSpPr txBox="1"/>
           <p:nvPr>
             <p:ph type="title"/>
@@ -20217,7 +20584,7 @@
           <a:p>
             <a:pPr indent="0" lvl="0" marL="0" rtl="0" algn="l">
               <a:lnSpc>
-                <a:spcPct val="100000"/>
+                <a:spcPct val="115000"/>
               </a:lnSpc>
               <a:spcBef>
                 <a:spcPts val="0"/>
@@ -20229,25 +20596,333 @@
               <a:buNone/>
             </a:pPr>
             <a:r>
-              <a:rPr lang="en" sz="3000"/>
-              <a:t>!important</a:t>
-            </a:r>
-            <a:endParaRPr sz="3000"/>
+              <a:rPr lang="en" sz="3000">
+                <a:solidFill>
+                  <a:srgbClr val="0000FF"/>
+                </a:solidFill>
+              </a:rPr>
+              <a:t>Specificity</a:t>
+            </a:r>
+            <a:endParaRPr sz="3000">
+              <a:solidFill>
+                <a:srgbClr val="0000FF"/>
+              </a:solidFill>
+            </a:endParaRPr>
           </a:p>
         </p:txBody>
       </p:sp>
       <p:sp>
         <p:nvSpPr>
-          <p:cNvPr id="236" name="Google Shape;236;g2f62552a751_0_66"/>
-          <p:cNvSpPr txBox="1"/>
-          <p:nvPr>
-            <p:ph idx="1" type="body"/>
-          </p:nvPr>
+          <p:cNvPr id="235" name="Google Shape;235;g329b0af9a98_0_19"/>
+          <p:cNvSpPr/>
+          <p:nvPr/>
         </p:nvSpPr>
         <p:spPr>
           <a:xfrm>
-            <a:off x="0" y="572700"/>
-            <a:ext cx="9144000" cy="4570800"/>
+            <a:off x="2092775" y="0"/>
+            <a:ext cx="2022300" cy="887700"/>
+          </a:xfrm>
+          <a:prstGeom prst="rect">
+            <a:avLst/>
+          </a:prstGeom>
+          <a:solidFill>
+            <a:schemeClr val="accent1"/>
+          </a:solidFill>
+          <a:ln cap="flat" cmpd="sng" w="9525">
+            <a:solidFill>
+              <a:schemeClr val="dk2"/>
+            </a:solidFill>
+            <a:prstDash val="solid"/>
+            <a:round/>
+            <a:headEnd len="sm" w="sm" type="none"/>
+            <a:tailEnd len="sm" w="sm" type="none"/>
+          </a:ln>
+        </p:spPr>
+        <p:txBody>
+          <a:bodyPr anchorCtr="0" anchor="t" bIns="91425" lIns="91425" spcFirstLastPara="1" rIns="91425" wrap="square" tIns="91425">
+            <a:noAutofit/>
+          </a:bodyPr>
+          <a:lstStyle/>
+          <a:p>
+            <a:pPr indent="0" lvl="0" marL="0" marR="0" rtl="0" algn="ctr">
+              <a:lnSpc>
+                <a:spcPct val="100000"/>
+              </a:lnSpc>
+              <a:spcBef>
+                <a:spcPts val="0"/>
+              </a:spcBef>
+              <a:spcAft>
+                <a:spcPts val="0"/>
+              </a:spcAft>
+              <a:buClr>
+                <a:srgbClr val="000000"/>
+              </a:buClr>
+              <a:buSzPts val="1600"/>
+              <a:buFont typeface="Arial"/>
+              <a:buNone/>
+            </a:pPr>
+            <a:r>
+              <a:rPr b="1" i="0" lang="en" sz="1600" u="none" cap="none" strike="noStrike">
+                <a:solidFill>
+                  <a:schemeClr val="lt1"/>
+                </a:solidFill>
+                <a:latin typeface="Times New Roman"/>
+                <a:ea typeface="Times New Roman"/>
+                <a:cs typeface="Times New Roman"/>
+                <a:sym typeface="Times New Roman"/>
+              </a:rPr>
+              <a:t>id</a:t>
+            </a:r>
+            <a:endParaRPr b="1" i="0" sz="1600" u="none" cap="none" strike="noStrike">
+              <a:solidFill>
+                <a:schemeClr val="lt1"/>
+              </a:solidFill>
+              <a:latin typeface="Times New Roman"/>
+              <a:ea typeface="Times New Roman"/>
+              <a:cs typeface="Times New Roman"/>
+              <a:sym typeface="Times New Roman"/>
+            </a:endParaRPr>
+          </a:p>
+        </p:txBody>
+      </p:sp>
+      <p:sp>
+        <p:nvSpPr>
+          <p:cNvPr id="236" name="Google Shape;236;g329b0af9a98_0_19"/>
+          <p:cNvSpPr/>
+          <p:nvPr/>
+        </p:nvSpPr>
+        <p:spPr>
+          <a:xfrm>
+            <a:off x="4607238" y="0"/>
+            <a:ext cx="2022300" cy="887700"/>
+          </a:xfrm>
+          <a:prstGeom prst="rect">
+            <a:avLst/>
+          </a:prstGeom>
+          <a:solidFill>
+            <a:schemeClr val="accent1"/>
+          </a:solidFill>
+          <a:ln cap="flat" cmpd="sng" w="9525">
+            <a:solidFill>
+              <a:schemeClr val="dk2"/>
+            </a:solidFill>
+            <a:prstDash val="solid"/>
+            <a:round/>
+            <a:headEnd len="sm" w="sm" type="none"/>
+            <a:tailEnd len="sm" w="sm" type="none"/>
+          </a:ln>
+        </p:spPr>
+        <p:txBody>
+          <a:bodyPr anchorCtr="0" anchor="t" bIns="91425" lIns="91425" spcFirstLastPara="1" rIns="91425" wrap="square" tIns="91425">
+            <a:noAutofit/>
+          </a:bodyPr>
+          <a:lstStyle/>
+          <a:p>
+            <a:pPr indent="0" lvl="0" marL="0" marR="0" rtl="0" algn="ctr">
+              <a:lnSpc>
+                <a:spcPct val="100000"/>
+              </a:lnSpc>
+              <a:spcBef>
+                <a:spcPts val="0"/>
+              </a:spcBef>
+              <a:spcAft>
+                <a:spcPts val="0"/>
+              </a:spcAft>
+              <a:buClr>
+                <a:srgbClr val="000000"/>
+              </a:buClr>
+              <a:buSzPts val="1600"/>
+              <a:buFont typeface="Arial"/>
+              <a:buNone/>
+            </a:pPr>
+            <a:r>
+              <a:rPr b="1" i="0" lang="en" sz="1600" u="none" cap="none" strike="noStrike">
+                <a:solidFill>
+                  <a:srgbClr val="FFFF00"/>
+                </a:solidFill>
+                <a:latin typeface="Times New Roman"/>
+                <a:ea typeface="Times New Roman"/>
+                <a:cs typeface="Times New Roman"/>
+                <a:sym typeface="Times New Roman"/>
+              </a:rPr>
+              <a:t>class</a:t>
+            </a:r>
+            <a:endParaRPr b="1" sz="1600">
+              <a:solidFill>
+                <a:srgbClr val="FFFF00"/>
+              </a:solidFill>
+              <a:latin typeface="Times New Roman"/>
+              <a:ea typeface="Times New Roman"/>
+              <a:cs typeface="Times New Roman"/>
+              <a:sym typeface="Times New Roman"/>
+            </a:endParaRPr>
+          </a:p>
+          <a:p>
+            <a:pPr indent="0" lvl="0" marL="0" marR="0" rtl="0" algn="ctr">
+              <a:lnSpc>
+                <a:spcPct val="100000"/>
+              </a:lnSpc>
+              <a:spcBef>
+                <a:spcPts val="0"/>
+              </a:spcBef>
+              <a:spcAft>
+                <a:spcPts val="0"/>
+              </a:spcAft>
+              <a:buClr>
+                <a:srgbClr val="000000"/>
+              </a:buClr>
+              <a:buSzPts val="1600"/>
+              <a:buFont typeface="Arial"/>
+              <a:buNone/>
+            </a:pPr>
+            <a:r>
+              <a:rPr b="1" i="0" lang="en" sz="1600" u="none" cap="none" strike="noStrike">
+                <a:solidFill>
+                  <a:srgbClr val="FFFF00"/>
+                </a:solidFill>
+                <a:latin typeface="Times New Roman"/>
+                <a:ea typeface="Times New Roman"/>
+                <a:cs typeface="Times New Roman"/>
+                <a:sym typeface="Times New Roman"/>
+              </a:rPr>
+              <a:t>pseudo-class</a:t>
+            </a:r>
+            <a:endParaRPr b="1" sz="1600">
+              <a:solidFill>
+                <a:srgbClr val="FFFF00"/>
+              </a:solidFill>
+              <a:latin typeface="Times New Roman"/>
+              <a:ea typeface="Times New Roman"/>
+              <a:cs typeface="Times New Roman"/>
+              <a:sym typeface="Times New Roman"/>
+            </a:endParaRPr>
+          </a:p>
+          <a:p>
+            <a:pPr indent="0" lvl="0" marL="0" marR="0" rtl="0" algn="ctr">
+              <a:lnSpc>
+                <a:spcPct val="100000"/>
+              </a:lnSpc>
+              <a:spcBef>
+                <a:spcPts val="0"/>
+              </a:spcBef>
+              <a:spcAft>
+                <a:spcPts val="0"/>
+              </a:spcAft>
+              <a:buClr>
+                <a:srgbClr val="000000"/>
+              </a:buClr>
+              <a:buSzPts val="1600"/>
+              <a:buFont typeface="Arial"/>
+              <a:buNone/>
+            </a:pPr>
+            <a:r>
+              <a:rPr b="1" i="0" lang="en" sz="1600" u="none" cap="none" strike="noStrike">
+                <a:solidFill>
+                  <a:srgbClr val="FFFF00"/>
+                </a:solidFill>
+                <a:latin typeface="Times New Roman"/>
+                <a:ea typeface="Times New Roman"/>
+                <a:cs typeface="Times New Roman"/>
+                <a:sym typeface="Times New Roman"/>
+              </a:rPr>
+              <a:t>attribute</a:t>
+            </a:r>
+            <a:endParaRPr b="1" i="0" sz="1600" u="none" cap="none" strike="noStrike">
+              <a:solidFill>
+                <a:srgbClr val="FFFF00"/>
+              </a:solidFill>
+              <a:latin typeface="Times New Roman"/>
+              <a:ea typeface="Times New Roman"/>
+              <a:cs typeface="Times New Roman"/>
+              <a:sym typeface="Times New Roman"/>
+            </a:endParaRPr>
+          </a:p>
+        </p:txBody>
+      </p:sp>
+      <p:sp>
+        <p:nvSpPr>
+          <p:cNvPr id="237" name="Google Shape;237;g329b0af9a98_0_19"/>
+          <p:cNvSpPr/>
+          <p:nvPr/>
+        </p:nvSpPr>
+        <p:spPr>
+          <a:xfrm>
+            <a:off x="7121700" y="0"/>
+            <a:ext cx="2022300" cy="887700"/>
+          </a:xfrm>
+          <a:prstGeom prst="rect">
+            <a:avLst/>
+          </a:prstGeom>
+          <a:solidFill>
+            <a:schemeClr val="accent1"/>
+          </a:solidFill>
+          <a:ln cap="flat" cmpd="sng" w="9525">
+            <a:solidFill>
+              <a:schemeClr val="dk2"/>
+            </a:solidFill>
+            <a:prstDash val="solid"/>
+            <a:round/>
+            <a:headEnd len="sm" w="sm" type="none"/>
+            <a:tailEnd len="sm" w="sm" type="none"/>
+          </a:ln>
+        </p:spPr>
+        <p:txBody>
+          <a:bodyPr anchorCtr="0" anchor="t" bIns="91425" lIns="91425" spcFirstLastPara="1" rIns="91425" wrap="square" tIns="91425">
+            <a:noAutofit/>
+          </a:bodyPr>
+          <a:lstStyle/>
+          <a:p>
+            <a:pPr indent="0" lvl="0" marL="0" marR="0" rtl="0" algn="ctr">
+              <a:lnSpc>
+                <a:spcPct val="100000"/>
+              </a:lnSpc>
+              <a:spcBef>
+                <a:spcPts val="0"/>
+              </a:spcBef>
+              <a:spcAft>
+                <a:spcPts val="0"/>
+              </a:spcAft>
+              <a:buClr>
+                <a:srgbClr val="000000"/>
+              </a:buClr>
+              <a:buSzPts val="1600"/>
+              <a:buFont typeface="Arial"/>
+              <a:buNone/>
+            </a:pPr>
+            <a:r>
+              <a:rPr b="1" i="0" lang="en" sz="1600" u="none" cap="none" strike="noStrike">
+                <a:solidFill>
+                  <a:schemeClr val="lt1"/>
+                </a:solidFill>
+                <a:latin typeface="Times New Roman"/>
+                <a:ea typeface="Times New Roman"/>
+                <a:cs typeface="Times New Roman"/>
+                <a:sym typeface="Times New Roman"/>
+              </a:rPr>
+              <a:t>element</a:t>
+            </a:r>
+            <a:endParaRPr b="1" i="0" sz="1600" u="none" cap="none" strike="noStrike">
+              <a:solidFill>
+                <a:schemeClr val="lt1"/>
+              </a:solidFill>
+              <a:latin typeface="Times New Roman"/>
+              <a:ea typeface="Times New Roman"/>
+              <a:cs typeface="Times New Roman"/>
+              <a:sym typeface="Times New Roman"/>
+            </a:endParaRPr>
+          </a:p>
+        </p:txBody>
+      </p:sp>
+      <p:sp>
+        <p:nvSpPr>
+          <p:cNvPr id="238" name="Google Shape;238;g329b0af9a98_0_19"/>
+          <p:cNvSpPr txBox="1"/>
+          <p:nvPr/>
+        </p:nvSpPr>
+        <p:spPr>
+          <a:xfrm>
+            <a:off x="2270100" y="1705300"/>
+            <a:ext cx="4115100" cy="1621200"/>
           </a:xfrm>
           <a:prstGeom prst="rect">
             <a:avLst/>
@@ -20259,102 +20934,23 @@
         </p:spPr>
         <p:txBody>
           <a:bodyPr anchorCtr="0" anchor="t" bIns="91425" lIns="91425" spcFirstLastPara="1" rIns="91425" wrap="square" tIns="91425">
-            <a:normAutofit/>
+            <a:spAutoFit/>
           </a:bodyPr>
           <a:lstStyle/>
           <a:p>
             <a:pPr indent="0" lvl="0" marL="0" rtl="0" algn="l">
-              <a:lnSpc>
-                <a:spcPct val="115000"/>
-              </a:lnSpc>
-              <a:spcBef>
-                <a:spcPts val="0"/>
-              </a:spcBef>
-              <a:spcAft>
-                <a:spcPts val="0"/>
-              </a:spcAft>
-              <a:buSzPts val="1800"/>
-              <a:buNone/>
-            </a:pPr>
-            <a:r>
-              <a:rPr lang="en">
-                <a:solidFill>
-                  <a:schemeClr val="dk1"/>
-                </a:solidFill>
-                <a:latin typeface="Times New Roman"/>
-                <a:ea typeface="Times New Roman"/>
-                <a:cs typeface="Times New Roman"/>
-                <a:sym typeface="Times New Roman"/>
-              </a:rPr>
-              <a:t>Importance is the mechanism to apply a rule no matter what the order specificity or inheritance of other rules.</a:t>
-            </a:r>
-            <a:endParaRPr>
-              <a:solidFill>
-                <a:schemeClr val="dk1"/>
-              </a:solidFill>
-              <a:latin typeface="Times New Roman"/>
-              <a:ea typeface="Times New Roman"/>
-              <a:cs typeface="Times New Roman"/>
-              <a:sym typeface="Times New Roman"/>
-            </a:endParaRPr>
-          </a:p>
-          <a:p>
-            <a:pPr indent="0" lvl="0" marL="0" rtl="0" algn="l">
-              <a:lnSpc>
-                <a:spcPct val="115000"/>
-              </a:lnSpc>
-              <a:spcBef>
-                <a:spcPts val="0"/>
-              </a:spcBef>
-              <a:spcAft>
-                <a:spcPts val="0"/>
-              </a:spcAft>
-              <a:buSzPts val="1800"/>
+              <a:spcBef>
+                <a:spcPts val="1000"/>
+              </a:spcBef>
+              <a:spcAft>
+                <a:spcPts val="0"/>
+              </a:spcAft>
               <a:buNone/>
             </a:pPr>
             <a:r>
               <a:t/>
             </a:r>
-            <a:endParaRPr>
-              <a:solidFill>
-                <a:schemeClr val="dk1"/>
-              </a:solidFill>
-              <a:latin typeface="Times New Roman"/>
-              <a:ea typeface="Times New Roman"/>
-              <a:cs typeface="Times New Roman"/>
-              <a:sym typeface="Times New Roman"/>
-            </a:endParaRPr>
-          </a:p>
-          <a:p>
-            <a:pPr indent="0" lvl="0" marL="0" rtl="0" algn="l">
-              <a:lnSpc>
-                <a:spcPct val="115000"/>
-              </a:lnSpc>
-              <a:spcBef>
-                <a:spcPts val="0"/>
-              </a:spcBef>
-              <a:spcAft>
-                <a:spcPts val="0"/>
-              </a:spcAft>
-              <a:buSzPts val="1800"/>
-              <a:buNone/>
-            </a:pPr>
-            <a:r>
-              <a:rPr b="1" lang="en">
-                <a:solidFill>
-                  <a:srgbClr val="A62A2A"/>
-                </a:solidFill>
-                <a:latin typeface="Courier New"/>
-                <a:ea typeface="Courier New"/>
-                <a:cs typeface="Courier New"/>
-                <a:sym typeface="Courier New"/>
-              </a:rPr>
-              <a:t>h1</a:t>
-            </a:r>
-            <a:endParaRPr b="1">
-              <a:solidFill>
-                <a:srgbClr val="A62A2A"/>
-              </a:solidFill>
+            <a:endParaRPr b="1" sz="1200">
               <a:latin typeface="Courier New"/>
               <a:ea typeface="Courier New"/>
               <a:cs typeface="Courier New"/>
@@ -20363,38 +20959,24 @@
           </a:p>
           <a:p>
             <a:pPr indent="0" lvl="0" marL="0" rtl="0" algn="l">
-              <a:lnSpc>
-                <a:spcPct val="115000"/>
-              </a:lnSpc>
-              <a:spcBef>
-                <a:spcPts val="0"/>
-              </a:spcBef>
-              <a:spcAft>
-                <a:spcPts val="0"/>
-              </a:spcAft>
-              <a:buClr>
-                <a:schemeClr val="dk1"/>
-              </a:buClr>
-              <a:buSzPts val="1100"/>
-              <a:buFont typeface="Arial"/>
-              <a:buNone/>
-            </a:pPr>
-            <a:r>
-              <a:rPr b="1" lang="en">
-                <a:solidFill>
-                  <a:schemeClr val="dk1"/>
-                </a:solidFill>
-                <a:latin typeface="Courier New"/>
-                <a:ea typeface="Courier New"/>
-                <a:cs typeface="Courier New"/>
-                <a:sym typeface="Courier New"/>
-              </a:rPr>
-              <a:t>{</a:t>
-            </a:r>
-            <a:endParaRPr b="1">
-              <a:solidFill>
-                <a:schemeClr val="dk1"/>
-              </a:solidFill>
+              <a:spcBef>
+                <a:spcPts val="1000"/>
+              </a:spcBef>
+              <a:spcAft>
+                <a:spcPts val="0"/>
+              </a:spcAft>
+              <a:buNone/>
+            </a:pPr>
+            <a:r>
+              <a:rPr b="1" lang="en" sz="1200">
+                <a:latin typeface="Courier New"/>
+                <a:ea typeface="Courier New"/>
+                <a:cs typeface="Courier New"/>
+                <a:sym typeface="Courier New"/>
+              </a:rPr>
+              <a:t>&lt;style&gt;</a:t>
+            </a:r>
+            <a:endParaRPr b="1" sz="1200">
               <a:latin typeface="Courier New"/>
               <a:ea typeface="Courier New"/>
               <a:cs typeface="Courier New"/>
@@ -20403,74 +20985,24 @@
           </a:p>
           <a:p>
             <a:pPr indent="457200" lvl="0" marL="0" rtl="0" algn="l">
-              <a:lnSpc>
-                <a:spcPct val="115000"/>
-              </a:lnSpc>
-              <a:spcBef>
-                <a:spcPts val="0"/>
-              </a:spcBef>
-              <a:spcAft>
-                <a:spcPts val="0"/>
-              </a:spcAft>
-              <a:buClr>
-                <a:schemeClr val="dk1"/>
-              </a:buClr>
-              <a:buSzPts val="1100"/>
-              <a:buFont typeface="Arial"/>
-              <a:buNone/>
-            </a:pPr>
-            <a:r>
-              <a:rPr b="1" lang="en">
-                <a:solidFill>
-                  <a:srgbClr val="FF0000"/>
-                </a:solidFill>
-                <a:latin typeface="Courier New"/>
-                <a:ea typeface="Courier New"/>
-                <a:cs typeface="Courier New"/>
-                <a:sym typeface="Courier New"/>
-              </a:rPr>
-              <a:t>color</a:t>
-            </a:r>
-            <a:r>
-              <a:rPr b="1" lang="en">
-                <a:solidFill>
-                  <a:schemeClr val="dk1"/>
-                </a:solidFill>
-                <a:latin typeface="Courier New"/>
-                <a:ea typeface="Courier New"/>
-                <a:cs typeface="Courier New"/>
-                <a:sym typeface="Courier New"/>
-              </a:rPr>
-              <a:t>: </a:t>
-            </a:r>
-            <a:r>
-              <a:rPr b="1" lang="en">
-                <a:solidFill>
-                  <a:srgbClr val="0000CE"/>
-                </a:solidFill>
-                <a:latin typeface="Courier New"/>
-                <a:ea typeface="Courier New"/>
-                <a:cs typeface="Courier New"/>
-                <a:sym typeface="Courier New"/>
-              </a:rPr>
-              <a:t>blue !important</a:t>
-            </a:r>
-            <a:r>
-              <a:rPr b="1" lang="en">
-                <a:solidFill>
-                  <a:schemeClr val="dk1"/>
-                </a:solidFill>
-                <a:latin typeface="Courier New"/>
-                <a:ea typeface="Courier New"/>
-                <a:cs typeface="Courier New"/>
-                <a:sym typeface="Courier New"/>
-              </a:rPr>
-              <a:t>;</a:t>
-            </a:r>
-            <a:endParaRPr b="1">
-              <a:solidFill>
-                <a:schemeClr val="dk1"/>
-              </a:solidFill>
+              <a:spcBef>
+                <a:spcPts val="1000"/>
+              </a:spcBef>
+              <a:spcAft>
+                <a:spcPts val="0"/>
+              </a:spcAft>
+              <a:buNone/>
+            </a:pPr>
+            <a:r>
+              <a:rPr b="1" lang="en" sz="1200">
+                <a:latin typeface="Courier New"/>
+                <a:ea typeface="Courier New"/>
+                <a:cs typeface="Courier New"/>
+                <a:sym typeface="Courier New"/>
+              </a:rPr>
+              <a:t>.list-1 {	font-size: xx-large;	}</a:t>
+            </a:r>
+            <a:endParaRPr b="1" sz="1200">
               <a:latin typeface="Courier New"/>
               <a:ea typeface="Courier New"/>
               <a:cs typeface="Courier New"/>
@@ -20478,12 +21010,9 @@
             </a:endParaRPr>
           </a:p>
           <a:p>
-            <a:pPr indent="0" lvl="0" marL="0" rtl="0" algn="l">
-              <a:lnSpc>
-                <a:spcPct val="115000"/>
-              </a:lnSpc>
-              <a:spcBef>
-                <a:spcPts val="0"/>
+            <a:pPr indent="457200" lvl="0" marL="0" rtl="0" algn="l">
+              <a:spcBef>
+                <a:spcPts val="1000"/>
               </a:spcBef>
               <a:spcAft>
                 <a:spcPts val="0"/>
@@ -20496,7 +21025,7 @@
               <a:buNone/>
             </a:pPr>
             <a:r>
-              <a:rPr b="1" lang="en">
+              <a:rPr b="1" lang="en" sz="1200">
                 <a:solidFill>
                   <a:schemeClr val="dk1"/>
                 </a:solidFill>
@@ -20505,12 +21034,21 @@
                 <a:cs typeface="Courier New"/>
                 <a:sym typeface="Courier New"/>
               </a:rPr>
-              <a:t>}</a:t>
-            </a:r>
-            <a:endParaRPr b="1">
-              <a:solidFill>
-                <a:schemeClr val="dk1"/>
-              </a:solidFill>
+              <a:t>ul</a:t>
+            </a:r>
+            <a:r>
+              <a:rPr b="1" lang="en" sz="1200">
+                <a:solidFill>
+                  <a:schemeClr val="dk1"/>
+                </a:solidFill>
+                <a:latin typeface="Courier New"/>
+                <a:ea typeface="Courier New"/>
+                <a:cs typeface="Courier New"/>
+                <a:sym typeface="Courier New"/>
+              </a:rPr>
+              <a:t> {	font-size: xx-small;	}</a:t>
+            </a:r>
+            <a:endParaRPr b="1" sz="1200">
               <a:latin typeface="Courier New"/>
               <a:ea typeface="Courier New"/>
               <a:cs typeface="Courier New"/>
@@ -20519,256 +21057,42 @@
           </a:p>
           <a:p>
             <a:pPr indent="0" lvl="0" marL="0" rtl="0" algn="l">
-              <a:lnSpc>
-                <a:spcPct val="115000"/>
-              </a:lnSpc>
-              <a:spcBef>
-                <a:spcPts val="0"/>
-              </a:spcBef>
-              <a:spcAft>
-                <a:spcPts val="0"/>
-              </a:spcAft>
-              <a:buClr>
-                <a:schemeClr val="dk1"/>
-              </a:buClr>
-              <a:buSzPts val="1100"/>
-              <a:buFont typeface="Arial"/>
-              <a:buNone/>
-            </a:pPr>
-            <a:r>
-              <a:rPr b="1" lang="en">
-                <a:solidFill>
-                  <a:srgbClr val="008100"/>
-                </a:solidFill>
-                <a:latin typeface="Courier New"/>
-                <a:ea typeface="Courier New"/>
-                <a:cs typeface="Courier New"/>
-                <a:sym typeface="Courier New"/>
-              </a:rPr>
-              <a:t>/</a:t>
-            </a:r>
-            <a:r>
-              <a:rPr b="1" lang="en">
-                <a:solidFill>
-                  <a:srgbClr val="008100"/>
-                </a:solidFill>
-                <a:latin typeface="Courier New"/>
-                <a:ea typeface="Courier New"/>
-                <a:cs typeface="Courier New"/>
-                <a:sym typeface="Courier New"/>
-              </a:rPr>
-              <a:t>* this rule is not applied */</a:t>
-            </a:r>
-            <a:endParaRPr b="1">
-              <a:solidFill>
-                <a:srgbClr val="008100"/>
-              </a:solidFill>
+              <a:spcBef>
+                <a:spcPts val="1000"/>
+              </a:spcBef>
+              <a:spcAft>
+                <a:spcPts val="1000"/>
+              </a:spcAft>
+              <a:buNone/>
+            </a:pPr>
+            <a:r>
+              <a:rPr b="1" lang="en" sz="1200">
+                <a:latin typeface="Courier New"/>
+                <a:ea typeface="Courier New"/>
+                <a:cs typeface="Courier New"/>
+                <a:sym typeface="Courier New"/>
+              </a:rPr>
+              <a:t>&lt;/style&gt;</a:t>
+            </a:r>
+            <a:endParaRPr b="1" sz="1200">
               <a:latin typeface="Courier New"/>
               <a:ea typeface="Courier New"/>
               <a:cs typeface="Courier New"/>
               <a:sym typeface="Courier New"/>
             </a:endParaRPr>
           </a:p>
-          <a:p>
-            <a:pPr indent="0" lvl="0" marL="0" rtl="0" algn="l">
-              <a:lnSpc>
-                <a:spcPct val="115000"/>
-              </a:lnSpc>
-              <a:spcBef>
-                <a:spcPts val="0"/>
-              </a:spcBef>
-              <a:spcAft>
-                <a:spcPts val="0"/>
-              </a:spcAft>
-              <a:buSzPts val="1800"/>
-              <a:buNone/>
-            </a:pPr>
-            <a:r>
-              <a:rPr b="1" lang="en">
-                <a:solidFill>
-                  <a:srgbClr val="A62A2A"/>
-                </a:solidFill>
-                <a:latin typeface="Courier New"/>
-                <a:ea typeface="Courier New"/>
-                <a:cs typeface="Courier New"/>
-                <a:sym typeface="Courier New"/>
-              </a:rPr>
-              <a:t>h1 </a:t>
-            </a:r>
-            <a:endParaRPr b="1">
-              <a:solidFill>
-                <a:srgbClr val="A62A2A"/>
-              </a:solidFill>
-              <a:latin typeface="Courier New"/>
-              <a:ea typeface="Courier New"/>
-              <a:cs typeface="Courier New"/>
-              <a:sym typeface="Courier New"/>
-            </a:endParaRPr>
-          </a:p>
-          <a:p>
-            <a:pPr indent="0" lvl="0" marL="0" rtl="0" algn="l">
-              <a:lnSpc>
-                <a:spcPct val="115000"/>
-              </a:lnSpc>
-              <a:spcBef>
-                <a:spcPts val="0"/>
-              </a:spcBef>
-              <a:spcAft>
-                <a:spcPts val="0"/>
-              </a:spcAft>
-              <a:buClr>
-                <a:schemeClr val="dk1"/>
-              </a:buClr>
-              <a:buSzPts val="1100"/>
-              <a:buFont typeface="Arial"/>
-              <a:buNone/>
-            </a:pPr>
-            <a:r>
-              <a:rPr b="1" lang="en">
-                <a:solidFill>
-                  <a:schemeClr val="dk1"/>
-                </a:solidFill>
-                <a:latin typeface="Courier New"/>
-                <a:ea typeface="Courier New"/>
-                <a:cs typeface="Courier New"/>
-                <a:sym typeface="Courier New"/>
-              </a:rPr>
-              <a:t>{</a:t>
-            </a:r>
-            <a:endParaRPr b="1">
-              <a:solidFill>
-                <a:schemeClr val="dk1"/>
-              </a:solidFill>
-              <a:latin typeface="Courier New"/>
-              <a:ea typeface="Courier New"/>
-              <a:cs typeface="Courier New"/>
-              <a:sym typeface="Courier New"/>
-            </a:endParaRPr>
-          </a:p>
-          <a:p>
-            <a:pPr indent="457200" lvl="0" marL="0" rtl="0" algn="l">
-              <a:lnSpc>
-                <a:spcPct val="115000"/>
-              </a:lnSpc>
-              <a:spcBef>
-                <a:spcPts val="0"/>
-              </a:spcBef>
-              <a:spcAft>
-                <a:spcPts val="0"/>
-              </a:spcAft>
-              <a:buClr>
-                <a:schemeClr val="dk1"/>
-              </a:buClr>
-              <a:buSzPts val="1100"/>
-              <a:buFont typeface="Arial"/>
-              <a:buNone/>
-            </a:pPr>
-            <a:r>
-              <a:rPr b="1" lang="en">
-                <a:solidFill>
-                  <a:srgbClr val="FF0000"/>
-                </a:solidFill>
-                <a:latin typeface="Courier New"/>
-                <a:ea typeface="Courier New"/>
-                <a:cs typeface="Courier New"/>
-                <a:sym typeface="Courier New"/>
-              </a:rPr>
-              <a:t>color</a:t>
-            </a:r>
-            <a:r>
-              <a:rPr b="1" lang="en">
-                <a:solidFill>
-                  <a:schemeClr val="dk1"/>
-                </a:solidFill>
-                <a:latin typeface="Courier New"/>
-                <a:ea typeface="Courier New"/>
-                <a:cs typeface="Courier New"/>
-                <a:sym typeface="Courier New"/>
-              </a:rPr>
-              <a:t>: </a:t>
-            </a:r>
-            <a:r>
-              <a:rPr b="1" lang="en">
-                <a:solidFill>
-                  <a:srgbClr val="0000CE"/>
-                </a:solidFill>
-                <a:latin typeface="Courier New"/>
-                <a:ea typeface="Courier New"/>
-                <a:cs typeface="Courier New"/>
-                <a:sym typeface="Courier New"/>
-              </a:rPr>
-              <a:t>green</a:t>
-            </a:r>
-            <a:r>
-              <a:rPr b="1" lang="en">
-                <a:solidFill>
-                  <a:schemeClr val="dk1"/>
-                </a:solidFill>
-                <a:latin typeface="Courier New"/>
-                <a:ea typeface="Courier New"/>
-                <a:cs typeface="Courier New"/>
-                <a:sym typeface="Courier New"/>
-              </a:rPr>
-              <a:t>;</a:t>
-            </a:r>
-            <a:endParaRPr b="1">
-              <a:solidFill>
-                <a:schemeClr val="dk1"/>
-              </a:solidFill>
-              <a:latin typeface="Courier New"/>
-              <a:ea typeface="Courier New"/>
-              <a:cs typeface="Courier New"/>
-              <a:sym typeface="Courier New"/>
-            </a:endParaRPr>
-          </a:p>
-          <a:p>
-            <a:pPr indent="0" lvl="0" marL="0" rtl="0" algn="l">
-              <a:lnSpc>
-                <a:spcPct val="115000"/>
-              </a:lnSpc>
-              <a:spcBef>
-                <a:spcPts val="0"/>
-              </a:spcBef>
-              <a:spcAft>
-                <a:spcPts val="0"/>
-              </a:spcAft>
-              <a:buSzPts val="1800"/>
-              <a:buNone/>
-            </a:pPr>
-            <a:r>
-              <a:rPr b="1" lang="en">
-                <a:solidFill>
-                  <a:schemeClr val="dk1"/>
-                </a:solidFill>
-                <a:latin typeface="Courier New"/>
-                <a:ea typeface="Courier New"/>
-                <a:cs typeface="Courier New"/>
-                <a:sym typeface="Courier New"/>
-              </a:rPr>
-              <a:t>}</a:t>
-            </a:r>
-            <a:endParaRPr b="1">
-              <a:solidFill>
-                <a:schemeClr val="dk1"/>
-              </a:solidFill>
-              <a:latin typeface="Courier New"/>
-              <a:ea typeface="Courier New"/>
-              <a:cs typeface="Courier New"/>
-              <a:sym typeface="Courier New"/>
-            </a:endParaRPr>
-          </a:p>
         </p:txBody>
       </p:sp>
       <p:sp>
         <p:nvSpPr>
-          <p:cNvPr id="237" name="Google Shape;237;g2f62552a751_0_66"/>
+          <p:cNvPr id="239" name="Google Shape;239;g329b0af9a98_0_19"/>
           <p:cNvSpPr/>
           <p:nvPr/>
         </p:nvSpPr>
         <p:spPr>
           <a:xfrm>
-            <a:off x="4572000" y="2097750"/>
-            <a:ext cx="4184400" cy="1520700"/>
+            <a:off x="4607250" y="921400"/>
+            <a:ext cx="2022300" cy="322200"/>
           </a:xfrm>
           <a:prstGeom prst="rect">
             <a:avLst/>
@@ -20784,6 +21108,538 @@
           </a:bodyPr>
           <a:lstStyle/>
           <a:p>
+            <a:pPr indent="0" lvl="0" marL="0" rtl="0" algn="ctr">
+              <a:spcBef>
+                <a:spcPts val="0"/>
+              </a:spcBef>
+              <a:spcAft>
+                <a:spcPts val="0"/>
+              </a:spcAft>
+              <a:buNone/>
+            </a:pPr>
+            <a:r>
+              <a:rPr lang="en">
+                <a:latin typeface="Courier New"/>
+                <a:ea typeface="Courier New"/>
+                <a:cs typeface="Courier New"/>
+                <a:sym typeface="Courier New"/>
+              </a:rPr>
+              <a:t>page-12</a:t>
+            </a:r>
+            <a:r>
+              <a:rPr lang="en">
+                <a:solidFill>
+                  <a:srgbClr val="000000"/>
+                </a:solidFill>
+                <a:latin typeface="Courier New"/>
+                <a:ea typeface="Courier New"/>
+                <a:cs typeface="Courier New"/>
+                <a:sym typeface="Courier New"/>
+              </a:rPr>
+              <a:t>.html</a:t>
+            </a:r>
+            <a:endParaRPr>
+              <a:solidFill>
+                <a:srgbClr val="000000"/>
+              </a:solidFill>
+              <a:latin typeface="Courier New"/>
+              <a:ea typeface="Courier New"/>
+              <a:cs typeface="Courier New"/>
+              <a:sym typeface="Courier New"/>
+            </a:endParaRPr>
+          </a:p>
+        </p:txBody>
+      </p:sp>
+      <p:sp>
+        <p:nvSpPr>
+          <p:cNvPr id="240" name="Google Shape;240;g329b0af9a98_0_19"/>
+          <p:cNvSpPr txBox="1"/>
+          <p:nvPr/>
+        </p:nvSpPr>
+        <p:spPr>
+          <a:xfrm>
+            <a:off x="6140850" y="2260975"/>
+            <a:ext cx="488700" cy="400200"/>
+          </a:xfrm>
+          <a:prstGeom prst="rect">
+            <a:avLst/>
+          </a:prstGeom>
+          <a:noFill/>
+          <a:ln>
+            <a:noFill/>
+          </a:ln>
+        </p:spPr>
+        <p:txBody>
+          <a:bodyPr anchorCtr="0" anchor="t" bIns="91425" lIns="91425" spcFirstLastPara="1" rIns="91425" wrap="square" tIns="91425">
+            <a:spAutoFit/>
+          </a:bodyPr>
+          <a:lstStyle/>
+          <a:p>
+            <a:pPr indent="0" lvl="0" marL="0" rtl="0" algn="l">
+              <a:spcBef>
+                <a:spcPts val="0"/>
+              </a:spcBef>
+              <a:spcAft>
+                <a:spcPts val="0"/>
+              </a:spcAft>
+              <a:buNone/>
+            </a:pPr>
+            <a:r>
+              <a:rPr b="1" lang="en">
+                <a:solidFill>
+                  <a:schemeClr val="dk1"/>
+                </a:solidFill>
+                <a:highlight>
+                  <a:schemeClr val="dk1"/>
+                </a:highlight>
+              </a:rPr>
+              <a:t>010</a:t>
+            </a:r>
+            <a:endParaRPr>
+              <a:solidFill>
+                <a:schemeClr val="dk1"/>
+              </a:solidFill>
+              <a:highlight>
+                <a:schemeClr val="dk1"/>
+              </a:highlight>
+            </a:endParaRPr>
+          </a:p>
+        </p:txBody>
+      </p:sp>
+      <p:sp>
+        <p:nvSpPr>
+          <p:cNvPr id="241" name="Google Shape;241;g329b0af9a98_0_19"/>
+          <p:cNvSpPr txBox="1"/>
+          <p:nvPr/>
+        </p:nvSpPr>
+        <p:spPr>
+          <a:xfrm>
+            <a:off x="6140850" y="2628350"/>
+            <a:ext cx="488700" cy="400200"/>
+          </a:xfrm>
+          <a:prstGeom prst="rect">
+            <a:avLst/>
+          </a:prstGeom>
+          <a:noFill/>
+          <a:ln>
+            <a:noFill/>
+          </a:ln>
+        </p:spPr>
+        <p:txBody>
+          <a:bodyPr anchorCtr="0" anchor="t" bIns="91425" lIns="91425" spcFirstLastPara="1" rIns="91425" wrap="square" tIns="91425">
+            <a:spAutoFit/>
+          </a:bodyPr>
+          <a:lstStyle/>
+          <a:p>
+            <a:pPr indent="0" lvl="0" marL="0" rtl="0" algn="l">
+              <a:spcBef>
+                <a:spcPts val="0"/>
+              </a:spcBef>
+              <a:spcAft>
+                <a:spcPts val="0"/>
+              </a:spcAft>
+              <a:buNone/>
+            </a:pPr>
+            <a:r>
+              <a:rPr b="1" lang="en">
+                <a:solidFill>
+                  <a:schemeClr val="dk1"/>
+                </a:solidFill>
+                <a:highlight>
+                  <a:schemeClr val="dk1"/>
+                </a:highlight>
+              </a:rPr>
+              <a:t>001</a:t>
+            </a:r>
+            <a:endParaRPr>
+              <a:solidFill>
+                <a:schemeClr val="dk1"/>
+              </a:solidFill>
+              <a:highlight>
+                <a:schemeClr val="dk1"/>
+              </a:highlight>
+            </a:endParaRPr>
+          </a:p>
+        </p:txBody>
+      </p:sp>
+      <p:sp>
+        <p:nvSpPr>
+          <p:cNvPr id="242" name="Google Shape;242;g329b0af9a98_0_19"/>
+          <p:cNvSpPr txBox="1"/>
+          <p:nvPr/>
+        </p:nvSpPr>
+        <p:spPr>
+          <a:xfrm>
+            <a:off x="15" y="1243600"/>
+            <a:ext cx="9144000" cy="554100"/>
+          </a:xfrm>
+          <a:prstGeom prst="rect">
+            <a:avLst/>
+          </a:prstGeom>
+          <a:noFill/>
+          <a:ln>
+            <a:noFill/>
+          </a:ln>
+        </p:spPr>
+        <p:txBody>
+          <a:bodyPr anchorCtr="0" anchor="t" bIns="91425" lIns="91425" spcFirstLastPara="1" rIns="91425" wrap="square" tIns="91425">
+            <a:spAutoFit/>
+          </a:bodyPr>
+          <a:lstStyle/>
+          <a:p>
+            <a:pPr indent="0" lvl="0" marL="0" rtl="0" algn="ctr">
+              <a:spcBef>
+                <a:spcPts val="1000"/>
+              </a:spcBef>
+              <a:spcAft>
+                <a:spcPts val="1000"/>
+              </a:spcAft>
+              <a:buNone/>
+            </a:pPr>
+            <a:r>
+              <a:rPr lang="en" sz="1800">
+                <a:solidFill>
+                  <a:schemeClr val="dk1"/>
+                </a:solidFill>
+              </a:rPr>
+              <a:t>The battle for the font color. </a:t>
+            </a:r>
+            <a:r>
+              <a:rPr lang="en" sz="2400">
+                <a:solidFill>
+                  <a:schemeClr val="dk1"/>
+                </a:solidFill>
+              </a:rPr>
+              <a:t>Class</a:t>
+            </a:r>
+            <a:r>
+              <a:rPr lang="en" sz="1800">
+                <a:solidFill>
+                  <a:schemeClr val="dk1"/>
+                </a:solidFill>
+              </a:rPr>
+              <a:t> vs. </a:t>
+            </a:r>
+            <a:r>
+              <a:rPr lang="en">
+                <a:solidFill>
+                  <a:schemeClr val="dk1"/>
+                </a:solidFill>
+              </a:rPr>
+              <a:t>Element selectors</a:t>
+            </a:r>
+            <a:r>
+              <a:rPr lang="en" sz="1800">
+                <a:solidFill>
+                  <a:schemeClr val="dk1"/>
+                </a:solidFill>
+              </a:rPr>
+              <a:t>.</a:t>
+            </a:r>
+            <a:endParaRPr sz="1800">
+              <a:solidFill>
+                <a:schemeClr val="dk1"/>
+              </a:solidFill>
+            </a:endParaRPr>
+          </a:p>
+        </p:txBody>
+      </p:sp>
+      <p:sp>
+        <p:nvSpPr>
+          <p:cNvPr id="243" name="Google Shape;243;g329b0af9a98_0_19"/>
+          <p:cNvSpPr txBox="1"/>
+          <p:nvPr/>
+        </p:nvSpPr>
+        <p:spPr>
+          <a:xfrm>
+            <a:off x="2092775" y="3398550"/>
+            <a:ext cx="5028900" cy="1293000"/>
+          </a:xfrm>
+          <a:prstGeom prst="rect">
+            <a:avLst/>
+          </a:prstGeom>
+          <a:noFill/>
+          <a:ln>
+            <a:noFill/>
+          </a:ln>
+        </p:spPr>
+        <p:txBody>
+          <a:bodyPr anchorCtr="0" anchor="t" bIns="91425" lIns="91425" spcFirstLastPara="1" rIns="91425" wrap="square" tIns="91425">
+            <a:spAutoFit/>
+          </a:bodyPr>
+          <a:lstStyle/>
+          <a:p>
+            <a:pPr indent="0" lvl="0" marL="0" rtl="0" algn="l">
+              <a:spcBef>
+                <a:spcPts val="0"/>
+              </a:spcBef>
+              <a:spcAft>
+                <a:spcPts val="0"/>
+              </a:spcAft>
+              <a:buNone/>
+            </a:pPr>
+            <a:r>
+              <a:rPr b="1" lang="en" sz="1200">
+                <a:latin typeface="Courier New"/>
+                <a:ea typeface="Courier New"/>
+                <a:cs typeface="Courier New"/>
+                <a:sym typeface="Courier New"/>
+              </a:rPr>
+              <a:t>     &lt;ul class="list-1"&gt;</a:t>
+            </a:r>
+            <a:endParaRPr b="1" sz="1200">
+              <a:latin typeface="Courier New"/>
+              <a:ea typeface="Courier New"/>
+              <a:cs typeface="Courier New"/>
+              <a:sym typeface="Courier New"/>
+            </a:endParaRPr>
+          </a:p>
+          <a:p>
+            <a:pPr indent="0" lvl="0" marL="0" rtl="0" algn="l">
+              <a:spcBef>
+                <a:spcPts val="0"/>
+              </a:spcBef>
+              <a:spcAft>
+                <a:spcPts val="0"/>
+              </a:spcAft>
+              <a:buNone/>
+            </a:pPr>
+            <a:r>
+              <a:rPr b="1" lang="en" sz="1200">
+                <a:latin typeface="Courier New"/>
+                <a:ea typeface="Courier New"/>
+                <a:cs typeface="Courier New"/>
+                <a:sym typeface="Courier New"/>
+              </a:rPr>
+              <a:t>        &lt;li id="item-1-li" name="item-1"&gt;North&lt;/li&gt;</a:t>
+            </a:r>
+            <a:endParaRPr b="1" sz="1200">
+              <a:latin typeface="Courier New"/>
+              <a:ea typeface="Courier New"/>
+              <a:cs typeface="Courier New"/>
+              <a:sym typeface="Courier New"/>
+            </a:endParaRPr>
+          </a:p>
+          <a:p>
+            <a:pPr indent="0" lvl="0" marL="0" rtl="0" algn="l">
+              <a:spcBef>
+                <a:spcPts val="0"/>
+              </a:spcBef>
+              <a:spcAft>
+                <a:spcPts val="0"/>
+              </a:spcAft>
+              <a:buNone/>
+            </a:pPr>
+            <a:r>
+              <a:rPr b="1" lang="en" sz="1200">
+                <a:latin typeface="Courier New"/>
+                <a:ea typeface="Courier New"/>
+                <a:cs typeface="Courier New"/>
+                <a:sym typeface="Courier New"/>
+              </a:rPr>
+              <a:t>        &lt;li class="list-2"&gt;South&lt;/li&gt;</a:t>
+            </a:r>
+            <a:endParaRPr b="1" sz="1200">
+              <a:latin typeface="Courier New"/>
+              <a:ea typeface="Courier New"/>
+              <a:cs typeface="Courier New"/>
+              <a:sym typeface="Courier New"/>
+            </a:endParaRPr>
+          </a:p>
+          <a:p>
+            <a:pPr indent="0" lvl="0" marL="0" rtl="0" algn="l">
+              <a:spcBef>
+                <a:spcPts val="0"/>
+              </a:spcBef>
+              <a:spcAft>
+                <a:spcPts val="0"/>
+              </a:spcAft>
+              <a:buNone/>
+            </a:pPr>
+            <a:r>
+              <a:rPr b="1" lang="en" sz="1200">
+                <a:latin typeface="Courier New"/>
+                <a:ea typeface="Courier New"/>
+                <a:cs typeface="Courier New"/>
+                <a:sym typeface="Courier New"/>
+              </a:rPr>
+              <a:t>        &lt;li&gt;East&lt;/li&gt;</a:t>
+            </a:r>
+            <a:endParaRPr b="1" sz="1200">
+              <a:latin typeface="Courier New"/>
+              <a:ea typeface="Courier New"/>
+              <a:cs typeface="Courier New"/>
+              <a:sym typeface="Courier New"/>
+            </a:endParaRPr>
+          </a:p>
+          <a:p>
+            <a:pPr indent="0" lvl="0" marL="0" rtl="0" algn="l">
+              <a:spcBef>
+                <a:spcPts val="0"/>
+              </a:spcBef>
+              <a:spcAft>
+                <a:spcPts val="0"/>
+              </a:spcAft>
+              <a:buNone/>
+            </a:pPr>
+            <a:r>
+              <a:rPr b="1" lang="en" sz="1200">
+                <a:latin typeface="Courier New"/>
+                <a:ea typeface="Courier New"/>
+                <a:cs typeface="Courier New"/>
+                <a:sym typeface="Courier New"/>
+              </a:rPr>
+              <a:t>        &lt;li name="item-4"&gt;West&lt;/li&gt;</a:t>
+            </a:r>
+            <a:endParaRPr b="1" sz="1200">
+              <a:latin typeface="Courier New"/>
+              <a:ea typeface="Courier New"/>
+              <a:cs typeface="Courier New"/>
+              <a:sym typeface="Courier New"/>
+            </a:endParaRPr>
+          </a:p>
+          <a:p>
+            <a:pPr indent="0" lvl="0" marL="0" rtl="0" algn="l">
+              <a:spcBef>
+                <a:spcPts val="0"/>
+              </a:spcBef>
+              <a:spcAft>
+                <a:spcPts val="0"/>
+              </a:spcAft>
+              <a:buNone/>
+            </a:pPr>
+            <a:r>
+              <a:rPr b="1" lang="en" sz="1200">
+                <a:latin typeface="Courier New"/>
+                <a:ea typeface="Courier New"/>
+                <a:cs typeface="Courier New"/>
+                <a:sym typeface="Courier New"/>
+              </a:rPr>
+              <a:t>      &lt;/ul&gt;</a:t>
+            </a:r>
+            <a:endParaRPr b="1" sz="1200">
+              <a:latin typeface="Courier New"/>
+              <a:ea typeface="Courier New"/>
+              <a:cs typeface="Courier New"/>
+              <a:sym typeface="Courier New"/>
+            </a:endParaRPr>
+          </a:p>
+        </p:txBody>
+      </p:sp>
+    </p:spTree>
+  </p:cSld>
+  <p:clrMapOvr>
+    <a:masterClrMapping/>
+  </p:clrMapOvr>
+</p:sld>
+</file>
+
+<file path=ppt/slides/slide19.xml><?xml version="1.0" encoding="utf-8"?>
+<p:sld xmlns:a="http://schemas.openxmlformats.org/drawingml/2006/main" xmlns:r="http://schemas.openxmlformats.org/officeDocument/2006/relationships" xmlns:mc="http://schemas.openxmlformats.org/markup-compatibility/2006" xmlns:mv="urn:schemas-microsoft-com:mac:vml" xmlns:p="http://schemas.openxmlformats.org/presentationml/2006/main" xmlns:c="http://schemas.openxmlformats.org/drawingml/2006/chart" xmlns:dgm="http://schemas.openxmlformats.org/drawingml/2006/diagram" xmlns:o="urn:schemas-microsoft-com:office:office" xmlns:v="urn:schemas-microsoft-com:vml" xmlns:pvml="urn:schemas-microsoft-com:office:powerpoint" xmlns:com="http://schemas.openxmlformats.org/drawingml/2006/compatibility" xmlns:p14="http://schemas.microsoft.com/office/powerpoint/2010/main" xmlns:p15="http://schemas.microsoft.com/office/powerpoint/2012/main" xmlns:ahyp="http://schemas.microsoft.com/office/drawing/2018/hyperlinkcolor">
+  <p:cSld>
+    <p:spTree>
+      <p:nvGrpSpPr>
+        <p:cNvPr id="247" name="Shape 247"/>
+        <p:cNvGrpSpPr/>
+        <p:nvPr/>
+      </p:nvGrpSpPr>
+      <p:grpSpPr>
+        <a:xfrm>
+          <a:off x="0" y="0"/>
+          <a:ext cx="0" cy="0"/>
+          <a:chOff x="0" y="0"/>
+          <a:chExt cx="0" cy="0"/>
+        </a:xfrm>
+      </p:grpSpPr>
+      <p:sp>
+        <p:nvSpPr>
+          <p:cNvPr id="248" name="Google Shape;248;g329f99a3c7b_0_15"/>
+          <p:cNvSpPr txBox="1"/>
+          <p:nvPr>
+            <p:ph type="title"/>
+          </p:nvPr>
+        </p:nvSpPr>
+        <p:spPr>
+          <a:xfrm>
+            <a:off x="0" y="0"/>
+            <a:ext cx="9144000" cy="572700"/>
+          </a:xfrm>
+          <a:prstGeom prst="rect">
+            <a:avLst/>
+          </a:prstGeom>
+          <a:noFill/>
+          <a:ln>
+            <a:noFill/>
+          </a:ln>
+        </p:spPr>
+        <p:txBody>
+          <a:bodyPr anchorCtr="0" anchor="t" bIns="91425" lIns="91425" spcFirstLastPara="1" rIns="91425" wrap="square" tIns="91425">
+            <a:noAutofit/>
+          </a:bodyPr>
+          <a:lstStyle/>
+          <a:p>
+            <a:pPr indent="0" lvl="0" marL="0" rtl="0" algn="l">
+              <a:lnSpc>
+                <a:spcPct val="115000"/>
+              </a:lnSpc>
+              <a:spcBef>
+                <a:spcPts val="0"/>
+              </a:spcBef>
+              <a:spcAft>
+                <a:spcPts val="0"/>
+              </a:spcAft>
+              <a:buSzPts val="2800"/>
+              <a:buNone/>
+            </a:pPr>
+            <a:r>
+              <a:rPr lang="en" sz="3000">
+                <a:solidFill>
+                  <a:srgbClr val="0000FF"/>
+                </a:solidFill>
+              </a:rPr>
+              <a:t>Specificity</a:t>
+            </a:r>
+            <a:endParaRPr sz="3000">
+              <a:solidFill>
+                <a:srgbClr val="0000FF"/>
+              </a:solidFill>
+            </a:endParaRPr>
+          </a:p>
+        </p:txBody>
+      </p:sp>
+      <p:sp>
+        <p:nvSpPr>
+          <p:cNvPr id="249" name="Google Shape;249;g329f99a3c7b_0_15"/>
+          <p:cNvSpPr/>
+          <p:nvPr/>
+        </p:nvSpPr>
+        <p:spPr>
+          <a:xfrm>
+            <a:off x="2092775" y="0"/>
+            <a:ext cx="2022300" cy="887700"/>
+          </a:xfrm>
+          <a:prstGeom prst="rect">
+            <a:avLst/>
+          </a:prstGeom>
+          <a:solidFill>
+            <a:schemeClr val="accent1"/>
+          </a:solidFill>
+          <a:ln cap="flat" cmpd="sng" w="9525">
+            <a:solidFill>
+              <a:schemeClr val="dk2"/>
+            </a:solidFill>
+            <a:prstDash val="solid"/>
+            <a:round/>
+            <a:headEnd len="sm" w="sm" type="none"/>
+            <a:tailEnd len="sm" w="sm" type="none"/>
+          </a:ln>
+        </p:spPr>
+        <p:txBody>
+          <a:bodyPr anchorCtr="0" anchor="t" bIns="91425" lIns="91425" spcFirstLastPara="1" rIns="91425" wrap="square" tIns="91425">
+            <a:noAutofit/>
+          </a:bodyPr>
+          <a:lstStyle/>
+          <a:p>
             <a:pPr indent="0" lvl="0" marL="0" marR="0" rtl="0" algn="ctr">
               <a:lnSpc>
                 <a:spcPct val="100000"/>
@@ -20795,27 +21651,27 @@
                 <a:spcPts val="0"/>
               </a:spcAft>
               <a:buClr>
-                <a:schemeClr val="dk1"/>
-              </a:buClr>
-              <a:buSzPts val="1100"/>
+                <a:srgbClr val="000000"/>
+              </a:buClr>
+              <a:buSzPts val="1600"/>
               <a:buFont typeface="Arial"/>
               <a:buNone/>
             </a:pPr>
             <a:r>
-              <a:rPr b="0" i="0" lang="en" sz="1800" u="none" cap="none" strike="noStrike">
-                <a:solidFill>
-                  <a:srgbClr val="000000"/>
+              <a:rPr b="1" i="0" lang="en" sz="1600" u="none" cap="none" strike="noStrike">
+                <a:solidFill>
+                  <a:schemeClr val="lt1"/>
                 </a:solidFill>
                 <a:latin typeface="Times New Roman"/>
                 <a:ea typeface="Times New Roman"/>
                 <a:cs typeface="Times New Roman"/>
                 <a:sym typeface="Times New Roman"/>
               </a:rPr>
-              <a:t>However, it is not recommended</a:t>
-            </a:r>
-            <a:endParaRPr b="0" i="0" sz="1800" u="none" cap="none" strike="noStrike">
+              <a:t>id</a:t>
+            </a:r>
+            <a:endParaRPr b="1" i="0" sz="1600" u="none" cap="none" strike="noStrike">
               <a:solidFill>
-                <a:srgbClr val="000000"/>
+                <a:schemeClr val="lt1"/>
               </a:solidFill>
               <a:latin typeface="Times New Roman"/>
               <a:ea typeface="Times New Roman"/>
@@ -20823,6 +21679,40 @@
               <a:sym typeface="Times New Roman"/>
             </a:endParaRPr>
           </a:p>
+        </p:txBody>
+      </p:sp>
+      <p:sp>
+        <p:nvSpPr>
+          <p:cNvPr id="250" name="Google Shape;250;g329f99a3c7b_0_15"/>
+          <p:cNvSpPr/>
+          <p:nvPr/>
+        </p:nvSpPr>
+        <p:spPr>
+          <a:xfrm>
+            <a:off x="4607238" y="0"/>
+            <a:ext cx="2022300" cy="887700"/>
+          </a:xfrm>
+          <a:prstGeom prst="rect">
+            <a:avLst/>
+          </a:prstGeom>
+          <a:solidFill>
+            <a:schemeClr val="accent1"/>
+          </a:solidFill>
+          <a:ln cap="flat" cmpd="sng" w="9525">
+            <a:solidFill>
+              <a:schemeClr val="dk2"/>
+            </a:solidFill>
+            <a:prstDash val="solid"/>
+            <a:round/>
+            <a:headEnd len="sm" w="sm" type="none"/>
+            <a:tailEnd len="sm" w="sm" type="none"/>
+          </a:ln>
+        </p:spPr>
+        <p:txBody>
+          <a:bodyPr anchorCtr="0" anchor="t" bIns="91425" lIns="91425" spcFirstLastPara="1" rIns="91425" wrap="square" tIns="91425">
+            <a:noAutofit/>
+          </a:bodyPr>
+          <a:lstStyle/>
           <a:p>
             <a:pPr indent="0" lvl="0" marL="0" marR="0" rtl="0" algn="ctr">
               <a:lnSpc>
@@ -20835,27 +21725,27 @@
                 <a:spcPts val="0"/>
               </a:spcAft>
               <a:buClr>
-                <a:schemeClr val="dk1"/>
-              </a:buClr>
-              <a:buSzPts val="1100"/>
+                <a:srgbClr val="000000"/>
+              </a:buClr>
+              <a:buSzPts val="1600"/>
               <a:buFont typeface="Arial"/>
               <a:buNone/>
             </a:pPr>
             <a:r>
-              <a:rPr b="0" i="0" lang="en" sz="1800" u="none" cap="none" strike="noStrike">
-                <a:solidFill>
-                  <a:srgbClr val="000000"/>
+              <a:rPr b="1" i="0" lang="en" sz="1600" u="none" cap="none" strike="noStrike">
+                <a:solidFill>
+                  <a:srgbClr val="FFFF00"/>
                 </a:solidFill>
                 <a:latin typeface="Times New Roman"/>
                 <a:ea typeface="Times New Roman"/>
                 <a:cs typeface="Times New Roman"/>
                 <a:sym typeface="Times New Roman"/>
               </a:rPr>
-              <a:t>to use it unless really necessary</a:t>
-            </a:r>
-            <a:endParaRPr b="0" i="0" sz="1800" u="none" cap="none" strike="noStrike">
+              <a:t>class</a:t>
+            </a:r>
+            <a:endParaRPr b="1" sz="1600">
               <a:solidFill>
-                <a:srgbClr val="000000"/>
+                <a:srgbClr val="FFFF00"/>
               </a:solidFill>
               <a:latin typeface="Times New Roman"/>
               <a:ea typeface="Times New Roman"/>
@@ -20863,18 +21753,343 @@
               <a:sym typeface="Times New Roman"/>
             </a:endParaRPr>
           </a:p>
+          <a:p>
+            <a:pPr indent="0" lvl="0" marL="0" marR="0" rtl="0" algn="ctr">
+              <a:lnSpc>
+                <a:spcPct val="100000"/>
+              </a:lnSpc>
+              <a:spcBef>
+                <a:spcPts val="0"/>
+              </a:spcBef>
+              <a:spcAft>
+                <a:spcPts val="0"/>
+              </a:spcAft>
+              <a:buClr>
+                <a:srgbClr val="000000"/>
+              </a:buClr>
+              <a:buSzPts val="1600"/>
+              <a:buFont typeface="Arial"/>
+              <a:buNone/>
+            </a:pPr>
+            <a:r>
+              <a:rPr b="1" i="0" lang="en" sz="1600" u="none" cap="none" strike="noStrike">
+                <a:solidFill>
+                  <a:srgbClr val="FFFF00"/>
+                </a:solidFill>
+                <a:latin typeface="Times New Roman"/>
+                <a:ea typeface="Times New Roman"/>
+                <a:cs typeface="Times New Roman"/>
+                <a:sym typeface="Times New Roman"/>
+              </a:rPr>
+              <a:t>pseudo-class</a:t>
+            </a:r>
+            <a:endParaRPr b="1" sz="1600">
+              <a:solidFill>
+                <a:srgbClr val="FFFF00"/>
+              </a:solidFill>
+              <a:latin typeface="Times New Roman"/>
+              <a:ea typeface="Times New Roman"/>
+              <a:cs typeface="Times New Roman"/>
+              <a:sym typeface="Times New Roman"/>
+            </a:endParaRPr>
+          </a:p>
+          <a:p>
+            <a:pPr indent="0" lvl="0" marL="0" marR="0" rtl="0" algn="ctr">
+              <a:lnSpc>
+                <a:spcPct val="100000"/>
+              </a:lnSpc>
+              <a:spcBef>
+                <a:spcPts val="0"/>
+              </a:spcBef>
+              <a:spcAft>
+                <a:spcPts val="0"/>
+              </a:spcAft>
+              <a:buClr>
+                <a:srgbClr val="000000"/>
+              </a:buClr>
+              <a:buSzPts val="1600"/>
+              <a:buFont typeface="Arial"/>
+              <a:buNone/>
+            </a:pPr>
+            <a:r>
+              <a:rPr b="1" i="0" lang="en" sz="1600" u="none" cap="none" strike="noStrike">
+                <a:solidFill>
+                  <a:srgbClr val="FFFF00"/>
+                </a:solidFill>
+                <a:latin typeface="Times New Roman"/>
+                <a:ea typeface="Times New Roman"/>
+                <a:cs typeface="Times New Roman"/>
+                <a:sym typeface="Times New Roman"/>
+              </a:rPr>
+              <a:t>attribute</a:t>
+            </a:r>
+            <a:endParaRPr b="1" i="0" sz="1600" u="none" cap="none" strike="noStrike">
+              <a:solidFill>
+                <a:srgbClr val="FFFF00"/>
+              </a:solidFill>
+              <a:latin typeface="Times New Roman"/>
+              <a:ea typeface="Times New Roman"/>
+              <a:cs typeface="Times New Roman"/>
+              <a:sym typeface="Times New Roman"/>
+            </a:endParaRPr>
+          </a:p>
         </p:txBody>
       </p:sp>
       <p:sp>
         <p:nvSpPr>
-          <p:cNvPr id="238" name="Google Shape;238;g2f62552a751_0_66"/>
+          <p:cNvPr id="251" name="Google Shape;251;g329f99a3c7b_0_15"/>
           <p:cNvSpPr/>
           <p:nvPr/>
         </p:nvSpPr>
         <p:spPr>
           <a:xfrm>
-            <a:off x="7436600" y="4821300"/>
-            <a:ext cx="1707300" cy="322200"/>
+            <a:off x="7121700" y="0"/>
+            <a:ext cx="2022300" cy="887700"/>
+          </a:xfrm>
+          <a:prstGeom prst="rect">
+            <a:avLst/>
+          </a:prstGeom>
+          <a:solidFill>
+            <a:schemeClr val="accent1"/>
+          </a:solidFill>
+          <a:ln cap="flat" cmpd="sng" w="9525">
+            <a:solidFill>
+              <a:schemeClr val="dk2"/>
+            </a:solidFill>
+            <a:prstDash val="solid"/>
+            <a:round/>
+            <a:headEnd len="sm" w="sm" type="none"/>
+            <a:tailEnd len="sm" w="sm" type="none"/>
+          </a:ln>
+        </p:spPr>
+        <p:txBody>
+          <a:bodyPr anchorCtr="0" anchor="t" bIns="91425" lIns="91425" spcFirstLastPara="1" rIns="91425" wrap="square" tIns="91425">
+            <a:noAutofit/>
+          </a:bodyPr>
+          <a:lstStyle/>
+          <a:p>
+            <a:pPr indent="0" lvl="0" marL="0" marR="0" rtl="0" algn="ctr">
+              <a:lnSpc>
+                <a:spcPct val="100000"/>
+              </a:lnSpc>
+              <a:spcBef>
+                <a:spcPts val="0"/>
+              </a:spcBef>
+              <a:spcAft>
+                <a:spcPts val="0"/>
+              </a:spcAft>
+              <a:buClr>
+                <a:srgbClr val="000000"/>
+              </a:buClr>
+              <a:buSzPts val="1600"/>
+              <a:buFont typeface="Arial"/>
+              <a:buNone/>
+            </a:pPr>
+            <a:r>
+              <a:rPr b="1" i="0" lang="en" sz="1600" u="none" cap="none" strike="noStrike">
+                <a:solidFill>
+                  <a:schemeClr val="lt1"/>
+                </a:solidFill>
+                <a:latin typeface="Times New Roman"/>
+                <a:ea typeface="Times New Roman"/>
+                <a:cs typeface="Times New Roman"/>
+                <a:sym typeface="Times New Roman"/>
+              </a:rPr>
+              <a:t>element</a:t>
+            </a:r>
+            <a:endParaRPr b="1" i="0" sz="1600" u="none" cap="none" strike="noStrike">
+              <a:solidFill>
+                <a:schemeClr val="lt1"/>
+              </a:solidFill>
+              <a:latin typeface="Times New Roman"/>
+              <a:ea typeface="Times New Roman"/>
+              <a:cs typeface="Times New Roman"/>
+              <a:sym typeface="Times New Roman"/>
+            </a:endParaRPr>
+          </a:p>
+        </p:txBody>
+      </p:sp>
+      <p:sp>
+        <p:nvSpPr>
+          <p:cNvPr id="252" name="Google Shape;252;g329f99a3c7b_0_15"/>
+          <p:cNvSpPr txBox="1"/>
+          <p:nvPr/>
+        </p:nvSpPr>
+        <p:spPr>
+          <a:xfrm>
+            <a:off x="2514450" y="1917600"/>
+            <a:ext cx="4115100" cy="1308300"/>
+          </a:xfrm>
+          <a:prstGeom prst="rect">
+            <a:avLst/>
+          </a:prstGeom>
+          <a:noFill/>
+          <a:ln>
+            <a:noFill/>
+          </a:ln>
+        </p:spPr>
+        <p:txBody>
+          <a:bodyPr anchorCtr="0" anchor="t" bIns="91425" lIns="91425" spcFirstLastPara="1" rIns="91425" wrap="square" tIns="91425">
+            <a:spAutoFit/>
+          </a:bodyPr>
+          <a:lstStyle/>
+          <a:p>
+            <a:pPr indent="0" lvl="0" marL="0" rtl="0" algn="l">
+              <a:spcBef>
+                <a:spcPts val="1000"/>
+              </a:spcBef>
+              <a:spcAft>
+                <a:spcPts val="0"/>
+              </a:spcAft>
+              <a:buClr>
+                <a:schemeClr val="dk1"/>
+              </a:buClr>
+              <a:buSzPts val="1100"/>
+              <a:buFont typeface="Arial"/>
+              <a:buNone/>
+            </a:pPr>
+            <a:r>
+              <a:rPr b="1" lang="en" sz="1200">
+                <a:solidFill>
+                  <a:schemeClr val="dk1"/>
+                </a:solidFill>
+                <a:latin typeface="Courier New"/>
+                <a:ea typeface="Courier New"/>
+                <a:cs typeface="Courier New"/>
+                <a:sym typeface="Courier New"/>
+              </a:rPr>
+              <a:t>ul li:last-child { color: blue; }</a:t>
+            </a:r>
+            <a:endParaRPr b="1" sz="1200">
+              <a:solidFill>
+                <a:schemeClr val="dk1"/>
+              </a:solidFill>
+              <a:latin typeface="Courier New"/>
+              <a:ea typeface="Courier New"/>
+              <a:cs typeface="Courier New"/>
+              <a:sym typeface="Courier New"/>
+            </a:endParaRPr>
+          </a:p>
+          <a:p>
+            <a:pPr indent="0" lvl="0" marL="0" rtl="0" algn="l">
+              <a:spcBef>
+                <a:spcPts val="1000"/>
+              </a:spcBef>
+              <a:spcAft>
+                <a:spcPts val="0"/>
+              </a:spcAft>
+              <a:buClr>
+                <a:schemeClr val="dk1"/>
+              </a:buClr>
+              <a:buSzPts val="1100"/>
+              <a:buFont typeface="Arial"/>
+              <a:buNone/>
+            </a:pPr>
+            <a:r>
+              <a:rPr b="1" lang="en" sz="1200">
+                <a:solidFill>
+                  <a:schemeClr val="dk1"/>
+                </a:solidFill>
+                <a:latin typeface="Courier New"/>
+                <a:ea typeface="Courier New"/>
+                <a:cs typeface="Courier New"/>
+                <a:sym typeface="Courier New"/>
+              </a:rPr>
+              <a:t>li:last-child { color: yellow; }</a:t>
+            </a:r>
+            <a:endParaRPr b="1" sz="1200">
+              <a:solidFill>
+                <a:schemeClr val="dk1"/>
+              </a:solidFill>
+              <a:latin typeface="Courier New"/>
+              <a:ea typeface="Courier New"/>
+              <a:cs typeface="Courier New"/>
+              <a:sym typeface="Courier New"/>
+            </a:endParaRPr>
+          </a:p>
+          <a:p>
+            <a:pPr indent="0" lvl="0" marL="0" rtl="0" algn="l">
+              <a:spcBef>
+                <a:spcPts val="1000"/>
+              </a:spcBef>
+              <a:spcAft>
+                <a:spcPts val="0"/>
+              </a:spcAft>
+              <a:buClr>
+                <a:schemeClr val="dk1"/>
+              </a:buClr>
+              <a:buSzPts val="1100"/>
+              <a:buFont typeface="Arial"/>
+              <a:buNone/>
+            </a:pPr>
+            <a:r>
+              <a:rPr b="1" lang="en" sz="1200">
+                <a:solidFill>
+                  <a:schemeClr val="dk1"/>
+                </a:solidFill>
+                <a:latin typeface="Courier New"/>
+                <a:ea typeface="Courier New"/>
+                <a:cs typeface="Courier New"/>
+                <a:sym typeface="Courier New"/>
+              </a:rPr>
+              <a:t>li[name]{	color: red; }</a:t>
+            </a:r>
+            <a:endParaRPr b="1" sz="1200">
+              <a:solidFill>
+                <a:schemeClr val="dk1"/>
+              </a:solidFill>
+              <a:latin typeface="Courier New"/>
+              <a:ea typeface="Courier New"/>
+              <a:cs typeface="Courier New"/>
+              <a:sym typeface="Courier New"/>
+            </a:endParaRPr>
+          </a:p>
+          <a:p>
+            <a:pPr indent="0" lvl="0" marL="0" rtl="0" algn="l">
+              <a:spcBef>
+                <a:spcPts val="1000"/>
+              </a:spcBef>
+              <a:spcAft>
+                <a:spcPts val="1000"/>
+              </a:spcAft>
+              <a:buClr>
+                <a:schemeClr val="dk1"/>
+              </a:buClr>
+              <a:buSzPts val="1100"/>
+              <a:buFont typeface="Arial"/>
+              <a:buNone/>
+            </a:pPr>
+            <a:r>
+              <a:rPr b="1" lang="en" sz="1200">
+                <a:solidFill>
+                  <a:schemeClr val="dk1"/>
+                </a:solidFill>
+                <a:latin typeface="Courier New"/>
+                <a:ea typeface="Courier New"/>
+                <a:cs typeface="Courier New"/>
+                <a:sym typeface="Courier New"/>
+              </a:rPr>
+              <a:t>li{color: green; }</a:t>
+            </a:r>
+            <a:endParaRPr b="1" sz="1200">
+              <a:latin typeface="Courier New"/>
+              <a:ea typeface="Courier New"/>
+              <a:cs typeface="Courier New"/>
+              <a:sym typeface="Courier New"/>
+            </a:endParaRPr>
+          </a:p>
+        </p:txBody>
+      </p:sp>
+      <p:sp>
+        <p:nvSpPr>
+          <p:cNvPr id="253" name="Google Shape;253;g329f99a3c7b_0_15"/>
+          <p:cNvSpPr/>
+          <p:nvPr/>
+        </p:nvSpPr>
+        <p:spPr>
+          <a:xfrm>
+            <a:off x="4607250" y="921400"/>
+            <a:ext cx="2022300" cy="322200"/>
           </a:xfrm>
           <a:prstGeom prst="rect">
             <a:avLst/>
@@ -20906,7 +22121,7 @@
                 <a:cs typeface="Courier New"/>
                 <a:sym typeface="Courier New"/>
               </a:rPr>
-              <a:t>page-17</a:t>
+              <a:t>page-12</a:t>
             </a:r>
             <a:r>
               <a:rPr lang="en">
@@ -20924,6 +22139,462 @@
               <a:solidFill>
                 <a:srgbClr val="000000"/>
               </a:solidFill>
+              <a:latin typeface="Courier New"/>
+              <a:ea typeface="Courier New"/>
+              <a:cs typeface="Courier New"/>
+              <a:sym typeface="Courier New"/>
+            </a:endParaRPr>
+          </a:p>
+        </p:txBody>
+      </p:sp>
+      <p:sp>
+        <p:nvSpPr>
+          <p:cNvPr id="254" name="Google Shape;254;g329f99a3c7b_0_15"/>
+          <p:cNvSpPr txBox="1"/>
+          <p:nvPr/>
+        </p:nvSpPr>
+        <p:spPr>
+          <a:xfrm>
+            <a:off x="6140850" y="1885625"/>
+            <a:ext cx="488700" cy="400200"/>
+          </a:xfrm>
+          <a:prstGeom prst="rect">
+            <a:avLst/>
+          </a:prstGeom>
+          <a:noFill/>
+          <a:ln>
+            <a:noFill/>
+          </a:ln>
+        </p:spPr>
+        <p:txBody>
+          <a:bodyPr anchorCtr="0" anchor="t" bIns="91425" lIns="91425" spcFirstLastPara="1" rIns="91425" wrap="square" tIns="91425">
+            <a:spAutoFit/>
+          </a:bodyPr>
+          <a:lstStyle/>
+          <a:p>
+            <a:pPr indent="0" lvl="0" marL="0" rtl="0" algn="l">
+              <a:spcBef>
+                <a:spcPts val="0"/>
+              </a:spcBef>
+              <a:spcAft>
+                <a:spcPts val="0"/>
+              </a:spcAft>
+              <a:buNone/>
+            </a:pPr>
+            <a:r>
+              <a:rPr b="1" lang="en">
+                <a:solidFill>
+                  <a:schemeClr val="dk1"/>
+                </a:solidFill>
+                <a:highlight>
+                  <a:schemeClr val="dk1"/>
+                </a:highlight>
+              </a:rPr>
+              <a:t>012</a:t>
+            </a:r>
+            <a:endParaRPr>
+              <a:solidFill>
+                <a:schemeClr val="dk1"/>
+              </a:solidFill>
+              <a:highlight>
+                <a:schemeClr val="dk1"/>
+              </a:highlight>
+            </a:endParaRPr>
+          </a:p>
+        </p:txBody>
+      </p:sp>
+      <p:sp>
+        <p:nvSpPr>
+          <p:cNvPr id="255" name="Google Shape;255;g329f99a3c7b_0_15"/>
+          <p:cNvSpPr txBox="1"/>
+          <p:nvPr/>
+        </p:nvSpPr>
+        <p:spPr>
+          <a:xfrm>
+            <a:off x="6140850" y="2194400"/>
+            <a:ext cx="488700" cy="400200"/>
+          </a:xfrm>
+          <a:prstGeom prst="rect">
+            <a:avLst/>
+          </a:prstGeom>
+          <a:noFill/>
+          <a:ln>
+            <a:noFill/>
+          </a:ln>
+        </p:spPr>
+        <p:txBody>
+          <a:bodyPr anchorCtr="0" anchor="t" bIns="91425" lIns="91425" spcFirstLastPara="1" rIns="91425" wrap="square" tIns="91425">
+            <a:spAutoFit/>
+          </a:bodyPr>
+          <a:lstStyle/>
+          <a:p>
+            <a:pPr indent="0" lvl="0" marL="0" rtl="0" algn="l">
+              <a:spcBef>
+                <a:spcPts val="0"/>
+              </a:spcBef>
+              <a:spcAft>
+                <a:spcPts val="0"/>
+              </a:spcAft>
+              <a:buNone/>
+            </a:pPr>
+            <a:r>
+              <a:rPr b="1" lang="en">
+                <a:solidFill>
+                  <a:schemeClr val="dk1"/>
+                </a:solidFill>
+                <a:highlight>
+                  <a:schemeClr val="dk1"/>
+                </a:highlight>
+              </a:rPr>
+              <a:t>011</a:t>
+            </a:r>
+            <a:endParaRPr>
+              <a:solidFill>
+                <a:schemeClr val="dk1"/>
+              </a:solidFill>
+              <a:highlight>
+                <a:schemeClr val="dk1"/>
+              </a:highlight>
+            </a:endParaRPr>
+          </a:p>
+        </p:txBody>
+      </p:sp>
+      <p:sp>
+        <p:nvSpPr>
+          <p:cNvPr id="256" name="Google Shape;256;g329f99a3c7b_0_15"/>
+          <p:cNvSpPr txBox="1"/>
+          <p:nvPr/>
+        </p:nvSpPr>
+        <p:spPr>
+          <a:xfrm>
+            <a:off x="15" y="1243600"/>
+            <a:ext cx="9144000" cy="461700"/>
+          </a:xfrm>
+          <a:prstGeom prst="rect">
+            <a:avLst/>
+          </a:prstGeom>
+          <a:noFill/>
+          <a:ln>
+            <a:noFill/>
+          </a:ln>
+        </p:spPr>
+        <p:txBody>
+          <a:bodyPr anchorCtr="0" anchor="t" bIns="91425" lIns="91425" spcFirstLastPara="1" rIns="91425" wrap="square" tIns="91425">
+            <a:spAutoFit/>
+          </a:bodyPr>
+          <a:lstStyle/>
+          <a:p>
+            <a:pPr indent="0" lvl="0" marL="0" rtl="0" algn="ctr">
+              <a:spcBef>
+                <a:spcPts val="1000"/>
+              </a:spcBef>
+              <a:spcAft>
+                <a:spcPts val="1000"/>
+              </a:spcAft>
+              <a:buNone/>
+            </a:pPr>
+            <a:r>
+              <a:rPr lang="en" sz="1800">
+                <a:solidFill>
+                  <a:schemeClr val="dk1"/>
+                </a:solidFill>
+              </a:rPr>
+              <a:t>The battle for the font color.</a:t>
+            </a:r>
+            <a:endParaRPr sz="1800">
+              <a:solidFill>
+                <a:schemeClr val="dk1"/>
+              </a:solidFill>
+            </a:endParaRPr>
+          </a:p>
+        </p:txBody>
+      </p:sp>
+      <p:sp>
+        <p:nvSpPr>
+          <p:cNvPr id="257" name="Google Shape;257;g329f99a3c7b_0_15"/>
+          <p:cNvSpPr txBox="1"/>
+          <p:nvPr/>
+        </p:nvSpPr>
+        <p:spPr>
+          <a:xfrm>
+            <a:off x="6140850" y="2497550"/>
+            <a:ext cx="488700" cy="400200"/>
+          </a:xfrm>
+          <a:prstGeom prst="rect">
+            <a:avLst/>
+          </a:prstGeom>
+          <a:noFill/>
+          <a:ln>
+            <a:noFill/>
+          </a:ln>
+        </p:spPr>
+        <p:txBody>
+          <a:bodyPr anchorCtr="0" anchor="t" bIns="91425" lIns="91425" spcFirstLastPara="1" rIns="91425" wrap="square" tIns="91425">
+            <a:spAutoFit/>
+          </a:bodyPr>
+          <a:lstStyle/>
+          <a:p>
+            <a:pPr indent="0" lvl="0" marL="0" rtl="0" algn="l">
+              <a:spcBef>
+                <a:spcPts val="0"/>
+              </a:spcBef>
+              <a:spcAft>
+                <a:spcPts val="0"/>
+              </a:spcAft>
+              <a:buNone/>
+            </a:pPr>
+            <a:r>
+              <a:rPr b="1" lang="en">
+                <a:solidFill>
+                  <a:schemeClr val="dk1"/>
+                </a:solidFill>
+                <a:highlight>
+                  <a:schemeClr val="dk1"/>
+                </a:highlight>
+              </a:rPr>
+              <a:t>011</a:t>
+            </a:r>
+            <a:endParaRPr>
+              <a:solidFill>
+                <a:schemeClr val="dk1"/>
+              </a:solidFill>
+              <a:highlight>
+                <a:schemeClr val="dk1"/>
+              </a:highlight>
+            </a:endParaRPr>
+          </a:p>
+        </p:txBody>
+      </p:sp>
+      <p:sp>
+        <p:nvSpPr>
+          <p:cNvPr id="258" name="Google Shape;258;g329f99a3c7b_0_15"/>
+          <p:cNvSpPr txBox="1"/>
+          <p:nvPr/>
+        </p:nvSpPr>
+        <p:spPr>
+          <a:xfrm>
+            <a:off x="6140850" y="2800675"/>
+            <a:ext cx="488700" cy="400200"/>
+          </a:xfrm>
+          <a:prstGeom prst="rect">
+            <a:avLst/>
+          </a:prstGeom>
+          <a:noFill/>
+          <a:ln>
+            <a:noFill/>
+          </a:ln>
+        </p:spPr>
+        <p:txBody>
+          <a:bodyPr anchorCtr="0" anchor="t" bIns="91425" lIns="91425" spcFirstLastPara="1" rIns="91425" wrap="square" tIns="91425">
+            <a:spAutoFit/>
+          </a:bodyPr>
+          <a:lstStyle/>
+          <a:p>
+            <a:pPr indent="0" lvl="0" marL="0" rtl="0" algn="l">
+              <a:spcBef>
+                <a:spcPts val="0"/>
+              </a:spcBef>
+              <a:spcAft>
+                <a:spcPts val="0"/>
+              </a:spcAft>
+              <a:buNone/>
+            </a:pPr>
+            <a:r>
+              <a:rPr b="1" lang="en">
+                <a:solidFill>
+                  <a:schemeClr val="dk1"/>
+                </a:solidFill>
+                <a:highlight>
+                  <a:schemeClr val="dk1"/>
+                </a:highlight>
+              </a:rPr>
+              <a:t>001</a:t>
+            </a:r>
+            <a:endParaRPr>
+              <a:solidFill>
+                <a:schemeClr val="dk1"/>
+              </a:solidFill>
+              <a:highlight>
+                <a:schemeClr val="dk1"/>
+              </a:highlight>
+            </a:endParaRPr>
+          </a:p>
+        </p:txBody>
+      </p:sp>
+      <p:sp>
+        <p:nvSpPr>
+          <p:cNvPr id="259" name="Google Shape;259;g329f99a3c7b_0_15"/>
+          <p:cNvSpPr txBox="1"/>
+          <p:nvPr/>
+        </p:nvSpPr>
+        <p:spPr>
+          <a:xfrm>
+            <a:off x="2092775" y="3398550"/>
+            <a:ext cx="5028900" cy="1293000"/>
+          </a:xfrm>
+          <a:prstGeom prst="rect">
+            <a:avLst/>
+          </a:prstGeom>
+          <a:noFill/>
+          <a:ln>
+            <a:noFill/>
+          </a:ln>
+        </p:spPr>
+        <p:txBody>
+          <a:bodyPr anchorCtr="0" anchor="t" bIns="91425" lIns="91425" spcFirstLastPara="1" rIns="91425" wrap="square" tIns="91425">
+            <a:spAutoFit/>
+          </a:bodyPr>
+          <a:lstStyle/>
+          <a:p>
+            <a:pPr indent="0" lvl="0" marL="0" rtl="0" algn="l">
+              <a:spcBef>
+                <a:spcPts val="0"/>
+              </a:spcBef>
+              <a:spcAft>
+                <a:spcPts val="0"/>
+              </a:spcAft>
+              <a:buNone/>
+            </a:pPr>
+            <a:r>
+              <a:rPr b="1" lang="en" sz="1200">
+                <a:latin typeface="Courier New"/>
+                <a:ea typeface="Courier New"/>
+                <a:cs typeface="Courier New"/>
+                <a:sym typeface="Courier New"/>
+              </a:rPr>
+              <a:t>     &lt;ul class="list-1"&gt;</a:t>
+            </a:r>
+            <a:endParaRPr b="1" sz="1200">
+              <a:latin typeface="Courier New"/>
+              <a:ea typeface="Courier New"/>
+              <a:cs typeface="Courier New"/>
+              <a:sym typeface="Courier New"/>
+            </a:endParaRPr>
+          </a:p>
+          <a:p>
+            <a:pPr indent="0" lvl="0" marL="0" rtl="0" algn="l">
+              <a:spcBef>
+                <a:spcPts val="0"/>
+              </a:spcBef>
+              <a:spcAft>
+                <a:spcPts val="0"/>
+              </a:spcAft>
+              <a:buNone/>
+            </a:pPr>
+            <a:r>
+              <a:rPr b="1" lang="en" sz="1200">
+                <a:latin typeface="Courier New"/>
+                <a:ea typeface="Courier New"/>
+                <a:cs typeface="Courier New"/>
+                <a:sym typeface="Courier New"/>
+              </a:rPr>
+              <a:t>        &lt;li id="item-1-li" name="item-1"&gt;North&lt;/li&gt;</a:t>
+            </a:r>
+            <a:endParaRPr b="1" sz="1200">
+              <a:latin typeface="Courier New"/>
+              <a:ea typeface="Courier New"/>
+              <a:cs typeface="Courier New"/>
+              <a:sym typeface="Courier New"/>
+            </a:endParaRPr>
+          </a:p>
+          <a:p>
+            <a:pPr indent="0" lvl="0" marL="0" rtl="0" algn="l">
+              <a:spcBef>
+                <a:spcPts val="0"/>
+              </a:spcBef>
+              <a:spcAft>
+                <a:spcPts val="0"/>
+              </a:spcAft>
+              <a:buNone/>
+            </a:pPr>
+            <a:r>
+              <a:rPr b="1" lang="en" sz="1200">
+                <a:latin typeface="Courier New"/>
+                <a:ea typeface="Courier New"/>
+                <a:cs typeface="Courier New"/>
+                <a:sym typeface="Courier New"/>
+              </a:rPr>
+              <a:t>        &lt;li class="list-2"&gt;South&lt;/li&gt;</a:t>
+            </a:r>
+            <a:endParaRPr b="1" sz="1200">
+              <a:latin typeface="Courier New"/>
+              <a:ea typeface="Courier New"/>
+              <a:cs typeface="Courier New"/>
+              <a:sym typeface="Courier New"/>
+            </a:endParaRPr>
+          </a:p>
+          <a:p>
+            <a:pPr indent="0" lvl="0" marL="0" rtl="0" algn="l">
+              <a:spcBef>
+                <a:spcPts val="0"/>
+              </a:spcBef>
+              <a:spcAft>
+                <a:spcPts val="0"/>
+              </a:spcAft>
+              <a:buNone/>
+            </a:pPr>
+            <a:r>
+              <a:rPr b="1" lang="en" sz="1200">
+                <a:latin typeface="Courier New"/>
+                <a:ea typeface="Courier New"/>
+                <a:cs typeface="Courier New"/>
+                <a:sym typeface="Courier New"/>
+              </a:rPr>
+              <a:t>        &lt;li&gt;East&lt;/li&gt;</a:t>
+            </a:r>
+            <a:endParaRPr b="1" sz="1200">
+              <a:latin typeface="Courier New"/>
+              <a:ea typeface="Courier New"/>
+              <a:cs typeface="Courier New"/>
+              <a:sym typeface="Courier New"/>
+            </a:endParaRPr>
+          </a:p>
+          <a:p>
+            <a:pPr indent="0" lvl="0" marL="0" rtl="0" algn="l">
+              <a:spcBef>
+                <a:spcPts val="0"/>
+              </a:spcBef>
+              <a:spcAft>
+                <a:spcPts val="0"/>
+              </a:spcAft>
+              <a:buNone/>
+            </a:pPr>
+            <a:r>
+              <a:rPr b="1" lang="en" sz="1200">
+                <a:latin typeface="Courier New"/>
+                <a:ea typeface="Courier New"/>
+                <a:cs typeface="Courier New"/>
+                <a:sym typeface="Courier New"/>
+              </a:rPr>
+              <a:t>        &lt;li name="item-4"&gt;West&lt;/li&gt;</a:t>
+            </a:r>
+            <a:endParaRPr b="1" sz="1200">
+              <a:latin typeface="Courier New"/>
+              <a:ea typeface="Courier New"/>
+              <a:cs typeface="Courier New"/>
+              <a:sym typeface="Courier New"/>
+            </a:endParaRPr>
+          </a:p>
+          <a:p>
+            <a:pPr indent="0" lvl="0" marL="0" rtl="0" algn="l">
+              <a:spcBef>
+                <a:spcPts val="0"/>
+              </a:spcBef>
+              <a:spcAft>
+                <a:spcPts val="0"/>
+              </a:spcAft>
+              <a:buNone/>
+            </a:pPr>
+            <a:r>
+              <a:rPr b="1" lang="en" sz="1200">
+                <a:latin typeface="Courier New"/>
+                <a:ea typeface="Courier New"/>
+                <a:cs typeface="Courier New"/>
+                <a:sym typeface="Courier New"/>
+              </a:rPr>
+              <a:t>      &lt;/ul&gt;</a:t>
+            </a:r>
+            <a:endParaRPr b="1" sz="1200">
               <a:latin typeface="Courier New"/>
               <a:ea typeface="Courier New"/>
               <a:cs typeface="Courier New"/>
@@ -20980,7 +22651,7 @@
         </p:spPr>
         <p:txBody>
           <a:bodyPr anchorCtr="0" anchor="t" bIns="91425" lIns="91425" spcFirstLastPara="1" rIns="91425" wrap="square" tIns="91425">
-            <a:normAutofit lnSpcReduction="20000"/>
+            <a:normAutofit fontScale="92500" lnSpcReduction="20000"/>
           </a:bodyPr>
           <a:lstStyle/>
           <a:p>
@@ -20994,7 +22665,7 @@
               <a:spcAft>
                 <a:spcPts val="0"/>
               </a:spcAft>
-              <a:buSzPts val="1800"/>
+              <a:buSzPct val="90000"/>
               <a:buNone/>
             </a:pPr>
             <a:r>
@@ -21030,7 +22701,7 @@
               <a:spcAft>
                 <a:spcPts val="0"/>
               </a:spcAft>
-              <a:buSzPts val="1800"/>
+              <a:buSzPct val="90000"/>
               <a:buNone/>
             </a:pPr>
             <a:r>
@@ -21066,7 +22737,7 @@
               <a:spcAft>
                 <a:spcPts val="0"/>
               </a:spcAft>
-              <a:buSzPts val="1800"/>
+              <a:buSzPct val="90000"/>
               <a:buNone/>
             </a:pPr>
             <a:r>
@@ -21102,7 +22773,7 @@
               <a:spcAft>
                 <a:spcPts val="0"/>
               </a:spcAft>
-              <a:buSzPts val="1800"/>
+              <a:buSzPct val="90000"/>
               <a:buNone/>
             </a:pPr>
             <a:r>
@@ -21138,7 +22809,7 @@
               <a:spcAft>
                 <a:spcPts val="0"/>
               </a:spcAft>
-              <a:buSzPts val="1800"/>
+              <a:buSzPct val="90000"/>
               <a:buNone/>
             </a:pPr>
             <a:r>
@@ -21177,7 +22848,7 @@
               <a:buClr>
                 <a:schemeClr val="dk1"/>
               </a:buClr>
-              <a:buSzPts val="1800"/>
+              <a:buSzPct val="90000"/>
               <a:buFont typeface="Arial"/>
               <a:buNone/>
             </a:pPr>
@@ -21214,7 +22885,7 @@
               <a:spcAft>
                 <a:spcPts val="0"/>
               </a:spcAft>
-              <a:buSzPts val="1100"/>
+              <a:buSzPct val="55000"/>
               <a:buNone/>
             </a:pPr>
             <a:r>
@@ -21253,7 +22924,7 @@
               <a:buClr>
                 <a:schemeClr val="dk1"/>
               </a:buClr>
-              <a:buSzPts val="1800"/>
+              <a:buSzPct val="90000"/>
               <a:buFont typeface="Arial"/>
               <a:buNone/>
             </a:pPr>
@@ -21290,7 +22961,7 @@
               <a:buClr>
                 <a:schemeClr val="dk1"/>
               </a:buClr>
-              <a:buSzPts val="1800"/>
+              <a:buSzPct val="90000"/>
               <a:buFont typeface="Arial"/>
               <a:buNone/>
             </a:pPr>
@@ -21327,7 +22998,7 @@
               <a:buClr>
                 <a:schemeClr val="dk1"/>
               </a:buClr>
-              <a:buSzPts val="1800"/>
+              <a:buSzPct val="90000"/>
               <a:buFont typeface="Arial"/>
               <a:buNone/>
             </a:pPr>
@@ -21364,7 +23035,7 @@
               <a:buClr>
                 <a:schemeClr val="dk1"/>
               </a:buClr>
-              <a:buSzPts val="1800"/>
+              <a:buSzPct val="90000"/>
               <a:buFont typeface="Arial"/>
               <a:buNone/>
             </a:pPr>
@@ -21401,7 +23072,7 @@
               <a:buClr>
                 <a:schemeClr val="dk1"/>
               </a:buClr>
-              <a:buSzPts val="1800"/>
+              <a:buSzPct val="90000"/>
               <a:buFont typeface="Arial"/>
               <a:buNone/>
             </a:pPr>
@@ -21438,7 +23109,7 @@
               <a:buClr>
                 <a:schemeClr val="dk1"/>
               </a:buClr>
-              <a:buSzPts val="1100"/>
+              <a:buSzPct val="55000"/>
               <a:buFont typeface="Arial"/>
               <a:buNone/>
             </a:pPr>
@@ -21465,6 +23136,43 @@
             </a:endParaRPr>
           </a:p>
           <a:p>
+            <a:pPr indent="457200" lvl="0" marL="0" rtl="0" algn="l">
+              <a:spcBef>
+                <a:spcPts val="400"/>
+              </a:spcBef>
+              <a:spcAft>
+                <a:spcPts val="0"/>
+              </a:spcAft>
+              <a:buClr>
+                <a:schemeClr val="dk1"/>
+              </a:buClr>
+              <a:buSzPct val="90000"/>
+              <a:buFont typeface="Arial"/>
+              <a:buNone/>
+            </a:pPr>
+            <a:r>
+              <a:rPr lang="en" sz="2000">
+                <a:solidFill>
+                  <a:schemeClr val="dk1"/>
+                </a:solidFill>
+                <a:latin typeface="Courier New"/>
+                <a:ea typeface="Courier New"/>
+                <a:cs typeface="Courier New"/>
+                <a:sym typeface="Courier New"/>
+              </a:rPr>
+              <a:t>&lt;li&gt;Important&lt;/li&gt;</a:t>
+            </a:r>
+            <a:endParaRPr sz="2000">
+              <a:solidFill>
+                <a:schemeClr val="dk1"/>
+              </a:solidFill>
+              <a:latin typeface="Courier New"/>
+              <a:ea typeface="Courier New"/>
+              <a:cs typeface="Courier New"/>
+              <a:sym typeface="Courier New"/>
+            </a:endParaRPr>
+          </a:p>
+          <a:p>
             <a:pPr indent="0" lvl="0" marL="0" rtl="0" algn="l">
               <a:lnSpc>
                 <a:spcPct val="115000"/>
@@ -21478,7 +23186,7 @@
               <a:buClr>
                 <a:schemeClr val="dk1"/>
               </a:buClr>
-              <a:buSzPts val="1100"/>
+              <a:buSzPct val="55000"/>
               <a:buFont typeface="Arial"/>
               <a:buNone/>
             </a:pPr>
@@ -21571,7 +23279,7 @@
   <p:cSld>
     <p:spTree>
       <p:nvGrpSpPr>
-        <p:cNvPr id="242" name="Shape 242"/>
+        <p:cNvPr id="263" name="Shape 263"/>
         <p:cNvGrpSpPr/>
         <p:nvPr/>
       </p:nvGrpSpPr>
@@ -21585,7 +23293,2561 @@
       </p:grpSpPr>
       <p:sp>
         <p:nvSpPr>
-          <p:cNvPr id="243" name="Google Shape;243;p16"/>
+          <p:cNvPr id="264" name="Google Shape;264;g329b0af9a98_0_42"/>
+          <p:cNvSpPr txBox="1"/>
+          <p:nvPr>
+            <p:ph type="title"/>
+          </p:nvPr>
+        </p:nvSpPr>
+        <p:spPr>
+          <a:xfrm>
+            <a:off x="0" y="0"/>
+            <a:ext cx="9144000" cy="572700"/>
+          </a:xfrm>
+          <a:prstGeom prst="rect">
+            <a:avLst/>
+          </a:prstGeom>
+          <a:noFill/>
+          <a:ln>
+            <a:noFill/>
+          </a:ln>
+        </p:spPr>
+        <p:txBody>
+          <a:bodyPr anchorCtr="0" anchor="t" bIns="91425" lIns="91425" spcFirstLastPara="1" rIns="91425" wrap="square" tIns="91425">
+            <a:noAutofit/>
+          </a:bodyPr>
+          <a:lstStyle/>
+          <a:p>
+            <a:pPr indent="0" lvl="0" marL="0" rtl="0" algn="l">
+              <a:lnSpc>
+                <a:spcPct val="115000"/>
+              </a:lnSpc>
+              <a:spcBef>
+                <a:spcPts val="0"/>
+              </a:spcBef>
+              <a:spcAft>
+                <a:spcPts val="0"/>
+              </a:spcAft>
+              <a:buSzPts val="2800"/>
+              <a:buNone/>
+            </a:pPr>
+            <a:r>
+              <a:rPr lang="en" sz="3000">
+                <a:solidFill>
+                  <a:srgbClr val="0000FF"/>
+                </a:solidFill>
+              </a:rPr>
+              <a:t>Specificity</a:t>
+            </a:r>
+            <a:endParaRPr sz="3000">
+              <a:solidFill>
+                <a:srgbClr val="0000FF"/>
+              </a:solidFill>
+            </a:endParaRPr>
+          </a:p>
+        </p:txBody>
+      </p:sp>
+      <p:sp>
+        <p:nvSpPr>
+          <p:cNvPr id="265" name="Google Shape;265;g329b0af9a98_0_42"/>
+          <p:cNvSpPr/>
+          <p:nvPr/>
+        </p:nvSpPr>
+        <p:spPr>
+          <a:xfrm>
+            <a:off x="614175" y="572700"/>
+            <a:ext cx="2022300" cy="887700"/>
+          </a:xfrm>
+          <a:prstGeom prst="rect">
+            <a:avLst/>
+          </a:prstGeom>
+          <a:solidFill>
+            <a:schemeClr val="accent1"/>
+          </a:solidFill>
+          <a:ln cap="flat" cmpd="sng" w="9525">
+            <a:solidFill>
+              <a:schemeClr val="dk2"/>
+            </a:solidFill>
+            <a:prstDash val="solid"/>
+            <a:round/>
+            <a:headEnd len="sm" w="sm" type="none"/>
+            <a:tailEnd len="sm" w="sm" type="none"/>
+          </a:ln>
+        </p:spPr>
+        <p:txBody>
+          <a:bodyPr anchorCtr="0" anchor="t" bIns="91425" lIns="91425" spcFirstLastPara="1" rIns="91425" wrap="square" tIns="91425">
+            <a:noAutofit/>
+          </a:bodyPr>
+          <a:lstStyle/>
+          <a:p>
+            <a:pPr indent="0" lvl="0" marL="0" marR="0" rtl="0" algn="ctr">
+              <a:lnSpc>
+                <a:spcPct val="100000"/>
+              </a:lnSpc>
+              <a:spcBef>
+                <a:spcPts val="0"/>
+              </a:spcBef>
+              <a:spcAft>
+                <a:spcPts val="0"/>
+              </a:spcAft>
+              <a:buClr>
+                <a:srgbClr val="000000"/>
+              </a:buClr>
+              <a:buSzPts val="1600"/>
+              <a:buFont typeface="Arial"/>
+              <a:buNone/>
+            </a:pPr>
+            <a:r>
+              <a:rPr b="1" i="0" lang="en" sz="1600" u="none" cap="none" strike="noStrike">
+                <a:solidFill>
+                  <a:srgbClr val="FFFF00"/>
+                </a:solidFill>
+                <a:latin typeface="Times New Roman"/>
+                <a:ea typeface="Times New Roman"/>
+                <a:cs typeface="Times New Roman"/>
+                <a:sym typeface="Times New Roman"/>
+              </a:rPr>
+              <a:t>id</a:t>
+            </a:r>
+            <a:endParaRPr b="1" i="0" sz="1600" u="none" cap="none" strike="noStrike">
+              <a:solidFill>
+                <a:srgbClr val="FFFF00"/>
+              </a:solidFill>
+              <a:latin typeface="Times New Roman"/>
+              <a:ea typeface="Times New Roman"/>
+              <a:cs typeface="Times New Roman"/>
+              <a:sym typeface="Times New Roman"/>
+            </a:endParaRPr>
+          </a:p>
+        </p:txBody>
+      </p:sp>
+      <p:sp>
+        <p:nvSpPr>
+          <p:cNvPr id="266" name="Google Shape;266;g329b0af9a98_0_42"/>
+          <p:cNvSpPr/>
+          <p:nvPr/>
+        </p:nvSpPr>
+        <p:spPr>
+          <a:xfrm>
+            <a:off x="3378200" y="572700"/>
+            <a:ext cx="2022300" cy="887700"/>
+          </a:xfrm>
+          <a:prstGeom prst="rect">
+            <a:avLst/>
+          </a:prstGeom>
+          <a:solidFill>
+            <a:schemeClr val="accent1"/>
+          </a:solidFill>
+          <a:ln cap="flat" cmpd="sng" w="9525">
+            <a:solidFill>
+              <a:schemeClr val="dk2"/>
+            </a:solidFill>
+            <a:prstDash val="solid"/>
+            <a:round/>
+            <a:headEnd len="sm" w="sm" type="none"/>
+            <a:tailEnd len="sm" w="sm" type="none"/>
+          </a:ln>
+        </p:spPr>
+        <p:txBody>
+          <a:bodyPr anchorCtr="0" anchor="t" bIns="91425" lIns="91425" spcFirstLastPara="1" rIns="91425" wrap="square" tIns="91425">
+            <a:noAutofit/>
+          </a:bodyPr>
+          <a:lstStyle/>
+          <a:p>
+            <a:pPr indent="0" lvl="0" marL="0" marR="0" rtl="0" algn="ctr">
+              <a:lnSpc>
+                <a:spcPct val="100000"/>
+              </a:lnSpc>
+              <a:spcBef>
+                <a:spcPts val="0"/>
+              </a:spcBef>
+              <a:spcAft>
+                <a:spcPts val="0"/>
+              </a:spcAft>
+              <a:buClr>
+                <a:srgbClr val="000000"/>
+              </a:buClr>
+              <a:buSzPts val="1600"/>
+              <a:buFont typeface="Arial"/>
+              <a:buNone/>
+            </a:pPr>
+            <a:r>
+              <a:rPr b="1" i="0" lang="en" sz="1600" u="none" cap="none" strike="noStrike">
+                <a:solidFill>
+                  <a:schemeClr val="lt1"/>
+                </a:solidFill>
+                <a:latin typeface="Times New Roman"/>
+                <a:ea typeface="Times New Roman"/>
+                <a:cs typeface="Times New Roman"/>
+                <a:sym typeface="Times New Roman"/>
+              </a:rPr>
+              <a:t>class</a:t>
+            </a:r>
+            <a:endParaRPr b="1" sz="1600">
+              <a:solidFill>
+                <a:schemeClr val="lt1"/>
+              </a:solidFill>
+              <a:latin typeface="Times New Roman"/>
+              <a:ea typeface="Times New Roman"/>
+              <a:cs typeface="Times New Roman"/>
+              <a:sym typeface="Times New Roman"/>
+            </a:endParaRPr>
+          </a:p>
+          <a:p>
+            <a:pPr indent="0" lvl="0" marL="0" marR="0" rtl="0" algn="ctr">
+              <a:lnSpc>
+                <a:spcPct val="100000"/>
+              </a:lnSpc>
+              <a:spcBef>
+                <a:spcPts val="0"/>
+              </a:spcBef>
+              <a:spcAft>
+                <a:spcPts val="0"/>
+              </a:spcAft>
+              <a:buClr>
+                <a:srgbClr val="000000"/>
+              </a:buClr>
+              <a:buSzPts val="1600"/>
+              <a:buFont typeface="Arial"/>
+              <a:buNone/>
+            </a:pPr>
+            <a:r>
+              <a:rPr b="1" i="0" lang="en" sz="1600" u="none" cap="none" strike="noStrike">
+                <a:solidFill>
+                  <a:schemeClr val="lt1"/>
+                </a:solidFill>
+                <a:latin typeface="Times New Roman"/>
+                <a:ea typeface="Times New Roman"/>
+                <a:cs typeface="Times New Roman"/>
+                <a:sym typeface="Times New Roman"/>
+              </a:rPr>
+              <a:t>pseudo-class</a:t>
+            </a:r>
+            <a:endParaRPr b="1" sz="1600">
+              <a:solidFill>
+                <a:schemeClr val="lt1"/>
+              </a:solidFill>
+              <a:latin typeface="Times New Roman"/>
+              <a:ea typeface="Times New Roman"/>
+              <a:cs typeface="Times New Roman"/>
+              <a:sym typeface="Times New Roman"/>
+            </a:endParaRPr>
+          </a:p>
+          <a:p>
+            <a:pPr indent="0" lvl="0" marL="0" marR="0" rtl="0" algn="ctr">
+              <a:lnSpc>
+                <a:spcPct val="100000"/>
+              </a:lnSpc>
+              <a:spcBef>
+                <a:spcPts val="0"/>
+              </a:spcBef>
+              <a:spcAft>
+                <a:spcPts val="0"/>
+              </a:spcAft>
+              <a:buClr>
+                <a:srgbClr val="000000"/>
+              </a:buClr>
+              <a:buSzPts val="1600"/>
+              <a:buFont typeface="Arial"/>
+              <a:buNone/>
+            </a:pPr>
+            <a:r>
+              <a:rPr b="1" i="0" lang="en" sz="1600" u="none" cap="none" strike="noStrike">
+                <a:solidFill>
+                  <a:schemeClr val="lt1"/>
+                </a:solidFill>
+                <a:latin typeface="Times New Roman"/>
+                <a:ea typeface="Times New Roman"/>
+                <a:cs typeface="Times New Roman"/>
+                <a:sym typeface="Times New Roman"/>
+              </a:rPr>
+              <a:t>attribute</a:t>
+            </a:r>
+            <a:endParaRPr b="1" i="0" sz="1600" u="none" cap="none" strike="noStrike">
+              <a:solidFill>
+                <a:schemeClr val="lt1"/>
+              </a:solidFill>
+              <a:latin typeface="Times New Roman"/>
+              <a:ea typeface="Times New Roman"/>
+              <a:cs typeface="Times New Roman"/>
+              <a:sym typeface="Times New Roman"/>
+            </a:endParaRPr>
+          </a:p>
+        </p:txBody>
+      </p:sp>
+      <p:sp>
+        <p:nvSpPr>
+          <p:cNvPr id="267" name="Google Shape;267;g329b0af9a98_0_42"/>
+          <p:cNvSpPr/>
+          <p:nvPr/>
+        </p:nvSpPr>
+        <p:spPr>
+          <a:xfrm>
+            <a:off x="6142225" y="572700"/>
+            <a:ext cx="2022300" cy="887700"/>
+          </a:xfrm>
+          <a:prstGeom prst="rect">
+            <a:avLst/>
+          </a:prstGeom>
+          <a:solidFill>
+            <a:schemeClr val="accent1"/>
+          </a:solidFill>
+          <a:ln cap="flat" cmpd="sng" w="9525">
+            <a:solidFill>
+              <a:schemeClr val="dk2"/>
+            </a:solidFill>
+            <a:prstDash val="solid"/>
+            <a:round/>
+            <a:headEnd len="sm" w="sm" type="none"/>
+            <a:tailEnd len="sm" w="sm" type="none"/>
+          </a:ln>
+        </p:spPr>
+        <p:txBody>
+          <a:bodyPr anchorCtr="0" anchor="t" bIns="91425" lIns="91425" spcFirstLastPara="1" rIns="91425" wrap="square" tIns="91425">
+            <a:noAutofit/>
+          </a:bodyPr>
+          <a:lstStyle/>
+          <a:p>
+            <a:pPr indent="0" lvl="0" marL="0" marR="0" rtl="0" algn="ctr">
+              <a:lnSpc>
+                <a:spcPct val="100000"/>
+              </a:lnSpc>
+              <a:spcBef>
+                <a:spcPts val="0"/>
+              </a:spcBef>
+              <a:spcAft>
+                <a:spcPts val="0"/>
+              </a:spcAft>
+              <a:buClr>
+                <a:srgbClr val="000000"/>
+              </a:buClr>
+              <a:buSzPts val="1600"/>
+              <a:buFont typeface="Arial"/>
+              <a:buNone/>
+            </a:pPr>
+            <a:r>
+              <a:rPr b="1" i="0" lang="en" sz="1600" u="none" cap="none" strike="noStrike">
+                <a:solidFill>
+                  <a:schemeClr val="lt1"/>
+                </a:solidFill>
+                <a:latin typeface="Times New Roman"/>
+                <a:ea typeface="Times New Roman"/>
+                <a:cs typeface="Times New Roman"/>
+                <a:sym typeface="Times New Roman"/>
+              </a:rPr>
+              <a:t>element</a:t>
+            </a:r>
+            <a:endParaRPr b="1" i="0" sz="1600" u="none" cap="none" strike="noStrike">
+              <a:solidFill>
+                <a:schemeClr val="lt1"/>
+              </a:solidFill>
+              <a:latin typeface="Times New Roman"/>
+              <a:ea typeface="Times New Roman"/>
+              <a:cs typeface="Times New Roman"/>
+              <a:sym typeface="Times New Roman"/>
+            </a:endParaRPr>
+          </a:p>
+        </p:txBody>
+      </p:sp>
+      <p:sp>
+        <p:nvSpPr>
+          <p:cNvPr id="268" name="Google Shape;268;g329b0af9a98_0_42"/>
+          <p:cNvSpPr txBox="1"/>
+          <p:nvPr/>
+        </p:nvSpPr>
+        <p:spPr>
+          <a:xfrm>
+            <a:off x="0" y="2341325"/>
+            <a:ext cx="6727200" cy="2770500"/>
+          </a:xfrm>
+          <a:prstGeom prst="rect">
+            <a:avLst/>
+          </a:prstGeom>
+          <a:noFill/>
+          <a:ln>
+            <a:noFill/>
+          </a:ln>
+        </p:spPr>
+        <p:txBody>
+          <a:bodyPr anchorCtr="0" anchor="t" bIns="91425" lIns="91425" spcFirstLastPara="1" rIns="91425" wrap="square" tIns="91425">
+            <a:spAutoFit/>
+          </a:bodyPr>
+          <a:lstStyle/>
+          <a:p>
+            <a:pPr indent="0" lvl="0" marL="0" rtl="0" algn="l">
+              <a:spcBef>
+                <a:spcPts val="0"/>
+              </a:spcBef>
+              <a:spcAft>
+                <a:spcPts val="0"/>
+              </a:spcAft>
+              <a:buNone/>
+            </a:pPr>
+            <a:r>
+              <a:rPr lang="en" sz="1200">
+                <a:latin typeface="Courier New"/>
+                <a:ea typeface="Courier New"/>
+                <a:cs typeface="Courier New"/>
+                <a:sym typeface="Courier New"/>
+              </a:rPr>
+              <a:t>&lt;style&gt;</a:t>
+            </a:r>
+            <a:endParaRPr sz="1200">
+              <a:latin typeface="Courier New"/>
+              <a:ea typeface="Courier New"/>
+              <a:cs typeface="Courier New"/>
+              <a:sym typeface="Courier New"/>
+            </a:endParaRPr>
+          </a:p>
+          <a:p>
+            <a:pPr indent="0" lvl="0" marL="0" rtl="0" algn="l">
+              <a:spcBef>
+                <a:spcPts val="0"/>
+              </a:spcBef>
+              <a:spcAft>
+                <a:spcPts val="0"/>
+              </a:spcAft>
+              <a:buNone/>
+            </a:pPr>
+            <a:r>
+              <a:rPr lang="en" sz="1200">
+                <a:latin typeface="Courier New"/>
+                <a:ea typeface="Courier New"/>
+                <a:cs typeface="Courier New"/>
+                <a:sym typeface="Courier New"/>
+              </a:rPr>
+              <a:t>#last</a:t>
+            </a:r>
+            <a:endParaRPr sz="1200">
+              <a:latin typeface="Courier New"/>
+              <a:ea typeface="Courier New"/>
+              <a:cs typeface="Courier New"/>
+              <a:sym typeface="Courier New"/>
+            </a:endParaRPr>
+          </a:p>
+          <a:p>
+            <a:pPr indent="0" lvl="0" marL="0" rtl="0" algn="l">
+              <a:spcBef>
+                <a:spcPts val="0"/>
+              </a:spcBef>
+              <a:spcAft>
+                <a:spcPts val="0"/>
+              </a:spcAft>
+              <a:buNone/>
+            </a:pPr>
+            <a:r>
+              <a:rPr lang="en" sz="1200">
+                <a:latin typeface="Courier New"/>
+                <a:ea typeface="Courier New"/>
+                <a:cs typeface="Courier New"/>
+                <a:sym typeface="Courier New"/>
+              </a:rPr>
+              <a:t>{</a:t>
+            </a:r>
+            <a:endParaRPr sz="1200">
+              <a:latin typeface="Courier New"/>
+              <a:ea typeface="Courier New"/>
+              <a:cs typeface="Courier New"/>
+              <a:sym typeface="Courier New"/>
+            </a:endParaRPr>
+          </a:p>
+          <a:p>
+            <a:pPr indent="457200" lvl="0" marL="0" rtl="0" algn="l">
+              <a:spcBef>
+                <a:spcPts val="0"/>
+              </a:spcBef>
+              <a:spcAft>
+                <a:spcPts val="0"/>
+              </a:spcAft>
+              <a:buNone/>
+            </a:pPr>
+            <a:r>
+              <a:rPr lang="en" sz="1200">
+                <a:latin typeface="Courier New"/>
+                <a:ea typeface="Courier New"/>
+                <a:cs typeface="Courier New"/>
+                <a:sym typeface="Courier New"/>
+              </a:rPr>
+              <a:t>color: blue;</a:t>
+            </a:r>
+            <a:endParaRPr sz="1200">
+              <a:latin typeface="Courier New"/>
+              <a:ea typeface="Courier New"/>
+              <a:cs typeface="Courier New"/>
+              <a:sym typeface="Courier New"/>
+            </a:endParaRPr>
+          </a:p>
+          <a:p>
+            <a:pPr indent="0" lvl="0" marL="0" rtl="0" algn="l">
+              <a:spcBef>
+                <a:spcPts val="0"/>
+              </a:spcBef>
+              <a:spcAft>
+                <a:spcPts val="0"/>
+              </a:spcAft>
+              <a:buNone/>
+            </a:pPr>
+            <a:r>
+              <a:rPr lang="en" sz="1200">
+                <a:latin typeface="Courier New"/>
+                <a:ea typeface="Courier New"/>
+                <a:cs typeface="Courier New"/>
+                <a:sym typeface="Courier New"/>
+              </a:rPr>
+              <a:t>}</a:t>
+            </a:r>
+            <a:endParaRPr sz="1200">
+              <a:latin typeface="Courier New"/>
+              <a:ea typeface="Courier New"/>
+              <a:cs typeface="Courier New"/>
+              <a:sym typeface="Courier New"/>
+            </a:endParaRPr>
+          </a:p>
+          <a:p>
+            <a:pPr indent="0" lvl="0" marL="0" rtl="0" algn="l">
+              <a:spcBef>
+                <a:spcPts val="0"/>
+              </a:spcBef>
+              <a:spcAft>
+                <a:spcPts val="0"/>
+              </a:spcAft>
+              <a:buNone/>
+            </a:pPr>
+            <a:r>
+              <a:rPr lang="en" sz="1200">
+                <a:latin typeface="Courier New"/>
+                <a:ea typeface="Courier New"/>
+                <a:cs typeface="Courier New"/>
+                <a:sym typeface="Courier New"/>
+              </a:rPr>
+              <a:t>.spanClass</a:t>
+            </a:r>
+            <a:endParaRPr sz="1200">
+              <a:latin typeface="Courier New"/>
+              <a:ea typeface="Courier New"/>
+              <a:cs typeface="Courier New"/>
+              <a:sym typeface="Courier New"/>
+            </a:endParaRPr>
+          </a:p>
+          <a:p>
+            <a:pPr indent="0" lvl="0" marL="0" rtl="0" algn="l">
+              <a:spcBef>
+                <a:spcPts val="0"/>
+              </a:spcBef>
+              <a:spcAft>
+                <a:spcPts val="0"/>
+              </a:spcAft>
+              <a:buNone/>
+            </a:pPr>
+            <a:r>
+              <a:rPr lang="en" sz="1200">
+                <a:latin typeface="Courier New"/>
+                <a:ea typeface="Courier New"/>
+                <a:cs typeface="Courier New"/>
+                <a:sym typeface="Courier New"/>
+              </a:rPr>
+              <a:t>{</a:t>
+            </a:r>
+            <a:endParaRPr sz="1200">
+              <a:latin typeface="Courier New"/>
+              <a:ea typeface="Courier New"/>
+              <a:cs typeface="Courier New"/>
+              <a:sym typeface="Courier New"/>
+            </a:endParaRPr>
+          </a:p>
+          <a:p>
+            <a:pPr indent="457200" lvl="0" marL="0" rtl="0" algn="l">
+              <a:spcBef>
+                <a:spcPts val="0"/>
+              </a:spcBef>
+              <a:spcAft>
+                <a:spcPts val="0"/>
+              </a:spcAft>
+              <a:buNone/>
+            </a:pPr>
+            <a:r>
+              <a:rPr lang="en" sz="1200">
+                <a:latin typeface="Courier New"/>
+                <a:ea typeface="Courier New"/>
+                <a:cs typeface="Courier New"/>
+                <a:sym typeface="Courier New"/>
+              </a:rPr>
+              <a:t>color: red;</a:t>
+            </a:r>
+            <a:endParaRPr sz="1200">
+              <a:latin typeface="Courier New"/>
+              <a:ea typeface="Courier New"/>
+              <a:cs typeface="Courier New"/>
+              <a:sym typeface="Courier New"/>
+            </a:endParaRPr>
+          </a:p>
+          <a:p>
+            <a:pPr indent="0" lvl="0" marL="0" rtl="0" algn="l">
+              <a:spcBef>
+                <a:spcPts val="0"/>
+              </a:spcBef>
+              <a:spcAft>
+                <a:spcPts val="0"/>
+              </a:spcAft>
+              <a:buNone/>
+            </a:pPr>
+            <a:r>
+              <a:rPr lang="en" sz="1200">
+                <a:latin typeface="Courier New"/>
+                <a:ea typeface="Courier New"/>
+                <a:cs typeface="Courier New"/>
+                <a:sym typeface="Courier New"/>
+              </a:rPr>
+              <a:t>}</a:t>
+            </a:r>
+            <a:endParaRPr sz="1200">
+              <a:latin typeface="Courier New"/>
+              <a:ea typeface="Courier New"/>
+              <a:cs typeface="Courier New"/>
+              <a:sym typeface="Courier New"/>
+            </a:endParaRPr>
+          </a:p>
+          <a:p>
+            <a:pPr indent="0" lvl="0" marL="0" rtl="0" algn="l">
+              <a:spcBef>
+                <a:spcPts val="0"/>
+              </a:spcBef>
+              <a:spcAft>
+                <a:spcPts val="0"/>
+              </a:spcAft>
+              <a:buNone/>
+            </a:pPr>
+            <a:r>
+              <a:rPr lang="en" sz="1200">
+                <a:latin typeface="Courier New"/>
+                <a:ea typeface="Courier New"/>
+                <a:cs typeface="Courier New"/>
+                <a:sym typeface="Courier New"/>
+              </a:rPr>
+              <a:t>p &gt; span</a:t>
+            </a:r>
+            <a:endParaRPr sz="1200">
+              <a:latin typeface="Courier New"/>
+              <a:ea typeface="Courier New"/>
+              <a:cs typeface="Courier New"/>
+              <a:sym typeface="Courier New"/>
+            </a:endParaRPr>
+          </a:p>
+          <a:p>
+            <a:pPr indent="0" lvl="0" marL="0" rtl="0" algn="l">
+              <a:spcBef>
+                <a:spcPts val="0"/>
+              </a:spcBef>
+              <a:spcAft>
+                <a:spcPts val="0"/>
+              </a:spcAft>
+              <a:buNone/>
+            </a:pPr>
+            <a:r>
+              <a:rPr lang="en" sz="1200">
+                <a:latin typeface="Courier New"/>
+                <a:ea typeface="Courier New"/>
+                <a:cs typeface="Courier New"/>
+                <a:sym typeface="Courier New"/>
+              </a:rPr>
+              <a:t>{</a:t>
+            </a:r>
+            <a:endParaRPr sz="1200">
+              <a:latin typeface="Courier New"/>
+              <a:ea typeface="Courier New"/>
+              <a:cs typeface="Courier New"/>
+              <a:sym typeface="Courier New"/>
+            </a:endParaRPr>
+          </a:p>
+          <a:p>
+            <a:pPr indent="457200" lvl="0" marL="0" rtl="0" algn="l">
+              <a:spcBef>
+                <a:spcPts val="0"/>
+              </a:spcBef>
+              <a:spcAft>
+                <a:spcPts val="0"/>
+              </a:spcAft>
+              <a:buNone/>
+            </a:pPr>
+            <a:r>
+              <a:rPr lang="en" sz="1200">
+                <a:latin typeface="Courier New"/>
+                <a:ea typeface="Courier New"/>
+                <a:cs typeface="Courier New"/>
+                <a:sym typeface="Courier New"/>
+              </a:rPr>
+              <a:t>color: green;</a:t>
+            </a:r>
+            <a:endParaRPr sz="1200">
+              <a:latin typeface="Courier New"/>
+              <a:ea typeface="Courier New"/>
+              <a:cs typeface="Courier New"/>
+              <a:sym typeface="Courier New"/>
+            </a:endParaRPr>
+          </a:p>
+          <a:p>
+            <a:pPr indent="0" lvl="0" marL="0" rtl="0" algn="l">
+              <a:spcBef>
+                <a:spcPts val="0"/>
+              </a:spcBef>
+              <a:spcAft>
+                <a:spcPts val="0"/>
+              </a:spcAft>
+              <a:buNone/>
+            </a:pPr>
+            <a:r>
+              <a:rPr lang="en" sz="1200">
+                <a:latin typeface="Courier New"/>
+                <a:ea typeface="Courier New"/>
+                <a:cs typeface="Courier New"/>
+                <a:sym typeface="Courier New"/>
+              </a:rPr>
+              <a:t>}</a:t>
+            </a:r>
+            <a:endParaRPr sz="1200">
+              <a:latin typeface="Courier New"/>
+              <a:ea typeface="Courier New"/>
+              <a:cs typeface="Courier New"/>
+              <a:sym typeface="Courier New"/>
+            </a:endParaRPr>
+          </a:p>
+          <a:p>
+            <a:pPr indent="0" lvl="0" marL="0" rtl="0" algn="l">
+              <a:spcBef>
+                <a:spcPts val="0"/>
+              </a:spcBef>
+              <a:spcAft>
+                <a:spcPts val="0"/>
+              </a:spcAft>
+              <a:buNone/>
+            </a:pPr>
+            <a:r>
+              <a:rPr lang="en" sz="1200">
+                <a:latin typeface="Courier New"/>
+                <a:ea typeface="Courier New"/>
+                <a:cs typeface="Courier New"/>
+                <a:sym typeface="Courier New"/>
+              </a:rPr>
+              <a:t>&lt;/style&gt;</a:t>
+            </a:r>
+            <a:endParaRPr sz="1200">
+              <a:latin typeface="Courier New"/>
+              <a:ea typeface="Courier New"/>
+              <a:cs typeface="Courier New"/>
+              <a:sym typeface="Courier New"/>
+            </a:endParaRPr>
+          </a:p>
+        </p:txBody>
+      </p:sp>
+      <p:sp>
+        <p:nvSpPr>
+          <p:cNvPr id="269" name="Google Shape;269;g329b0af9a98_0_42"/>
+          <p:cNvSpPr/>
+          <p:nvPr/>
+        </p:nvSpPr>
+        <p:spPr>
+          <a:xfrm>
+            <a:off x="1892650" y="2641850"/>
+            <a:ext cx="1899000" cy="735900"/>
+          </a:xfrm>
+          <a:prstGeom prst="rect">
+            <a:avLst/>
+          </a:prstGeom>
+          <a:solidFill>
+            <a:schemeClr val="dk1"/>
+          </a:solidFill>
+          <a:ln cap="flat" cmpd="sng" w="9525">
+            <a:solidFill>
+              <a:schemeClr val="dk2"/>
+            </a:solidFill>
+            <a:prstDash val="solid"/>
+            <a:round/>
+            <a:headEnd len="sm" w="sm" type="none"/>
+            <a:tailEnd len="sm" w="sm" type="none"/>
+          </a:ln>
+        </p:spPr>
+        <p:txBody>
+          <a:bodyPr anchorCtr="0" anchor="ctr" bIns="91425" lIns="91425" spcFirstLastPara="1" rIns="91425" wrap="square" tIns="91425">
+            <a:noAutofit/>
+          </a:bodyPr>
+          <a:lstStyle/>
+          <a:p>
+            <a:pPr indent="0" lvl="0" marL="0" rtl="0" algn="ctr">
+              <a:spcBef>
+                <a:spcPts val="0"/>
+              </a:spcBef>
+              <a:spcAft>
+                <a:spcPts val="0"/>
+              </a:spcAft>
+              <a:buNone/>
+            </a:pPr>
+            <a:r>
+              <a:rPr lang="en" sz="3000">
+                <a:solidFill>
+                  <a:schemeClr val="dk1"/>
+                </a:solidFill>
+              </a:rPr>
+              <a:t>100</a:t>
+            </a:r>
+            <a:endParaRPr sz="3000">
+              <a:solidFill>
+                <a:schemeClr val="dk1"/>
+              </a:solidFill>
+            </a:endParaRPr>
+          </a:p>
+        </p:txBody>
+      </p:sp>
+      <p:sp>
+        <p:nvSpPr>
+          <p:cNvPr id="270" name="Google Shape;270;g329b0af9a98_0_42"/>
+          <p:cNvSpPr/>
+          <p:nvPr/>
+        </p:nvSpPr>
+        <p:spPr>
+          <a:xfrm>
+            <a:off x="614175" y="1446163"/>
+            <a:ext cx="2022300" cy="322200"/>
+          </a:xfrm>
+          <a:prstGeom prst="rect">
+            <a:avLst/>
+          </a:prstGeom>
+          <a:noFill/>
+          <a:ln>
+            <a:noFill/>
+          </a:ln>
+        </p:spPr>
+        <p:txBody>
+          <a:bodyPr anchorCtr="0" anchor="ctr" bIns="91425" lIns="91425" spcFirstLastPara="1" rIns="91425" wrap="square" tIns="91425">
+            <a:noAutofit/>
+          </a:bodyPr>
+          <a:lstStyle/>
+          <a:p>
+            <a:pPr indent="0" lvl="0" marL="0" rtl="0" algn="ctr">
+              <a:spcBef>
+                <a:spcPts val="0"/>
+              </a:spcBef>
+              <a:spcAft>
+                <a:spcPts val="0"/>
+              </a:spcAft>
+              <a:buNone/>
+            </a:pPr>
+            <a:r>
+              <a:rPr lang="en">
+                <a:latin typeface="Courier New"/>
+                <a:ea typeface="Courier New"/>
+                <a:cs typeface="Courier New"/>
+                <a:sym typeface="Courier New"/>
+              </a:rPr>
+              <a:t>page-13</a:t>
+            </a:r>
+            <a:r>
+              <a:rPr lang="en">
+                <a:solidFill>
+                  <a:srgbClr val="000000"/>
+                </a:solidFill>
+                <a:latin typeface="Courier New"/>
+                <a:ea typeface="Courier New"/>
+                <a:cs typeface="Courier New"/>
+                <a:sym typeface="Courier New"/>
+              </a:rPr>
+              <a:t>.html</a:t>
+            </a:r>
+            <a:endParaRPr>
+              <a:solidFill>
+                <a:srgbClr val="000000"/>
+              </a:solidFill>
+              <a:latin typeface="Courier New"/>
+              <a:ea typeface="Courier New"/>
+              <a:cs typeface="Courier New"/>
+              <a:sym typeface="Courier New"/>
+            </a:endParaRPr>
+          </a:p>
+        </p:txBody>
+      </p:sp>
+      <p:sp>
+        <p:nvSpPr>
+          <p:cNvPr id="271" name="Google Shape;271;g329b0af9a98_0_42"/>
+          <p:cNvSpPr/>
+          <p:nvPr/>
+        </p:nvSpPr>
+        <p:spPr>
+          <a:xfrm>
+            <a:off x="1892650" y="3377750"/>
+            <a:ext cx="1899000" cy="735900"/>
+          </a:xfrm>
+          <a:prstGeom prst="rect">
+            <a:avLst/>
+          </a:prstGeom>
+          <a:solidFill>
+            <a:schemeClr val="dk1"/>
+          </a:solidFill>
+          <a:ln cap="flat" cmpd="sng" w="9525">
+            <a:solidFill>
+              <a:schemeClr val="dk2"/>
+            </a:solidFill>
+            <a:prstDash val="solid"/>
+            <a:round/>
+            <a:headEnd len="sm" w="sm" type="none"/>
+            <a:tailEnd len="sm" w="sm" type="none"/>
+          </a:ln>
+        </p:spPr>
+        <p:txBody>
+          <a:bodyPr anchorCtr="0" anchor="ctr" bIns="91425" lIns="91425" spcFirstLastPara="1" rIns="91425" wrap="square" tIns="91425">
+            <a:noAutofit/>
+          </a:bodyPr>
+          <a:lstStyle/>
+          <a:p>
+            <a:pPr indent="0" lvl="0" marL="0" rtl="0" algn="ctr">
+              <a:spcBef>
+                <a:spcPts val="0"/>
+              </a:spcBef>
+              <a:spcAft>
+                <a:spcPts val="0"/>
+              </a:spcAft>
+              <a:buNone/>
+            </a:pPr>
+            <a:r>
+              <a:rPr lang="en" sz="3000">
+                <a:solidFill>
+                  <a:schemeClr val="dk1"/>
+                </a:solidFill>
+              </a:rPr>
+              <a:t>010</a:t>
+            </a:r>
+            <a:endParaRPr sz="3000">
+              <a:solidFill>
+                <a:schemeClr val="dk1"/>
+              </a:solidFill>
+            </a:endParaRPr>
+          </a:p>
+        </p:txBody>
+      </p:sp>
+      <p:sp>
+        <p:nvSpPr>
+          <p:cNvPr id="272" name="Google Shape;272;g329b0af9a98_0_42"/>
+          <p:cNvSpPr/>
+          <p:nvPr/>
+        </p:nvSpPr>
+        <p:spPr>
+          <a:xfrm>
+            <a:off x="1892650" y="4113650"/>
+            <a:ext cx="1899000" cy="735900"/>
+          </a:xfrm>
+          <a:prstGeom prst="rect">
+            <a:avLst/>
+          </a:prstGeom>
+          <a:solidFill>
+            <a:schemeClr val="dk1"/>
+          </a:solidFill>
+          <a:ln cap="flat" cmpd="sng" w="9525">
+            <a:solidFill>
+              <a:schemeClr val="dk2"/>
+            </a:solidFill>
+            <a:prstDash val="solid"/>
+            <a:round/>
+            <a:headEnd len="sm" w="sm" type="none"/>
+            <a:tailEnd len="sm" w="sm" type="none"/>
+          </a:ln>
+        </p:spPr>
+        <p:txBody>
+          <a:bodyPr anchorCtr="0" anchor="ctr" bIns="91425" lIns="91425" spcFirstLastPara="1" rIns="91425" wrap="square" tIns="91425">
+            <a:noAutofit/>
+          </a:bodyPr>
+          <a:lstStyle/>
+          <a:p>
+            <a:pPr indent="0" lvl="0" marL="0" rtl="0" algn="ctr">
+              <a:spcBef>
+                <a:spcPts val="0"/>
+              </a:spcBef>
+              <a:spcAft>
+                <a:spcPts val="0"/>
+              </a:spcAft>
+              <a:buNone/>
+            </a:pPr>
+            <a:r>
+              <a:rPr lang="en" sz="3000">
+                <a:solidFill>
+                  <a:schemeClr val="dk1"/>
+                </a:solidFill>
+              </a:rPr>
+              <a:t>002</a:t>
+            </a:r>
+            <a:endParaRPr sz="3000">
+              <a:solidFill>
+                <a:schemeClr val="dk1"/>
+              </a:solidFill>
+            </a:endParaRPr>
+          </a:p>
+        </p:txBody>
+      </p:sp>
+    </p:spTree>
+  </p:cSld>
+  <p:clrMapOvr>
+    <a:masterClrMapping/>
+  </p:clrMapOvr>
+</p:sld>
+</file>
+
+<file path=ppt/slides/slide21.xml><?xml version="1.0" encoding="utf-8"?>
+<p:sld xmlns:a="http://schemas.openxmlformats.org/drawingml/2006/main" xmlns:r="http://schemas.openxmlformats.org/officeDocument/2006/relationships" xmlns:mc="http://schemas.openxmlformats.org/markup-compatibility/2006" xmlns:mv="urn:schemas-microsoft-com:mac:vml" xmlns:p="http://schemas.openxmlformats.org/presentationml/2006/main" xmlns:c="http://schemas.openxmlformats.org/drawingml/2006/chart" xmlns:dgm="http://schemas.openxmlformats.org/drawingml/2006/diagram" xmlns:o="urn:schemas-microsoft-com:office:office" xmlns:v="urn:schemas-microsoft-com:vml" xmlns:pvml="urn:schemas-microsoft-com:office:powerpoint" xmlns:com="http://schemas.openxmlformats.org/drawingml/2006/compatibility" xmlns:p14="http://schemas.microsoft.com/office/powerpoint/2010/main" xmlns:p15="http://schemas.microsoft.com/office/powerpoint/2012/main" xmlns:ahyp="http://schemas.microsoft.com/office/drawing/2018/hyperlinkcolor">
+  <p:cSld>
+    <p:spTree>
+      <p:nvGrpSpPr>
+        <p:cNvPr id="276" name="Shape 276"/>
+        <p:cNvGrpSpPr/>
+        <p:nvPr/>
+      </p:nvGrpSpPr>
+      <p:grpSpPr>
+        <a:xfrm>
+          <a:off x="0" y="0"/>
+          <a:ext cx="0" cy="0"/>
+          <a:chOff x="0" y="0"/>
+          <a:chExt cx="0" cy="0"/>
+        </a:xfrm>
+      </p:grpSpPr>
+      <p:sp>
+        <p:nvSpPr>
+          <p:cNvPr id="277" name="Google Shape;277;g3296ee86163_1_29"/>
+          <p:cNvSpPr txBox="1"/>
+          <p:nvPr>
+            <p:ph type="title"/>
+          </p:nvPr>
+        </p:nvSpPr>
+        <p:spPr>
+          <a:xfrm>
+            <a:off x="0" y="2285400"/>
+            <a:ext cx="9144000" cy="572700"/>
+          </a:xfrm>
+          <a:prstGeom prst="rect">
+            <a:avLst/>
+          </a:prstGeom>
+          <a:noFill/>
+          <a:ln>
+            <a:noFill/>
+          </a:ln>
+        </p:spPr>
+        <p:txBody>
+          <a:bodyPr anchorCtr="0" anchor="t" bIns="91425" lIns="91425" spcFirstLastPara="1" rIns="91425" wrap="square" tIns="91425">
+            <a:noAutofit/>
+          </a:bodyPr>
+          <a:lstStyle/>
+          <a:p>
+            <a:pPr indent="0" lvl="0" marL="0" rtl="0" algn="ctr">
+              <a:lnSpc>
+                <a:spcPct val="115000"/>
+              </a:lnSpc>
+              <a:spcBef>
+                <a:spcPts val="0"/>
+              </a:spcBef>
+              <a:spcAft>
+                <a:spcPts val="0"/>
+              </a:spcAft>
+              <a:buSzPts val="2800"/>
+              <a:buNone/>
+            </a:pPr>
+            <a:r>
+              <a:rPr lang="en" sz="3000">
+                <a:solidFill>
+                  <a:srgbClr val="FF0000"/>
+                </a:solidFill>
+              </a:rPr>
+              <a:t>Cascade </a:t>
+            </a:r>
+            <a:r>
+              <a:rPr lang="en" sz="3000"/>
+              <a:t>works if</a:t>
+            </a:r>
+            <a:r>
+              <a:rPr lang="en" sz="3000">
+                <a:solidFill>
+                  <a:srgbClr val="FF0000"/>
+                </a:solidFill>
+              </a:rPr>
+              <a:t> </a:t>
+            </a:r>
+            <a:r>
+              <a:rPr lang="en" sz="3000">
+                <a:solidFill>
+                  <a:srgbClr val="0000FF"/>
+                </a:solidFill>
+              </a:rPr>
+              <a:t>Specificity </a:t>
+            </a:r>
+            <a:r>
+              <a:rPr lang="en" sz="3000"/>
+              <a:t>weight is the same</a:t>
+            </a:r>
+            <a:endParaRPr sz="3000"/>
+          </a:p>
+        </p:txBody>
+      </p:sp>
+    </p:spTree>
+  </p:cSld>
+  <p:clrMapOvr>
+    <a:masterClrMapping/>
+  </p:clrMapOvr>
+</p:sld>
+</file>
+
+<file path=ppt/slides/slide22.xml><?xml version="1.0" encoding="utf-8"?>
+<p:sld xmlns:a="http://schemas.openxmlformats.org/drawingml/2006/main" xmlns:r="http://schemas.openxmlformats.org/officeDocument/2006/relationships" xmlns:mc="http://schemas.openxmlformats.org/markup-compatibility/2006" xmlns:mv="urn:schemas-microsoft-com:mac:vml" xmlns:p="http://schemas.openxmlformats.org/presentationml/2006/main" xmlns:c="http://schemas.openxmlformats.org/drawingml/2006/chart" xmlns:dgm="http://schemas.openxmlformats.org/drawingml/2006/diagram" xmlns:o="urn:schemas-microsoft-com:office:office" xmlns:v="urn:schemas-microsoft-com:vml" xmlns:pvml="urn:schemas-microsoft-com:office:powerpoint" xmlns:com="http://schemas.openxmlformats.org/drawingml/2006/compatibility" xmlns:p14="http://schemas.microsoft.com/office/powerpoint/2010/main" xmlns:p15="http://schemas.microsoft.com/office/powerpoint/2012/main" xmlns:ahyp="http://schemas.microsoft.com/office/drawing/2018/hyperlinkcolor">
+  <p:cSld>
+    <p:spTree>
+      <p:nvGrpSpPr>
+        <p:cNvPr id="281" name="Shape 281"/>
+        <p:cNvGrpSpPr/>
+        <p:nvPr/>
+      </p:nvGrpSpPr>
+      <p:grpSpPr>
+        <a:xfrm>
+          <a:off x="0" y="0"/>
+          <a:ext cx="0" cy="0"/>
+          <a:chOff x="0" y="0"/>
+          <a:chExt cx="0" cy="0"/>
+        </a:xfrm>
+      </p:grpSpPr>
+      <p:sp>
+        <p:nvSpPr>
+          <p:cNvPr id="282" name="Google Shape;282;g2f62552a751_0_61"/>
+          <p:cNvSpPr txBox="1"/>
+          <p:nvPr>
+            <p:ph type="title"/>
+          </p:nvPr>
+        </p:nvSpPr>
+        <p:spPr>
+          <a:xfrm>
+            <a:off x="0" y="0"/>
+            <a:ext cx="9144000" cy="572700"/>
+          </a:xfrm>
+          <a:prstGeom prst="rect">
+            <a:avLst/>
+          </a:prstGeom>
+          <a:noFill/>
+          <a:ln>
+            <a:noFill/>
+          </a:ln>
+        </p:spPr>
+        <p:txBody>
+          <a:bodyPr anchorCtr="0" anchor="t" bIns="91425" lIns="91425" spcFirstLastPara="1" rIns="91425" wrap="square" tIns="91425">
+            <a:noAutofit/>
+          </a:bodyPr>
+          <a:lstStyle/>
+          <a:p>
+            <a:pPr indent="0" lvl="0" marL="0" rtl="0" algn="l">
+              <a:lnSpc>
+                <a:spcPct val="100000"/>
+              </a:lnSpc>
+              <a:spcBef>
+                <a:spcPts val="0"/>
+              </a:spcBef>
+              <a:spcAft>
+                <a:spcPts val="0"/>
+              </a:spcAft>
+              <a:buSzPts val="2800"/>
+              <a:buNone/>
+            </a:pPr>
+            <a:r>
+              <a:rPr lang="en" sz="3000">
+                <a:solidFill>
+                  <a:srgbClr val="008100"/>
+                </a:solidFill>
+              </a:rPr>
+              <a:t>Inheritance</a:t>
+            </a:r>
+            <a:endParaRPr sz="3000">
+              <a:solidFill>
+                <a:srgbClr val="008100"/>
+              </a:solidFill>
+            </a:endParaRPr>
+          </a:p>
+        </p:txBody>
+      </p:sp>
+      <p:sp>
+        <p:nvSpPr>
+          <p:cNvPr id="283" name="Google Shape;283;g2f62552a751_0_61"/>
+          <p:cNvSpPr txBox="1"/>
+          <p:nvPr>
+            <p:ph idx="1" type="body"/>
+          </p:nvPr>
+        </p:nvSpPr>
+        <p:spPr>
+          <a:xfrm>
+            <a:off x="0" y="572700"/>
+            <a:ext cx="9144000" cy="4570800"/>
+          </a:xfrm>
+          <a:prstGeom prst="rect">
+            <a:avLst/>
+          </a:prstGeom>
+          <a:noFill/>
+          <a:ln>
+            <a:noFill/>
+          </a:ln>
+        </p:spPr>
+        <p:txBody>
+          <a:bodyPr anchorCtr="0" anchor="t" bIns="91425" lIns="91425" spcFirstLastPara="1" rIns="91425" wrap="square" tIns="91425">
+            <a:normAutofit/>
+          </a:bodyPr>
+          <a:lstStyle/>
+          <a:p>
+            <a:pPr indent="0" lvl="0" marL="0" rtl="0" algn="l">
+              <a:lnSpc>
+                <a:spcPct val="115000"/>
+              </a:lnSpc>
+              <a:spcBef>
+                <a:spcPts val="0"/>
+              </a:spcBef>
+              <a:spcAft>
+                <a:spcPts val="0"/>
+              </a:spcAft>
+              <a:buSzPts val="1800"/>
+              <a:buNone/>
+            </a:pPr>
+            <a:r>
+              <a:rPr lang="en" sz="2400">
+                <a:solidFill>
+                  <a:schemeClr val="dk1"/>
+                </a:solidFill>
+                <a:latin typeface="Times New Roman"/>
+                <a:ea typeface="Times New Roman"/>
+                <a:cs typeface="Times New Roman"/>
+                <a:sym typeface="Times New Roman"/>
+              </a:rPr>
+              <a:t>Elements can inherit the properties defined in their parents or ancestors. </a:t>
+            </a:r>
+            <a:endParaRPr sz="2400">
+              <a:solidFill>
+                <a:schemeClr val="dk1"/>
+              </a:solidFill>
+              <a:latin typeface="Times New Roman"/>
+              <a:ea typeface="Times New Roman"/>
+              <a:cs typeface="Times New Roman"/>
+              <a:sym typeface="Times New Roman"/>
+            </a:endParaRPr>
+          </a:p>
+          <a:p>
+            <a:pPr indent="-381000" lvl="0" marL="457200" rtl="0" algn="l">
+              <a:lnSpc>
+                <a:spcPct val="115000"/>
+              </a:lnSpc>
+              <a:spcBef>
+                <a:spcPts val="0"/>
+              </a:spcBef>
+              <a:spcAft>
+                <a:spcPts val="0"/>
+              </a:spcAft>
+              <a:buClr>
+                <a:schemeClr val="dk1"/>
+              </a:buClr>
+              <a:buSzPts val="2400"/>
+              <a:buFont typeface="Times New Roman"/>
+              <a:buChar char="●"/>
+            </a:pPr>
+            <a:r>
+              <a:rPr lang="en" sz="2400">
+                <a:solidFill>
+                  <a:schemeClr val="dk1"/>
+                </a:solidFill>
+                <a:latin typeface="Times New Roman"/>
+                <a:ea typeface="Times New Roman"/>
+                <a:cs typeface="Times New Roman"/>
+                <a:sym typeface="Times New Roman"/>
+              </a:rPr>
+              <a:t>Some properties can’t be inherited like weight or margin.</a:t>
+            </a:r>
+            <a:endParaRPr sz="2400">
+              <a:solidFill>
+                <a:schemeClr val="dk1"/>
+              </a:solidFill>
+              <a:latin typeface="Times New Roman"/>
+              <a:ea typeface="Times New Roman"/>
+              <a:cs typeface="Times New Roman"/>
+              <a:sym typeface="Times New Roman"/>
+            </a:endParaRPr>
+          </a:p>
+          <a:p>
+            <a:pPr indent="-381000" lvl="0" marL="457200" rtl="0" algn="l">
+              <a:lnSpc>
+                <a:spcPct val="115000"/>
+              </a:lnSpc>
+              <a:spcBef>
+                <a:spcPts val="0"/>
+              </a:spcBef>
+              <a:spcAft>
+                <a:spcPts val="0"/>
+              </a:spcAft>
+              <a:buClr>
+                <a:schemeClr val="dk1"/>
+              </a:buClr>
+              <a:buSzPts val="2400"/>
+              <a:buFont typeface="Times New Roman"/>
+              <a:buChar char="●"/>
+            </a:pPr>
+            <a:r>
+              <a:rPr lang="en" sz="2400">
+                <a:solidFill>
+                  <a:schemeClr val="dk1"/>
+                </a:solidFill>
+                <a:latin typeface="Times New Roman"/>
+                <a:ea typeface="Times New Roman"/>
+                <a:cs typeface="Times New Roman"/>
+                <a:sym typeface="Times New Roman"/>
+              </a:rPr>
+              <a:t>CSS provides special property values for elements:</a:t>
+            </a:r>
+            <a:endParaRPr sz="2400">
+              <a:solidFill>
+                <a:schemeClr val="dk1"/>
+              </a:solidFill>
+              <a:latin typeface="Times New Roman"/>
+              <a:ea typeface="Times New Roman"/>
+              <a:cs typeface="Times New Roman"/>
+              <a:sym typeface="Times New Roman"/>
+            </a:endParaRPr>
+          </a:p>
+          <a:p>
+            <a:pPr indent="-355600" lvl="1" marL="914400" rtl="0" algn="l">
+              <a:lnSpc>
+                <a:spcPct val="115000"/>
+              </a:lnSpc>
+              <a:spcBef>
+                <a:spcPts val="0"/>
+              </a:spcBef>
+              <a:spcAft>
+                <a:spcPts val="0"/>
+              </a:spcAft>
+              <a:buClr>
+                <a:schemeClr val="dk1"/>
+              </a:buClr>
+              <a:buSzPts val="2000"/>
+              <a:buFont typeface="Times New Roman"/>
+              <a:buChar char="○"/>
+            </a:pPr>
+            <a:r>
+              <a:rPr b="1" lang="en" sz="2000">
+                <a:solidFill>
+                  <a:schemeClr val="dk1"/>
+                </a:solidFill>
+                <a:latin typeface="Times New Roman"/>
+                <a:ea typeface="Times New Roman"/>
+                <a:cs typeface="Times New Roman"/>
+                <a:sym typeface="Times New Roman"/>
+              </a:rPr>
+              <a:t>inherit</a:t>
+            </a:r>
+            <a:r>
+              <a:rPr lang="en" sz="2000">
+                <a:solidFill>
+                  <a:schemeClr val="dk1"/>
+                </a:solidFill>
+                <a:latin typeface="Times New Roman"/>
+                <a:ea typeface="Times New Roman"/>
+                <a:cs typeface="Times New Roman"/>
+                <a:sym typeface="Times New Roman"/>
+              </a:rPr>
+              <a:t> – turn on inheritance</a:t>
+            </a:r>
+            <a:endParaRPr sz="2000">
+              <a:solidFill>
+                <a:schemeClr val="dk1"/>
+              </a:solidFill>
+              <a:latin typeface="Times New Roman"/>
+              <a:ea typeface="Times New Roman"/>
+              <a:cs typeface="Times New Roman"/>
+              <a:sym typeface="Times New Roman"/>
+            </a:endParaRPr>
+          </a:p>
+          <a:p>
+            <a:pPr indent="-355600" lvl="1" marL="914400" rtl="0" algn="l">
+              <a:lnSpc>
+                <a:spcPct val="115000"/>
+              </a:lnSpc>
+              <a:spcBef>
+                <a:spcPts val="0"/>
+              </a:spcBef>
+              <a:spcAft>
+                <a:spcPts val="0"/>
+              </a:spcAft>
+              <a:buClr>
+                <a:schemeClr val="dk1"/>
+              </a:buClr>
+              <a:buSzPts val="2000"/>
+              <a:buFont typeface="Times New Roman"/>
+              <a:buChar char="○"/>
+            </a:pPr>
+            <a:r>
+              <a:rPr b="1" lang="en" sz="2000">
+                <a:solidFill>
+                  <a:schemeClr val="dk1"/>
+                </a:solidFill>
+                <a:latin typeface="Times New Roman"/>
+                <a:ea typeface="Times New Roman"/>
+                <a:cs typeface="Times New Roman"/>
+                <a:sym typeface="Times New Roman"/>
+              </a:rPr>
+              <a:t>initial</a:t>
+            </a:r>
+            <a:r>
+              <a:rPr lang="en" sz="2000">
+                <a:solidFill>
+                  <a:schemeClr val="dk1"/>
+                </a:solidFill>
+                <a:latin typeface="Times New Roman"/>
+                <a:ea typeface="Times New Roman"/>
+                <a:cs typeface="Times New Roman"/>
+                <a:sym typeface="Times New Roman"/>
+              </a:rPr>
+              <a:t> – default of property</a:t>
+            </a:r>
+            <a:endParaRPr sz="2000">
+              <a:solidFill>
+                <a:schemeClr val="dk1"/>
+              </a:solidFill>
+              <a:latin typeface="Times New Roman"/>
+              <a:ea typeface="Times New Roman"/>
+              <a:cs typeface="Times New Roman"/>
+              <a:sym typeface="Times New Roman"/>
+            </a:endParaRPr>
+          </a:p>
+          <a:p>
+            <a:pPr indent="-355600" lvl="1" marL="914400" rtl="0" algn="l">
+              <a:spcBef>
+                <a:spcPts val="0"/>
+              </a:spcBef>
+              <a:spcAft>
+                <a:spcPts val="0"/>
+              </a:spcAft>
+              <a:buClr>
+                <a:schemeClr val="dk1"/>
+              </a:buClr>
+              <a:buSzPts val="2000"/>
+              <a:buFont typeface="Times New Roman"/>
+              <a:buChar char="○"/>
+            </a:pPr>
+            <a:r>
+              <a:rPr b="1" lang="en" sz="2000">
+                <a:solidFill>
+                  <a:schemeClr val="dk1"/>
+                </a:solidFill>
+                <a:latin typeface="Times New Roman"/>
+                <a:ea typeface="Times New Roman"/>
+                <a:cs typeface="Times New Roman"/>
+                <a:sym typeface="Times New Roman"/>
+              </a:rPr>
+              <a:t>unset</a:t>
+            </a:r>
+            <a:r>
+              <a:rPr lang="en" sz="2000">
+                <a:solidFill>
+                  <a:schemeClr val="dk1"/>
+                </a:solidFill>
+                <a:latin typeface="Times New Roman"/>
+                <a:ea typeface="Times New Roman"/>
+                <a:cs typeface="Times New Roman"/>
+                <a:sym typeface="Times New Roman"/>
+              </a:rPr>
+              <a:t> – set to inherit or initial</a:t>
+            </a:r>
+            <a:endParaRPr b="1" sz="2000">
+              <a:solidFill>
+                <a:schemeClr val="dk1"/>
+              </a:solidFill>
+              <a:latin typeface="Times New Roman"/>
+              <a:ea typeface="Times New Roman"/>
+              <a:cs typeface="Times New Roman"/>
+              <a:sym typeface="Times New Roman"/>
+            </a:endParaRPr>
+          </a:p>
+          <a:p>
+            <a:pPr indent="-355600" lvl="1" marL="914400" rtl="0" algn="l">
+              <a:lnSpc>
+                <a:spcPct val="115000"/>
+              </a:lnSpc>
+              <a:spcBef>
+                <a:spcPts val="0"/>
+              </a:spcBef>
+              <a:spcAft>
+                <a:spcPts val="0"/>
+              </a:spcAft>
+              <a:buSzPts val="2000"/>
+              <a:buFont typeface="Times New Roman"/>
+              <a:buChar char="○"/>
+            </a:pPr>
+            <a:r>
+              <a:rPr b="1" lang="en" sz="2000" u="sng">
+                <a:solidFill>
+                  <a:schemeClr val="hlink"/>
+                </a:solidFill>
+                <a:latin typeface="Times New Roman"/>
+                <a:ea typeface="Times New Roman"/>
+                <a:cs typeface="Times New Roman"/>
+                <a:sym typeface="Times New Roman"/>
+                <a:hlinkClick r:id="rId3"/>
+              </a:rPr>
+              <a:t>revert</a:t>
+            </a:r>
+            <a:r>
+              <a:rPr lang="en" sz="2000">
+                <a:latin typeface="Times New Roman"/>
+                <a:ea typeface="Times New Roman"/>
+                <a:cs typeface="Times New Roman"/>
+                <a:sym typeface="Times New Roman"/>
+              </a:rPr>
+              <a:t> – browser's default</a:t>
+            </a:r>
+            <a:endParaRPr sz="2000">
+              <a:latin typeface="Times New Roman"/>
+              <a:ea typeface="Times New Roman"/>
+              <a:cs typeface="Times New Roman"/>
+              <a:sym typeface="Times New Roman"/>
+            </a:endParaRPr>
+          </a:p>
+          <a:p>
+            <a:pPr indent="-355600" lvl="1" marL="914400" rtl="0" algn="l">
+              <a:lnSpc>
+                <a:spcPct val="115000"/>
+              </a:lnSpc>
+              <a:spcBef>
+                <a:spcPts val="0"/>
+              </a:spcBef>
+              <a:spcAft>
+                <a:spcPts val="0"/>
+              </a:spcAft>
+              <a:buSzPts val="2000"/>
+              <a:buFont typeface="Times New Roman"/>
+              <a:buChar char="○"/>
+            </a:pPr>
+            <a:r>
+              <a:rPr b="1" lang="en" sz="2000" u="sng">
+                <a:solidFill>
+                  <a:schemeClr val="hlink"/>
+                </a:solidFill>
+                <a:latin typeface="Times New Roman"/>
+                <a:ea typeface="Times New Roman"/>
+                <a:cs typeface="Times New Roman"/>
+                <a:sym typeface="Times New Roman"/>
+                <a:hlinkClick r:id="rId4"/>
+              </a:rPr>
+              <a:t>revert</a:t>
+            </a:r>
+            <a:r>
+              <a:rPr lang="en" sz="2000" u="sng">
+                <a:solidFill>
+                  <a:schemeClr val="hlink"/>
+                </a:solidFill>
+                <a:latin typeface="Times New Roman"/>
+                <a:ea typeface="Times New Roman"/>
+                <a:cs typeface="Times New Roman"/>
+                <a:sym typeface="Times New Roman"/>
+                <a:hlinkClick r:id="rId5"/>
+              </a:rPr>
+              <a:t> </a:t>
+            </a:r>
+            <a:r>
+              <a:rPr b="1" lang="en" sz="2000" u="sng">
+                <a:solidFill>
+                  <a:schemeClr val="hlink"/>
+                </a:solidFill>
+                <a:latin typeface="Times New Roman"/>
+                <a:ea typeface="Times New Roman"/>
+                <a:cs typeface="Times New Roman"/>
+                <a:sym typeface="Times New Roman"/>
+                <a:hlinkClick r:id="rId6"/>
+              </a:rPr>
+              <a:t>layer</a:t>
+            </a:r>
+            <a:r>
+              <a:rPr lang="en" sz="2000">
+                <a:latin typeface="Times New Roman"/>
+                <a:ea typeface="Times New Roman"/>
+                <a:cs typeface="Times New Roman"/>
+                <a:sym typeface="Times New Roman"/>
+              </a:rPr>
+              <a:t>– previous cascade </a:t>
+            </a:r>
+            <a:r>
+              <a:rPr lang="en" sz="2000" u="sng">
+                <a:solidFill>
+                  <a:schemeClr val="hlink"/>
+                </a:solidFill>
+                <a:latin typeface="Times New Roman"/>
+                <a:ea typeface="Times New Roman"/>
+                <a:cs typeface="Times New Roman"/>
+                <a:sym typeface="Times New Roman"/>
+                <a:hlinkClick r:id="rId7"/>
+              </a:rPr>
+              <a:t>layer</a:t>
+            </a:r>
+            <a:endParaRPr sz="2000">
+              <a:latin typeface="Times New Roman"/>
+              <a:ea typeface="Times New Roman"/>
+              <a:cs typeface="Times New Roman"/>
+              <a:sym typeface="Times New Roman"/>
+            </a:endParaRPr>
+          </a:p>
+        </p:txBody>
+      </p:sp>
+      <p:sp>
+        <p:nvSpPr>
+          <p:cNvPr id="284" name="Google Shape;284;g2f62552a751_0_61"/>
+          <p:cNvSpPr txBox="1"/>
+          <p:nvPr/>
+        </p:nvSpPr>
+        <p:spPr>
+          <a:xfrm>
+            <a:off x="5193225" y="1865325"/>
+            <a:ext cx="1581000" cy="400200"/>
+          </a:xfrm>
+          <a:prstGeom prst="rect">
+            <a:avLst/>
+          </a:prstGeom>
+          <a:noFill/>
+          <a:ln>
+            <a:noFill/>
+          </a:ln>
+        </p:spPr>
+        <p:txBody>
+          <a:bodyPr anchorCtr="0" anchor="t" bIns="91425" lIns="91425" spcFirstLastPara="1" rIns="91425" wrap="square" tIns="91425">
+            <a:spAutoFit/>
+          </a:bodyPr>
+          <a:lstStyle/>
+          <a:p>
+            <a:pPr indent="0" lvl="0" marL="0" rtl="0" algn="l">
+              <a:spcBef>
+                <a:spcPts val="0"/>
+              </a:spcBef>
+              <a:spcAft>
+                <a:spcPts val="0"/>
+              </a:spcAft>
+              <a:buNone/>
+            </a:pPr>
+            <a:r>
+              <a:rPr lang="en">
+                <a:solidFill>
+                  <a:schemeClr val="dk1"/>
+                </a:solidFill>
+                <a:latin typeface="Courier New"/>
+                <a:ea typeface="Courier New"/>
+                <a:cs typeface="Courier New"/>
+                <a:sym typeface="Courier New"/>
+              </a:rPr>
+              <a:t>page-14.html</a:t>
+            </a:r>
+            <a:endParaRPr>
+              <a:latin typeface="Courier New"/>
+              <a:ea typeface="Courier New"/>
+              <a:cs typeface="Courier New"/>
+              <a:sym typeface="Courier New"/>
+            </a:endParaRPr>
+          </a:p>
+        </p:txBody>
+      </p:sp>
+      <p:sp>
+        <p:nvSpPr>
+          <p:cNvPr id="285" name="Google Shape;285;g2f62552a751_0_61"/>
+          <p:cNvSpPr txBox="1"/>
+          <p:nvPr/>
+        </p:nvSpPr>
+        <p:spPr>
+          <a:xfrm>
+            <a:off x="5193225" y="2219850"/>
+            <a:ext cx="1581000" cy="400200"/>
+          </a:xfrm>
+          <a:prstGeom prst="rect">
+            <a:avLst/>
+          </a:prstGeom>
+          <a:noFill/>
+          <a:ln>
+            <a:noFill/>
+          </a:ln>
+        </p:spPr>
+        <p:txBody>
+          <a:bodyPr anchorCtr="0" anchor="t" bIns="91425" lIns="91425" spcFirstLastPara="1" rIns="91425" wrap="square" tIns="91425">
+            <a:spAutoFit/>
+          </a:bodyPr>
+          <a:lstStyle/>
+          <a:p>
+            <a:pPr indent="0" lvl="0" marL="0" rtl="0" algn="l">
+              <a:spcBef>
+                <a:spcPts val="0"/>
+              </a:spcBef>
+              <a:spcAft>
+                <a:spcPts val="0"/>
+              </a:spcAft>
+              <a:buNone/>
+            </a:pPr>
+            <a:r>
+              <a:rPr lang="en">
+                <a:solidFill>
+                  <a:schemeClr val="dk1"/>
+                </a:solidFill>
+                <a:latin typeface="Courier New"/>
+                <a:ea typeface="Courier New"/>
+                <a:cs typeface="Courier New"/>
+                <a:sym typeface="Courier New"/>
+              </a:rPr>
+              <a:t>page-15.html</a:t>
+            </a:r>
+            <a:endParaRPr>
+              <a:latin typeface="Courier New"/>
+              <a:ea typeface="Courier New"/>
+              <a:cs typeface="Courier New"/>
+              <a:sym typeface="Courier New"/>
+            </a:endParaRPr>
+          </a:p>
+        </p:txBody>
+      </p:sp>
+      <p:sp>
+        <p:nvSpPr>
+          <p:cNvPr id="286" name="Google Shape;286;g2f62552a751_0_61"/>
+          <p:cNvSpPr txBox="1"/>
+          <p:nvPr/>
+        </p:nvSpPr>
+        <p:spPr>
+          <a:xfrm>
+            <a:off x="5193225" y="2571750"/>
+            <a:ext cx="1581000" cy="400200"/>
+          </a:xfrm>
+          <a:prstGeom prst="rect">
+            <a:avLst/>
+          </a:prstGeom>
+          <a:noFill/>
+          <a:ln>
+            <a:noFill/>
+          </a:ln>
+        </p:spPr>
+        <p:txBody>
+          <a:bodyPr anchorCtr="0" anchor="t" bIns="91425" lIns="91425" spcFirstLastPara="1" rIns="91425" wrap="square" tIns="91425">
+            <a:spAutoFit/>
+          </a:bodyPr>
+          <a:lstStyle/>
+          <a:p>
+            <a:pPr indent="0" lvl="0" marL="0" rtl="0" algn="l">
+              <a:spcBef>
+                <a:spcPts val="0"/>
+              </a:spcBef>
+              <a:spcAft>
+                <a:spcPts val="0"/>
+              </a:spcAft>
+              <a:buNone/>
+            </a:pPr>
+            <a:r>
+              <a:rPr lang="en">
+                <a:solidFill>
+                  <a:schemeClr val="dk1"/>
+                </a:solidFill>
+                <a:latin typeface="Courier New"/>
+                <a:ea typeface="Courier New"/>
+                <a:cs typeface="Courier New"/>
+                <a:sym typeface="Courier New"/>
+              </a:rPr>
+              <a:t>page-16.html</a:t>
+            </a:r>
+            <a:endParaRPr>
+              <a:latin typeface="Courier New"/>
+              <a:ea typeface="Courier New"/>
+              <a:cs typeface="Courier New"/>
+              <a:sym typeface="Courier New"/>
+            </a:endParaRPr>
+          </a:p>
+        </p:txBody>
+      </p:sp>
+    </p:spTree>
+  </p:cSld>
+  <p:clrMapOvr>
+    <a:masterClrMapping/>
+  </p:clrMapOvr>
+</p:sld>
+</file>
+
+<file path=ppt/slides/slide23.xml><?xml version="1.0" encoding="utf-8"?>
+<p:sld xmlns:a="http://schemas.openxmlformats.org/drawingml/2006/main" xmlns:r="http://schemas.openxmlformats.org/officeDocument/2006/relationships" xmlns:mc="http://schemas.openxmlformats.org/markup-compatibility/2006" xmlns:mv="urn:schemas-microsoft-com:mac:vml" xmlns:p="http://schemas.openxmlformats.org/presentationml/2006/main" xmlns:c="http://schemas.openxmlformats.org/drawingml/2006/chart" xmlns:dgm="http://schemas.openxmlformats.org/drawingml/2006/diagram" xmlns:o="urn:schemas-microsoft-com:office:office" xmlns:v="urn:schemas-microsoft-com:vml" xmlns:pvml="urn:schemas-microsoft-com:office:powerpoint" xmlns:com="http://schemas.openxmlformats.org/drawingml/2006/compatibility" xmlns:p14="http://schemas.microsoft.com/office/powerpoint/2010/main" xmlns:p15="http://schemas.microsoft.com/office/powerpoint/2012/main" xmlns:ahyp="http://schemas.microsoft.com/office/drawing/2018/hyperlinkcolor">
+  <p:cSld>
+    <p:spTree>
+      <p:nvGrpSpPr>
+        <p:cNvPr id="290" name="Shape 290"/>
+        <p:cNvGrpSpPr/>
+        <p:nvPr/>
+      </p:nvGrpSpPr>
+      <p:grpSpPr>
+        <a:xfrm>
+          <a:off x="0" y="0"/>
+          <a:ext cx="0" cy="0"/>
+          <a:chOff x="0" y="0"/>
+          <a:chExt cx="0" cy="0"/>
+        </a:xfrm>
+      </p:grpSpPr>
+      <p:sp>
+        <p:nvSpPr>
+          <p:cNvPr id="291" name="Google Shape;291;g2f62552a751_0_66"/>
+          <p:cNvSpPr txBox="1"/>
+          <p:nvPr>
+            <p:ph type="title"/>
+          </p:nvPr>
+        </p:nvSpPr>
+        <p:spPr>
+          <a:xfrm>
+            <a:off x="0" y="0"/>
+            <a:ext cx="9144000" cy="572700"/>
+          </a:xfrm>
+          <a:prstGeom prst="rect">
+            <a:avLst/>
+          </a:prstGeom>
+          <a:noFill/>
+          <a:ln>
+            <a:noFill/>
+          </a:ln>
+        </p:spPr>
+        <p:txBody>
+          <a:bodyPr anchorCtr="0" anchor="t" bIns="91425" lIns="91425" spcFirstLastPara="1" rIns="91425" wrap="square" tIns="91425">
+            <a:noAutofit/>
+          </a:bodyPr>
+          <a:lstStyle/>
+          <a:p>
+            <a:pPr indent="0" lvl="0" marL="0" rtl="0" algn="l">
+              <a:lnSpc>
+                <a:spcPct val="100000"/>
+              </a:lnSpc>
+              <a:spcBef>
+                <a:spcPts val="0"/>
+              </a:spcBef>
+              <a:spcAft>
+                <a:spcPts val="0"/>
+              </a:spcAft>
+              <a:buSzPts val="2800"/>
+              <a:buNone/>
+            </a:pPr>
+            <a:r>
+              <a:rPr lang="en" sz="3000"/>
+              <a:t>!important</a:t>
+            </a:r>
+            <a:endParaRPr sz="3000"/>
+          </a:p>
+        </p:txBody>
+      </p:sp>
+      <p:sp>
+        <p:nvSpPr>
+          <p:cNvPr id="292" name="Google Shape;292;g2f62552a751_0_66"/>
+          <p:cNvSpPr txBox="1"/>
+          <p:nvPr>
+            <p:ph idx="1" type="body"/>
+          </p:nvPr>
+        </p:nvSpPr>
+        <p:spPr>
+          <a:xfrm>
+            <a:off x="0" y="572700"/>
+            <a:ext cx="9144000" cy="4570800"/>
+          </a:xfrm>
+          <a:prstGeom prst="rect">
+            <a:avLst/>
+          </a:prstGeom>
+          <a:noFill/>
+          <a:ln>
+            <a:noFill/>
+          </a:ln>
+        </p:spPr>
+        <p:txBody>
+          <a:bodyPr anchorCtr="0" anchor="t" bIns="91425" lIns="91425" spcFirstLastPara="1" rIns="91425" wrap="square" tIns="91425">
+            <a:normAutofit/>
+          </a:bodyPr>
+          <a:lstStyle/>
+          <a:p>
+            <a:pPr indent="0" lvl="0" marL="0" rtl="0" algn="l">
+              <a:lnSpc>
+                <a:spcPct val="115000"/>
+              </a:lnSpc>
+              <a:spcBef>
+                <a:spcPts val="0"/>
+              </a:spcBef>
+              <a:spcAft>
+                <a:spcPts val="0"/>
+              </a:spcAft>
+              <a:buSzPts val="1800"/>
+              <a:buNone/>
+            </a:pPr>
+            <a:r>
+              <a:rPr lang="en">
+                <a:solidFill>
+                  <a:schemeClr val="dk1"/>
+                </a:solidFill>
+                <a:latin typeface="Times New Roman"/>
+                <a:ea typeface="Times New Roman"/>
+                <a:cs typeface="Times New Roman"/>
+                <a:sym typeface="Times New Roman"/>
+              </a:rPr>
+              <a:t>Importance is the mechanism to apply a rule no matter what the order specificity or inheritance of other rules.</a:t>
+            </a:r>
+            <a:endParaRPr>
+              <a:solidFill>
+                <a:schemeClr val="dk1"/>
+              </a:solidFill>
+              <a:latin typeface="Times New Roman"/>
+              <a:ea typeface="Times New Roman"/>
+              <a:cs typeface="Times New Roman"/>
+              <a:sym typeface="Times New Roman"/>
+            </a:endParaRPr>
+          </a:p>
+          <a:p>
+            <a:pPr indent="0" lvl="0" marL="0" rtl="0" algn="l">
+              <a:lnSpc>
+                <a:spcPct val="115000"/>
+              </a:lnSpc>
+              <a:spcBef>
+                <a:spcPts val="0"/>
+              </a:spcBef>
+              <a:spcAft>
+                <a:spcPts val="0"/>
+              </a:spcAft>
+              <a:buSzPts val="1800"/>
+              <a:buNone/>
+            </a:pPr>
+            <a:r>
+              <a:t/>
+            </a:r>
+            <a:endParaRPr>
+              <a:solidFill>
+                <a:schemeClr val="dk1"/>
+              </a:solidFill>
+              <a:latin typeface="Times New Roman"/>
+              <a:ea typeface="Times New Roman"/>
+              <a:cs typeface="Times New Roman"/>
+              <a:sym typeface="Times New Roman"/>
+            </a:endParaRPr>
+          </a:p>
+          <a:p>
+            <a:pPr indent="0" lvl="0" marL="0" rtl="0" algn="l">
+              <a:lnSpc>
+                <a:spcPct val="115000"/>
+              </a:lnSpc>
+              <a:spcBef>
+                <a:spcPts val="0"/>
+              </a:spcBef>
+              <a:spcAft>
+                <a:spcPts val="0"/>
+              </a:spcAft>
+              <a:buSzPts val="1800"/>
+              <a:buNone/>
+            </a:pPr>
+            <a:r>
+              <a:rPr b="1" lang="en">
+                <a:solidFill>
+                  <a:srgbClr val="A62A2A"/>
+                </a:solidFill>
+                <a:latin typeface="Courier New"/>
+                <a:ea typeface="Courier New"/>
+                <a:cs typeface="Courier New"/>
+                <a:sym typeface="Courier New"/>
+              </a:rPr>
+              <a:t>h1</a:t>
+            </a:r>
+            <a:endParaRPr b="1">
+              <a:solidFill>
+                <a:srgbClr val="A62A2A"/>
+              </a:solidFill>
+              <a:latin typeface="Courier New"/>
+              <a:ea typeface="Courier New"/>
+              <a:cs typeface="Courier New"/>
+              <a:sym typeface="Courier New"/>
+            </a:endParaRPr>
+          </a:p>
+          <a:p>
+            <a:pPr indent="0" lvl="0" marL="0" rtl="0" algn="l">
+              <a:lnSpc>
+                <a:spcPct val="115000"/>
+              </a:lnSpc>
+              <a:spcBef>
+                <a:spcPts val="0"/>
+              </a:spcBef>
+              <a:spcAft>
+                <a:spcPts val="0"/>
+              </a:spcAft>
+              <a:buClr>
+                <a:schemeClr val="dk1"/>
+              </a:buClr>
+              <a:buSzPts val="1100"/>
+              <a:buFont typeface="Arial"/>
+              <a:buNone/>
+            </a:pPr>
+            <a:r>
+              <a:rPr b="1" lang="en">
+                <a:solidFill>
+                  <a:schemeClr val="dk1"/>
+                </a:solidFill>
+                <a:latin typeface="Courier New"/>
+                <a:ea typeface="Courier New"/>
+                <a:cs typeface="Courier New"/>
+                <a:sym typeface="Courier New"/>
+              </a:rPr>
+              <a:t>{</a:t>
+            </a:r>
+            <a:endParaRPr b="1">
+              <a:solidFill>
+                <a:schemeClr val="dk1"/>
+              </a:solidFill>
+              <a:latin typeface="Courier New"/>
+              <a:ea typeface="Courier New"/>
+              <a:cs typeface="Courier New"/>
+              <a:sym typeface="Courier New"/>
+            </a:endParaRPr>
+          </a:p>
+          <a:p>
+            <a:pPr indent="457200" lvl="0" marL="0" rtl="0" algn="l">
+              <a:lnSpc>
+                <a:spcPct val="115000"/>
+              </a:lnSpc>
+              <a:spcBef>
+                <a:spcPts val="0"/>
+              </a:spcBef>
+              <a:spcAft>
+                <a:spcPts val="0"/>
+              </a:spcAft>
+              <a:buClr>
+                <a:schemeClr val="dk1"/>
+              </a:buClr>
+              <a:buSzPts val="1100"/>
+              <a:buFont typeface="Arial"/>
+              <a:buNone/>
+            </a:pPr>
+            <a:r>
+              <a:rPr b="1" lang="en">
+                <a:solidFill>
+                  <a:srgbClr val="FF0000"/>
+                </a:solidFill>
+                <a:latin typeface="Courier New"/>
+                <a:ea typeface="Courier New"/>
+                <a:cs typeface="Courier New"/>
+                <a:sym typeface="Courier New"/>
+              </a:rPr>
+              <a:t>color</a:t>
+            </a:r>
+            <a:r>
+              <a:rPr b="1" lang="en">
+                <a:solidFill>
+                  <a:schemeClr val="dk1"/>
+                </a:solidFill>
+                <a:latin typeface="Courier New"/>
+                <a:ea typeface="Courier New"/>
+                <a:cs typeface="Courier New"/>
+                <a:sym typeface="Courier New"/>
+              </a:rPr>
+              <a:t>: </a:t>
+            </a:r>
+            <a:r>
+              <a:rPr b="1" lang="en">
+                <a:solidFill>
+                  <a:srgbClr val="0000CE"/>
+                </a:solidFill>
+                <a:latin typeface="Courier New"/>
+                <a:ea typeface="Courier New"/>
+                <a:cs typeface="Courier New"/>
+                <a:sym typeface="Courier New"/>
+              </a:rPr>
+              <a:t>blue !important</a:t>
+            </a:r>
+            <a:r>
+              <a:rPr b="1" lang="en">
+                <a:solidFill>
+                  <a:schemeClr val="dk1"/>
+                </a:solidFill>
+                <a:latin typeface="Courier New"/>
+                <a:ea typeface="Courier New"/>
+                <a:cs typeface="Courier New"/>
+                <a:sym typeface="Courier New"/>
+              </a:rPr>
+              <a:t>;</a:t>
+            </a:r>
+            <a:endParaRPr b="1">
+              <a:solidFill>
+                <a:schemeClr val="dk1"/>
+              </a:solidFill>
+              <a:latin typeface="Courier New"/>
+              <a:ea typeface="Courier New"/>
+              <a:cs typeface="Courier New"/>
+              <a:sym typeface="Courier New"/>
+            </a:endParaRPr>
+          </a:p>
+          <a:p>
+            <a:pPr indent="0" lvl="0" marL="0" rtl="0" algn="l">
+              <a:lnSpc>
+                <a:spcPct val="115000"/>
+              </a:lnSpc>
+              <a:spcBef>
+                <a:spcPts val="0"/>
+              </a:spcBef>
+              <a:spcAft>
+                <a:spcPts val="0"/>
+              </a:spcAft>
+              <a:buClr>
+                <a:schemeClr val="dk1"/>
+              </a:buClr>
+              <a:buSzPts val="1100"/>
+              <a:buFont typeface="Arial"/>
+              <a:buNone/>
+            </a:pPr>
+            <a:r>
+              <a:rPr b="1" lang="en">
+                <a:solidFill>
+                  <a:schemeClr val="dk1"/>
+                </a:solidFill>
+                <a:latin typeface="Courier New"/>
+                <a:ea typeface="Courier New"/>
+                <a:cs typeface="Courier New"/>
+                <a:sym typeface="Courier New"/>
+              </a:rPr>
+              <a:t>}</a:t>
+            </a:r>
+            <a:endParaRPr b="1">
+              <a:solidFill>
+                <a:schemeClr val="dk1"/>
+              </a:solidFill>
+              <a:latin typeface="Courier New"/>
+              <a:ea typeface="Courier New"/>
+              <a:cs typeface="Courier New"/>
+              <a:sym typeface="Courier New"/>
+            </a:endParaRPr>
+          </a:p>
+          <a:p>
+            <a:pPr indent="0" lvl="0" marL="0" rtl="0" algn="l">
+              <a:lnSpc>
+                <a:spcPct val="115000"/>
+              </a:lnSpc>
+              <a:spcBef>
+                <a:spcPts val="0"/>
+              </a:spcBef>
+              <a:spcAft>
+                <a:spcPts val="0"/>
+              </a:spcAft>
+              <a:buClr>
+                <a:schemeClr val="dk1"/>
+              </a:buClr>
+              <a:buSzPts val="1100"/>
+              <a:buFont typeface="Arial"/>
+              <a:buNone/>
+            </a:pPr>
+            <a:r>
+              <a:rPr b="1" lang="en">
+                <a:solidFill>
+                  <a:srgbClr val="008100"/>
+                </a:solidFill>
+                <a:latin typeface="Courier New"/>
+                <a:ea typeface="Courier New"/>
+                <a:cs typeface="Courier New"/>
+                <a:sym typeface="Courier New"/>
+              </a:rPr>
+              <a:t>/</a:t>
+            </a:r>
+            <a:r>
+              <a:rPr b="1" lang="en">
+                <a:solidFill>
+                  <a:srgbClr val="008100"/>
+                </a:solidFill>
+                <a:latin typeface="Courier New"/>
+                <a:ea typeface="Courier New"/>
+                <a:cs typeface="Courier New"/>
+                <a:sym typeface="Courier New"/>
+              </a:rPr>
+              <a:t>* this rule is not applied */</a:t>
+            </a:r>
+            <a:endParaRPr b="1">
+              <a:solidFill>
+                <a:srgbClr val="008100"/>
+              </a:solidFill>
+              <a:latin typeface="Courier New"/>
+              <a:ea typeface="Courier New"/>
+              <a:cs typeface="Courier New"/>
+              <a:sym typeface="Courier New"/>
+            </a:endParaRPr>
+          </a:p>
+          <a:p>
+            <a:pPr indent="0" lvl="0" marL="0" rtl="0" algn="l">
+              <a:lnSpc>
+                <a:spcPct val="115000"/>
+              </a:lnSpc>
+              <a:spcBef>
+                <a:spcPts val="0"/>
+              </a:spcBef>
+              <a:spcAft>
+                <a:spcPts val="0"/>
+              </a:spcAft>
+              <a:buSzPts val="1800"/>
+              <a:buNone/>
+            </a:pPr>
+            <a:r>
+              <a:rPr b="1" lang="en">
+                <a:solidFill>
+                  <a:srgbClr val="A62A2A"/>
+                </a:solidFill>
+                <a:latin typeface="Courier New"/>
+                <a:ea typeface="Courier New"/>
+                <a:cs typeface="Courier New"/>
+                <a:sym typeface="Courier New"/>
+              </a:rPr>
+              <a:t>h1 </a:t>
+            </a:r>
+            <a:endParaRPr b="1">
+              <a:solidFill>
+                <a:srgbClr val="A62A2A"/>
+              </a:solidFill>
+              <a:latin typeface="Courier New"/>
+              <a:ea typeface="Courier New"/>
+              <a:cs typeface="Courier New"/>
+              <a:sym typeface="Courier New"/>
+            </a:endParaRPr>
+          </a:p>
+          <a:p>
+            <a:pPr indent="0" lvl="0" marL="0" rtl="0" algn="l">
+              <a:lnSpc>
+                <a:spcPct val="115000"/>
+              </a:lnSpc>
+              <a:spcBef>
+                <a:spcPts val="0"/>
+              </a:spcBef>
+              <a:spcAft>
+                <a:spcPts val="0"/>
+              </a:spcAft>
+              <a:buClr>
+                <a:schemeClr val="dk1"/>
+              </a:buClr>
+              <a:buSzPts val="1100"/>
+              <a:buFont typeface="Arial"/>
+              <a:buNone/>
+            </a:pPr>
+            <a:r>
+              <a:rPr b="1" lang="en">
+                <a:solidFill>
+                  <a:schemeClr val="dk1"/>
+                </a:solidFill>
+                <a:latin typeface="Courier New"/>
+                <a:ea typeface="Courier New"/>
+                <a:cs typeface="Courier New"/>
+                <a:sym typeface="Courier New"/>
+              </a:rPr>
+              <a:t>{</a:t>
+            </a:r>
+            <a:endParaRPr b="1">
+              <a:solidFill>
+                <a:schemeClr val="dk1"/>
+              </a:solidFill>
+              <a:latin typeface="Courier New"/>
+              <a:ea typeface="Courier New"/>
+              <a:cs typeface="Courier New"/>
+              <a:sym typeface="Courier New"/>
+            </a:endParaRPr>
+          </a:p>
+          <a:p>
+            <a:pPr indent="457200" lvl="0" marL="0" rtl="0" algn="l">
+              <a:lnSpc>
+                <a:spcPct val="115000"/>
+              </a:lnSpc>
+              <a:spcBef>
+                <a:spcPts val="0"/>
+              </a:spcBef>
+              <a:spcAft>
+                <a:spcPts val="0"/>
+              </a:spcAft>
+              <a:buClr>
+                <a:schemeClr val="dk1"/>
+              </a:buClr>
+              <a:buSzPts val="1100"/>
+              <a:buFont typeface="Arial"/>
+              <a:buNone/>
+            </a:pPr>
+            <a:r>
+              <a:rPr b="1" lang="en">
+                <a:solidFill>
+                  <a:srgbClr val="FF0000"/>
+                </a:solidFill>
+                <a:latin typeface="Courier New"/>
+                <a:ea typeface="Courier New"/>
+                <a:cs typeface="Courier New"/>
+                <a:sym typeface="Courier New"/>
+              </a:rPr>
+              <a:t>color</a:t>
+            </a:r>
+            <a:r>
+              <a:rPr b="1" lang="en">
+                <a:solidFill>
+                  <a:schemeClr val="dk1"/>
+                </a:solidFill>
+                <a:latin typeface="Courier New"/>
+                <a:ea typeface="Courier New"/>
+                <a:cs typeface="Courier New"/>
+                <a:sym typeface="Courier New"/>
+              </a:rPr>
+              <a:t>: </a:t>
+            </a:r>
+            <a:r>
+              <a:rPr b="1" lang="en">
+                <a:solidFill>
+                  <a:srgbClr val="0000CE"/>
+                </a:solidFill>
+                <a:latin typeface="Courier New"/>
+                <a:ea typeface="Courier New"/>
+                <a:cs typeface="Courier New"/>
+                <a:sym typeface="Courier New"/>
+              </a:rPr>
+              <a:t>green</a:t>
+            </a:r>
+            <a:r>
+              <a:rPr b="1" lang="en">
+                <a:solidFill>
+                  <a:schemeClr val="dk1"/>
+                </a:solidFill>
+                <a:latin typeface="Courier New"/>
+                <a:ea typeface="Courier New"/>
+                <a:cs typeface="Courier New"/>
+                <a:sym typeface="Courier New"/>
+              </a:rPr>
+              <a:t>;</a:t>
+            </a:r>
+            <a:endParaRPr b="1">
+              <a:solidFill>
+                <a:schemeClr val="dk1"/>
+              </a:solidFill>
+              <a:latin typeface="Courier New"/>
+              <a:ea typeface="Courier New"/>
+              <a:cs typeface="Courier New"/>
+              <a:sym typeface="Courier New"/>
+            </a:endParaRPr>
+          </a:p>
+          <a:p>
+            <a:pPr indent="0" lvl="0" marL="0" rtl="0" algn="l">
+              <a:lnSpc>
+                <a:spcPct val="115000"/>
+              </a:lnSpc>
+              <a:spcBef>
+                <a:spcPts val="0"/>
+              </a:spcBef>
+              <a:spcAft>
+                <a:spcPts val="0"/>
+              </a:spcAft>
+              <a:buSzPts val="1800"/>
+              <a:buNone/>
+            </a:pPr>
+            <a:r>
+              <a:rPr b="1" lang="en">
+                <a:solidFill>
+                  <a:schemeClr val="dk1"/>
+                </a:solidFill>
+                <a:latin typeface="Courier New"/>
+                <a:ea typeface="Courier New"/>
+                <a:cs typeface="Courier New"/>
+                <a:sym typeface="Courier New"/>
+              </a:rPr>
+              <a:t>}</a:t>
+            </a:r>
+            <a:endParaRPr b="1">
+              <a:solidFill>
+                <a:schemeClr val="dk1"/>
+              </a:solidFill>
+              <a:latin typeface="Courier New"/>
+              <a:ea typeface="Courier New"/>
+              <a:cs typeface="Courier New"/>
+              <a:sym typeface="Courier New"/>
+            </a:endParaRPr>
+          </a:p>
+        </p:txBody>
+      </p:sp>
+      <p:sp>
+        <p:nvSpPr>
+          <p:cNvPr id="293" name="Google Shape;293;g2f62552a751_0_66"/>
+          <p:cNvSpPr/>
+          <p:nvPr/>
+        </p:nvSpPr>
+        <p:spPr>
+          <a:xfrm>
+            <a:off x="4572000" y="2097750"/>
+            <a:ext cx="4184400" cy="1520700"/>
+          </a:xfrm>
+          <a:prstGeom prst="rect">
+            <a:avLst/>
+          </a:prstGeom>
+          <a:noFill/>
+          <a:ln>
+            <a:noFill/>
+          </a:ln>
+        </p:spPr>
+        <p:txBody>
+          <a:bodyPr anchorCtr="0" anchor="ctr" bIns="91425" lIns="91425" spcFirstLastPara="1" rIns="91425" wrap="square" tIns="91425">
+            <a:noAutofit/>
+          </a:bodyPr>
+          <a:lstStyle/>
+          <a:p>
+            <a:pPr indent="0" lvl="0" marL="0" marR="0" rtl="0" algn="ctr">
+              <a:lnSpc>
+                <a:spcPct val="100000"/>
+              </a:lnSpc>
+              <a:spcBef>
+                <a:spcPts val="0"/>
+              </a:spcBef>
+              <a:spcAft>
+                <a:spcPts val="0"/>
+              </a:spcAft>
+              <a:buClr>
+                <a:schemeClr val="dk1"/>
+              </a:buClr>
+              <a:buSzPts val="1100"/>
+              <a:buFont typeface="Arial"/>
+              <a:buNone/>
+            </a:pPr>
+            <a:r>
+              <a:rPr b="0" i="0" lang="en" sz="1800" u="none" cap="none" strike="noStrike">
+                <a:solidFill>
+                  <a:srgbClr val="000000"/>
+                </a:solidFill>
+                <a:latin typeface="Times New Roman"/>
+                <a:ea typeface="Times New Roman"/>
+                <a:cs typeface="Times New Roman"/>
+                <a:sym typeface="Times New Roman"/>
+              </a:rPr>
+              <a:t>However, it is not recommended</a:t>
+            </a:r>
+            <a:endParaRPr b="0" i="0" sz="1800" u="none" cap="none" strike="noStrike">
+              <a:solidFill>
+                <a:srgbClr val="000000"/>
+              </a:solidFill>
+              <a:latin typeface="Times New Roman"/>
+              <a:ea typeface="Times New Roman"/>
+              <a:cs typeface="Times New Roman"/>
+              <a:sym typeface="Times New Roman"/>
+            </a:endParaRPr>
+          </a:p>
+          <a:p>
+            <a:pPr indent="0" lvl="0" marL="0" marR="0" rtl="0" algn="ctr">
+              <a:lnSpc>
+                <a:spcPct val="100000"/>
+              </a:lnSpc>
+              <a:spcBef>
+                <a:spcPts val="0"/>
+              </a:spcBef>
+              <a:spcAft>
+                <a:spcPts val="0"/>
+              </a:spcAft>
+              <a:buClr>
+                <a:schemeClr val="dk1"/>
+              </a:buClr>
+              <a:buSzPts val="1100"/>
+              <a:buFont typeface="Arial"/>
+              <a:buNone/>
+            </a:pPr>
+            <a:r>
+              <a:rPr b="0" i="0" lang="en" sz="1800" u="none" cap="none" strike="noStrike">
+                <a:solidFill>
+                  <a:srgbClr val="000000"/>
+                </a:solidFill>
+                <a:latin typeface="Times New Roman"/>
+                <a:ea typeface="Times New Roman"/>
+                <a:cs typeface="Times New Roman"/>
+                <a:sym typeface="Times New Roman"/>
+              </a:rPr>
+              <a:t>to use it unless really necessary</a:t>
+            </a:r>
+            <a:endParaRPr b="0" i="0" sz="1800" u="none" cap="none" strike="noStrike">
+              <a:solidFill>
+                <a:srgbClr val="000000"/>
+              </a:solidFill>
+              <a:latin typeface="Times New Roman"/>
+              <a:ea typeface="Times New Roman"/>
+              <a:cs typeface="Times New Roman"/>
+              <a:sym typeface="Times New Roman"/>
+            </a:endParaRPr>
+          </a:p>
+        </p:txBody>
+      </p:sp>
+      <p:sp>
+        <p:nvSpPr>
+          <p:cNvPr id="294" name="Google Shape;294;g2f62552a751_0_66"/>
+          <p:cNvSpPr/>
+          <p:nvPr/>
+        </p:nvSpPr>
+        <p:spPr>
+          <a:xfrm>
+            <a:off x="7436600" y="4821300"/>
+            <a:ext cx="1707300" cy="322200"/>
+          </a:xfrm>
+          <a:prstGeom prst="rect">
+            <a:avLst/>
+          </a:prstGeom>
+          <a:noFill/>
+          <a:ln>
+            <a:noFill/>
+          </a:ln>
+        </p:spPr>
+        <p:txBody>
+          <a:bodyPr anchorCtr="0" anchor="ctr" bIns="91425" lIns="91425" spcFirstLastPara="1" rIns="91425" wrap="square" tIns="91425">
+            <a:noAutofit/>
+          </a:bodyPr>
+          <a:lstStyle/>
+          <a:p>
+            <a:pPr indent="0" lvl="0" marL="0" rtl="0" algn="ctr">
+              <a:spcBef>
+                <a:spcPts val="0"/>
+              </a:spcBef>
+              <a:spcAft>
+                <a:spcPts val="0"/>
+              </a:spcAft>
+              <a:buNone/>
+            </a:pPr>
+            <a:r>
+              <a:rPr lang="en">
+                <a:latin typeface="Courier New"/>
+                <a:ea typeface="Courier New"/>
+                <a:cs typeface="Courier New"/>
+                <a:sym typeface="Courier New"/>
+              </a:rPr>
+              <a:t>page-17</a:t>
+            </a:r>
+            <a:r>
+              <a:rPr lang="en">
+                <a:solidFill>
+                  <a:srgbClr val="000000"/>
+                </a:solidFill>
+                <a:latin typeface="Courier New"/>
+                <a:ea typeface="Courier New"/>
+                <a:cs typeface="Courier New"/>
+                <a:sym typeface="Courier New"/>
+              </a:rPr>
+              <a:t>.html</a:t>
+            </a:r>
+            <a:endParaRPr>
+              <a:solidFill>
+                <a:srgbClr val="000000"/>
+              </a:solidFill>
+              <a:latin typeface="Courier New"/>
+              <a:ea typeface="Courier New"/>
+              <a:cs typeface="Courier New"/>
+              <a:sym typeface="Courier New"/>
+            </a:endParaRPr>
+          </a:p>
+        </p:txBody>
+      </p:sp>
+    </p:spTree>
+  </p:cSld>
+  <p:clrMapOvr>
+    <a:masterClrMapping/>
+  </p:clrMapOvr>
+</p:sld>
+</file>
+
+<file path=ppt/slides/slide24.xml><?xml version="1.0" encoding="utf-8"?>
+<p:sld xmlns:a="http://schemas.openxmlformats.org/drawingml/2006/main" xmlns:r="http://schemas.openxmlformats.org/officeDocument/2006/relationships" xmlns:mc="http://schemas.openxmlformats.org/markup-compatibility/2006" xmlns:mv="urn:schemas-microsoft-com:mac:vml" xmlns:p="http://schemas.openxmlformats.org/presentationml/2006/main" xmlns:c="http://schemas.openxmlformats.org/drawingml/2006/chart" xmlns:dgm="http://schemas.openxmlformats.org/drawingml/2006/diagram" xmlns:o="urn:schemas-microsoft-com:office:office" xmlns:v="urn:schemas-microsoft-com:vml" xmlns:pvml="urn:schemas-microsoft-com:office:powerpoint" xmlns:com="http://schemas.openxmlformats.org/drawingml/2006/compatibility" xmlns:p14="http://schemas.microsoft.com/office/powerpoint/2010/main" xmlns:p15="http://schemas.microsoft.com/office/powerpoint/2012/main" xmlns:ahyp="http://schemas.microsoft.com/office/drawing/2018/hyperlinkcolor">
+  <p:cSld>
+    <p:spTree>
+      <p:nvGrpSpPr>
+        <p:cNvPr id="298" name="Shape 298"/>
+        <p:cNvGrpSpPr/>
+        <p:nvPr/>
+      </p:nvGrpSpPr>
+      <p:grpSpPr>
+        <a:xfrm>
+          <a:off x="0" y="0"/>
+          <a:ext cx="0" cy="0"/>
+          <a:chOff x="0" y="0"/>
+          <a:chExt cx="0" cy="0"/>
+        </a:xfrm>
+      </p:grpSpPr>
+      <p:sp>
+        <p:nvSpPr>
+          <p:cNvPr id="299" name="Google Shape;299;p16"/>
           <p:cNvSpPr txBox="1"/>
           <p:nvPr>
             <p:ph type="title"/>
@@ -21633,7 +25895,7 @@
       </p:sp>
       <p:sp>
         <p:nvSpPr>
-          <p:cNvPr id="244" name="Google Shape;244;p16"/>
+          <p:cNvPr id="300" name="Google Shape;300;p16"/>
           <p:cNvSpPr txBox="1"/>
           <p:nvPr>
             <p:ph idx="1" type="body"/>
@@ -21999,12 +26261,12 @@
 </p:sld>
 </file>
 
-<file path=ppt/slides/slide21.xml><?xml version="1.0" encoding="utf-8"?>
+<file path=ppt/slides/slide25.xml><?xml version="1.0" encoding="utf-8"?>
 <p:sld xmlns:a="http://schemas.openxmlformats.org/drawingml/2006/main" xmlns:r="http://schemas.openxmlformats.org/officeDocument/2006/relationships" xmlns:mc="http://schemas.openxmlformats.org/markup-compatibility/2006" xmlns:mv="urn:schemas-microsoft-com:mac:vml" xmlns:p="http://schemas.openxmlformats.org/presentationml/2006/main" xmlns:c="http://schemas.openxmlformats.org/drawingml/2006/chart" xmlns:dgm="http://schemas.openxmlformats.org/drawingml/2006/diagram" xmlns:o="urn:schemas-microsoft-com:office:office" xmlns:v="urn:schemas-microsoft-com:vml" xmlns:pvml="urn:schemas-microsoft-com:office:powerpoint" xmlns:com="http://schemas.openxmlformats.org/drawingml/2006/compatibility" xmlns:p14="http://schemas.microsoft.com/office/powerpoint/2010/main" xmlns:p15="http://schemas.microsoft.com/office/powerpoint/2012/main" xmlns:ahyp="http://schemas.microsoft.com/office/drawing/2018/hyperlinkcolor">
   <p:cSld>
     <p:spTree>
       <p:nvGrpSpPr>
-        <p:cNvPr id="248" name="Shape 248"/>
+        <p:cNvPr id="304" name="Shape 304"/>
         <p:cNvGrpSpPr/>
         <p:nvPr/>
       </p:nvGrpSpPr>
@@ -22018,7 +26280,7 @@
       </p:grpSpPr>
       <p:sp>
         <p:nvSpPr>
-          <p:cNvPr id="249" name="Google Shape;249;g2f62552a751_0_76"/>
+          <p:cNvPr id="305" name="Google Shape;305;g2f62552a751_0_76"/>
           <p:cNvSpPr txBox="1"/>
           <p:nvPr>
             <p:ph idx="1" type="body"/>
@@ -28090,6 +32352,285 @@
 </file>
 
 <file path=ppt/theme/theme1.xml><?xml version="1.0" encoding="utf-8"?>
+<a:theme xmlns:a="http://schemas.openxmlformats.org/drawingml/2006/main" xmlns:r="http://schemas.openxmlformats.org/officeDocument/2006/relationships">
+  <a:themeElements>
+    <a:clrScheme name="Default">
+      <a:dk1>
+        <a:srgbClr val="000000"/>
+      </a:dk1>
+      <a:lt1>
+        <a:srgbClr val="FFFFFF"/>
+      </a:lt1>
+      <a:dk2>
+        <a:srgbClr val="158158"/>
+      </a:dk2>
+      <a:lt2>
+        <a:srgbClr val="F3F3F3"/>
+      </a:lt2>
+      <a:accent1>
+        <a:srgbClr val="058DC7"/>
+      </a:accent1>
+      <a:accent2>
+        <a:srgbClr val="50B432"/>
+      </a:accent2>
+      <a:accent3>
+        <a:srgbClr val="ED561B"/>
+      </a:accent3>
+      <a:accent4>
+        <a:srgbClr val="EDEF00"/>
+      </a:accent4>
+      <a:accent5>
+        <a:srgbClr val="24CBE5"/>
+      </a:accent5>
+      <a:accent6>
+        <a:srgbClr val="64E572"/>
+      </a:accent6>
+      <a:hlink>
+        <a:srgbClr val="2200CC"/>
+      </a:hlink>
+      <a:folHlink>
+        <a:srgbClr val="551A8B"/>
+      </a:folHlink>
+    </a:clrScheme>
+    <a:fontScheme name="Office">
+      <a:majorFont>
+        <a:latin typeface="Arial"/>
+        <a:ea typeface=""/>
+        <a:cs typeface=""/>
+        <a:font script="Jpan" typeface="ＭＳ Ｐゴシック"/>
+        <a:font script="Hang" typeface="맑은 고딕"/>
+        <a:font script="Hans" typeface="宋体"/>
+        <a:font script="Hant" typeface="新細明體"/>
+        <a:font script="Arab" typeface="Times New Roman"/>
+        <a:font script="Hebr" typeface="Times New Roman"/>
+        <a:font script="Thai" typeface="Angsana New"/>
+        <a:font script="Ethi" typeface="Nyala"/>
+        <a:font script="Beng" typeface="Vrinda"/>
+        <a:font script="Gujr" typeface="Shruti"/>
+        <a:font script="Khmr" typeface="MoolBoran"/>
+        <a:font script="Knda" typeface="Tunga"/>
+        <a:font script="Guru" typeface="Raavi"/>
+        <a:font script="Cans" typeface="Euphemia"/>
+        <a:font script="Cher" typeface="Plantagenet Cherokee"/>
+        <a:font script="Yiii" typeface="Microsoft Yi Baiti"/>
+        <a:font script="Tibt" typeface="Microsoft Himalaya"/>
+        <a:font script="Thaa" typeface="MV Boli"/>
+        <a:font script="Deva" typeface="Mangal"/>
+        <a:font script="Telu" typeface="Gautami"/>
+        <a:font script="Taml" typeface="Latha"/>
+        <a:font script="Syrc" typeface="Estrangelo Edessa"/>
+        <a:font script="Orya" typeface="Kalinga"/>
+        <a:font script="Mlym" typeface="Kartika"/>
+        <a:font script="Laoo" typeface="DokChampa"/>
+        <a:font script="Sinh" typeface="Iskoola Pota"/>
+        <a:font script="Mong" typeface="Mongolian Baiti"/>
+        <a:font script="Viet" typeface="Times New Roman"/>
+        <a:font script="Uigh" typeface="Microsoft Uighur"/>
+        <a:font script="Geor" typeface="Sylfaen"/>
+      </a:majorFont>
+      <a:minorFont>
+        <a:latin typeface="Arial"/>
+        <a:ea typeface=""/>
+        <a:cs typeface=""/>
+        <a:font script="Jpan" typeface="ＭＳ Ｐゴシック"/>
+        <a:font script="Hang" typeface="맑은 고딕"/>
+        <a:font script="Hans" typeface="宋体"/>
+        <a:font script="Hant" typeface="新細明體"/>
+        <a:font script="Arab" typeface="Arial"/>
+        <a:font script="Hebr" typeface="Arial"/>
+        <a:font script="Thai" typeface="Cordia New"/>
+        <a:font script="Ethi" typeface="Nyala"/>
+        <a:font script="Beng" typeface="Vrinda"/>
+        <a:font script="Gujr" typeface="Shruti"/>
+        <a:font script="Khmr" typeface="DaunPenh"/>
+        <a:font script="Knda" typeface="Tunga"/>
+        <a:font script="Guru" typeface="Raavi"/>
+        <a:font script="Cans" typeface="Euphemia"/>
+        <a:font script="Cher" typeface="Plantagenet Cherokee"/>
+        <a:font script="Yiii" typeface="Microsoft Yi Baiti"/>
+        <a:font script="Tibt" typeface="Microsoft Himalaya"/>
+        <a:font script="Thaa" typeface="MV Boli"/>
+        <a:font script="Deva" typeface="Mangal"/>
+        <a:font script="Telu" typeface="Gautami"/>
+        <a:font script="Taml" typeface="Latha"/>
+        <a:font script="Syrc" typeface="Estrangelo Edessa"/>
+        <a:font script="Orya" typeface="Kalinga"/>
+        <a:font script="Mlym" typeface="Kartika"/>
+        <a:font script="Laoo" typeface="DokChampa"/>
+        <a:font script="Sinh" typeface="Iskoola Pota"/>
+        <a:font script="Mong" typeface="Mongolian Baiti"/>
+        <a:font script="Viet" typeface="Arial"/>
+        <a:font script="Uigh" typeface="Microsoft Uighur"/>
+        <a:font script="Geor" typeface="Sylfaen"/>
+      </a:minorFont>
+    </a:fontScheme>
+    <a:fmtScheme name="Office">
+      <a:fillStyleLst>
+        <a:solidFill>
+          <a:schemeClr val="phClr"/>
+        </a:solidFill>
+        <a:gradFill rotWithShape="1">
+          <a:gsLst>
+            <a:gs pos="0">
+              <a:schemeClr val="phClr">
+                <a:tint val="50000"/>
+                <a:satMod val="300000"/>
+              </a:schemeClr>
+            </a:gs>
+            <a:gs pos="35000">
+              <a:schemeClr val="phClr">
+                <a:tint val="37000"/>
+                <a:satMod val="300000"/>
+              </a:schemeClr>
+            </a:gs>
+            <a:gs pos="100000">
+              <a:schemeClr val="phClr">
+                <a:tint val="15000"/>
+                <a:satMod val="350000"/>
+              </a:schemeClr>
+            </a:gs>
+          </a:gsLst>
+          <a:lin ang="16200000" scaled="1"/>
+        </a:gradFill>
+        <a:gradFill rotWithShape="1">
+          <a:gsLst>
+            <a:gs pos="0">
+              <a:schemeClr val="phClr">
+                <a:tint val="100000"/>
+                <a:shade val="100000"/>
+                <a:satMod val="130000"/>
+              </a:schemeClr>
+            </a:gs>
+            <a:gs pos="100000">
+              <a:schemeClr val="phClr">
+                <a:tint val="50000"/>
+                <a:shade val="100000"/>
+                <a:satMod val="350000"/>
+              </a:schemeClr>
+            </a:gs>
+          </a:gsLst>
+          <a:lin ang="16200000" scaled="0"/>
+        </a:gradFill>
+      </a:fillStyleLst>
+      <a:lnStyleLst>
+        <a:ln w="9525" cap="flat" cmpd="sng" algn="ctr">
+          <a:solidFill>
+            <a:schemeClr val="phClr">
+              <a:shade val="95000"/>
+              <a:satMod val="105000"/>
+            </a:schemeClr>
+          </a:solidFill>
+          <a:prstDash val="solid"/>
+        </a:ln>
+        <a:ln w="25400" cap="flat" cmpd="sng" algn="ctr">
+          <a:solidFill>
+            <a:schemeClr val="phClr"/>
+          </a:solidFill>
+          <a:prstDash val="solid"/>
+        </a:ln>
+        <a:ln w="38100" cap="flat" cmpd="sng" algn="ctr">
+          <a:solidFill>
+            <a:schemeClr val="phClr"/>
+          </a:solidFill>
+          <a:prstDash val="solid"/>
+        </a:ln>
+      </a:lnStyleLst>
+      <a:effectStyleLst>
+        <a:effectStyle>
+          <a:effectLst>
+            <a:outerShdw blurRad="40000" dist="20000" dir="5400000" rotWithShape="0">
+              <a:srgbClr val="000000">
+                <a:alpha val="38000"/>
+              </a:srgbClr>
+            </a:outerShdw>
+          </a:effectLst>
+        </a:effectStyle>
+        <a:effectStyle>
+          <a:effectLst>
+            <a:outerShdw blurRad="40000" dist="23000" dir="5400000" rotWithShape="0">
+              <a:srgbClr val="000000">
+                <a:alpha val="35000"/>
+              </a:srgbClr>
+            </a:outerShdw>
+          </a:effectLst>
+        </a:effectStyle>
+        <a:effectStyle>
+          <a:effectLst>
+            <a:outerShdw blurRad="40000" dist="23000" dir="5400000" rotWithShape="0">
+              <a:srgbClr val="000000">
+                <a:alpha val="35000"/>
+              </a:srgbClr>
+            </a:outerShdw>
+          </a:effectLst>
+          <a:scene3d>
+            <a:camera prst="orthographicFront">
+              <a:rot lat="0" lon="0" rev="0"/>
+            </a:camera>
+            <a:lightRig rig="threePt" dir="t">
+              <a:rot lat="0" lon="0" rev="1200000"/>
+            </a:lightRig>
+          </a:scene3d>
+          <a:sp3d>
+            <a:bevelT w="63500" h="25400"/>
+          </a:sp3d>
+        </a:effectStyle>
+      </a:effectStyleLst>
+      <a:bgFillStyleLst>
+        <a:solidFill>
+          <a:schemeClr val="phClr"/>
+        </a:solidFill>
+        <a:gradFill rotWithShape="1">
+          <a:gsLst>
+            <a:gs pos="0">
+              <a:schemeClr val="phClr">
+                <a:tint val="40000"/>
+                <a:satMod val="350000"/>
+              </a:schemeClr>
+            </a:gs>
+            <a:gs pos="40000">
+              <a:schemeClr val="phClr">
+                <a:tint val="45000"/>
+                <a:shade val="99000"/>
+                <a:satMod val="350000"/>
+              </a:schemeClr>
+            </a:gs>
+            <a:gs pos="100000">
+              <a:schemeClr val="phClr">
+                <a:shade val="20000"/>
+                <a:satMod val="255000"/>
+              </a:schemeClr>
+            </a:gs>
+          </a:gsLst>
+          <a:path path="circle">
+            <a:fillToRect l="50000" t="-80000" r="50000" b="180000"/>
+          </a:path>
+        </a:gradFill>
+        <a:gradFill rotWithShape="1">
+          <a:gsLst>
+            <a:gs pos="0">
+              <a:schemeClr val="phClr">
+                <a:tint val="80000"/>
+                <a:satMod val="300000"/>
+              </a:schemeClr>
+            </a:gs>
+            <a:gs pos="100000">
+              <a:schemeClr val="phClr">
+                <a:shade val="30000"/>
+                <a:satMod val="200000"/>
+              </a:schemeClr>
+            </a:gs>
+          </a:gsLst>
+          <a:path path="circle">
+            <a:fillToRect l="50000" t="50000" r="50000" b="50000"/>
+          </a:path>
+        </a:gradFill>
+      </a:bgFillStyleLst>
+    </a:fmtScheme>
+  </a:themeElements>
+</a:theme>
+</file>
+
+<file path=ppt/theme/theme2.xml><?xml version="1.0" encoding="utf-8"?>
 <a:theme xmlns:a="http://schemas.openxmlformats.org/drawingml/2006/main" xmlns:r="http://schemas.openxmlformats.org/officeDocument/2006/relationships" name="Simple Light">
   <a:themeElements>
     <a:clrScheme name="Simple Light">
@@ -28366,283 +32907,4 @@
     </a:fmtScheme>
   </a:themeElements>
 </a:theme>
-</file>
-
-<file path=ppt/theme/theme2.xml><?xml version="1.0" encoding="utf-8"?>
-<a:theme xmlns:a="http://schemas.openxmlformats.org/drawingml/2006/main" xmlns:r="http://schemas.openxmlformats.org/officeDocument/2006/relationships">
-  <a:themeElements>
-    <a:clrScheme name="Default">
-      <a:dk1>
-        <a:srgbClr val="000000"/>
-      </a:dk1>
-      <a:lt1>
-        <a:srgbClr val="FFFFFF"/>
-      </a:lt1>
-      <a:dk2>
-        <a:srgbClr val="158158"/>
-      </a:dk2>
-      <a:lt2>
-        <a:srgbClr val="F3F3F3"/>
-      </a:lt2>
-      <a:accent1>
-        <a:srgbClr val="058DC7"/>
-      </a:accent1>
-      <a:accent2>
-        <a:srgbClr val="50B432"/>
-      </a:accent2>
-      <a:accent3>
-        <a:srgbClr val="ED561B"/>
-      </a:accent3>
-      <a:accent4>
-        <a:srgbClr val="EDEF00"/>
-      </a:accent4>
-      <a:accent5>
-        <a:srgbClr val="24CBE5"/>
-      </a:accent5>
-      <a:accent6>
-        <a:srgbClr val="64E572"/>
-      </a:accent6>
-      <a:hlink>
-        <a:srgbClr val="2200CC"/>
-      </a:hlink>
-      <a:folHlink>
-        <a:srgbClr val="551A8B"/>
-      </a:folHlink>
-    </a:clrScheme>
-    <a:fontScheme name="Office">
-      <a:majorFont>
-        <a:latin typeface="Arial"/>
-        <a:ea typeface=""/>
-        <a:cs typeface=""/>
-        <a:font script="Jpan" typeface="ＭＳ Ｐゴシック"/>
-        <a:font script="Hang" typeface="맑은 고딕"/>
-        <a:font script="Hans" typeface="宋体"/>
-        <a:font script="Hant" typeface="新細明體"/>
-        <a:font script="Arab" typeface="Times New Roman"/>
-        <a:font script="Hebr" typeface="Times New Roman"/>
-        <a:font script="Thai" typeface="Angsana New"/>
-        <a:font script="Ethi" typeface="Nyala"/>
-        <a:font script="Beng" typeface="Vrinda"/>
-        <a:font script="Gujr" typeface="Shruti"/>
-        <a:font script="Khmr" typeface="MoolBoran"/>
-        <a:font script="Knda" typeface="Tunga"/>
-        <a:font script="Guru" typeface="Raavi"/>
-        <a:font script="Cans" typeface="Euphemia"/>
-        <a:font script="Cher" typeface="Plantagenet Cherokee"/>
-        <a:font script="Yiii" typeface="Microsoft Yi Baiti"/>
-        <a:font script="Tibt" typeface="Microsoft Himalaya"/>
-        <a:font script="Thaa" typeface="MV Boli"/>
-        <a:font script="Deva" typeface="Mangal"/>
-        <a:font script="Telu" typeface="Gautami"/>
-        <a:font script="Taml" typeface="Latha"/>
-        <a:font script="Syrc" typeface="Estrangelo Edessa"/>
-        <a:font script="Orya" typeface="Kalinga"/>
-        <a:font script="Mlym" typeface="Kartika"/>
-        <a:font script="Laoo" typeface="DokChampa"/>
-        <a:font script="Sinh" typeface="Iskoola Pota"/>
-        <a:font script="Mong" typeface="Mongolian Baiti"/>
-        <a:font script="Viet" typeface="Times New Roman"/>
-        <a:font script="Uigh" typeface="Microsoft Uighur"/>
-        <a:font script="Geor" typeface="Sylfaen"/>
-      </a:majorFont>
-      <a:minorFont>
-        <a:latin typeface="Arial"/>
-        <a:ea typeface=""/>
-        <a:cs typeface=""/>
-        <a:font script="Jpan" typeface="ＭＳ Ｐゴシック"/>
-        <a:font script="Hang" typeface="맑은 고딕"/>
-        <a:font script="Hans" typeface="宋体"/>
-        <a:font script="Hant" typeface="新細明體"/>
-        <a:font script="Arab" typeface="Arial"/>
-        <a:font script="Hebr" typeface="Arial"/>
-        <a:font script="Thai" typeface="Cordia New"/>
-        <a:font script="Ethi" typeface="Nyala"/>
-        <a:font script="Beng" typeface="Vrinda"/>
-        <a:font script="Gujr" typeface="Shruti"/>
-        <a:font script="Khmr" typeface="DaunPenh"/>
-        <a:font script="Knda" typeface="Tunga"/>
-        <a:font script="Guru" typeface="Raavi"/>
-        <a:font script="Cans" typeface="Euphemia"/>
-        <a:font script="Cher" typeface="Plantagenet Cherokee"/>
-        <a:font script="Yiii" typeface="Microsoft Yi Baiti"/>
-        <a:font script="Tibt" typeface="Microsoft Himalaya"/>
-        <a:font script="Thaa" typeface="MV Boli"/>
-        <a:font script="Deva" typeface="Mangal"/>
-        <a:font script="Telu" typeface="Gautami"/>
-        <a:font script="Taml" typeface="Latha"/>
-        <a:font script="Syrc" typeface="Estrangelo Edessa"/>
-        <a:font script="Orya" typeface="Kalinga"/>
-        <a:font script="Mlym" typeface="Kartika"/>
-        <a:font script="Laoo" typeface="DokChampa"/>
-        <a:font script="Sinh" typeface="Iskoola Pota"/>
-        <a:font script="Mong" typeface="Mongolian Baiti"/>
-        <a:font script="Viet" typeface="Arial"/>
-        <a:font script="Uigh" typeface="Microsoft Uighur"/>
-        <a:font script="Geor" typeface="Sylfaen"/>
-      </a:minorFont>
-    </a:fontScheme>
-    <a:fmtScheme name="Office">
-      <a:fillStyleLst>
-        <a:solidFill>
-          <a:schemeClr val="phClr"/>
-        </a:solidFill>
-        <a:gradFill rotWithShape="1">
-          <a:gsLst>
-            <a:gs pos="0">
-              <a:schemeClr val="phClr">
-                <a:tint val="50000"/>
-                <a:satMod val="300000"/>
-              </a:schemeClr>
-            </a:gs>
-            <a:gs pos="35000">
-              <a:schemeClr val="phClr">
-                <a:tint val="37000"/>
-                <a:satMod val="300000"/>
-              </a:schemeClr>
-            </a:gs>
-            <a:gs pos="100000">
-              <a:schemeClr val="phClr">
-                <a:tint val="15000"/>
-                <a:satMod val="350000"/>
-              </a:schemeClr>
-            </a:gs>
-          </a:gsLst>
-          <a:lin ang="16200000" scaled="1"/>
-        </a:gradFill>
-        <a:gradFill rotWithShape="1">
-          <a:gsLst>
-            <a:gs pos="0">
-              <a:schemeClr val="phClr">
-                <a:tint val="100000"/>
-                <a:shade val="100000"/>
-                <a:satMod val="130000"/>
-              </a:schemeClr>
-            </a:gs>
-            <a:gs pos="100000">
-              <a:schemeClr val="phClr">
-                <a:tint val="50000"/>
-                <a:shade val="100000"/>
-                <a:satMod val="350000"/>
-              </a:schemeClr>
-            </a:gs>
-          </a:gsLst>
-          <a:lin ang="16200000" scaled="0"/>
-        </a:gradFill>
-      </a:fillStyleLst>
-      <a:lnStyleLst>
-        <a:ln w="9525" cap="flat" cmpd="sng" algn="ctr">
-          <a:solidFill>
-            <a:schemeClr val="phClr">
-              <a:shade val="95000"/>
-              <a:satMod val="105000"/>
-            </a:schemeClr>
-          </a:solidFill>
-          <a:prstDash val="solid"/>
-        </a:ln>
-        <a:ln w="25400" cap="flat" cmpd="sng" algn="ctr">
-          <a:solidFill>
-            <a:schemeClr val="phClr"/>
-          </a:solidFill>
-          <a:prstDash val="solid"/>
-        </a:ln>
-        <a:ln w="38100" cap="flat" cmpd="sng" algn="ctr">
-          <a:solidFill>
-            <a:schemeClr val="phClr"/>
-          </a:solidFill>
-          <a:prstDash val="solid"/>
-        </a:ln>
-      </a:lnStyleLst>
-      <a:effectStyleLst>
-        <a:effectStyle>
-          <a:effectLst>
-            <a:outerShdw blurRad="40000" dist="20000" dir="5400000" rotWithShape="0">
-              <a:srgbClr val="000000">
-                <a:alpha val="38000"/>
-              </a:srgbClr>
-            </a:outerShdw>
-          </a:effectLst>
-        </a:effectStyle>
-        <a:effectStyle>
-          <a:effectLst>
-            <a:outerShdw blurRad="40000" dist="23000" dir="5400000" rotWithShape="0">
-              <a:srgbClr val="000000">
-                <a:alpha val="35000"/>
-              </a:srgbClr>
-            </a:outerShdw>
-          </a:effectLst>
-        </a:effectStyle>
-        <a:effectStyle>
-          <a:effectLst>
-            <a:outerShdw blurRad="40000" dist="23000" dir="5400000" rotWithShape="0">
-              <a:srgbClr val="000000">
-                <a:alpha val="35000"/>
-              </a:srgbClr>
-            </a:outerShdw>
-          </a:effectLst>
-          <a:scene3d>
-            <a:camera prst="orthographicFront">
-              <a:rot lat="0" lon="0" rev="0"/>
-            </a:camera>
-            <a:lightRig rig="threePt" dir="t">
-              <a:rot lat="0" lon="0" rev="1200000"/>
-            </a:lightRig>
-          </a:scene3d>
-          <a:sp3d>
-            <a:bevelT w="63500" h="25400"/>
-          </a:sp3d>
-        </a:effectStyle>
-      </a:effectStyleLst>
-      <a:bgFillStyleLst>
-        <a:solidFill>
-          <a:schemeClr val="phClr"/>
-        </a:solidFill>
-        <a:gradFill rotWithShape="1">
-          <a:gsLst>
-            <a:gs pos="0">
-              <a:schemeClr val="phClr">
-                <a:tint val="40000"/>
-                <a:satMod val="350000"/>
-              </a:schemeClr>
-            </a:gs>
-            <a:gs pos="40000">
-              <a:schemeClr val="phClr">
-                <a:tint val="45000"/>
-                <a:shade val="99000"/>
-                <a:satMod val="350000"/>
-              </a:schemeClr>
-            </a:gs>
-            <a:gs pos="100000">
-              <a:schemeClr val="phClr">
-                <a:shade val="20000"/>
-                <a:satMod val="255000"/>
-              </a:schemeClr>
-            </a:gs>
-          </a:gsLst>
-          <a:path path="circle">
-            <a:fillToRect l="50000" t="-80000" r="50000" b="180000"/>
-          </a:path>
-        </a:gradFill>
-        <a:gradFill rotWithShape="1">
-          <a:gsLst>
-            <a:gs pos="0">
-              <a:schemeClr val="phClr">
-                <a:tint val="80000"/>
-                <a:satMod val="300000"/>
-              </a:schemeClr>
-            </a:gs>
-            <a:gs pos="100000">
-              <a:schemeClr val="phClr">
-                <a:shade val="30000"/>
-                <a:satMod val="200000"/>
-              </a:schemeClr>
-            </a:gs>
-          </a:gsLst>
-          <a:path path="circle">
-            <a:fillToRect l="50000" t="50000" r="50000" b="50000"/>
-          </a:path>
-        </a:gradFill>
-      </a:bgFillStyleLst>
-    </a:fmtScheme>
-  </a:themeElements>
-</a:theme>
 </file>
--- a/CSCI-111/week-3/week-3-lecture.pptx
+++ b/CSCI-111/week-3/week-3-lecture.pptx
@@ -281,7 +281,7 @@
       </p15:sldGuideLst>
     </p:ext>
     <p:ext uri="GoogleSlidesCustomDataVersion2">
-      <go:slidesCustomData xmlns:go="http://customooxmlschemas.google.com/" r:id="rId31" roundtripDataSignature="AMtx7mg75LW+kIS967rnElYuqlnvPGKYOg=="/>
+      <go:slidesCustomData xmlns:go="http://customooxmlschemas.google.com/" r:id="rId31" roundtripDataSignature="AMtx7mjOtm3OrzQE+SAHNd8vLn9z+8ljNg=="/>
     </p:ext>
   </p:extLst>
 </p:presentation>
@@ -2374,7 +2374,7 @@
   <p:cSld>
     <p:spTree>
       <p:nvGrpSpPr>
-        <p:cNvPr id="273" name="Shape 273"/>
+        <p:cNvPr id="274" name="Shape 274"/>
         <p:cNvGrpSpPr/>
         <p:nvPr/>
       </p:nvGrpSpPr>
@@ -2388,7 +2388,7 @@
       </p:grpSpPr>
       <p:sp>
         <p:nvSpPr>
-          <p:cNvPr id="274" name="Google Shape;274;g3296ee86163_1_29:notes"/>
+          <p:cNvPr id="275" name="Google Shape;275;g3296ee86163_1_29:notes"/>
           <p:cNvSpPr/>
           <p:nvPr>
             <p:ph idx="2" type="sldImg"/>
@@ -2433,7 +2433,7 @@
       </p:sp>
       <p:sp>
         <p:nvSpPr>
-          <p:cNvPr id="275" name="Google Shape;275;g3296ee86163_1_29:notes"/>
+          <p:cNvPr id="276" name="Google Shape;276;g3296ee86163_1_29:notes"/>
           <p:cNvSpPr txBox="1"/>
           <p:nvPr>
             <p:ph idx="1" type="body"/>
@@ -2491,7 +2491,7 @@
   <p:cSld>
     <p:spTree>
       <p:nvGrpSpPr>
-        <p:cNvPr id="278" name="Shape 278"/>
+        <p:cNvPr id="279" name="Shape 279"/>
         <p:cNvGrpSpPr/>
         <p:nvPr/>
       </p:nvGrpSpPr>
@@ -2505,7 +2505,7 @@
       </p:grpSpPr>
       <p:sp>
         <p:nvSpPr>
-          <p:cNvPr id="279" name="Google Shape;279;g2f62552a751_0_61:notes"/>
+          <p:cNvPr id="280" name="Google Shape;280;g2f62552a751_0_61:notes"/>
           <p:cNvSpPr/>
           <p:nvPr>
             <p:ph idx="2" type="sldImg"/>
@@ -2550,7 +2550,7 @@
       </p:sp>
       <p:sp>
         <p:nvSpPr>
-          <p:cNvPr id="280" name="Google Shape;280;g2f62552a751_0_61:notes"/>
+          <p:cNvPr id="281" name="Google Shape;281;g2f62552a751_0_61:notes"/>
           <p:cNvSpPr txBox="1"/>
           <p:nvPr>
             <p:ph idx="1" type="body"/>
@@ -2608,7 +2608,7 @@
   <p:cSld>
     <p:spTree>
       <p:nvGrpSpPr>
-        <p:cNvPr id="287" name="Shape 287"/>
+        <p:cNvPr id="288" name="Shape 288"/>
         <p:cNvGrpSpPr/>
         <p:nvPr/>
       </p:nvGrpSpPr>
@@ -2622,7 +2622,7 @@
       </p:grpSpPr>
       <p:sp>
         <p:nvSpPr>
-          <p:cNvPr id="288" name="Google Shape;288;g2f62552a751_0_66:notes"/>
+          <p:cNvPr id="289" name="Google Shape;289;g2f62552a751_0_66:notes"/>
           <p:cNvSpPr/>
           <p:nvPr>
             <p:ph idx="2" type="sldImg"/>
@@ -2667,7 +2667,7 @@
       </p:sp>
       <p:sp>
         <p:nvSpPr>
-          <p:cNvPr id="289" name="Google Shape;289;g2f62552a751_0_66:notes"/>
+          <p:cNvPr id="290" name="Google Shape;290;g2f62552a751_0_66:notes"/>
           <p:cNvSpPr txBox="1"/>
           <p:nvPr>
             <p:ph idx="1" type="body"/>
@@ -2725,7 +2725,7 @@
   <p:cSld>
     <p:spTree>
       <p:nvGrpSpPr>
-        <p:cNvPr id="295" name="Shape 295"/>
+        <p:cNvPr id="296" name="Shape 296"/>
         <p:cNvGrpSpPr/>
         <p:nvPr/>
       </p:nvGrpSpPr>
@@ -2739,7 +2739,7 @@
       </p:grpSpPr>
       <p:sp>
         <p:nvSpPr>
-          <p:cNvPr id="296" name="Google Shape;296;p16:notes"/>
+          <p:cNvPr id="297" name="Google Shape;297;p16:notes"/>
           <p:cNvSpPr/>
           <p:nvPr>
             <p:ph idx="2" type="sldImg"/>
@@ -2784,7 +2784,7 @@
       </p:sp>
       <p:sp>
         <p:nvSpPr>
-          <p:cNvPr id="297" name="Google Shape;297;p16:notes"/>
+          <p:cNvPr id="298" name="Google Shape;298;p16:notes"/>
           <p:cNvSpPr txBox="1"/>
           <p:nvPr>
             <p:ph idx="1" type="body"/>
@@ -2842,7 +2842,7 @@
   <p:cSld>
     <p:spTree>
       <p:nvGrpSpPr>
-        <p:cNvPr id="301" name="Shape 301"/>
+        <p:cNvPr id="302" name="Shape 302"/>
         <p:cNvGrpSpPr/>
         <p:nvPr/>
       </p:nvGrpSpPr>
@@ -2856,7 +2856,7 @@
       </p:grpSpPr>
       <p:sp>
         <p:nvSpPr>
-          <p:cNvPr id="302" name="Google Shape;302;g2f62552a751_0_76:notes"/>
+          <p:cNvPr id="303" name="Google Shape;303;g2f62552a751_0_76:notes"/>
           <p:cNvSpPr/>
           <p:nvPr>
             <p:ph idx="2" type="sldImg"/>
@@ -2901,7 +2901,7 @@
       </p:sp>
       <p:sp>
         <p:nvSpPr>
-          <p:cNvPr id="303" name="Google Shape;303;g2f62552a751_0_76:notes"/>
+          <p:cNvPr id="304" name="Google Shape;304;g2f62552a751_0_76:notes"/>
           <p:cNvSpPr txBox="1"/>
           <p:nvPr>
             <p:ph idx="1" type="body"/>
@@ -20921,7 +20921,7 @@
         </p:nvSpPr>
         <p:spPr>
           <a:xfrm>
-            <a:off x="2270100" y="1705300"/>
+            <a:off x="2092775" y="1705300"/>
             <a:ext cx="4115100" cy="1621200"/>
           </a:xfrm>
           <a:prstGeom prst="rect">
@@ -21385,7 +21385,7 @@
                 <a:cs typeface="Courier New"/>
                 <a:sym typeface="Courier New"/>
               </a:rPr>
-              <a:t>     &lt;ul class="list-1"&gt;</a:t>
+              <a:t>&lt;ul class="list-1"&gt;</a:t>
             </a:r>
             <a:endParaRPr b="1" sz="1200">
               <a:latin typeface="Courier New"/>
@@ -21411,7 +21411,7 @@
                 <a:cs typeface="Courier New"/>
                 <a:sym typeface="Courier New"/>
               </a:rPr>
-              <a:t>        &lt;li id="item-1-li" name="item-1"&gt;North&lt;/li&gt;</a:t>
+              <a:t>    &lt;li id="item-1-li" name="item-1"&gt;North&lt;/li&gt;</a:t>
             </a:r>
             <a:endParaRPr b="1" sz="1200">
               <a:latin typeface="Courier New"/>
@@ -21437,7 +21437,7 @@
                 <a:cs typeface="Courier New"/>
                 <a:sym typeface="Courier New"/>
               </a:rPr>
-              <a:t>        &lt;li class="list-2"&gt;South&lt;/li&gt;</a:t>
+              <a:t>    &lt;li class="list-2"&gt;South&lt;/li&gt;</a:t>
             </a:r>
             <a:endParaRPr b="1" sz="1200">
               <a:latin typeface="Courier New"/>
@@ -21463,7 +21463,7 @@
                 <a:cs typeface="Courier New"/>
                 <a:sym typeface="Courier New"/>
               </a:rPr>
-              <a:t>        &lt;li&gt;East&lt;/li&gt;</a:t>
+              <a:t>    &lt;li&gt;East&lt;/li&gt;</a:t>
             </a:r>
             <a:endParaRPr b="1" sz="1200">
               <a:latin typeface="Courier New"/>
@@ -21489,7 +21489,7 @@
                 <a:cs typeface="Courier New"/>
                 <a:sym typeface="Courier New"/>
               </a:rPr>
-              <a:t>        &lt;li name="item-4"&gt;West&lt;/li&gt;</a:t>
+              <a:t>    &lt;li name="item-4"&gt;West&lt;/li&gt;</a:t>
             </a:r>
             <a:endParaRPr b="1" sz="1200">
               <a:latin typeface="Courier New"/>
@@ -21515,7 +21515,7 @@
                 <a:cs typeface="Courier New"/>
                 <a:sym typeface="Courier New"/>
               </a:rPr>
-              <a:t>      &lt;/ul&gt;</a:t>
+              <a:t>&lt;/ul&gt;</a:t>
             </a:r>
             <a:endParaRPr b="1" sz="1200">
               <a:latin typeface="Courier New"/>
@@ -22462,7 +22462,7 @@
                 <a:cs typeface="Courier New"/>
                 <a:sym typeface="Courier New"/>
               </a:rPr>
-              <a:t>     &lt;ul class="list-1"&gt;</a:t>
+              <a:t>&lt;ul class="list-1"&gt;</a:t>
             </a:r>
             <a:endParaRPr b="1" sz="1200">
               <a:latin typeface="Courier New"/>
@@ -22488,7 +22488,7 @@
                 <a:cs typeface="Courier New"/>
                 <a:sym typeface="Courier New"/>
               </a:rPr>
-              <a:t>        &lt;li id="item-1-li" name="item-1"&gt;North&lt;/li&gt;</a:t>
+              <a:t>    &lt;li id="item-1-li" name="item-1"&gt;North&lt;/li&gt;</a:t>
             </a:r>
             <a:endParaRPr b="1" sz="1200">
               <a:latin typeface="Courier New"/>
@@ -22514,7 +22514,7 @@
                 <a:cs typeface="Courier New"/>
                 <a:sym typeface="Courier New"/>
               </a:rPr>
-              <a:t>        &lt;li class="list-2"&gt;South&lt;/li&gt;</a:t>
+              <a:t>    &lt;li class="list-2"&gt;South&lt;/li&gt;</a:t>
             </a:r>
             <a:endParaRPr b="1" sz="1200">
               <a:latin typeface="Courier New"/>
@@ -22540,7 +22540,7 @@
                 <a:cs typeface="Courier New"/>
                 <a:sym typeface="Courier New"/>
               </a:rPr>
-              <a:t>        &lt;li&gt;East&lt;/li&gt;</a:t>
+              <a:t>    &lt;li&gt;East&lt;/li&gt;</a:t>
             </a:r>
             <a:endParaRPr b="1" sz="1200">
               <a:latin typeface="Courier New"/>
@@ -22566,7 +22566,7 @@
                 <a:cs typeface="Courier New"/>
                 <a:sym typeface="Courier New"/>
               </a:rPr>
-              <a:t>        &lt;li name="item-4"&gt;West&lt;/li&gt;</a:t>
+              <a:t>    &lt;li name="item-4"&gt;West&lt;/li&gt;</a:t>
             </a:r>
             <a:endParaRPr b="1" sz="1200">
               <a:latin typeface="Courier New"/>
@@ -22592,7 +22592,7 @@
                 <a:cs typeface="Courier New"/>
                 <a:sym typeface="Courier New"/>
               </a:rPr>
-              <a:t>      &lt;/ul&gt;</a:t>
+              <a:t>&lt;/ul&gt;</a:t>
             </a:r>
             <a:endParaRPr b="1" sz="1200">
               <a:latin typeface="Courier New"/>
@@ -23657,8 +23657,8 @@
         </p:nvSpPr>
         <p:spPr>
           <a:xfrm>
-            <a:off x="0" y="2341325"/>
-            <a:ext cx="6727200" cy="2770500"/>
+            <a:off x="0" y="2373000"/>
+            <a:ext cx="2046300" cy="2770500"/>
           </a:xfrm>
           <a:prstGeom prst="rect">
             <a:avLst/>
@@ -23684,7 +23684,7 @@
               <a:buNone/>
             </a:pPr>
             <a:r>
-              <a:rPr lang="en" sz="1200">
+              <a:rPr b="1" lang="en" sz="1200">
                 <a:latin typeface="Courier New"/>
                 <a:ea typeface="Courier New"/>
                 <a:cs typeface="Courier New"/>
@@ -23692,7 +23692,7 @@
               </a:rPr>
               <a:t>&lt;style&gt;</a:t>
             </a:r>
-            <a:endParaRPr sz="1200">
+            <a:endParaRPr b="1" sz="1200">
               <a:latin typeface="Courier New"/>
               <a:ea typeface="Courier New"/>
               <a:cs typeface="Courier New"/>
@@ -23710,7 +23710,7 @@
               <a:buNone/>
             </a:pPr>
             <a:r>
-              <a:rPr lang="en" sz="1200">
+              <a:rPr b="1" lang="en" sz="1200">
                 <a:latin typeface="Courier New"/>
                 <a:ea typeface="Courier New"/>
                 <a:cs typeface="Courier New"/>
@@ -23718,7 +23718,7 @@
               </a:rPr>
               <a:t>#last</a:t>
             </a:r>
-            <a:endParaRPr sz="1200">
+            <a:endParaRPr b="1" sz="1200">
               <a:latin typeface="Courier New"/>
               <a:ea typeface="Courier New"/>
               <a:cs typeface="Courier New"/>
@@ -23736,7 +23736,7 @@
               <a:buNone/>
             </a:pPr>
             <a:r>
-              <a:rPr lang="en" sz="1200">
+              <a:rPr b="1" lang="en" sz="1200">
                 <a:latin typeface="Courier New"/>
                 <a:ea typeface="Courier New"/>
                 <a:cs typeface="Courier New"/>
@@ -23744,7 +23744,7 @@
               </a:rPr>
               <a:t>{</a:t>
             </a:r>
-            <a:endParaRPr sz="1200">
+            <a:endParaRPr b="1" sz="1200">
               <a:latin typeface="Courier New"/>
               <a:ea typeface="Courier New"/>
               <a:cs typeface="Courier New"/>
@@ -23762,7 +23762,7 @@
               <a:buNone/>
             </a:pPr>
             <a:r>
-              <a:rPr lang="en" sz="1200">
+              <a:rPr b="1" lang="en" sz="1200">
                 <a:latin typeface="Courier New"/>
                 <a:ea typeface="Courier New"/>
                 <a:cs typeface="Courier New"/>
@@ -23770,7 +23770,7 @@
               </a:rPr>
               <a:t>color: blue;</a:t>
             </a:r>
-            <a:endParaRPr sz="1200">
+            <a:endParaRPr b="1" sz="1200">
               <a:latin typeface="Courier New"/>
               <a:ea typeface="Courier New"/>
               <a:cs typeface="Courier New"/>
@@ -23788,7 +23788,7 @@
               <a:buNone/>
             </a:pPr>
             <a:r>
-              <a:rPr lang="en" sz="1200">
+              <a:rPr b="1" lang="en" sz="1200">
                 <a:latin typeface="Courier New"/>
                 <a:ea typeface="Courier New"/>
                 <a:cs typeface="Courier New"/>
@@ -23796,7 +23796,7 @@
               </a:rPr>
               <a:t>}</a:t>
             </a:r>
-            <a:endParaRPr sz="1200">
+            <a:endParaRPr b="1" sz="1200">
               <a:latin typeface="Courier New"/>
               <a:ea typeface="Courier New"/>
               <a:cs typeface="Courier New"/>
@@ -23814,7 +23814,7 @@
               <a:buNone/>
             </a:pPr>
             <a:r>
-              <a:rPr lang="en" sz="1200">
+              <a:rPr b="1" lang="en" sz="1200">
                 <a:latin typeface="Courier New"/>
                 <a:ea typeface="Courier New"/>
                 <a:cs typeface="Courier New"/>
@@ -23822,7 +23822,7 @@
               </a:rPr>
               <a:t>.spanClass</a:t>
             </a:r>
-            <a:endParaRPr sz="1200">
+            <a:endParaRPr b="1" sz="1200">
               <a:latin typeface="Courier New"/>
               <a:ea typeface="Courier New"/>
               <a:cs typeface="Courier New"/>
@@ -23840,7 +23840,7 @@
               <a:buNone/>
             </a:pPr>
             <a:r>
-              <a:rPr lang="en" sz="1200">
+              <a:rPr b="1" lang="en" sz="1200">
                 <a:latin typeface="Courier New"/>
                 <a:ea typeface="Courier New"/>
                 <a:cs typeface="Courier New"/>
@@ -23848,7 +23848,7 @@
               </a:rPr>
               <a:t>{</a:t>
             </a:r>
-            <a:endParaRPr sz="1200">
+            <a:endParaRPr b="1" sz="1200">
               <a:latin typeface="Courier New"/>
               <a:ea typeface="Courier New"/>
               <a:cs typeface="Courier New"/>
@@ -23866,7 +23866,7 @@
               <a:buNone/>
             </a:pPr>
             <a:r>
-              <a:rPr lang="en" sz="1200">
+              <a:rPr b="1" lang="en" sz="1200">
                 <a:latin typeface="Courier New"/>
                 <a:ea typeface="Courier New"/>
                 <a:cs typeface="Courier New"/>
@@ -23874,7 +23874,7 @@
               </a:rPr>
               <a:t>color: red;</a:t>
             </a:r>
-            <a:endParaRPr sz="1200">
+            <a:endParaRPr b="1" sz="1200">
               <a:latin typeface="Courier New"/>
               <a:ea typeface="Courier New"/>
               <a:cs typeface="Courier New"/>
@@ -23892,7 +23892,7 @@
               <a:buNone/>
             </a:pPr>
             <a:r>
-              <a:rPr lang="en" sz="1200">
+              <a:rPr b="1" lang="en" sz="1200">
                 <a:latin typeface="Courier New"/>
                 <a:ea typeface="Courier New"/>
                 <a:cs typeface="Courier New"/>
@@ -23900,7 +23900,7 @@
               </a:rPr>
               <a:t>}</a:t>
             </a:r>
-            <a:endParaRPr sz="1200">
+            <a:endParaRPr b="1" sz="1200">
               <a:latin typeface="Courier New"/>
               <a:ea typeface="Courier New"/>
               <a:cs typeface="Courier New"/>
@@ -23918,7 +23918,7 @@
               <a:buNone/>
             </a:pPr>
             <a:r>
-              <a:rPr lang="en" sz="1200">
+              <a:rPr b="1" lang="en" sz="1200">
                 <a:latin typeface="Courier New"/>
                 <a:ea typeface="Courier New"/>
                 <a:cs typeface="Courier New"/>
@@ -23926,7 +23926,7 @@
               </a:rPr>
               <a:t>p &gt; span</a:t>
             </a:r>
-            <a:endParaRPr sz="1200">
+            <a:endParaRPr b="1" sz="1200">
               <a:latin typeface="Courier New"/>
               <a:ea typeface="Courier New"/>
               <a:cs typeface="Courier New"/>
@@ -23944,7 +23944,7 @@
               <a:buNone/>
             </a:pPr>
             <a:r>
-              <a:rPr lang="en" sz="1200">
+              <a:rPr b="1" lang="en" sz="1200">
                 <a:latin typeface="Courier New"/>
                 <a:ea typeface="Courier New"/>
                 <a:cs typeface="Courier New"/>
@@ -23952,7 +23952,7 @@
               </a:rPr>
               <a:t>{</a:t>
             </a:r>
-            <a:endParaRPr sz="1200">
+            <a:endParaRPr b="1" sz="1200">
               <a:latin typeface="Courier New"/>
               <a:ea typeface="Courier New"/>
               <a:cs typeface="Courier New"/>
@@ -23970,7 +23970,7 @@
               <a:buNone/>
             </a:pPr>
             <a:r>
-              <a:rPr lang="en" sz="1200">
+              <a:rPr b="1" lang="en" sz="1200">
                 <a:latin typeface="Courier New"/>
                 <a:ea typeface="Courier New"/>
                 <a:cs typeface="Courier New"/>
@@ -23978,7 +23978,7 @@
               </a:rPr>
               <a:t>color: green;</a:t>
             </a:r>
-            <a:endParaRPr sz="1200">
+            <a:endParaRPr b="1" sz="1200">
               <a:latin typeface="Courier New"/>
               <a:ea typeface="Courier New"/>
               <a:cs typeface="Courier New"/>
@@ -23996,7 +23996,7 @@
               <a:buNone/>
             </a:pPr>
             <a:r>
-              <a:rPr lang="en" sz="1200">
+              <a:rPr b="1" lang="en" sz="1200">
                 <a:latin typeface="Courier New"/>
                 <a:ea typeface="Courier New"/>
                 <a:cs typeface="Courier New"/>
@@ -24004,7 +24004,7 @@
               </a:rPr>
               <a:t>}</a:t>
             </a:r>
-            <a:endParaRPr sz="1200">
+            <a:endParaRPr b="1" sz="1200">
               <a:latin typeface="Courier New"/>
               <a:ea typeface="Courier New"/>
               <a:cs typeface="Courier New"/>
@@ -24022,7 +24022,7 @@
               <a:buNone/>
             </a:pPr>
             <a:r>
-              <a:rPr lang="en" sz="1200">
+              <a:rPr b="1" lang="en" sz="1200">
                 <a:latin typeface="Courier New"/>
                 <a:ea typeface="Courier New"/>
                 <a:cs typeface="Courier New"/>
@@ -24030,7 +24030,7 @@
               </a:rPr>
               <a:t>&lt;/style&gt;</a:t>
             </a:r>
-            <a:endParaRPr sz="1200">
+            <a:endParaRPr b="1" sz="1200">
               <a:latin typeface="Courier New"/>
               <a:ea typeface="Courier New"/>
               <a:cs typeface="Courier New"/>
@@ -24047,7 +24047,7 @@
         </p:nvSpPr>
         <p:spPr>
           <a:xfrm>
-            <a:off x="1892650" y="2641850"/>
+            <a:off x="2046300" y="2784000"/>
             <a:ext cx="1899000" cy="735900"/>
           </a:xfrm>
           <a:prstGeom prst="rect">
@@ -24172,7 +24172,7 @@
         </p:nvSpPr>
         <p:spPr>
           <a:xfrm>
-            <a:off x="1892650" y="3377750"/>
+            <a:off x="2046300" y="3519900"/>
             <a:ext cx="1899000" cy="735900"/>
           </a:xfrm>
           <a:prstGeom prst="rect">
@@ -24230,7 +24230,7 @@
         </p:nvSpPr>
         <p:spPr>
           <a:xfrm>
-            <a:off x="1892650" y="4113650"/>
+            <a:off x="2046300" y="4255800"/>
             <a:ext cx="1899000" cy="735900"/>
           </a:xfrm>
           <a:prstGeom prst="rect">
@@ -24280,6 +24280,80 @@
           </a:p>
         </p:txBody>
       </p:sp>
+      <p:sp>
+        <p:nvSpPr>
+          <p:cNvPr id="273" name="Google Shape;273;g329b0af9a98_0_42"/>
+          <p:cNvSpPr txBox="1"/>
+          <p:nvPr/>
+        </p:nvSpPr>
+        <p:spPr>
+          <a:xfrm>
+            <a:off x="0" y="1706550"/>
+            <a:ext cx="9144000" cy="831300"/>
+          </a:xfrm>
+          <a:prstGeom prst="rect">
+            <a:avLst/>
+          </a:prstGeom>
+          <a:noFill/>
+          <a:ln>
+            <a:noFill/>
+          </a:ln>
+        </p:spPr>
+        <p:txBody>
+          <a:bodyPr anchorCtr="0" anchor="t" bIns="91425" lIns="91425" spcFirstLastPara="1" rIns="91425" wrap="square" tIns="91425">
+            <a:spAutoFit/>
+          </a:bodyPr>
+          <a:lstStyle/>
+          <a:p>
+            <a:pPr indent="0" lvl="0" marL="0" rtl="0" algn="l">
+              <a:spcBef>
+                <a:spcPts val="0"/>
+              </a:spcBef>
+              <a:spcAft>
+                <a:spcPts val="0"/>
+              </a:spcAft>
+              <a:buNone/>
+            </a:pPr>
+            <a:r>
+              <a:rPr lang="en"/>
+              <a:t>&lt;p&gt;</a:t>
+            </a:r>
+            <a:endParaRPr/>
+          </a:p>
+          <a:p>
+            <a:pPr indent="0" lvl="0" marL="0" rtl="0" algn="l">
+              <a:spcBef>
+                <a:spcPts val="0"/>
+              </a:spcBef>
+              <a:spcAft>
+                <a:spcPts val="0"/>
+              </a:spcAft>
+              <a:buNone/>
+            </a:pPr>
+            <a:r>
+              <a:rPr lang="en"/>
+              <a:t>    &lt;span class="spanClass" id="last"&gt;This text is going to be tested&lt;/span&gt;</a:t>
+            </a:r>
+            <a:endParaRPr/>
+          </a:p>
+          <a:p>
+            <a:pPr indent="0" lvl="0" marL="0" rtl="0" algn="l">
+              <a:spcBef>
+                <a:spcPts val="0"/>
+              </a:spcBef>
+              <a:spcAft>
+                <a:spcPts val="0"/>
+              </a:spcAft>
+              <a:buNone/>
+            </a:pPr>
+            <a:r>
+              <a:rPr lang="en"/>
+              <a:t>&lt;/p&gt;</a:t>
+            </a:r>
+            <a:endParaRPr/>
+          </a:p>
+        </p:txBody>
+      </p:sp>
     </p:spTree>
   </p:cSld>
   <p:clrMapOvr>
@@ -24293,7 +24367,7 @@
   <p:cSld>
     <p:spTree>
       <p:nvGrpSpPr>
-        <p:cNvPr id="276" name="Shape 276"/>
+        <p:cNvPr id="277" name="Shape 277"/>
         <p:cNvGrpSpPr/>
         <p:nvPr/>
       </p:nvGrpSpPr>
@@ -24307,7 +24381,7 @@
       </p:grpSpPr>
       <p:sp>
         <p:nvSpPr>
-          <p:cNvPr id="277" name="Google Shape;277;g3296ee86163_1_29"/>
+          <p:cNvPr id="278" name="Google Shape;278;g3296ee86163_1_29"/>
           <p:cNvSpPr txBox="1"/>
           <p:nvPr>
             <p:ph type="title"/>
@@ -24394,7 +24468,7 @@
   <p:cSld>
     <p:spTree>
       <p:nvGrpSpPr>
-        <p:cNvPr id="281" name="Shape 281"/>
+        <p:cNvPr id="282" name="Shape 282"/>
         <p:cNvGrpSpPr/>
         <p:nvPr/>
       </p:nvGrpSpPr>
@@ -24408,7 +24482,7 @@
       </p:grpSpPr>
       <p:sp>
         <p:nvSpPr>
-          <p:cNvPr id="282" name="Google Shape;282;g2f62552a751_0_61"/>
+          <p:cNvPr id="283" name="Google Shape;283;g2f62552a751_0_61"/>
           <p:cNvSpPr txBox="1"/>
           <p:nvPr>
             <p:ph type="title"/>
@@ -24464,7 +24538,7 @@
       </p:sp>
       <p:sp>
         <p:nvSpPr>
-          <p:cNvPr id="283" name="Google Shape;283;g2f62552a751_0_61"/>
+          <p:cNvPr id="284" name="Google Shape;284;g2f62552a751_0_61"/>
           <p:cNvSpPr txBox="1"/>
           <p:nvPr>
             <p:ph idx="1" type="body"/>
@@ -24888,7 +24962,7 @@
       </p:sp>
       <p:sp>
         <p:nvSpPr>
-          <p:cNvPr id="284" name="Google Shape;284;g2f62552a751_0_61"/>
+          <p:cNvPr id="285" name="Google Shape;285;g2f62552a751_0_61"/>
           <p:cNvSpPr txBox="1"/>
           <p:nvPr/>
         </p:nvSpPr>
@@ -24943,7 +25017,7 @@
       </p:sp>
       <p:sp>
         <p:nvSpPr>
-          <p:cNvPr id="285" name="Google Shape;285;g2f62552a751_0_61"/>
+          <p:cNvPr id="286" name="Google Shape;286;g2f62552a751_0_61"/>
           <p:cNvSpPr txBox="1"/>
           <p:nvPr/>
         </p:nvSpPr>
@@ -24998,7 +25072,7 @@
       </p:sp>
       <p:sp>
         <p:nvSpPr>
-          <p:cNvPr id="286" name="Google Shape;286;g2f62552a751_0_61"/>
+          <p:cNvPr id="287" name="Google Shape;287;g2f62552a751_0_61"/>
           <p:cNvSpPr txBox="1"/>
           <p:nvPr/>
         </p:nvSpPr>
@@ -25064,7 +25138,7 @@
   <p:cSld>
     <p:spTree>
       <p:nvGrpSpPr>
-        <p:cNvPr id="290" name="Shape 290"/>
+        <p:cNvPr id="291" name="Shape 291"/>
         <p:cNvGrpSpPr/>
         <p:nvPr/>
       </p:nvGrpSpPr>
@@ -25078,7 +25152,7 @@
       </p:grpSpPr>
       <p:sp>
         <p:nvSpPr>
-          <p:cNvPr id="291" name="Google Shape;291;g2f62552a751_0_66"/>
+          <p:cNvPr id="292" name="Google Shape;292;g2f62552a751_0_66"/>
           <p:cNvSpPr txBox="1"/>
           <p:nvPr>
             <p:ph type="title"/>
@@ -25126,7 +25200,7 @@
       </p:sp>
       <p:sp>
         <p:nvSpPr>
-          <p:cNvPr id="292" name="Google Shape;292;g2f62552a751_0_66"/>
+          <p:cNvPr id="293" name="Google Shape;293;g2f62552a751_0_66"/>
           <p:cNvSpPr txBox="1"/>
           <p:nvPr>
             <p:ph idx="1" type="body"/>
@@ -25649,7 +25723,7 @@
       </p:sp>
       <p:sp>
         <p:nvSpPr>
-          <p:cNvPr id="293" name="Google Shape;293;g2f62552a751_0_66"/>
+          <p:cNvPr id="294" name="Google Shape;294;g2f62552a751_0_66"/>
           <p:cNvSpPr/>
           <p:nvPr/>
         </p:nvSpPr>
@@ -25755,7 +25829,7 @@
       </p:sp>
       <p:sp>
         <p:nvSpPr>
-          <p:cNvPr id="294" name="Google Shape;294;g2f62552a751_0_66"/>
+          <p:cNvPr id="295" name="Google Shape;295;g2f62552a751_0_66"/>
           <p:cNvSpPr/>
           <p:nvPr/>
         </p:nvSpPr>
@@ -25833,7 +25907,7 @@
   <p:cSld>
     <p:spTree>
       <p:nvGrpSpPr>
-        <p:cNvPr id="298" name="Shape 298"/>
+        <p:cNvPr id="299" name="Shape 299"/>
         <p:cNvGrpSpPr/>
         <p:nvPr/>
       </p:nvGrpSpPr>
@@ -25847,7 +25921,7 @@
       </p:grpSpPr>
       <p:sp>
         <p:nvSpPr>
-          <p:cNvPr id="299" name="Google Shape;299;p16"/>
+          <p:cNvPr id="300" name="Google Shape;300;p16"/>
           <p:cNvSpPr txBox="1"/>
           <p:nvPr>
             <p:ph type="title"/>
@@ -25895,7 +25969,7 @@
       </p:sp>
       <p:sp>
         <p:nvSpPr>
-          <p:cNvPr id="300" name="Google Shape;300;p16"/>
+          <p:cNvPr id="301" name="Google Shape;301;p16"/>
           <p:cNvSpPr txBox="1"/>
           <p:nvPr>
             <p:ph idx="1" type="body"/>
@@ -26266,7 +26340,7 @@
   <p:cSld>
     <p:spTree>
       <p:nvGrpSpPr>
-        <p:cNvPr id="304" name="Shape 304"/>
+        <p:cNvPr id="305" name="Shape 305"/>
         <p:cNvGrpSpPr/>
         <p:nvPr/>
       </p:nvGrpSpPr>
@@ -26280,7 +26354,7 @@
       </p:grpSpPr>
       <p:sp>
         <p:nvSpPr>
-          <p:cNvPr id="305" name="Google Shape;305;g2f62552a751_0_76"/>
+          <p:cNvPr id="306" name="Google Shape;306;g2f62552a751_0_76"/>
           <p:cNvSpPr txBox="1"/>
           <p:nvPr>
             <p:ph idx="1" type="body"/>
